--- a/ppt/APIEMS TerryYang.pptx
+++ b/ppt/APIEMS TerryYang.pptx
@@ -5,10 +5,10 @@
     <p:sldMasterId id="2147483662" r:id="rId1"/>
   </p:sldMasterIdLst>
   <p:notesMasterIdLst>
-    <p:notesMasterId r:id="rId13"/>
+    <p:notesMasterId r:id="rId20"/>
   </p:notesMasterIdLst>
   <p:handoutMasterIdLst>
-    <p:handoutMasterId r:id="rId14"/>
+    <p:handoutMasterId r:id="rId21"/>
   </p:handoutMasterIdLst>
   <p:sldIdLst>
     <p:sldId id="265" r:id="rId2"/>
@@ -16,12 +16,19 @@
     <p:sldId id="266" r:id="rId4"/>
     <p:sldId id="270" r:id="rId5"/>
     <p:sldId id="275" r:id="rId6"/>
-    <p:sldId id="269" r:id="rId7"/>
-    <p:sldId id="271" r:id="rId8"/>
-    <p:sldId id="272" r:id="rId9"/>
-    <p:sldId id="274" r:id="rId10"/>
-    <p:sldId id="273" r:id="rId11"/>
-    <p:sldId id="268" r:id="rId12"/>
+    <p:sldId id="276" r:id="rId7"/>
+    <p:sldId id="269" r:id="rId8"/>
+    <p:sldId id="279" r:id="rId9"/>
+    <p:sldId id="277" r:id="rId10"/>
+    <p:sldId id="278" r:id="rId11"/>
+    <p:sldId id="280" r:id="rId12"/>
+    <p:sldId id="281" r:id="rId13"/>
+    <p:sldId id="282" r:id="rId14"/>
+    <p:sldId id="271" r:id="rId15"/>
+    <p:sldId id="272" r:id="rId16"/>
+    <p:sldId id="274" r:id="rId17"/>
+    <p:sldId id="273" r:id="rId18"/>
+    <p:sldId id="268" r:id="rId19"/>
   </p:sldIdLst>
   <p:sldSz cx="12192000" cy="6858000"/>
   <p:notesSz cx="6858000" cy="9144000"/>
@@ -120,6 +127,14 @@
       </a:defRPr>
     </a:lvl9pPr>
   </p:defaultTextStyle>
+  <p:extLst>
+    <p:ext uri="{EFAFB233-063F-42B5-8137-9DF3F51BA10A}">
+      <p15:sldGuideLst xmlns:p15="http://schemas.microsoft.com/office/powerpoint/2012/main"/>
+    </p:ext>
+    <p:ext uri="{2D200454-40CA-4A62-9FC3-DE9A4176ACB9}">
+      <p15:notesGuideLst xmlns:p15="http://schemas.microsoft.com/office/powerpoint/2012/main"/>
+    </p:ext>
+  </p:extLst>
 </p:presentation>
 </file>
 
@@ -217,7 +232,7 @@
           <a:p>
             <a:fld id="{8CAFCCE0-4AB8-4CA5-B399-9FFF2AF78CF7}" type="datetimeFigureOut">
               <a:rPr lang="zh-TW" altLang="en-US" smtClean="0"/>
-              <a:t>2022/10/26</a:t>
+              <a:t>2022/10/31</a:t>
             </a:fld>
             <a:endParaRPr lang="zh-TW" altLang="en-US"/>
           </a:p>
@@ -394,7 +409,7 @@
           <a:p>
             <a:fld id="{AD3B4CF7-724C-4698-A943-84F3D98CE11B}" type="datetimeFigureOut">
               <a:rPr lang="zh-TW" altLang="en-US" smtClean="0"/>
-              <a:t>2022/10/26</a:t>
+              <a:t>2022/10/31</a:t>
             </a:fld>
             <a:endParaRPr lang="zh-TW" altLang="en-US"/>
           </a:p>
@@ -659,6 +674,594 @@
     </a:lvl9pPr>
   </p:notesStyle>
 </p:notesMaster>
+</file>
+
+<file path=ppt/notesSlides/notesSlide1.xml><?xml version="1.0" encoding="utf-8"?>
+<p:notes xmlns:a="http://schemas.openxmlformats.org/drawingml/2006/main" xmlns:r="http://schemas.openxmlformats.org/officeDocument/2006/relationships" xmlns:p="http://schemas.openxmlformats.org/presentationml/2006/main">
+  <p:cSld>
+    <p:spTree>
+      <p:nvGrpSpPr>
+        <p:cNvPr id="1" name=""/>
+        <p:cNvGrpSpPr/>
+        <p:nvPr/>
+      </p:nvGrpSpPr>
+      <p:grpSpPr>
+        <a:xfrm>
+          <a:off x="0" y="0"/>
+          <a:ext cx="0" cy="0"/>
+          <a:chOff x="0" y="0"/>
+          <a:chExt cx="0" cy="0"/>
+        </a:xfrm>
+      </p:grpSpPr>
+      <p:sp>
+        <p:nvSpPr>
+          <p:cNvPr id="2" name="投影片影像版面配置區 1"/>
+          <p:cNvSpPr>
+            <a:spLocks noGrp="1" noRot="1" noChangeAspect="1"/>
+          </p:cNvSpPr>
+          <p:nvPr>
+            <p:ph type="sldImg"/>
+          </p:nvPr>
+        </p:nvSpPr>
+        <p:spPr/>
+      </p:sp>
+      <p:sp>
+        <p:nvSpPr>
+          <p:cNvPr id="3" name="備忘稿版面配置區 2"/>
+          <p:cNvSpPr>
+            <a:spLocks noGrp="1"/>
+          </p:cNvSpPr>
+          <p:nvPr>
+            <p:ph type="body" idx="1"/>
+          </p:nvPr>
+        </p:nvSpPr>
+        <p:spPr/>
+        <p:txBody>
+          <a:bodyPr/>
+          <a:lstStyle/>
+          <a:p>
+            <a:endParaRPr lang="zh-TW" altLang="en-US" dirty="0"/>
+          </a:p>
+        </p:txBody>
+      </p:sp>
+      <p:sp>
+        <p:nvSpPr>
+          <p:cNvPr id="4" name="投影片編號版面配置區 3"/>
+          <p:cNvSpPr>
+            <a:spLocks noGrp="1"/>
+          </p:cNvSpPr>
+          <p:nvPr>
+            <p:ph type="sldNum" sz="quarter" idx="5"/>
+          </p:nvPr>
+        </p:nvSpPr>
+        <p:spPr/>
+        <p:txBody>
+          <a:bodyPr/>
+          <a:lstStyle/>
+          <a:p>
+            <a:fld id="{E43A0E54-7AE5-4780-B065-D6A1AF3CA3A7}" type="slidenum">
+              <a:rPr lang="zh-TW" altLang="en-US" smtClean="0"/>
+              <a:t>7</a:t>
+            </a:fld>
+            <a:endParaRPr lang="zh-TW" altLang="en-US"/>
+          </a:p>
+        </p:txBody>
+      </p:sp>
+    </p:spTree>
+    <p:extLst>
+      <p:ext uri="{BB962C8B-B14F-4D97-AF65-F5344CB8AC3E}">
+        <p14:creationId xmlns:p14="http://schemas.microsoft.com/office/powerpoint/2010/main" val="4235124254"/>
+      </p:ext>
+    </p:extLst>
+  </p:cSld>
+  <p:clrMapOvr>
+    <a:masterClrMapping/>
+  </p:clrMapOvr>
+</p:notes>
+</file>
+
+<file path=ppt/notesSlides/notesSlide2.xml><?xml version="1.0" encoding="utf-8"?>
+<p:notes xmlns:a="http://schemas.openxmlformats.org/drawingml/2006/main" xmlns:r="http://schemas.openxmlformats.org/officeDocument/2006/relationships" xmlns:p="http://schemas.openxmlformats.org/presentationml/2006/main">
+  <p:cSld>
+    <p:spTree>
+      <p:nvGrpSpPr>
+        <p:cNvPr id="1" name=""/>
+        <p:cNvGrpSpPr/>
+        <p:nvPr/>
+      </p:nvGrpSpPr>
+      <p:grpSpPr>
+        <a:xfrm>
+          <a:off x="0" y="0"/>
+          <a:ext cx="0" cy="0"/>
+          <a:chOff x="0" y="0"/>
+          <a:chExt cx="0" cy="0"/>
+        </a:xfrm>
+      </p:grpSpPr>
+      <p:sp>
+        <p:nvSpPr>
+          <p:cNvPr id="2" name="投影片影像版面配置區 1"/>
+          <p:cNvSpPr>
+            <a:spLocks noGrp="1" noRot="1" noChangeAspect="1"/>
+          </p:cNvSpPr>
+          <p:nvPr>
+            <p:ph type="sldImg"/>
+          </p:nvPr>
+        </p:nvSpPr>
+        <p:spPr/>
+      </p:sp>
+      <p:sp>
+        <p:nvSpPr>
+          <p:cNvPr id="3" name="備忘稿版面配置區 2"/>
+          <p:cNvSpPr>
+            <a:spLocks noGrp="1"/>
+          </p:cNvSpPr>
+          <p:nvPr>
+            <p:ph type="body" idx="1"/>
+          </p:nvPr>
+        </p:nvSpPr>
+        <p:spPr/>
+        <p:txBody>
+          <a:bodyPr/>
+          <a:lstStyle/>
+          <a:p>
+            <a:endParaRPr lang="zh-TW" altLang="en-US" dirty="0"/>
+          </a:p>
+        </p:txBody>
+      </p:sp>
+      <p:sp>
+        <p:nvSpPr>
+          <p:cNvPr id="4" name="投影片編號版面配置區 3"/>
+          <p:cNvSpPr>
+            <a:spLocks noGrp="1"/>
+          </p:cNvSpPr>
+          <p:nvPr>
+            <p:ph type="sldNum" sz="quarter" idx="5"/>
+          </p:nvPr>
+        </p:nvSpPr>
+        <p:spPr/>
+        <p:txBody>
+          <a:bodyPr/>
+          <a:lstStyle/>
+          <a:p>
+            <a:fld id="{E43A0E54-7AE5-4780-B065-D6A1AF3CA3A7}" type="slidenum">
+              <a:rPr lang="zh-TW" altLang="en-US" smtClean="0"/>
+              <a:t>8</a:t>
+            </a:fld>
+            <a:endParaRPr lang="zh-TW" altLang="en-US"/>
+          </a:p>
+        </p:txBody>
+      </p:sp>
+    </p:spTree>
+    <p:extLst>
+      <p:ext uri="{BB962C8B-B14F-4D97-AF65-F5344CB8AC3E}">
+        <p14:creationId xmlns:p14="http://schemas.microsoft.com/office/powerpoint/2010/main" val="1190285177"/>
+      </p:ext>
+    </p:extLst>
+  </p:cSld>
+  <p:clrMapOvr>
+    <a:masterClrMapping/>
+  </p:clrMapOvr>
+</p:notes>
+</file>
+
+<file path=ppt/notesSlides/notesSlide3.xml><?xml version="1.0" encoding="utf-8"?>
+<p:notes xmlns:a="http://schemas.openxmlformats.org/drawingml/2006/main" xmlns:r="http://schemas.openxmlformats.org/officeDocument/2006/relationships" xmlns:p="http://schemas.openxmlformats.org/presentationml/2006/main">
+  <p:cSld>
+    <p:spTree>
+      <p:nvGrpSpPr>
+        <p:cNvPr id="1" name=""/>
+        <p:cNvGrpSpPr/>
+        <p:nvPr/>
+      </p:nvGrpSpPr>
+      <p:grpSpPr>
+        <a:xfrm>
+          <a:off x="0" y="0"/>
+          <a:ext cx="0" cy="0"/>
+          <a:chOff x="0" y="0"/>
+          <a:chExt cx="0" cy="0"/>
+        </a:xfrm>
+      </p:grpSpPr>
+      <p:sp>
+        <p:nvSpPr>
+          <p:cNvPr id="2" name="投影片影像版面配置區 1"/>
+          <p:cNvSpPr>
+            <a:spLocks noGrp="1" noRot="1" noChangeAspect="1"/>
+          </p:cNvSpPr>
+          <p:nvPr>
+            <p:ph type="sldImg"/>
+          </p:nvPr>
+        </p:nvSpPr>
+        <p:spPr/>
+      </p:sp>
+      <p:sp>
+        <p:nvSpPr>
+          <p:cNvPr id="3" name="備忘稿版面配置區 2"/>
+          <p:cNvSpPr>
+            <a:spLocks noGrp="1"/>
+          </p:cNvSpPr>
+          <p:nvPr>
+            <p:ph type="body" idx="1"/>
+          </p:nvPr>
+        </p:nvSpPr>
+        <p:spPr/>
+        <p:txBody>
+          <a:bodyPr/>
+          <a:lstStyle/>
+          <a:p>
+            <a:endParaRPr lang="zh-TW" altLang="en-US" dirty="0"/>
+          </a:p>
+        </p:txBody>
+      </p:sp>
+      <p:sp>
+        <p:nvSpPr>
+          <p:cNvPr id="4" name="投影片編號版面配置區 3"/>
+          <p:cNvSpPr>
+            <a:spLocks noGrp="1"/>
+          </p:cNvSpPr>
+          <p:nvPr>
+            <p:ph type="sldNum" sz="quarter" idx="5"/>
+          </p:nvPr>
+        </p:nvSpPr>
+        <p:spPr/>
+        <p:txBody>
+          <a:bodyPr/>
+          <a:lstStyle/>
+          <a:p>
+            <a:fld id="{E43A0E54-7AE5-4780-B065-D6A1AF3CA3A7}" type="slidenum">
+              <a:rPr lang="zh-TW" altLang="en-US" smtClean="0"/>
+              <a:t>9</a:t>
+            </a:fld>
+            <a:endParaRPr lang="zh-TW" altLang="en-US"/>
+          </a:p>
+        </p:txBody>
+      </p:sp>
+    </p:spTree>
+    <p:extLst>
+      <p:ext uri="{BB962C8B-B14F-4D97-AF65-F5344CB8AC3E}">
+        <p14:creationId xmlns:p14="http://schemas.microsoft.com/office/powerpoint/2010/main" val="1555870254"/>
+      </p:ext>
+    </p:extLst>
+  </p:cSld>
+  <p:clrMapOvr>
+    <a:masterClrMapping/>
+  </p:clrMapOvr>
+</p:notes>
+</file>
+
+<file path=ppt/notesSlides/notesSlide4.xml><?xml version="1.0" encoding="utf-8"?>
+<p:notes xmlns:a="http://schemas.openxmlformats.org/drawingml/2006/main" xmlns:r="http://schemas.openxmlformats.org/officeDocument/2006/relationships" xmlns:p="http://schemas.openxmlformats.org/presentationml/2006/main">
+  <p:cSld>
+    <p:spTree>
+      <p:nvGrpSpPr>
+        <p:cNvPr id="1" name=""/>
+        <p:cNvGrpSpPr/>
+        <p:nvPr/>
+      </p:nvGrpSpPr>
+      <p:grpSpPr>
+        <a:xfrm>
+          <a:off x="0" y="0"/>
+          <a:ext cx="0" cy="0"/>
+          <a:chOff x="0" y="0"/>
+          <a:chExt cx="0" cy="0"/>
+        </a:xfrm>
+      </p:grpSpPr>
+      <p:sp>
+        <p:nvSpPr>
+          <p:cNvPr id="2" name="投影片影像版面配置區 1"/>
+          <p:cNvSpPr>
+            <a:spLocks noGrp="1" noRot="1" noChangeAspect="1"/>
+          </p:cNvSpPr>
+          <p:nvPr>
+            <p:ph type="sldImg"/>
+          </p:nvPr>
+        </p:nvSpPr>
+        <p:spPr/>
+      </p:sp>
+      <p:sp>
+        <p:nvSpPr>
+          <p:cNvPr id="3" name="備忘稿版面配置區 2"/>
+          <p:cNvSpPr>
+            <a:spLocks noGrp="1"/>
+          </p:cNvSpPr>
+          <p:nvPr>
+            <p:ph type="body" idx="1"/>
+          </p:nvPr>
+        </p:nvSpPr>
+        <p:spPr/>
+        <p:txBody>
+          <a:bodyPr/>
+          <a:lstStyle/>
+          <a:p>
+            <a:endParaRPr lang="zh-TW" altLang="en-US" dirty="0"/>
+          </a:p>
+        </p:txBody>
+      </p:sp>
+      <p:sp>
+        <p:nvSpPr>
+          <p:cNvPr id="4" name="投影片編號版面配置區 3"/>
+          <p:cNvSpPr>
+            <a:spLocks noGrp="1"/>
+          </p:cNvSpPr>
+          <p:nvPr>
+            <p:ph type="sldNum" sz="quarter" idx="5"/>
+          </p:nvPr>
+        </p:nvSpPr>
+        <p:spPr/>
+        <p:txBody>
+          <a:bodyPr/>
+          <a:lstStyle/>
+          <a:p>
+            <a:fld id="{E43A0E54-7AE5-4780-B065-D6A1AF3CA3A7}" type="slidenum">
+              <a:rPr lang="zh-TW" altLang="en-US" smtClean="0"/>
+              <a:t>10</a:t>
+            </a:fld>
+            <a:endParaRPr lang="zh-TW" altLang="en-US"/>
+          </a:p>
+        </p:txBody>
+      </p:sp>
+    </p:spTree>
+    <p:extLst>
+      <p:ext uri="{BB962C8B-B14F-4D97-AF65-F5344CB8AC3E}">
+        <p14:creationId xmlns:p14="http://schemas.microsoft.com/office/powerpoint/2010/main" val="107255118"/>
+      </p:ext>
+    </p:extLst>
+  </p:cSld>
+  <p:clrMapOvr>
+    <a:masterClrMapping/>
+  </p:clrMapOvr>
+</p:notes>
+</file>
+
+<file path=ppt/notesSlides/notesSlide5.xml><?xml version="1.0" encoding="utf-8"?>
+<p:notes xmlns:a="http://schemas.openxmlformats.org/drawingml/2006/main" xmlns:r="http://schemas.openxmlformats.org/officeDocument/2006/relationships" xmlns:p="http://schemas.openxmlformats.org/presentationml/2006/main">
+  <p:cSld>
+    <p:spTree>
+      <p:nvGrpSpPr>
+        <p:cNvPr id="1" name=""/>
+        <p:cNvGrpSpPr/>
+        <p:nvPr/>
+      </p:nvGrpSpPr>
+      <p:grpSpPr>
+        <a:xfrm>
+          <a:off x="0" y="0"/>
+          <a:ext cx="0" cy="0"/>
+          <a:chOff x="0" y="0"/>
+          <a:chExt cx="0" cy="0"/>
+        </a:xfrm>
+      </p:grpSpPr>
+      <p:sp>
+        <p:nvSpPr>
+          <p:cNvPr id="2" name="投影片影像版面配置區 1"/>
+          <p:cNvSpPr>
+            <a:spLocks noGrp="1" noRot="1" noChangeAspect="1"/>
+          </p:cNvSpPr>
+          <p:nvPr>
+            <p:ph type="sldImg"/>
+          </p:nvPr>
+        </p:nvSpPr>
+        <p:spPr/>
+      </p:sp>
+      <p:sp>
+        <p:nvSpPr>
+          <p:cNvPr id="3" name="備忘稿版面配置區 2"/>
+          <p:cNvSpPr>
+            <a:spLocks noGrp="1"/>
+          </p:cNvSpPr>
+          <p:nvPr>
+            <p:ph type="body" idx="1"/>
+          </p:nvPr>
+        </p:nvSpPr>
+        <p:spPr/>
+        <p:txBody>
+          <a:bodyPr/>
+          <a:lstStyle/>
+          <a:p>
+            <a:endParaRPr lang="zh-TW" altLang="en-US" dirty="0"/>
+          </a:p>
+        </p:txBody>
+      </p:sp>
+      <p:sp>
+        <p:nvSpPr>
+          <p:cNvPr id="4" name="投影片編號版面配置區 3"/>
+          <p:cNvSpPr>
+            <a:spLocks noGrp="1"/>
+          </p:cNvSpPr>
+          <p:nvPr>
+            <p:ph type="sldNum" sz="quarter" idx="5"/>
+          </p:nvPr>
+        </p:nvSpPr>
+        <p:spPr/>
+        <p:txBody>
+          <a:bodyPr/>
+          <a:lstStyle/>
+          <a:p>
+            <a:fld id="{E43A0E54-7AE5-4780-B065-D6A1AF3CA3A7}" type="slidenum">
+              <a:rPr lang="zh-TW" altLang="en-US" smtClean="0"/>
+              <a:t>11</a:t>
+            </a:fld>
+            <a:endParaRPr lang="zh-TW" altLang="en-US"/>
+          </a:p>
+        </p:txBody>
+      </p:sp>
+    </p:spTree>
+    <p:extLst>
+      <p:ext uri="{BB962C8B-B14F-4D97-AF65-F5344CB8AC3E}">
+        <p14:creationId xmlns:p14="http://schemas.microsoft.com/office/powerpoint/2010/main" val="1999095535"/>
+      </p:ext>
+    </p:extLst>
+  </p:cSld>
+  <p:clrMapOvr>
+    <a:masterClrMapping/>
+  </p:clrMapOvr>
+</p:notes>
+</file>
+
+<file path=ppt/notesSlides/notesSlide6.xml><?xml version="1.0" encoding="utf-8"?>
+<p:notes xmlns:a="http://schemas.openxmlformats.org/drawingml/2006/main" xmlns:r="http://schemas.openxmlformats.org/officeDocument/2006/relationships" xmlns:p="http://schemas.openxmlformats.org/presentationml/2006/main">
+  <p:cSld>
+    <p:spTree>
+      <p:nvGrpSpPr>
+        <p:cNvPr id="1" name=""/>
+        <p:cNvGrpSpPr/>
+        <p:nvPr/>
+      </p:nvGrpSpPr>
+      <p:grpSpPr>
+        <a:xfrm>
+          <a:off x="0" y="0"/>
+          <a:ext cx="0" cy="0"/>
+          <a:chOff x="0" y="0"/>
+          <a:chExt cx="0" cy="0"/>
+        </a:xfrm>
+      </p:grpSpPr>
+      <p:sp>
+        <p:nvSpPr>
+          <p:cNvPr id="2" name="投影片影像版面配置區 1"/>
+          <p:cNvSpPr>
+            <a:spLocks noGrp="1" noRot="1" noChangeAspect="1"/>
+          </p:cNvSpPr>
+          <p:nvPr>
+            <p:ph type="sldImg"/>
+          </p:nvPr>
+        </p:nvSpPr>
+        <p:spPr/>
+      </p:sp>
+      <p:sp>
+        <p:nvSpPr>
+          <p:cNvPr id="3" name="備忘稿版面配置區 2"/>
+          <p:cNvSpPr>
+            <a:spLocks noGrp="1"/>
+          </p:cNvSpPr>
+          <p:nvPr>
+            <p:ph type="body" idx="1"/>
+          </p:nvPr>
+        </p:nvSpPr>
+        <p:spPr/>
+        <p:txBody>
+          <a:bodyPr/>
+          <a:lstStyle/>
+          <a:p>
+            <a:endParaRPr lang="zh-TW" altLang="en-US" dirty="0"/>
+          </a:p>
+        </p:txBody>
+      </p:sp>
+      <p:sp>
+        <p:nvSpPr>
+          <p:cNvPr id="4" name="投影片編號版面配置區 3"/>
+          <p:cNvSpPr>
+            <a:spLocks noGrp="1"/>
+          </p:cNvSpPr>
+          <p:nvPr>
+            <p:ph type="sldNum" sz="quarter" idx="5"/>
+          </p:nvPr>
+        </p:nvSpPr>
+        <p:spPr/>
+        <p:txBody>
+          <a:bodyPr/>
+          <a:lstStyle/>
+          <a:p>
+            <a:fld id="{E43A0E54-7AE5-4780-B065-D6A1AF3CA3A7}" type="slidenum">
+              <a:rPr lang="zh-TW" altLang="en-US" smtClean="0"/>
+              <a:t>12</a:t>
+            </a:fld>
+            <a:endParaRPr lang="zh-TW" altLang="en-US"/>
+          </a:p>
+        </p:txBody>
+      </p:sp>
+    </p:spTree>
+    <p:extLst>
+      <p:ext uri="{BB962C8B-B14F-4D97-AF65-F5344CB8AC3E}">
+        <p14:creationId xmlns:p14="http://schemas.microsoft.com/office/powerpoint/2010/main" val="2134447837"/>
+      </p:ext>
+    </p:extLst>
+  </p:cSld>
+  <p:clrMapOvr>
+    <a:masterClrMapping/>
+  </p:clrMapOvr>
+</p:notes>
+</file>
+
+<file path=ppt/notesSlides/notesSlide7.xml><?xml version="1.0" encoding="utf-8"?>
+<p:notes xmlns:a="http://schemas.openxmlformats.org/drawingml/2006/main" xmlns:r="http://schemas.openxmlformats.org/officeDocument/2006/relationships" xmlns:p="http://schemas.openxmlformats.org/presentationml/2006/main">
+  <p:cSld>
+    <p:spTree>
+      <p:nvGrpSpPr>
+        <p:cNvPr id="1" name=""/>
+        <p:cNvGrpSpPr/>
+        <p:nvPr/>
+      </p:nvGrpSpPr>
+      <p:grpSpPr>
+        <a:xfrm>
+          <a:off x="0" y="0"/>
+          <a:ext cx="0" cy="0"/>
+          <a:chOff x="0" y="0"/>
+          <a:chExt cx="0" cy="0"/>
+        </a:xfrm>
+      </p:grpSpPr>
+      <p:sp>
+        <p:nvSpPr>
+          <p:cNvPr id="2" name="投影片影像版面配置區 1"/>
+          <p:cNvSpPr>
+            <a:spLocks noGrp="1" noRot="1" noChangeAspect="1"/>
+          </p:cNvSpPr>
+          <p:nvPr>
+            <p:ph type="sldImg"/>
+          </p:nvPr>
+        </p:nvSpPr>
+        <p:spPr/>
+      </p:sp>
+      <p:sp>
+        <p:nvSpPr>
+          <p:cNvPr id="3" name="備忘稿版面配置區 2"/>
+          <p:cNvSpPr>
+            <a:spLocks noGrp="1"/>
+          </p:cNvSpPr>
+          <p:nvPr>
+            <p:ph type="body" idx="1"/>
+          </p:nvPr>
+        </p:nvSpPr>
+        <p:spPr/>
+        <p:txBody>
+          <a:bodyPr/>
+          <a:lstStyle/>
+          <a:p>
+            <a:endParaRPr lang="zh-TW" altLang="en-US" dirty="0"/>
+          </a:p>
+        </p:txBody>
+      </p:sp>
+      <p:sp>
+        <p:nvSpPr>
+          <p:cNvPr id="4" name="投影片編號版面配置區 3"/>
+          <p:cNvSpPr>
+            <a:spLocks noGrp="1"/>
+          </p:cNvSpPr>
+          <p:nvPr>
+            <p:ph type="sldNum" sz="quarter" idx="5"/>
+          </p:nvPr>
+        </p:nvSpPr>
+        <p:spPr/>
+        <p:txBody>
+          <a:bodyPr/>
+          <a:lstStyle/>
+          <a:p>
+            <a:fld id="{E43A0E54-7AE5-4780-B065-D6A1AF3CA3A7}" type="slidenum">
+              <a:rPr lang="zh-TW" altLang="en-US" smtClean="0"/>
+              <a:t>13</a:t>
+            </a:fld>
+            <a:endParaRPr lang="zh-TW" altLang="en-US"/>
+          </a:p>
+        </p:txBody>
+      </p:sp>
+    </p:spTree>
+    <p:extLst>
+      <p:ext uri="{BB962C8B-B14F-4D97-AF65-F5344CB8AC3E}">
+        <p14:creationId xmlns:p14="http://schemas.microsoft.com/office/powerpoint/2010/main" val="3468451164"/>
+      </p:ext>
+    </p:extLst>
+  </p:cSld>
+  <p:clrMapOvr>
+    <a:masterClrMapping/>
+  </p:clrMapOvr>
+</p:notes>
 </file>
 
 <file path=ppt/slideLayouts/slideLayout1.xml><?xml version="1.0" encoding="utf-8"?>
@@ -3375,6 +3978,2075 @@
           <a:chExt cx="0" cy="0"/>
         </a:xfrm>
       </p:grpSpPr>
+      <p:graphicFrame>
+        <p:nvGraphicFramePr>
+          <p:cNvPr id="7" name="表格 6">
+            <a:extLst>
+              <a:ext uri="{FF2B5EF4-FFF2-40B4-BE49-F238E27FC236}">
+                <a16:creationId xmlns:a16="http://schemas.microsoft.com/office/drawing/2014/main" id="{9F57C170-382F-4903-A509-D2B9922E40E9}"/>
+              </a:ext>
+            </a:extLst>
+          </p:cNvPr>
+          <p:cNvGraphicFramePr>
+            <a:graphicFrameLocks noGrp="1"/>
+          </p:cNvGraphicFramePr>
+          <p:nvPr>
+            <p:extLst>
+              <p:ext uri="{D42A27DB-BD31-4B8C-83A1-F6EECF244321}">
+                <p14:modId xmlns:p14="http://schemas.microsoft.com/office/powerpoint/2010/main" val="2420166913"/>
+              </p:ext>
+            </p:extLst>
+          </p:nvPr>
+        </p:nvGraphicFramePr>
+        <p:xfrm>
+          <a:off x="6356403" y="1849365"/>
+          <a:ext cx="5448300" cy="3273550"/>
+        </p:xfrm>
+        <a:graphic>
+          <a:graphicData uri="http://schemas.openxmlformats.org/drawingml/2006/table">
+            <a:tbl>
+              <a:tblPr firstRow="1" bandRow="1">
+                <a:tableStyleId>{5C22544A-7EE6-4342-B048-85BDC9FD1C3A}</a:tableStyleId>
+              </a:tblPr>
+              <a:tblGrid>
+                <a:gridCol w="1816100">
+                  <a:extLst>
+                    <a:ext uri="{9D8B030D-6E8A-4147-A177-3AD203B41FA5}">
+                      <a16:colId xmlns:a16="http://schemas.microsoft.com/office/drawing/2014/main" val="337216371"/>
+                    </a:ext>
+                  </a:extLst>
+                </a:gridCol>
+                <a:gridCol w="1816100">
+                  <a:extLst>
+                    <a:ext uri="{9D8B030D-6E8A-4147-A177-3AD203B41FA5}">
+                      <a16:colId xmlns:a16="http://schemas.microsoft.com/office/drawing/2014/main" val="1477772417"/>
+                    </a:ext>
+                  </a:extLst>
+                </a:gridCol>
+                <a:gridCol w="1816100">
+                  <a:extLst>
+                    <a:ext uri="{9D8B030D-6E8A-4147-A177-3AD203B41FA5}">
+                      <a16:colId xmlns:a16="http://schemas.microsoft.com/office/drawing/2014/main" val="1511475120"/>
+                    </a:ext>
+                  </a:extLst>
+                </a:gridCol>
+              </a:tblGrid>
+              <a:tr h="654710">
+                <a:tc>
+                  <a:txBody>
+                    <a:bodyPr/>
+                    <a:lstStyle/>
+                    <a:p>
+                      <a:pPr algn="ctr"/>
+                      <a:r>
+                        <a:rPr lang="en-US" altLang="zh-TW" dirty="0"/>
+                        <a:t>Group 1</a:t>
+                      </a:r>
+                      <a:endParaRPr lang="zh-TW" altLang="en-US" dirty="0"/>
+                    </a:p>
+                  </a:txBody>
+                  <a:tcPr anchor="ctr">
+                    <a:solidFill>
+                      <a:srgbClr val="7030A0"/>
+                    </a:solidFill>
+                  </a:tcPr>
+                </a:tc>
+                <a:tc>
+                  <a:txBody>
+                    <a:bodyPr/>
+                    <a:lstStyle/>
+                    <a:p>
+                      <a:pPr marL="0" marR="0" lvl="0" indent="0" algn="ctr" defTabSz="914400" rtl="0" eaLnBrk="1" fontAlgn="auto" latinLnBrk="0" hangingPunct="1">
+                        <a:lnSpc>
+                          <a:spcPct val="100000"/>
+                        </a:lnSpc>
+                        <a:spcBef>
+                          <a:spcPts val="0"/>
+                        </a:spcBef>
+                        <a:spcAft>
+                          <a:spcPts val="0"/>
+                        </a:spcAft>
+                        <a:buClrTx/>
+                        <a:buSzTx/>
+                        <a:buFontTx/>
+                        <a:buNone/>
+                        <a:tabLst/>
+                        <a:defRPr/>
+                      </a:pPr>
+                      <a:r>
+                        <a:rPr lang="en-US" altLang="zh-TW" dirty="0"/>
+                        <a:t>Group 2</a:t>
+                      </a:r>
+                      <a:endParaRPr lang="zh-TW" altLang="en-US" dirty="0"/>
+                    </a:p>
+                  </a:txBody>
+                  <a:tcPr anchor="ctr">
+                    <a:solidFill>
+                      <a:srgbClr val="00B050"/>
+                    </a:solidFill>
+                  </a:tcPr>
+                </a:tc>
+                <a:tc>
+                  <a:txBody>
+                    <a:bodyPr/>
+                    <a:lstStyle/>
+                    <a:p>
+                      <a:pPr marL="0" marR="0" lvl="0" indent="0" algn="ctr" defTabSz="914400" rtl="0" eaLnBrk="1" fontAlgn="auto" latinLnBrk="0" hangingPunct="1">
+                        <a:lnSpc>
+                          <a:spcPct val="100000"/>
+                        </a:lnSpc>
+                        <a:spcBef>
+                          <a:spcPts val="0"/>
+                        </a:spcBef>
+                        <a:spcAft>
+                          <a:spcPts val="0"/>
+                        </a:spcAft>
+                        <a:buClrTx/>
+                        <a:buSzTx/>
+                        <a:buFontTx/>
+                        <a:buNone/>
+                        <a:tabLst/>
+                        <a:defRPr/>
+                      </a:pPr>
+                      <a:r>
+                        <a:rPr lang="en-US" altLang="zh-TW" dirty="0"/>
+                        <a:t>Group 3</a:t>
+                      </a:r>
+                      <a:endParaRPr lang="zh-TW" altLang="en-US" dirty="0"/>
+                    </a:p>
+                  </a:txBody>
+                  <a:tcPr anchor="ctr">
+                    <a:solidFill>
+                      <a:schemeClr val="accent2"/>
+                    </a:solidFill>
+                  </a:tcPr>
+                </a:tc>
+                <a:extLst>
+                  <a:ext uri="{0D108BD9-81ED-4DB2-BD59-A6C34878D82A}">
+                    <a16:rowId xmlns:a16="http://schemas.microsoft.com/office/drawing/2014/main" val="2429557572"/>
+                  </a:ext>
+                </a:extLst>
+              </a:tr>
+              <a:tr h="654710">
+                <a:tc>
+                  <a:txBody>
+                    <a:bodyPr/>
+                    <a:lstStyle/>
+                    <a:p>
+                      <a:pPr algn="ctr"/>
+                      <a:r>
+                        <a:rPr lang="en-US" altLang="zh-TW" dirty="0"/>
+                        <a:t>1</a:t>
+                      </a:r>
+                      <a:endParaRPr lang="zh-TW" altLang="en-US" dirty="0"/>
+                    </a:p>
+                  </a:txBody>
+                  <a:tcPr anchor="ctr"/>
+                </a:tc>
+                <a:tc>
+                  <a:txBody>
+                    <a:bodyPr/>
+                    <a:lstStyle/>
+                    <a:p>
+                      <a:pPr algn="ctr"/>
+                      <a:r>
+                        <a:rPr lang="en-US" altLang="zh-TW" dirty="0"/>
+                        <a:t>1</a:t>
+                      </a:r>
+                      <a:endParaRPr lang="zh-TW" altLang="en-US" dirty="0"/>
+                    </a:p>
+                  </a:txBody>
+                  <a:tcPr anchor="ctr"/>
+                </a:tc>
+                <a:tc>
+                  <a:txBody>
+                    <a:bodyPr/>
+                    <a:lstStyle/>
+                    <a:p>
+                      <a:pPr algn="ctr"/>
+                      <a:r>
+                        <a:rPr lang="en-US" altLang="zh-TW" dirty="0"/>
+                        <a:t>2</a:t>
+                      </a:r>
+                      <a:endParaRPr lang="zh-TW" altLang="en-US" dirty="0"/>
+                    </a:p>
+                  </a:txBody>
+                  <a:tcPr anchor="ctr"/>
+                </a:tc>
+                <a:extLst>
+                  <a:ext uri="{0D108BD9-81ED-4DB2-BD59-A6C34878D82A}">
+                    <a16:rowId xmlns:a16="http://schemas.microsoft.com/office/drawing/2014/main" val="2044449748"/>
+                  </a:ext>
+                </a:extLst>
+              </a:tr>
+              <a:tr h="654710">
+                <a:tc>
+                  <a:txBody>
+                    <a:bodyPr/>
+                    <a:lstStyle/>
+                    <a:p>
+                      <a:pPr algn="ctr"/>
+                      <a:r>
+                        <a:rPr lang="en-US" altLang="zh-TW" dirty="0"/>
+                        <a:t>0</a:t>
+                      </a:r>
+                      <a:endParaRPr lang="zh-TW" altLang="en-US" dirty="0"/>
+                    </a:p>
+                  </a:txBody>
+                  <a:tcPr anchor="ctr"/>
+                </a:tc>
+                <a:tc>
+                  <a:txBody>
+                    <a:bodyPr/>
+                    <a:lstStyle/>
+                    <a:p>
+                      <a:pPr algn="ctr"/>
+                      <a:r>
+                        <a:rPr lang="en-US" altLang="zh-TW" dirty="0"/>
+                        <a:t>3</a:t>
+                      </a:r>
+                      <a:endParaRPr lang="zh-TW" altLang="en-US" dirty="0"/>
+                    </a:p>
+                  </a:txBody>
+                  <a:tcPr anchor="ctr"/>
+                </a:tc>
+                <a:tc>
+                  <a:txBody>
+                    <a:bodyPr/>
+                    <a:lstStyle/>
+                    <a:p>
+                      <a:pPr algn="ctr"/>
+                      <a:r>
+                        <a:rPr lang="en-US" altLang="zh-TW" dirty="0"/>
+                        <a:t>2</a:t>
+                      </a:r>
+                      <a:endParaRPr lang="zh-TW" altLang="en-US" dirty="0"/>
+                    </a:p>
+                  </a:txBody>
+                  <a:tcPr anchor="ctr"/>
+                </a:tc>
+                <a:extLst>
+                  <a:ext uri="{0D108BD9-81ED-4DB2-BD59-A6C34878D82A}">
+                    <a16:rowId xmlns:a16="http://schemas.microsoft.com/office/drawing/2014/main" val="1502580293"/>
+                  </a:ext>
+                </a:extLst>
+              </a:tr>
+              <a:tr h="654710">
+                <a:tc>
+                  <a:txBody>
+                    <a:bodyPr/>
+                    <a:lstStyle/>
+                    <a:p>
+                      <a:pPr algn="ctr"/>
+                      <a:r>
+                        <a:rPr lang="en-US" altLang="zh-TW" dirty="0">
+                          <a:latin typeface="Times New Roman" panose="02020603050405020304" pitchFamily="18" charset="0"/>
+                          <a:cs typeface="Times New Roman" panose="02020603050405020304" pitchFamily="18" charset="0"/>
+                        </a:rPr>
+                        <a:t>⁝</a:t>
+                      </a:r>
+                      <a:endParaRPr lang="zh-TW" altLang="en-US" dirty="0"/>
+                    </a:p>
+                  </a:txBody>
+                  <a:tcPr anchor="ctr"/>
+                </a:tc>
+                <a:tc>
+                  <a:txBody>
+                    <a:bodyPr/>
+                    <a:lstStyle/>
+                    <a:p>
+                      <a:pPr marL="0" marR="0" lvl="0" indent="0" algn="ctr" defTabSz="914400" rtl="0" eaLnBrk="1" fontAlgn="auto" latinLnBrk="0" hangingPunct="1">
+                        <a:lnSpc>
+                          <a:spcPct val="100000"/>
+                        </a:lnSpc>
+                        <a:spcBef>
+                          <a:spcPts val="0"/>
+                        </a:spcBef>
+                        <a:spcAft>
+                          <a:spcPts val="0"/>
+                        </a:spcAft>
+                        <a:buClrTx/>
+                        <a:buSzTx/>
+                        <a:buFontTx/>
+                        <a:buNone/>
+                        <a:tabLst/>
+                        <a:defRPr/>
+                      </a:pPr>
+                      <a:r>
+                        <a:rPr lang="en-US" altLang="zh-TW" dirty="0">
+                          <a:latin typeface="Times New Roman" panose="02020603050405020304" pitchFamily="18" charset="0"/>
+                          <a:cs typeface="Times New Roman" panose="02020603050405020304" pitchFamily="18" charset="0"/>
+                        </a:rPr>
+                        <a:t>⁝</a:t>
+                      </a:r>
+                      <a:endParaRPr lang="zh-TW" altLang="en-US" dirty="0"/>
+                    </a:p>
+                  </a:txBody>
+                  <a:tcPr anchor="ctr"/>
+                </a:tc>
+                <a:tc>
+                  <a:txBody>
+                    <a:bodyPr/>
+                    <a:lstStyle/>
+                    <a:p>
+                      <a:pPr marL="0" marR="0" lvl="0" indent="0" algn="ctr" defTabSz="914400" rtl="0" eaLnBrk="1" fontAlgn="auto" latinLnBrk="0" hangingPunct="1">
+                        <a:lnSpc>
+                          <a:spcPct val="100000"/>
+                        </a:lnSpc>
+                        <a:spcBef>
+                          <a:spcPts val="0"/>
+                        </a:spcBef>
+                        <a:spcAft>
+                          <a:spcPts val="0"/>
+                        </a:spcAft>
+                        <a:buClrTx/>
+                        <a:buSzTx/>
+                        <a:buFontTx/>
+                        <a:buNone/>
+                        <a:tabLst/>
+                        <a:defRPr/>
+                      </a:pPr>
+                      <a:r>
+                        <a:rPr lang="en-US" altLang="zh-TW" dirty="0">
+                          <a:latin typeface="Times New Roman" panose="02020603050405020304" pitchFamily="18" charset="0"/>
+                          <a:cs typeface="Times New Roman" panose="02020603050405020304" pitchFamily="18" charset="0"/>
+                        </a:rPr>
+                        <a:t>⁝</a:t>
+                      </a:r>
+                      <a:endParaRPr lang="zh-TW" altLang="en-US" dirty="0"/>
+                    </a:p>
+                  </a:txBody>
+                  <a:tcPr anchor="ctr"/>
+                </a:tc>
+                <a:extLst>
+                  <a:ext uri="{0D108BD9-81ED-4DB2-BD59-A6C34878D82A}">
+                    <a16:rowId xmlns:a16="http://schemas.microsoft.com/office/drawing/2014/main" val="353607848"/>
+                  </a:ext>
+                </a:extLst>
+              </a:tr>
+              <a:tr h="654710">
+                <a:tc>
+                  <a:txBody>
+                    <a:bodyPr/>
+                    <a:lstStyle/>
+                    <a:p>
+                      <a:pPr algn="ctr"/>
+                      <a:r>
+                        <a:rPr lang="en-US" altLang="zh-TW" dirty="0"/>
+                        <a:t>2</a:t>
+                      </a:r>
+                      <a:endParaRPr lang="zh-TW" altLang="en-US" dirty="0"/>
+                    </a:p>
+                  </a:txBody>
+                  <a:tcPr anchor="ctr"/>
+                </a:tc>
+                <a:tc>
+                  <a:txBody>
+                    <a:bodyPr/>
+                    <a:lstStyle/>
+                    <a:p>
+                      <a:pPr algn="ctr"/>
+                      <a:r>
+                        <a:rPr lang="en-US" altLang="zh-TW" dirty="0"/>
+                        <a:t>2</a:t>
+                      </a:r>
+                      <a:endParaRPr lang="zh-TW" altLang="en-US" dirty="0"/>
+                    </a:p>
+                  </a:txBody>
+                  <a:tcPr anchor="ctr"/>
+                </a:tc>
+                <a:tc>
+                  <a:txBody>
+                    <a:bodyPr/>
+                    <a:lstStyle/>
+                    <a:p>
+                      <a:pPr algn="ctr"/>
+                      <a:r>
+                        <a:rPr lang="en-US" altLang="zh-TW" dirty="0"/>
+                        <a:t>1</a:t>
+                      </a:r>
+                      <a:endParaRPr lang="zh-TW" altLang="en-US" dirty="0"/>
+                    </a:p>
+                  </a:txBody>
+                  <a:tcPr anchor="ctr"/>
+                </a:tc>
+                <a:extLst>
+                  <a:ext uri="{0D108BD9-81ED-4DB2-BD59-A6C34878D82A}">
+                    <a16:rowId xmlns:a16="http://schemas.microsoft.com/office/drawing/2014/main" val="3577932619"/>
+                  </a:ext>
+                </a:extLst>
+              </a:tr>
+            </a:tbl>
+          </a:graphicData>
+        </a:graphic>
+      </p:graphicFrame>
+      <p:graphicFrame>
+        <p:nvGraphicFramePr>
+          <p:cNvPr id="8" name="表格 7">
+            <a:extLst>
+              <a:ext uri="{FF2B5EF4-FFF2-40B4-BE49-F238E27FC236}">
+                <a16:creationId xmlns:a16="http://schemas.microsoft.com/office/drawing/2014/main" id="{E0D3ECD7-6A69-48EB-9E7D-BA7F9CF245DB}"/>
+              </a:ext>
+            </a:extLst>
+          </p:cNvPr>
+          <p:cNvGraphicFramePr>
+            <a:graphicFrameLocks noGrp="1"/>
+          </p:cNvGraphicFramePr>
+          <p:nvPr>
+            <p:extLst>
+              <p:ext uri="{D42A27DB-BD31-4B8C-83A1-F6EECF244321}">
+                <p14:modId xmlns:p14="http://schemas.microsoft.com/office/powerpoint/2010/main" val="2486266239"/>
+              </p:ext>
+            </p:extLst>
+          </p:nvPr>
+        </p:nvGraphicFramePr>
+        <p:xfrm>
+          <a:off x="12336579" y="4905520"/>
+          <a:ext cx="5448300" cy="3266783"/>
+        </p:xfrm>
+        <a:graphic>
+          <a:graphicData uri="http://schemas.openxmlformats.org/drawingml/2006/table">
+            <a:tbl>
+              <a:tblPr firstRow="1" bandRow="1">
+                <a:tableStyleId>{5C22544A-7EE6-4342-B048-85BDC9FD1C3A}</a:tableStyleId>
+              </a:tblPr>
+              <a:tblGrid>
+                <a:gridCol w="908050">
+                  <a:extLst>
+                    <a:ext uri="{9D8B030D-6E8A-4147-A177-3AD203B41FA5}">
+                      <a16:colId xmlns:a16="http://schemas.microsoft.com/office/drawing/2014/main" val="925335159"/>
+                    </a:ext>
+                  </a:extLst>
+                </a:gridCol>
+                <a:gridCol w="908050">
+                  <a:extLst>
+                    <a:ext uri="{9D8B030D-6E8A-4147-A177-3AD203B41FA5}">
+                      <a16:colId xmlns:a16="http://schemas.microsoft.com/office/drawing/2014/main" val="2372799635"/>
+                    </a:ext>
+                  </a:extLst>
+                </a:gridCol>
+                <a:gridCol w="908050">
+                  <a:extLst>
+                    <a:ext uri="{9D8B030D-6E8A-4147-A177-3AD203B41FA5}">
+                      <a16:colId xmlns:a16="http://schemas.microsoft.com/office/drawing/2014/main" val="1225509667"/>
+                    </a:ext>
+                  </a:extLst>
+                </a:gridCol>
+                <a:gridCol w="908050">
+                  <a:extLst>
+                    <a:ext uri="{9D8B030D-6E8A-4147-A177-3AD203B41FA5}">
+                      <a16:colId xmlns:a16="http://schemas.microsoft.com/office/drawing/2014/main" val="1012106522"/>
+                    </a:ext>
+                  </a:extLst>
+                </a:gridCol>
+                <a:gridCol w="908050">
+                  <a:extLst>
+                    <a:ext uri="{9D8B030D-6E8A-4147-A177-3AD203B41FA5}">
+                      <a16:colId xmlns:a16="http://schemas.microsoft.com/office/drawing/2014/main" val="850758534"/>
+                    </a:ext>
+                  </a:extLst>
+                </a:gridCol>
+                <a:gridCol w="908050">
+                  <a:extLst>
+                    <a:ext uri="{9D8B030D-6E8A-4147-A177-3AD203B41FA5}">
+                      <a16:colId xmlns:a16="http://schemas.microsoft.com/office/drawing/2014/main" val="4146938469"/>
+                    </a:ext>
+                  </a:extLst>
+                </a:gridCol>
+              </a:tblGrid>
+              <a:tr h="656499">
+                <a:tc>
+                  <a:txBody>
+                    <a:bodyPr/>
+                    <a:lstStyle/>
+                    <a:p>
+                      <a:pPr marL="0" marR="0" lvl="0" indent="0" algn="ctr" defTabSz="914400" rtl="0" eaLnBrk="1" fontAlgn="auto" latinLnBrk="0" hangingPunct="1">
+                        <a:lnSpc>
+                          <a:spcPct val="100000"/>
+                        </a:lnSpc>
+                        <a:spcBef>
+                          <a:spcPts val="0"/>
+                        </a:spcBef>
+                        <a:spcAft>
+                          <a:spcPts val="0"/>
+                        </a:spcAft>
+                        <a:buClrTx/>
+                        <a:buSzTx/>
+                        <a:buFontTx/>
+                        <a:buNone/>
+                        <a:tabLst/>
+                        <a:defRPr/>
+                      </a:pPr>
+                      <a:r>
+                        <a:rPr lang="en-US" altLang="zh-TW" dirty="0"/>
+                        <a:t>Col 6</a:t>
+                      </a:r>
+                      <a:endParaRPr lang="zh-TW" altLang="en-US" dirty="0"/>
+                    </a:p>
+                  </a:txBody>
+                  <a:tcPr anchor="ctr">
+                    <a:solidFill>
+                      <a:srgbClr val="7030A0"/>
+                    </a:solidFill>
+                  </a:tcPr>
+                </a:tc>
+                <a:tc>
+                  <a:txBody>
+                    <a:bodyPr/>
+                    <a:lstStyle/>
+                    <a:p>
+                      <a:pPr marL="0" marR="0" lvl="0" indent="0" algn="ctr" defTabSz="914400" rtl="0" eaLnBrk="1" fontAlgn="auto" latinLnBrk="0" hangingPunct="1">
+                        <a:lnSpc>
+                          <a:spcPct val="100000"/>
+                        </a:lnSpc>
+                        <a:spcBef>
+                          <a:spcPts val="0"/>
+                        </a:spcBef>
+                        <a:spcAft>
+                          <a:spcPts val="0"/>
+                        </a:spcAft>
+                        <a:buClrTx/>
+                        <a:buSzTx/>
+                        <a:buFontTx/>
+                        <a:buNone/>
+                        <a:tabLst/>
+                        <a:defRPr/>
+                      </a:pPr>
+                      <a:r>
+                        <a:rPr lang="en-US" altLang="zh-TW" dirty="0"/>
+                        <a:t>Col 2</a:t>
+                      </a:r>
+                      <a:endParaRPr lang="zh-TW" altLang="en-US" dirty="0"/>
+                    </a:p>
+                  </a:txBody>
+                  <a:tcPr anchor="ctr">
+                    <a:solidFill>
+                      <a:srgbClr val="7030A0"/>
+                    </a:solidFill>
+                  </a:tcPr>
+                </a:tc>
+                <a:tc>
+                  <a:txBody>
+                    <a:bodyPr/>
+                    <a:lstStyle/>
+                    <a:p>
+                      <a:pPr algn="ctr"/>
+                      <a:r>
+                        <a:rPr lang="en-US" altLang="zh-TW" dirty="0"/>
+                        <a:t>Col 5</a:t>
+                      </a:r>
+                      <a:endParaRPr lang="zh-TW" altLang="en-US" dirty="0"/>
+                    </a:p>
+                  </a:txBody>
+                  <a:tcPr anchor="ctr">
+                    <a:solidFill>
+                      <a:srgbClr val="00B050"/>
+                    </a:solidFill>
+                  </a:tcPr>
+                </a:tc>
+                <a:tc>
+                  <a:txBody>
+                    <a:bodyPr/>
+                    <a:lstStyle/>
+                    <a:p>
+                      <a:pPr marL="0" marR="0" lvl="0" indent="0" algn="ctr" defTabSz="914400" rtl="0" eaLnBrk="1" fontAlgn="auto" latinLnBrk="0" hangingPunct="1">
+                        <a:lnSpc>
+                          <a:spcPct val="100000"/>
+                        </a:lnSpc>
+                        <a:spcBef>
+                          <a:spcPts val="0"/>
+                        </a:spcBef>
+                        <a:spcAft>
+                          <a:spcPts val="0"/>
+                        </a:spcAft>
+                        <a:buClrTx/>
+                        <a:buSzTx/>
+                        <a:buFontTx/>
+                        <a:buNone/>
+                        <a:tabLst/>
+                        <a:defRPr/>
+                      </a:pPr>
+                      <a:r>
+                        <a:rPr lang="en-US" altLang="zh-TW" dirty="0"/>
+                        <a:t>Col 4</a:t>
+                      </a:r>
+                      <a:endParaRPr lang="zh-TW" altLang="en-US" dirty="0"/>
+                    </a:p>
+                  </a:txBody>
+                  <a:tcPr anchor="ctr">
+                    <a:solidFill>
+                      <a:srgbClr val="00B050"/>
+                    </a:solidFill>
+                  </a:tcPr>
+                </a:tc>
+                <a:tc>
+                  <a:txBody>
+                    <a:bodyPr/>
+                    <a:lstStyle/>
+                    <a:p>
+                      <a:pPr algn="ctr"/>
+                      <a:r>
+                        <a:rPr lang="en-US" altLang="zh-TW" dirty="0"/>
+                        <a:t>Col 1</a:t>
+                      </a:r>
+                      <a:endParaRPr lang="zh-TW" altLang="en-US" dirty="0"/>
+                    </a:p>
+                  </a:txBody>
+                  <a:tcPr anchor="ctr">
+                    <a:solidFill>
+                      <a:schemeClr val="accent2"/>
+                    </a:solidFill>
+                  </a:tcPr>
+                </a:tc>
+                <a:tc>
+                  <a:txBody>
+                    <a:bodyPr/>
+                    <a:lstStyle/>
+                    <a:p>
+                      <a:pPr algn="ctr"/>
+                      <a:r>
+                        <a:rPr lang="en-US" altLang="zh-TW" dirty="0"/>
+                        <a:t>Col 3</a:t>
+                      </a:r>
+                      <a:endParaRPr lang="zh-TW" altLang="en-US" dirty="0"/>
+                    </a:p>
+                  </a:txBody>
+                  <a:tcPr anchor="ctr">
+                    <a:solidFill>
+                      <a:schemeClr val="accent2"/>
+                    </a:solidFill>
+                  </a:tcPr>
+                </a:tc>
+                <a:extLst>
+                  <a:ext uri="{0D108BD9-81ED-4DB2-BD59-A6C34878D82A}">
+                    <a16:rowId xmlns:a16="http://schemas.microsoft.com/office/drawing/2014/main" val="4238049435"/>
+                  </a:ext>
+                </a:extLst>
+              </a:tr>
+              <a:tr h="652571">
+                <a:tc>
+                  <a:txBody>
+                    <a:bodyPr/>
+                    <a:lstStyle/>
+                    <a:p>
+                      <a:pPr algn="ctr"/>
+                      <a:r>
+                        <a:rPr lang="en-US" altLang="zh-TW" dirty="0"/>
+                        <a:t>0</a:t>
+                      </a:r>
+                      <a:endParaRPr lang="zh-TW" altLang="en-US" dirty="0"/>
+                    </a:p>
+                  </a:txBody>
+                  <a:tcPr anchor="ctr"/>
+                </a:tc>
+                <a:tc>
+                  <a:txBody>
+                    <a:bodyPr/>
+                    <a:lstStyle/>
+                    <a:p>
+                      <a:pPr algn="ctr"/>
+                      <a:r>
+                        <a:rPr lang="en-US" altLang="zh-TW" dirty="0"/>
+                        <a:t>1</a:t>
+                      </a:r>
+                      <a:endParaRPr lang="zh-TW" altLang="en-US" dirty="0"/>
+                    </a:p>
+                  </a:txBody>
+                  <a:tcPr anchor="ctr"/>
+                </a:tc>
+                <a:tc>
+                  <a:txBody>
+                    <a:bodyPr/>
+                    <a:lstStyle/>
+                    <a:p>
+                      <a:pPr algn="ctr"/>
+                      <a:r>
+                        <a:rPr lang="en-US" altLang="zh-TW" dirty="0"/>
+                        <a:t>0</a:t>
+                      </a:r>
+                      <a:endParaRPr lang="zh-TW" altLang="en-US" dirty="0"/>
+                    </a:p>
+                  </a:txBody>
+                  <a:tcPr anchor="ctr"/>
+                </a:tc>
+                <a:tc>
+                  <a:txBody>
+                    <a:bodyPr/>
+                    <a:lstStyle/>
+                    <a:p>
+                      <a:pPr algn="ctr"/>
+                      <a:r>
+                        <a:rPr lang="en-US" altLang="zh-TW" dirty="0"/>
+                        <a:t>1</a:t>
+                      </a:r>
+                      <a:endParaRPr lang="zh-TW" altLang="en-US" dirty="0"/>
+                    </a:p>
+                  </a:txBody>
+                  <a:tcPr anchor="ctr"/>
+                </a:tc>
+                <a:tc>
+                  <a:txBody>
+                    <a:bodyPr/>
+                    <a:lstStyle/>
+                    <a:p>
+                      <a:pPr algn="ctr"/>
+                      <a:r>
+                        <a:rPr lang="en-US" altLang="zh-TW" dirty="0"/>
+                        <a:t>1</a:t>
+                      </a:r>
+                      <a:endParaRPr lang="zh-TW" altLang="en-US" dirty="0"/>
+                    </a:p>
+                  </a:txBody>
+                  <a:tcPr anchor="ctr"/>
+                </a:tc>
+                <a:tc>
+                  <a:txBody>
+                    <a:bodyPr/>
+                    <a:lstStyle/>
+                    <a:p>
+                      <a:pPr algn="ctr"/>
+                      <a:r>
+                        <a:rPr lang="en-US" altLang="zh-TW" dirty="0"/>
+                        <a:t>0</a:t>
+                      </a:r>
+                      <a:endParaRPr lang="zh-TW" altLang="en-US" dirty="0"/>
+                    </a:p>
+                  </a:txBody>
+                  <a:tcPr anchor="ctr"/>
+                </a:tc>
+                <a:extLst>
+                  <a:ext uri="{0D108BD9-81ED-4DB2-BD59-A6C34878D82A}">
+                    <a16:rowId xmlns:a16="http://schemas.microsoft.com/office/drawing/2014/main" val="466443544"/>
+                  </a:ext>
+                </a:extLst>
+              </a:tr>
+              <a:tr h="652571">
+                <a:tc>
+                  <a:txBody>
+                    <a:bodyPr/>
+                    <a:lstStyle/>
+                    <a:p>
+                      <a:pPr algn="ctr"/>
+                      <a:r>
+                        <a:rPr lang="en-US" altLang="zh-TW" dirty="0"/>
+                        <a:t>0</a:t>
+                      </a:r>
+                      <a:endParaRPr lang="zh-TW" altLang="en-US" dirty="0"/>
+                    </a:p>
+                  </a:txBody>
+                  <a:tcPr anchor="ctr"/>
+                </a:tc>
+                <a:tc>
+                  <a:txBody>
+                    <a:bodyPr/>
+                    <a:lstStyle/>
+                    <a:p>
+                      <a:pPr algn="ctr"/>
+                      <a:r>
+                        <a:rPr lang="en-US" altLang="zh-TW" dirty="0"/>
+                        <a:t>0</a:t>
+                      </a:r>
+                      <a:endParaRPr lang="zh-TW" altLang="en-US" dirty="0"/>
+                    </a:p>
+                  </a:txBody>
+                  <a:tcPr anchor="ctr"/>
+                </a:tc>
+                <a:tc>
+                  <a:txBody>
+                    <a:bodyPr/>
+                    <a:lstStyle/>
+                    <a:p>
+                      <a:pPr algn="ctr"/>
+                      <a:r>
+                        <a:rPr lang="en-US" altLang="zh-TW" dirty="0"/>
+                        <a:t>1</a:t>
+                      </a:r>
+                      <a:endParaRPr lang="zh-TW" altLang="en-US" dirty="0"/>
+                    </a:p>
+                  </a:txBody>
+                  <a:tcPr anchor="ctr"/>
+                </a:tc>
+                <a:tc>
+                  <a:txBody>
+                    <a:bodyPr/>
+                    <a:lstStyle/>
+                    <a:p>
+                      <a:pPr algn="ctr"/>
+                      <a:r>
+                        <a:rPr lang="en-US" altLang="zh-TW" dirty="0"/>
+                        <a:t>1</a:t>
+                      </a:r>
+                      <a:endParaRPr lang="zh-TW" altLang="en-US" dirty="0"/>
+                    </a:p>
+                  </a:txBody>
+                  <a:tcPr anchor="ctr"/>
+                </a:tc>
+                <a:tc>
+                  <a:txBody>
+                    <a:bodyPr/>
+                    <a:lstStyle/>
+                    <a:p>
+                      <a:pPr algn="ctr"/>
+                      <a:r>
+                        <a:rPr lang="en-US" altLang="zh-TW" dirty="0"/>
+                        <a:t>1</a:t>
+                      </a:r>
+                      <a:endParaRPr lang="zh-TW" altLang="en-US" dirty="0"/>
+                    </a:p>
+                  </a:txBody>
+                  <a:tcPr anchor="ctr"/>
+                </a:tc>
+                <a:tc>
+                  <a:txBody>
+                    <a:bodyPr/>
+                    <a:lstStyle/>
+                    <a:p>
+                      <a:pPr algn="ctr"/>
+                      <a:r>
+                        <a:rPr lang="en-US" altLang="zh-TW" dirty="0"/>
+                        <a:t>0</a:t>
+                      </a:r>
+                      <a:endParaRPr lang="zh-TW" altLang="en-US" dirty="0"/>
+                    </a:p>
+                  </a:txBody>
+                  <a:tcPr anchor="ctr"/>
+                </a:tc>
+                <a:extLst>
+                  <a:ext uri="{0D108BD9-81ED-4DB2-BD59-A6C34878D82A}">
+                    <a16:rowId xmlns:a16="http://schemas.microsoft.com/office/drawing/2014/main" val="2447474118"/>
+                  </a:ext>
+                </a:extLst>
+              </a:tr>
+              <a:tr h="652571">
+                <a:tc>
+                  <a:txBody>
+                    <a:bodyPr/>
+                    <a:lstStyle/>
+                    <a:p>
+                      <a:pPr marL="0" marR="0" lvl="0" indent="0" algn="ctr" defTabSz="914400" rtl="0" eaLnBrk="1" fontAlgn="auto" latinLnBrk="0" hangingPunct="1">
+                        <a:lnSpc>
+                          <a:spcPct val="100000"/>
+                        </a:lnSpc>
+                        <a:spcBef>
+                          <a:spcPts val="0"/>
+                        </a:spcBef>
+                        <a:spcAft>
+                          <a:spcPts val="0"/>
+                        </a:spcAft>
+                        <a:buClrTx/>
+                        <a:buSzTx/>
+                        <a:buFontTx/>
+                        <a:buNone/>
+                        <a:tabLst/>
+                        <a:defRPr/>
+                      </a:pPr>
+                      <a:r>
+                        <a:rPr lang="en-US" altLang="zh-TW" dirty="0">
+                          <a:latin typeface="Times New Roman" panose="02020603050405020304" pitchFamily="18" charset="0"/>
+                          <a:cs typeface="Times New Roman" panose="02020603050405020304" pitchFamily="18" charset="0"/>
+                        </a:rPr>
+                        <a:t>⁝</a:t>
+                      </a:r>
+                      <a:endParaRPr lang="zh-TW" altLang="en-US" dirty="0"/>
+                    </a:p>
+                  </a:txBody>
+                  <a:tcPr anchor="ctr"/>
+                </a:tc>
+                <a:tc>
+                  <a:txBody>
+                    <a:bodyPr/>
+                    <a:lstStyle/>
+                    <a:p>
+                      <a:pPr marL="0" marR="0" lvl="0" indent="0" algn="ctr" defTabSz="914400" rtl="0" eaLnBrk="1" fontAlgn="auto" latinLnBrk="0" hangingPunct="1">
+                        <a:lnSpc>
+                          <a:spcPct val="100000"/>
+                        </a:lnSpc>
+                        <a:spcBef>
+                          <a:spcPts val="0"/>
+                        </a:spcBef>
+                        <a:spcAft>
+                          <a:spcPts val="0"/>
+                        </a:spcAft>
+                        <a:buClrTx/>
+                        <a:buSzTx/>
+                        <a:buFontTx/>
+                        <a:buNone/>
+                        <a:tabLst/>
+                        <a:defRPr/>
+                      </a:pPr>
+                      <a:r>
+                        <a:rPr lang="en-US" altLang="zh-TW" dirty="0">
+                          <a:latin typeface="Times New Roman" panose="02020603050405020304" pitchFamily="18" charset="0"/>
+                          <a:cs typeface="Times New Roman" panose="02020603050405020304" pitchFamily="18" charset="0"/>
+                        </a:rPr>
+                        <a:t>⁝</a:t>
+                      </a:r>
+                      <a:endParaRPr lang="zh-TW" altLang="en-US" dirty="0"/>
+                    </a:p>
+                  </a:txBody>
+                  <a:tcPr anchor="ctr"/>
+                </a:tc>
+                <a:tc>
+                  <a:txBody>
+                    <a:bodyPr/>
+                    <a:lstStyle/>
+                    <a:p>
+                      <a:pPr marL="0" marR="0" lvl="0" indent="0" algn="ctr" defTabSz="914400" rtl="0" eaLnBrk="1" fontAlgn="auto" latinLnBrk="0" hangingPunct="1">
+                        <a:lnSpc>
+                          <a:spcPct val="100000"/>
+                        </a:lnSpc>
+                        <a:spcBef>
+                          <a:spcPts val="0"/>
+                        </a:spcBef>
+                        <a:spcAft>
+                          <a:spcPts val="0"/>
+                        </a:spcAft>
+                        <a:buClrTx/>
+                        <a:buSzTx/>
+                        <a:buFontTx/>
+                        <a:buNone/>
+                        <a:tabLst/>
+                        <a:defRPr/>
+                      </a:pPr>
+                      <a:r>
+                        <a:rPr lang="en-US" altLang="zh-TW" dirty="0">
+                          <a:latin typeface="Times New Roman" panose="02020603050405020304" pitchFamily="18" charset="0"/>
+                          <a:cs typeface="Times New Roman" panose="02020603050405020304" pitchFamily="18" charset="0"/>
+                        </a:rPr>
+                        <a:t>⁝</a:t>
+                      </a:r>
+                      <a:endParaRPr lang="zh-TW" altLang="en-US" dirty="0"/>
+                    </a:p>
+                  </a:txBody>
+                  <a:tcPr anchor="ctr"/>
+                </a:tc>
+                <a:tc>
+                  <a:txBody>
+                    <a:bodyPr/>
+                    <a:lstStyle/>
+                    <a:p>
+                      <a:pPr marL="0" marR="0" lvl="0" indent="0" algn="ctr" defTabSz="914400" rtl="0" eaLnBrk="1" fontAlgn="auto" latinLnBrk="0" hangingPunct="1">
+                        <a:lnSpc>
+                          <a:spcPct val="100000"/>
+                        </a:lnSpc>
+                        <a:spcBef>
+                          <a:spcPts val="0"/>
+                        </a:spcBef>
+                        <a:spcAft>
+                          <a:spcPts val="0"/>
+                        </a:spcAft>
+                        <a:buClrTx/>
+                        <a:buSzTx/>
+                        <a:buFontTx/>
+                        <a:buNone/>
+                        <a:tabLst/>
+                        <a:defRPr/>
+                      </a:pPr>
+                      <a:r>
+                        <a:rPr lang="en-US" altLang="zh-TW" dirty="0">
+                          <a:latin typeface="Times New Roman" panose="02020603050405020304" pitchFamily="18" charset="0"/>
+                          <a:cs typeface="Times New Roman" panose="02020603050405020304" pitchFamily="18" charset="0"/>
+                        </a:rPr>
+                        <a:t>⁝</a:t>
+                      </a:r>
+                      <a:endParaRPr lang="zh-TW" altLang="en-US" dirty="0"/>
+                    </a:p>
+                  </a:txBody>
+                  <a:tcPr anchor="ctr"/>
+                </a:tc>
+                <a:tc>
+                  <a:txBody>
+                    <a:bodyPr/>
+                    <a:lstStyle/>
+                    <a:p>
+                      <a:pPr algn="ctr"/>
+                      <a:r>
+                        <a:rPr lang="en-US" altLang="zh-TW" dirty="0">
+                          <a:latin typeface="Times New Roman" panose="02020603050405020304" pitchFamily="18" charset="0"/>
+                          <a:cs typeface="Times New Roman" panose="02020603050405020304" pitchFamily="18" charset="0"/>
+                        </a:rPr>
+                        <a:t>⁝</a:t>
+                      </a:r>
+                      <a:endParaRPr lang="zh-TW" altLang="en-US" dirty="0"/>
+                    </a:p>
+                  </a:txBody>
+                  <a:tcPr anchor="ctr"/>
+                </a:tc>
+                <a:tc>
+                  <a:txBody>
+                    <a:bodyPr/>
+                    <a:lstStyle/>
+                    <a:p>
+                      <a:pPr marL="0" marR="0" lvl="0" indent="0" algn="ctr" defTabSz="914400" rtl="0" eaLnBrk="1" fontAlgn="auto" latinLnBrk="0" hangingPunct="1">
+                        <a:lnSpc>
+                          <a:spcPct val="100000"/>
+                        </a:lnSpc>
+                        <a:spcBef>
+                          <a:spcPts val="0"/>
+                        </a:spcBef>
+                        <a:spcAft>
+                          <a:spcPts val="0"/>
+                        </a:spcAft>
+                        <a:buClrTx/>
+                        <a:buSzTx/>
+                        <a:buFontTx/>
+                        <a:buNone/>
+                        <a:tabLst/>
+                        <a:defRPr/>
+                      </a:pPr>
+                      <a:r>
+                        <a:rPr lang="en-US" altLang="zh-TW" dirty="0">
+                          <a:latin typeface="Times New Roman" panose="02020603050405020304" pitchFamily="18" charset="0"/>
+                          <a:cs typeface="Times New Roman" panose="02020603050405020304" pitchFamily="18" charset="0"/>
+                        </a:rPr>
+                        <a:t>⁝</a:t>
+                      </a:r>
+                      <a:endParaRPr lang="zh-TW" altLang="en-US" dirty="0"/>
+                    </a:p>
+                  </a:txBody>
+                  <a:tcPr anchor="ctr"/>
+                </a:tc>
+                <a:extLst>
+                  <a:ext uri="{0D108BD9-81ED-4DB2-BD59-A6C34878D82A}">
+                    <a16:rowId xmlns:a16="http://schemas.microsoft.com/office/drawing/2014/main" val="1048235093"/>
+                  </a:ext>
+                </a:extLst>
+              </a:tr>
+              <a:tr h="652571">
+                <a:tc>
+                  <a:txBody>
+                    <a:bodyPr/>
+                    <a:lstStyle/>
+                    <a:p>
+                      <a:pPr algn="ctr"/>
+                      <a:r>
+                        <a:rPr lang="en-US" altLang="zh-TW" dirty="0"/>
+                        <a:t>1</a:t>
+                      </a:r>
+                      <a:endParaRPr lang="zh-TW" altLang="en-US" dirty="0"/>
+                    </a:p>
+                  </a:txBody>
+                  <a:tcPr anchor="ctr"/>
+                </a:tc>
+                <a:tc>
+                  <a:txBody>
+                    <a:bodyPr/>
+                    <a:lstStyle/>
+                    <a:p>
+                      <a:pPr algn="ctr"/>
+                      <a:r>
+                        <a:rPr lang="en-US" altLang="zh-TW" dirty="0"/>
+                        <a:t>0</a:t>
+                      </a:r>
+                      <a:endParaRPr lang="zh-TW" altLang="en-US" dirty="0"/>
+                    </a:p>
+                  </a:txBody>
+                  <a:tcPr anchor="ctr"/>
+                </a:tc>
+                <a:tc>
+                  <a:txBody>
+                    <a:bodyPr/>
+                    <a:lstStyle/>
+                    <a:p>
+                      <a:pPr algn="ctr"/>
+                      <a:r>
+                        <a:rPr lang="en-US" altLang="zh-TW" dirty="0"/>
+                        <a:t>1</a:t>
+                      </a:r>
+                      <a:endParaRPr lang="zh-TW" altLang="en-US" dirty="0"/>
+                    </a:p>
+                  </a:txBody>
+                  <a:tcPr anchor="ctr"/>
+                </a:tc>
+                <a:tc>
+                  <a:txBody>
+                    <a:bodyPr/>
+                    <a:lstStyle/>
+                    <a:p>
+                      <a:pPr algn="ctr"/>
+                      <a:r>
+                        <a:rPr lang="en-US" altLang="zh-TW" dirty="0"/>
+                        <a:t>0</a:t>
+                      </a:r>
+                      <a:endParaRPr lang="zh-TW" altLang="en-US" dirty="0"/>
+                    </a:p>
+                  </a:txBody>
+                  <a:tcPr anchor="ctr"/>
+                </a:tc>
+                <a:tc>
+                  <a:txBody>
+                    <a:bodyPr/>
+                    <a:lstStyle/>
+                    <a:p>
+                      <a:pPr algn="ctr"/>
+                      <a:r>
+                        <a:rPr lang="en-US" altLang="zh-TW" dirty="0"/>
+                        <a:t>0</a:t>
+                      </a:r>
+                      <a:endParaRPr lang="zh-TW" altLang="en-US" dirty="0"/>
+                    </a:p>
+                  </a:txBody>
+                  <a:tcPr anchor="ctr"/>
+                </a:tc>
+                <a:tc>
+                  <a:txBody>
+                    <a:bodyPr/>
+                    <a:lstStyle/>
+                    <a:p>
+                      <a:pPr algn="ctr"/>
+                      <a:r>
+                        <a:rPr lang="en-US" altLang="zh-TW" dirty="0"/>
+                        <a:t>1</a:t>
+                      </a:r>
+                      <a:endParaRPr lang="zh-TW" altLang="en-US" dirty="0"/>
+                    </a:p>
+                  </a:txBody>
+                  <a:tcPr anchor="ctr"/>
+                </a:tc>
+                <a:extLst>
+                  <a:ext uri="{0D108BD9-81ED-4DB2-BD59-A6C34878D82A}">
+                    <a16:rowId xmlns:a16="http://schemas.microsoft.com/office/drawing/2014/main" val="3859432155"/>
+                  </a:ext>
+                </a:extLst>
+              </a:tr>
+            </a:tbl>
+          </a:graphicData>
+        </a:graphic>
+      </p:graphicFrame>
+      <p:sp>
+        <p:nvSpPr>
+          <p:cNvPr id="2" name="標題 1">
+            <a:extLst>
+              <a:ext uri="{FF2B5EF4-FFF2-40B4-BE49-F238E27FC236}">
+                <a16:creationId xmlns:a16="http://schemas.microsoft.com/office/drawing/2014/main" id="{36DC04C3-C563-4C98-8C07-9960108F9A80}"/>
+              </a:ext>
+            </a:extLst>
+          </p:cNvPr>
+          <p:cNvSpPr>
+            <a:spLocks noGrp="1"/>
+          </p:cNvSpPr>
+          <p:nvPr>
+            <p:ph type="title"/>
+          </p:nvPr>
+        </p:nvSpPr>
+        <p:spPr>
+          <a:xfrm>
+            <a:off x="838200" y="365125"/>
+            <a:ext cx="10515600" cy="1325563"/>
+          </a:xfrm>
+        </p:spPr>
+        <p:txBody>
+          <a:bodyPr/>
+          <a:lstStyle/>
+          <a:p>
+            <a:r>
+              <a:rPr lang="en-US" altLang="zh-TW" dirty="0">
+                <a:solidFill>
+                  <a:srgbClr val="14365D"/>
+                </a:solidFill>
+              </a:rPr>
+              <a:t>Methodology</a:t>
+            </a:r>
+            <a:endParaRPr lang="zh-TW" altLang="en-US" dirty="0">
+              <a:solidFill>
+                <a:srgbClr val="14365D"/>
+              </a:solidFill>
+            </a:endParaRPr>
+          </a:p>
+        </p:txBody>
+      </p:sp>
+      <p:sp>
+        <p:nvSpPr>
+          <p:cNvPr id="3" name="頁尾版面配置區 2">
+            <a:extLst>
+              <a:ext uri="{FF2B5EF4-FFF2-40B4-BE49-F238E27FC236}">
+                <a16:creationId xmlns:a16="http://schemas.microsoft.com/office/drawing/2014/main" id="{4A4CA6E6-464E-453E-BC2B-43F181B88B9E}"/>
+              </a:ext>
+            </a:extLst>
+          </p:cNvPr>
+          <p:cNvSpPr>
+            <a:spLocks noGrp="1"/>
+          </p:cNvSpPr>
+          <p:nvPr>
+            <p:ph type="ftr" sz="quarter" idx="11"/>
+          </p:nvPr>
+        </p:nvSpPr>
+        <p:spPr/>
+        <p:txBody>
+          <a:bodyPr/>
+          <a:lstStyle/>
+          <a:p>
+            <a:r>
+              <a:rPr lang="en-US" altLang="zh-TW"/>
+              <a:t>Institute of Industrial Engineering, NTU | Laboratory of Analytics on Knowledge Engineering | Terry Yang | 2022</a:t>
+            </a:r>
+            <a:endParaRPr lang="en-US" altLang="zh-TW" dirty="0"/>
+          </a:p>
+        </p:txBody>
+      </p:sp>
+      <p:sp>
+        <p:nvSpPr>
+          <p:cNvPr id="4" name="TextBox 5">
+            <a:extLst>
+              <a:ext uri="{FF2B5EF4-FFF2-40B4-BE49-F238E27FC236}">
+                <a16:creationId xmlns:a16="http://schemas.microsoft.com/office/drawing/2014/main" id="{3E9CE020-3A35-404A-AFF1-FFAB16E7DCEC}"/>
+              </a:ext>
+            </a:extLst>
+          </p:cNvPr>
+          <p:cNvSpPr txBox="1"/>
+          <p:nvPr/>
+        </p:nvSpPr>
+        <p:spPr>
+          <a:xfrm>
+            <a:off x="838200" y="1690688"/>
+            <a:ext cx="5257800" cy="3448380"/>
+          </a:xfrm>
+          <a:prstGeom prst="rect">
+            <a:avLst/>
+          </a:prstGeom>
+        </p:spPr>
+        <p:txBody>
+          <a:bodyPr wrap="square" lIns="0" tIns="0" rIns="0" bIns="0" rtlCol="0" anchor="t">
+            <a:spAutoFit/>
+          </a:bodyPr>
+          <a:lstStyle/>
+          <a:p>
+            <a:pPr>
+              <a:lnSpc>
+                <a:spcPts val="3359"/>
+              </a:lnSpc>
+            </a:pPr>
+            <a:r>
+              <a:rPr lang="en-US" altLang="zh-TW" dirty="0">
+                <a:solidFill>
+                  <a:srgbClr val="000000"/>
+                </a:solidFill>
+                <a:latin typeface="Nunito Light"/>
+              </a:rPr>
+              <a:t>In the research, we propose a method to encode binary data in to numerical data. Via grouping related features with common feature selection methods, sequencing features by their attributes, and transforming the binary row data with BCD.</a:t>
+            </a:r>
+          </a:p>
+          <a:p>
+            <a:pPr marL="342900" indent="-342900">
+              <a:lnSpc>
+                <a:spcPts val="3359"/>
+              </a:lnSpc>
+              <a:buFont typeface="+mj-lt"/>
+              <a:buAutoNum type="arabicPeriod"/>
+            </a:pPr>
+            <a:r>
+              <a:rPr lang="en-US" altLang="zh-TW" dirty="0">
+                <a:solidFill>
+                  <a:srgbClr val="000000"/>
+                </a:solidFill>
+                <a:latin typeface="Nunito Light"/>
+              </a:rPr>
+              <a:t>Grouping similar, correlated features</a:t>
+            </a:r>
+          </a:p>
+          <a:p>
+            <a:pPr marL="342900" indent="-342900">
+              <a:lnSpc>
+                <a:spcPts val="3359"/>
+              </a:lnSpc>
+              <a:buFont typeface="+mj-lt"/>
+              <a:buAutoNum type="arabicPeriod"/>
+            </a:pPr>
+            <a:r>
+              <a:rPr lang="en-US" altLang="zh-TW" dirty="0">
+                <a:solidFill>
+                  <a:srgbClr val="000000"/>
+                </a:solidFill>
+                <a:latin typeface="Nunito Light"/>
+              </a:rPr>
+              <a:t>Sequencing features in each feature group</a:t>
+            </a:r>
+          </a:p>
+          <a:p>
+            <a:pPr marL="342900" indent="-342900">
+              <a:lnSpc>
+                <a:spcPts val="3359"/>
+              </a:lnSpc>
+              <a:buFont typeface="+mj-lt"/>
+              <a:buAutoNum type="arabicPeriod"/>
+            </a:pPr>
+            <a:r>
+              <a:rPr lang="en-US" altLang="zh-TW" dirty="0">
+                <a:solidFill>
+                  <a:srgbClr val="000000"/>
+                </a:solidFill>
+                <a:latin typeface="Nunito Light"/>
+              </a:rPr>
+              <a:t>BCD encode on each feature group</a:t>
+            </a:r>
+          </a:p>
+        </p:txBody>
+      </p:sp>
+    </p:spTree>
+    <p:extLst>
+      <p:ext uri="{BB962C8B-B14F-4D97-AF65-F5344CB8AC3E}">
+        <p14:creationId xmlns:p14="http://schemas.microsoft.com/office/powerpoint/2010/main" val="460640902"/>
+      </p:ext>
+    </p:extLst>
+  </p:cSld>
+  <p:clrMapOvr>
+    <a:masterClrMapping/>
+  </p:clrMapOvr>
+  <mc:AlternateContent xmlns:mc="http://schemas.openxmlformats.org/markup-compatibility/2006">
+    <mc:Choice xmlns:p14="http://schemas.microsoft.com/office/powerpoint/2010/main" Requires="p14">
+      <p:transition spd="med" p14:dur="700">
+        <p:fade/>
+      </p:transition>
+    </mc:Choice>
+    <mc:Fallback>
+      <p:transition spd="med">
+        <p:fade/>
+      </p:transition>
+    </mc:Fallback>
+  </mc:AlternateContent>
+</p:sld>
+</file>
+
+<file path=ppt/slides/slide11.xml><?xml version="1.0" encoding="utf-8"?>
+<p:sld xmlns:a="http://schemas.openxmlformats.org/drawingml/2006/main" xmlns:r="http://schemas.openxmlformats.org/officeDocument/2006/relationships" xmlns:p="http://schemas.openxmlformats.org/presentationml/2006/main">
+  <p:cSld>
+    <p:spTree>
+      <p:nvGrpSpPr>
+        <p:cNvPr id="1" name=""/>
+        <p:cNvGrpSpPr/>
+        <p:nvPr/>
+      </p:nvGrpSpPr>
+      <p:grpSpPr>
+        <a:xfrm>
+          <a:off x="0" y="0"/>
+          <a:ext cx="0" cy="0"/>
+          <a:chOff x="0" y="0"/>
+          <a:chExt cx="0" cy="0"/>
+        </a:xfrm>
+      </p:grpSpPr>
+      <p:sp>
+        <p:nvSpPr>
+          <p:cNvPr id="2" name="標題 1">
+            <a:extLst>
+              <a:ext uri="{FF2B5EF4-FFF2-40B4-BE49-F238E27FC236}">
+                <a16:creationId xmlns:a16="http://schemas.microsoft.com/office/drawing/2014/main" id="{36DC04C3-C563-4C98-8C07-9960108F9A80}"/>
+              </a:ext>
+            </a:extLst>
+          </p:cNvPr>
+          <p:cNvSpPr>
+            <a:spLocks noGrp="1"/>
+          </p:cNvSpPr>
+          <p:nvPr>
+            <p:ph type="title"/>
+          </p:nvPr>
+        </p:nvSpPr>
+        <p:spPr>
+          <a:xfrm>
+            <a:off x="838200" y="365125"/>
+            <a:ext cx="10515600" cy="1325563"/>
+          </a:xfrm>
+        </p:spPr>
+        <p:txBody>
+          <a:bodyPr/>
+          <a:lstStyle/>
+          <a:p>
+            <a:r>
+              <a:rPr lang="en-US" altLang="zh-TW" dirty="0">
+                <a:solidFill>
+                  <a:srgbClr val="14365D"/>
+                </a:solidFill>
+              </a:rPr>
+              <a:t>Methodology-Feature Grouping</a:t>
+            </a:r>
+            <a:endParaRPr lang="zh-TW" altLang="en-US" dirty="0">
+              <a:solidFill>
+                <a:srgbClr val="14365D"/>
+              </a:solidFill>
+            </a:endParaRPr>
+          </a:p>
+        </p:txBody>
+      </p:sp>
+      <p:sp>
+        <p:nvSpPr>
+          <p:cNvPr id="3" name="頁尾版面配置區 2">
+            <a:extLst>
+              <a:ext uri="{FF2B5EF4-FFF2-40B4-BE49-F238E27FC236}">
+                <a16:creationId xmlns:a16="http://schemas.microsoft.com/office/drawing/2014/main" id="{4A4CA6E6-464E-453E-BC2B-43F181B88B9E}"/>
+              </a:ext>
+            </a:extLst>
+          </p:cNvPr>
+          <p:cNvSpPr>
+            <a:spLocks noGrp="1"/>
+          </p:cNvSpPr>
+          <p:nvPr>
+            <p:ph type="ftr" sz="quarter" idx="11"/>
+          </p:nvPr>
+        </p:nvSpPr>
+        <p:spPr/>
+        <p:txBody>
+          <a:bodyPr/>
+          <a:lstStyle/>
+          <a:p>
+            <a:r>
+              <a:rPr lang="en-US" altLang="zh-TW"/>
+              <a:t>Institute of Industrial Engineering, NTU | Laboratory of Analytics on Knowledge Engineering | Terry Yang | 2022</a:t>
+            </a:r>
+            <a:endParaRPr lang="en-US" altLang="zh-TW" dirty="0"/>
+          </a:p>
+        </p:txBody>
+      </p:sp>
+      <p:sp>
+        <p:nvSpPr>
+          <p:cNvPr id="4" name="TextBox 5">
+            <a:extLst>
+              <a:ext uri="{FF2B5EF4-FFF2-40B4-BE49-F238E27FC236}">
+                <a16:creationId xmlns:a16="http://schemas.microsoft.com/office/drawing/2014/main" id="{3E9CE020-3A35-404A-AFF1-FFAB16E7DCEC}"/>
+              </a:ext>
+            </a:extLst>
+          </p:cNvPr>
+          <p:cNvSpPr txBox="1"/>
+          <p:nvPr/>
+        </p:nvSpPr>
+        <p:spPr>
+          <a:xfrm>
+            <a:off x="838200" y="1690688"/>
+            <a:ext cx="5257800" cy="396262"/>
+          </a:xfrm>
+          <a:prstGeom prst="rect">
+            <a:avLst/>
+          </a:prstGeom>
+        </p:spPr>
+        <p:txBody>
+          <a:bodyPr wrap="square" lIns="0" tIns="0" rIns="0" bIns="0" rtlCol="0" anchor="t">
+            <a:spAutoFit/>
+          </a:bodyPr>
+          <a:lstStyle/>
+          <a:p>
+            <a:pPr>
+              <a:lnSpc>
+                <a:spcPts val="3359"/>
+              </a:lnSpc>
+            </a:pPr>
+            <a:r>
+              <a:rPr lang="en-US" altLang="zh-TW" dirty="0">
+                <a:solidFill>
+                  <a:srgbClr val="000000"/>
+                </a:solidFill>
+                <a:latin typeface="Nunito Light"/>
+              </a:rPr>
+              <a:t>To find the similar Features, we try  .</a:t>
+            </a:r>
+          </a:p>
+        </p:txBody>
+      </p:sp>
+    </p:spTree>
+    <p:extLst>
+      <p:ext uri="{BB962C8B-B14F-4D97-AF65-F5344CB8AC3E}">
+        <p14:creationId xmlns:p14="http://schemas.microsoft.com/office/powerpoint/2010/main" val="211150685"/>
+      </p:ext>
+    </p:extLst>
+  </p:cSld>
+  <p:clrMapOvr>
+    <a:masterClrMapping/>
+  </p:clrMapOvr>
+</p:sld>
+</file>
+
+<file path=ppt/slides/slide12.xml><?xml version="1.0" encoding="utf-8"?>
+<p:sld xmlns:a="http://schemas.openxmlformats.org/drawingml/2006/main" xmlns:r="http://schemas.openxmlformats.org/officeDocument/2006/relationships" xmlns:p="http://schemas.openxmlformats.org/presentationml/2006/main">
+  <p:cSld>
+    <p:spTree>
+      <p:nvGrpSpPr>
+        <p:cNvPr id="1" name=""/>
+        <p:cNvGrpSpPr/>
+        <p:nvPr/>
+      </p:nvGrpSpPr>
+      <p:grpSpPr>
+        <a:xfrm>
+          <a:off x="0" y="0"/>
+          <a:ext cx="0" cy="0"/>
+          <a:chOff x="0" y="0"/>
+          <a:chExt cx="0" cy="0"/>
+        </a:xfrm>
+      </p:grpSpPr>
+      <p:sp>
+        <p:nvSpPr>
+          <p:cNvPr id="2" name="標題 1">
+            <a:extLst>
+              <a:ext uri="{FF2B5EF4-FFF2-40B4-BE49-F238E27FC236}">
+                <a16:creationId xmlns:a16="http://schemas.microsoft.com/office/drawing/2014/main" id="{36DC04C3-C563-4C98-8C07-9960108F9A80}"/>
+              </a:ext>
+            </a:extLst>
+          </p:cNvPr>
+          <p:cNvSpPr>
+            <a:spLocks noGrp="1"/>
+          </p:cNvSpPr>
+          <p:nvPr>
+            <p:ph type="title"/>
+          </p:nvPr>
+        </p:nvSpPr>
+        <p:spPr>
+          <a:xfrm>
+            <a:off x="838200" y="365125"/>
+            <a:ext cx="10515600" cy="1325563"/>
+          </a:xfrm>
+        </p:spPr>
+        <p:txBody>
+          <a:bodyPr/>
+          <a:lstStyle/>
+          <a:p>
+            <a:r>
+              <a:rPr lang="en-US" altLang="zh-TW" dirty="0">
+                <a:solidFill>
+                  <a:srgbClr val="14365D"/>
+                </a:solidFill>
+              </a:rPr>
+              <a:t>Methodology-Feature Sequencing</a:t>
+            </a:r>
+            <a:endParaRPr lang="zh-TW" altLang="en-US" dirty="0">
+              <a:solidFill>
+                <a:srgbClr val="14365D"/>
+              </a:solidFill>
+            </a:endParaRPr>
+          </a:p>
+        </p:txBody>
+      </p:sp>
+      <p:sp>
+        <p:nvSpPr>
+          <p:cNvPr id="3" name="頁尾版面配置區 2">
+            <a:extLst>
+              <a:ext uri="{FF2B5EF4-FFF2-40B4-BE49-F238E27FC236}">
+                <a16:creationId xmlns:a16="http://schemas.microsoft.com/office/drawing/2014/main" id="{4A4CA6E6-464E-453E-BC2B-43F181B88B9E}"/>
+              </a:ext>
+            </a:extLst>
+          </p:cNvPr>
+          <p:cNvSpPr>
+            <a:spLocks noGrp="1"/>
+          </p:cNvSpPr>
+          <p:nvPr>
+            <p:ph type="ftr" sz="quarter" idx="11"/>
+          </p:nvPr>
+        </p:nvSpPr>
+        <p:spPr/>
+        <p:txBody>
+          <a:bodyPr/>
+          <a:lstStyle/>
+          <a:p>
+            <a:r>
+              <a:rPr lang="en-US" altLang="zh-TW"/>
+              <a:t>Institute of Industrial Engineering, NTU | Laboratory of Analytics on Knowledge Engineering | Terry Yang | 2022</a:t>
+            </a:r>
+            <a:endParaRPr lang="en-US" altLang="zh-TW" dirty="0"/>
+          </a:p>
+        </p:txBody>
+      </p:sp>
+      <p:sp>
+        <p:nvSpPr>
+          <p:cNvPr id="4" name="TextBox 5">
+            <a:extLst>
+              <a:ext uri="{FF2B5EF4-FFF2-40B4-BE49-F238E27FC236}">
+                <a16:creationId xmlns:a16="http://schemas.microsoft.com/office/drawing/2014/main" id="{3E9CE020-3A35-404A-AFF1-FFAB16E7DCEC}"/>
+              </a:ext>
+            </a:extLst>
+          </p:cNvPr>
+          <p:cNvSpPr txBox="1"/>
+          <p:nvPr/>
+        </p:nvSpPr>
+        <p:spPr>
+          <a:xfrm>
+            <a:off x="838200" y="1690688"/>
+            <a:ext cx="5257800" cy="396262"/>
+          </a:xfrm>
+          <a:prstGeom prst="rect">
+            <a:avLst/>
+          </a:prstGeom>
+        </p:spPr>
+        <p:txBody>
+          <a:bodyPr wrap="square" lIns="0" tIns="0" rIns="0" bIns="0" rtlCol="0" anchor="t">
+            <a:spAutoFit/>
+          </a:bodyPr>
+          <a:lstStyle/>
+          <a:p>
+            <a:pPr>
+              <a:lnSpc>
+                <a:spcPts val="3359"/>
+              </a:lnSpc>
+            </a:pPr>
+            <a:r>
+              <a:rPr lang="en-US" altLang="zh-TW" dirty="0">
+                <a:solidFill>
+                  <a:srgbClr val="000000"/>
+                </a:solidFill>
+                <a:latin typeface="Nunito Light"/>
+              </a:rPr>
+              <a:t>To find the similar Features, we try  .</a:t>
+            </a:r>
+          </a:p>
+        </p:txBody>
+      </p:sp>
+    </p:spTree>
+    <p:extLst>
+      <p:ext uri="{BB962C8B-B14F-4D97-AF65-F5344CB8AC3E}">
+        <p14:creationId xmlns:p14="http://schemas.microsoft.com/office/powerpoint/2010/main" val="2396464225"/>
+      </p:ext>
+    </p:extLst>
+  </p:cSld>
+  <p:clrMapOvr>
+    <a:masterClrMapping/>
+  </p:clrMapOvr>
+</p:sld>
+</file>
+
+<file path=ppt/slides/slide13.xml><?xml version="1.0" encoding="utf-8"?>
+<p:sld xmlns:a="http://schemas.openxmlformats.org/drawingml/2006/main" xmlns:r="http://schemas.openxmlformats.org/officeDocument/2006/relationships" xmlns:p="http://schemas.openxmlformats.org/presentationml/2006/main">
+  <p:cSld>
+    <p:spTree>
+      <p:nvGrpSpPr>
+        <p:cNvPr id="1" name=""/>
+        <p:cNvGrpSpPr/>
+        <p:nvPr/>
+      </p:nvGrpSpPr>
+      <p:grpSpPr>
+        <a:xfrm>
+          <a:off x="0" y="0"/>
+          <a:ext cx="0" cy="0"/>
+          <a:chOff x="0" y="0"/>
+          <a:chExt cx="0" cy="0"/>
+        </a:xfrm>
+      </p:grpSpPr>
+      <p:sp>
+        <p:nvSpPr>
+          <p:cNvPr id="2" name="標題 1">
+            <a:extLst>
+              <a:ext uri="{FF2B5EF4-FFF2-40B4-BE49-F238E27FC236}">
+                <a16:creationId xmlns:a16="http://schemas.microsoft.com/office/drawing/2014/main" id="{36DC04C3-C563-4C98-8C07-9960108F9A80}"/>
+              </a:ext>
+            </a:extLst>
+          </p:cNvPr>
+          <p:cNvSpPr>
+            <a:spLocks noGrp="1"/>
+          </p:cNvSpPr>
+          <p:nvPr>
+            <p:ph type="title"/>
+          </p:nvPr>
+        </p:nvSpPr>
+        <p:spPr>
+          <a:xfrm>
+            <a:off x="838200" y="365125"/>
+            <a:ext cx="10515600" cy="1325563"/>
+          </a:xfrm>
+        </p:spPr>
+        <p:txBody>
+          <a:bodyPr/>
+          <a:lstStyle/>
+          <a:p>
+            <a:r>
+              <a:rPr lang="en-US" altLang="zh-TW" dirty="0">
+                <a:solidFill>
+                  <a:srgbClr val="14365D"/>
+                </a:solidFill>
+              </a:rPr>
+              <a:t>Methodology-BCD Encode</a:t>
+            </a:r>
+            <a:endParaRPr lang="zh-TW" altLang="en-US" dirty="0">
+              <a:solidFill>
+                <a:srgbClr val="14365D"/>
+              </a:solidFill>
+            </a:endParaRPr>
+          </a:p>
+        </p:txBody>
+      </p:sp>
+      <p:sp>
+        <p:nvSpPr>
+          <p:cNvPr id="3" name="頁尾版面配置區 2">
+            <a:extLst>
+              <a:ext uri="{FF2B5EF4-FFF2-40B4-BE49-F238E27FC236}">
+                <a16:creationId xmlns:a16="http://schemas.microsoft.com/office/drawing/2014/main" id="{4A4CA6E6-464E-453E-BC2B-43F181B88B9E}"/>
+              </a:ext>
+            </a:extLst>
+          </p:cNvPr>
+          <p:cNvSpPr>
+            <a:spLocks noGrp="1"/>
+          </p:cNvSpPr>
+          <p:nvPr>
+            <p:ph type="ftr" sz="quarter" idx="11"/>
+          </p:nvPr>
+        </p:nvSpPr>
+        <p:spPr/>
+        <p:txBody>
+          <a:bodyPr/>
+          <a:lstStyle/>
+          <a:p>
+            <a:r>
+              <a:rPr lang="en-US" altLang="zh-TW"/>
+              <a:t>Institute of Industrial Engineering, NTU | Laboratory of Analytics on Knowledge Engineering | Terry Yang | 2022</a:t>
+            </a:r>
+            <a:endParaRPr lang="en-US" altLang="zh-TW" dirty="0"/>
+          </a:p>
+        </p:txBody>
+      </p:sp>
+      <p:sp>
+        <p:nvSpPr>
+          <p:cNvPr id="4" name="TextBox 5">
+            <a:extLst>
+              <a:ext uri="{FF2B5EF4-FFF2-40B4-BE49-F238E27FC236}">
+                <a16:creationId xmlns:a16="http://schemas.microsoft.com/office/drawing/2014/main" id="{3E9CE020-3A35-404A-AFF1-FFAB16E7DCEC}"/>
+              </a:ext>
+            </a:extLst>
+          </p:cNvPr>
+          <p:cNvSpPr txBox="1"/>
+          <p:nvPr/>
+        </p:nvSpPr>
+        <p:spPr>
+          <a:xfrm>
+            <a:off x="838200" y="1690688"/>
+            <a:ext cx="5257800" cy="396262"/>
+          </a:xfrm>
+          <a:prstGeom prst="rect">
+            <a:avLst/>
+          </a:prstGeom>
+        </p:spPr>
+        <p:txBody>
+          <a:bodyPr wrap="square" lIns="0" tIns="0" rIns="0" bIns="0" rtlCol="0" anchor="t">
+            <a:spAutoFit/>
+          </a:bodyPr>
+          <a:lstStyle/>
+          <a:p>
+            <a:pPr>
+              <a:lnSpc>
+                <a:spcPts val="3359"/>
+              </a:lnSpc>
+            </a:pPr>
+            <a:r>
+              <a:rPr lang="en-US" altLang="zh-TW" dirty="0">
+                <a:solidFill>
+                  <a:srgbClr val="000000"/>
+                </a:solidFill>
+                <a:latin typeface="Nunito Light"/>
+              </a:rPr>
+              <a:t>To find the similar Features, we try  .</a:t>
+            </a:r>
+          </a:p>
+        </p:txBody>
+      </p:sp>
+    </p:spTree>
+    <p:extLst>
+      <p:ext uri="{BB962C8B-B14F-4D97-AF65-F5344CB8AC3E}">
+        <p14:creationId xmlns:p14="http://schemas.microsoft.com/office/powerpoint/2010/main" val="214025461"/>
+      </p:ext>
+    </p:extLst>
+  </p:cSld>
+  <p:clrMapOvr>
+    <a:masterClrMapping/>
+  </p:clrMapOvr>
+</p:sld>
+</file>
+
+<file path=ppt/slides/slide14.xml><?xml version="1.0" encoding="utf-8"?>
+<p:sld xmlns:a="http://schemas.openxmlformats.org/drawingml/2006/main" xmlns:r="http://schemas.openxmlformats.org/officeDocument/2006/relationships" xmlns:p="http://schemas.openxmlformats.org/presentationml/2006/main">
+  <p:cSld>
+    <p:spTree>
+      <p:nvGrpSpPr>
+        <p:cNvPr id="1" name=""/>
+        <p:cNvGrpSpPr/>
+        <p:nvPr/>
+      </p:nvGrpSpPr>
+      <p:grpSpPr>
+        <a:xfrm>
+          <a:off x="0" y="0"/>
+          <a:ext cx="0" cy="0"/>
+          <a:chOff x="0" y="0"/>
+          <a:chExt cx="0" cy="0"/>
+        </a:xfrm>
+      </p:grpSpPr>
+      <p:sp>
+        <p:nvSpPr>
+          <p:cNvPr id="2" name="標題 1">
+            <a:extLst>
+              <a:ext uri="{FF2B5EF4-FFF2-40B4-BE49-F238E27FC236}">
+                <a16:creationId xmlns:a16="http://schemas.microsoft.com/office/drawing/2014/main" id="{9863A037-346C-46ED-874C-6E5E22A48CD6}"/>
+              </a:ext>
+            </a:extLst>
+          </p:cNvPr>
+          <p:cNvSpPr>
+            <a:spLocks noGrp="1"/>
+          </p:cNvSpPr>
+          <p:nvPr>
+            <p:ph type="title"/>
+          </p:nvPr>
+        </p:nvSpPr>
+        <p:spPr/>
+        <p:txBody>
+          <a:bodyPr/>
+          <a:lstStyle/>
+          <a:p>
+            <a:r>
+              <a:rPr lang="en-US" altLang="zh-TW" dirty="0">
+                <a:solidFill>
+                  <a:srgbClr val="14365D"/>
+                </a:solidFill>
+              </a:rPr>
+              <a:t>Case study</a:t>
+            </a:r>
+            <a:endParaRPr lang="zh-TW" altLang="en-US" dirty="0">
+              <a:solidFill>
+                <a:srgbClr val="14365D"/>
+              </a:solidFill>
+            </a:endParaRPr>
+          </a:p>
+        </p:txBody>
+      </p:sp>
+      <p:sp>
+        <p:nvSpPr>
+          <p:cNvPr id="3" name="頁尾版面配置區 2">
+            <a:extLst>
+              <a:ext uri="{FF2B5EF4-FFF2-40B4-BE49-F238E27FC236}">
+                <a16:creationId xmlns:a16="http://schemas.microsoft.com/office/drawing/2014/main" id="{D8F09910-4CFC-4061-91E6-11C907D0C3E7}"/>
+              </a:ext>
+            </a:extLst>
+          </p:cNvPr>
+          <p:cNvSpPr>
+            <a:spLocks noGrp="1"/>
+          </p:cNvSpPr>
+          <p:nvPr>
+            <p:ph type="ftr" sz="quarter" idx="11"/>
+          </p:nvPr>
+        </p:nvSpPr>
+        <p:spPr/>
+        <p:txBody>
+          <a:bodyPr/>
+          <a:lstStyle/>
+          <a:p>
+            <a:r>
+              <a:rPr lang="en-US" altLang="zh-TW"/>
+              <a:t>Institute of Industrial Engineering, NTU | Laboratory of Analytics on Knowledge Engineering | Terry Yang | 2022</a:t>
+            </a:r>
+            <a:endParaRPr lang="en-US" altLang="zh-TW" dirty="0"/>
+          </a:p>
+        </p:txBody>
+      </p:sp>
+    </p:spTree>
+    <p:extLst>
+      <p:ext uri="{BB962C8B-B14F-4D97-AF65-F5344CB8AC3E}">
+        <p14:creationId xmlns:p14="http://schemas.microsoft.com/office/powerpoint/2010/main" val="1215055173"/>
+      </p:ext>
+    </p:extLst>
+  </p:cSld>
+  <p:clrMapOvr>
+    <a:masterClrMapping/>
+  </p:clrMapOvr>
+</p:sld>
+</file>
+
+<file path=ppt/slides/slide15.xml><?xml version="1.0" encoding="utf-8"?>
+<p:sld xmlns:a="http://schemas.openxmlformats.org/drawingml/2006/main" xmlns:r="http://schemas.openxmlformats.org/officeDocument/2006/relationships" xmlns:p="http://schemas.openxmlformats.org/presentationml/2006/main">
+  <p:cSld>
+    <p:spTree>
+      <p:nvGrpSpPr>
+        <p:cNvPr id="1" name=""/>
+        <p:cNvGrpSpPr/>
+        <p:nvPr/>
+      </p:nvGrpSpPr>
+      <p:grpSpPr>
+        <a:xfrm>
+          <a:off x="0" y="0"/>
+          <a:ext cx="0" cy="0"/>
+          <a:chOff x="0" y="0"/>
+          <a:chExt cx="0" cy="0"/>
+        </a:xfrm>
+      </p:grpSpPr>
+      <p:sp>
+        <p:nvSpPr>
+          <p:cNvPr id="2" name="標題 1">
+            <a:extLst>
+              <a:ext uri="{FF2B5EF4-FFF2-40B4-BE49-F238E27FC236}">
+                <a16:creationId xmlns:a16="http://schemas.microsoft.com/office/drawing/2014/main" id="{9863A037-346C-46ED-874C-6E5E22A48CD6}"/>
+              </a:ext>
+            </a:extLst>
+          </p:cNvPr>
+          <p:cNvSpPr>
+            <a:spLocks noGrp="1"/>
+          </p:cNvSpPr>
+          <p:nvPr>
+            <p:ph type="title"/>
+          </p:nvPr>
+        </p:nvSpPr>
+        <p:spPr/>
+        <p:txBody>
+          <a:bodyPr/>
+          <a:lstStyle/>
+          <a:p>
+            <a:r>
+              <a:rPr lang="en-US" altLang="zh-TW" dirty="0">
+                <a:solidFill>
+                  <a:srgbClr val="14365D"/>
+                </a:solidFill>
+              </a:rPr>
+              <a:t>Case study - Continuous data</a:t>
+            </a:r>
+            <a:endParaRPr lang="zh-TW" altLang="en-US" dirty="0">
+              <a:solidFill>
+                <a:srgbClr val="14365D"/>
+              </a:solidFill>
+            </a:endParaRPr>
+          </a:p>
+        </p:txBody>
+      </p:sp>
+      <p:sp>
+        <p:nvSpPr>
+          <p:cNvPr id="3" name="頁尾版面配置區 2">
+            <a:extLst>
+              <a:ext uri="{FF2B5EF4-FFF2-40B4-BE49-F238E27FC236}">
+                <a16:creationId xmlns:a16="http://schemas.microsoft.com/office/drawing/2014/main" id="{D8F09910-4CFC-4061-91E6-11C907D0C3E7}"/>
+              </a:ext>
+            </a:extLst>
+          </p:cNvPr>
+          <p:cNvSpPr>
+            <a:spLocks noGrp="1"/>
+          </p:cNvSpPr>
+          <p:nvPr>
+            <p:ph type="ftr" sz="quarter" idx="11"/>
+          </p:nvPr>
+        </p:nvSpPr>
+        <p:spPr/>
+        <p:txBody>
+          <a:bodyPr/>
+          <a:lstStyle/>
+          <a:p>
+            <a:r>
+              <a:rPr lang="en-US" altLang="zh-TW"/>
+              <a:t>Institute of Industrial Engineering, NTU | Laboratory of Analytics on Knowledge Engineering | Terry Yang | 2022</a:t>
+            </a:r>
+            <a:endParaRPr lang="en-US" altLang="zh-TW" dirty="0"/>
+          </a:p>
+        </p:txBody>
+      </p:sp>
+    </p:spTree>
+    <p:extLst>
+      <p:ext uri="{BB962C8B-B14F-4D97-AF65-F5344CB8AC3E}">
+        <p14:creationId xmlns:p14="http://schemas.microsoft.com/office/powerpoint/2010/main" val="1328549607"/>
+      </p:ext>
+    </p:extLst>
+  </p:cSld>
+  <p:clrMapOvr>
+    <a:masterClrMapping/>
+  </p:clrMapOvr>
+</p:sld>
+</file>
+
+<file path=ppt/slides/slide16.xml><?xml version="1.0" encoding="utf-8"?>
+<p:sld xmlns:a="http://schemas.openxmlformats.org/drawingml/2006/main" xmlns:r="http://schemas.openxmlformats.org/officeDocument/2006/relationships" xmlns:p="http://schemas.openxmlformats.org/presentationml/2006/main">
+  <p:cSld>
+    <p:spTree>
+      <p:nvGrpSpPr>
+        <p:cNvPr id="1" name=""/>
+        <p:cNvGrpSpPr/>
+        <p:nvPr/>
+      </p:nvGrpSpPr>
+      <p:grpSpPr>
+        <a:xfrm>
+          <a:off x="0" y="0"/>
+          <a:ext cx="0" cy="0"/>
+          <a:chOff x="0" y="0"/>
+          <a:chExt cx="0" cy="0"/>
+        </a:xfrm>
+      </p:grpSpPr>
+      <p:sp>
+        <p:nvSpPr>
+          <p:cNvPr id="2" name="標題 1">
+            <a:extLst>
+              <a:ext uri="{FF2B5EF4-FFF2-40B4-BE49-F238E27FC236}">
+                <a16:creationId xmlns:a16="http://schemas.microsoft.com/office/drawing/2014/main" id="{9863A037-346C-46ED-874C-6E5E22A48CD6}"/>
+              </a:ext>
+            </a:extLst>
+          </p:cNvPr>
+          <p:cNvSpPr>
+            <a:spLocks noGrp="1"/>
+          </p:cNvSpPr>
+          <p:nvPr>
+            <p:ph type="title"/>
+          </p:nvPr>
+        </p:nvSpPr>
+        <p:spPr/>
+        <p:txBody>
+          <a:bodyPr/>
+          <a:lstStyle/>
+          <a:p>
+            <a:r>
+              <a:rPr lang="en-US" altLang="zh-TW" dirty="0">
+                <a:solidFill>
+                  <a:srgbClr val="14365D"/>
+                </a:solidFill>
+              </a:rPr>
+              <a:t>Case study - Manufacturing data</a:t>
+            </a:r>
+            <a:endParaRPr lang="zh-TW" altLang="en-US" dirty="0">
+              <a:solidFill>
+                <a:srgbClr val="14365D"/>
+              </a:solidFill>
+            </a:endParaRPr>
+          </a:p>
+        </p:txBody>
+      </p:sp>
+      <p:sp>
+        <p:nvSpPr>
+          <p:cNvPr id="3" name="頁尾版面配置區 2">
+            <a:extLst>
+              <a:ext uri="{FF2B5EF4-FFF2-40B4-BE49-F238E27FC236}">
+                <a16:creationId xmlns:a16="http://schemas.microsoft.com/office/drawing/2014/main" id="{D8F09910-4CFC-4061-91E6-11C907D0C3E7}"/>
+              </a:ext>
+            </a:extLst>
+          </p:cNvPr>
+          <p:cNvSpPr>
+            <a:spLocks noGrp="1"/>
+          </p:cNvSpPr>
+          <p:nvPr>
+            <p:ph type="ftr" sz="quarter" idx="11"/>
+          </p:nvPr>
+        </p:nvSpPr>
+        <p:spPr/>
+        <p:txBody>
+          <a:bodyPr/>
+          <a:lstStyle/>
+          <a:p>
+            <a:r>
+              <a:rPr lang="en-US" altLang="zh-TW"/>
+              <a:t>Institute of Industrial Engineering, NTU | Laboratory of Analytics on Knowledge Engineering | Terry Yang | 2022</a:t>
+            </a:r>
+            <a:endParaRPr lang="en-US" altLang="zh-TW" dirty="0"/>
+          </a:p>
+        </p:txBody>
+      </p:sp>
+    </p:spTree>
+    <p:extLst>
+      <p:ext uri="{BB962C8B-B14F-4D97-AF65-F5344CB8AC3E}">
+        <p14:creationId xmlns:p14="http://schemas.microsoft.com/office/powerpoint/2010/main" val="3356235543"/>
+      </p:ext>
+    </p:extLst>
+  </p:cSld>
+  <p:clrMapOvr>
+    <a:masterClrMapping/>
+  </p:clrMapOvr>
+</p:sld>
+</file>
+
+<file path=ppt/slides/slide17.xml><?xml version="1.0" encoding="utf-8"?>
+<p:sld xmlns:a="http://schemas.openxmlformats.org/drawingml/2006/main" xmlns:r="http://schemas.openxmlformats.org/officeDocument/2006/relationships" xmlns:p="http://schemas.openxmlformats.org/presentationml/2006/main">
+  <p:cSld>
+    <p:spTree>
+      <p:nvGrpSpPr>
+        <p:cNvPr id="1" name=""/>
+        <p:cNvGrpSpPr/>
+        <p:nvPr/>
+      </p:nvGrpSpPr>
+      <p:grpSpPr>
+        <a:xfrm>
+          <a:off x="0" y="0"/>
+          <a:ext cx="0" cy="0"/>
+          <a:chOff x="0" y="0"/>
+          <a:chExt cx="0" cy="0"/>
+        </a:xfrm>
+      </p:grpSpPr>
       <p:sp>
         <p:nvSpPr>
           <p:cNvPr id="2" name="標題 1">
@@ -3454,7 +6126,7 @@
 </p:sld>
 </file>
 
-<file path=ppt/slides/slide11.xml><?xml version="1.0" encoding="utf-8"?>
+<file path=ppt/slides/slide18.xml><?xml version="1.0" encoding="utf-8"?>
 <p:sld xmlns:a="http://schemas.openxmlformats.org/drawingml/2006/main" xmlns:r="http://schemas.openxmlformats.org/officeDocument/2006/relationships" xmlns:p="http://schemas.openxmlformats.org/presentationml/2006/main">
   <p:cSld>
     <p:spTree>
@@ -8545,13 +11217,13 @@
           <p:nvPr>
             <p:extLst>
               <p:ext uri="{D42A27DB-BD31-4B8C-83A1-F6EECF244321}">
-                <p14:modId xmlns:p14="http://schemas.microsoft.com/office/powerpoint/2010/main" val="2806144042"/>
+                <p14:modId xmlns:p14="http://schemas.microsoft.com/office/powerpoint/2010/main" val="1811918202"/>
               </p:ext>
             </p:extLst>
           </p:nvPr>
         </p:nvGraphicFramePr>
         <p:xfrm>
-          <a:off x="8960163" y="3123813"/>
+          <a:off x="9328463" y="3123813"/>
           <a:ext cx="1858590" cy="1828800"/>
         </p:xfrm>
         <a:graphic>
@@ -9409,13 +12081,13 @@
           <p:nvPr>
             <p:extLst>
               <p:ext uri="{D42A27DB-BD31-4B8C-83A1-F6EECF244321}">
-                <p14:modId xmlns:p14="http://schemas.microsoft.com/office/powerpoint/2010/main" val="48135371"/>
+                <p14:modId xmlns:p14="http://schemas.microsoft.com/office/powerpoint/2010/main" val="3002824638"/>
               </p:ext>
             </p:extLst>
           </p:nvPr>
         </p:nvGraphicFramePr>
         <p:xfrm>
-          <a:off x="8960161" y="1454687"/>
+          <a:off x="9328461" y="1454687"/>
           <a:ext cx="1858589" cy="1463040"/>
         </p:xfrm>
         <a:graphic>
@@ -10441,6 +13113,715 @@
           <a:chExt cx="0" cy="0"/>
         </a:xfrm>
       </p:grpSpPr>
+      <p:graphicFrame>
+        <p:nvGraphicFramePr>
+          <p:cNvPr id="7" name="表格 6">
+            <a:extLst>
+              <a:ext uri="{FF2B5EF4-FFF2-40B4-BE49-F238E27FC236}">
+                <a16:creationId xmlns:a16="http://schemas.microsoft.com/office/drawing/2014/main" id="{0A9722F6-FD00-4123-B8E2-13D9B0937002}"/>
+              </a:ext>
+            </a:extLst>
+          </p:cNvPr>
+          <p:cNvGraphicFramePr>
+            <a:graphicFrameLocks noGrp="1"/>
+          </p:cNvGraphicFramePr>
+          <p:nvPr>
+            <p:extLst>
+              <p:ext uri="{D42A27DB-BD31-4B8C-83A1-F6EECF244321}">
+                <p14:modId xmlns:p14="http://schemas.microsoft.com/office/powerpoint/2010/main" val="1764488102"/>
+              </p:ext>
+            </p:extLst>
+          </p:nvPr>
+        </p:nvGraphicFramePr>
+        <p:xfrm>
+          <a:off x="6384777" y="1843694"/>
+          <a:ext cx="5257800" cy="3181255"/>
+        </p:xfrm>
+        <a:graphic>
+          <a:graphicData uri="http://schemas.openxmlformats.org/drawingml/2006/table">
+            <a:tbl>
+              <a:tblPr firstRow="1" bandRow="1">
+                <a:tableStyleId>{5C22544A-7EE6-4342-B048-85BDC9FD1C3A}</a:tableStyleId>
+              </a:tblPr>
+              <a:tblGrid>
+                <a:gridCol w="876300">
+                  <a:extLst>
+                    <a:ext uri="{9D8B030D-6E8A-4147-A177-3AD203B41FA5}">
+                      <a16:colId xmlns:a16="http://schemas.microsoft.com/office/drawing/2014/main" val="2260549720"/>
+                    </a:ext>
+                  </a:extLst>
+                </a:gridCol>
+                <a:gridCol w="876300">
+                  <a:extLst>
+                    <a:ext uri="{9D8B030D-6E8A-4147-A177-3AD203B41FA5}">
+                      <a16:colId xmlns:a16="http://schemas.microsoft.com/office/drawing/2014/main" val="1617252258"/>
+                    </a:ext>
+                  </a:extLst>
+                </a:gridCol>
+                <a:gridCol w="876300">
+                  <a:extLst>
+                    <a:ext uri="{9D8B030D-6E8A-4147-A177-3AD203B41FA5}">
+                      <a16:colId xmlns:a16="http://schemas.microsoft.com/office/drawing/2014/main" val="3515302988"/>
+                    </a:ext>
+                  </a:extLst>
+                </a:gridCol>
+                <a:gridCol w="876300">
+                  <a:extLst>
+                    <a:ext uri="{9D8B030D-6E8A-4147-A177-3AD203B41FA5}">
+                      <a16:colId xmlns:a16="http://schemas.microsoft.com/office/drawing/2014/main" val="2275823469"/>
+                    </a:ext>
+                  </a:extLst>
+                </a:gridCol>
+                <a:gridCol w="876300">
+                  <a:extLst>
+                    <a:ext uri="{9D8B030D-6E8A-4147-A177-3AD203B41FA5}">
+                      <a16:colId xmlns:a16="http://schemas.microsoft.com/office/drawing/2014/main" val="1225509667"/>
+                    </a:ext>
+                  </a:extLst>
+                </a:gridCol>
+                <a:gridCol w="876300">
+                  <a:extLst>
+                    <a:ext uri="{9D8B030D-6E8A-4147-A177-3AD203B41FA5}">
+                      <a16:colId xmlns:a16="http://schemas.microsoft.com/office/drawing/2014/main" val="850758534"/>
+                    </a:ext>
+                  </a:extLst>
+                </a:gridCol>
+              </a:tblGrid>
+              <a:tr h="636251">
+                <a:tc>
+                  <a:txBody>
+                    <a:bodyPr/>
+                    <a:lstStyle/>
+                    <a:p>
+                      <a:pPr algn="ctr"/>
+                      <a:r>
+                        <a:rPr lang="en-US" altLang="zh-TW" dirty="0"/>
+                        <a:t>Col 1</a:t>
+                      </a:r>
+                      <a:endParaRPr lang="zh-TW" altLang="en-US" dirty="0"/>
+                    </a:p>
+                  </a:txBody>
+                  <a:tcPr anchor="ctr"/>
+                </a:tc>
+                <a:tc>
+                  <a:txBody>
+                    <a:bodyPr/>
+                    <a:lstStyle/>
+                    <a:p>
+                      <a:pPr marL="0" marR="0" lvl="0" indent="0" algn="ctr" defTabSz="914400" rtl="0" eaLnBrk="1" fontAlgn="auto" latinLnBrk="0" hangingPunct="1">
+                        <a:lnSpc>
+                          <a:spcPct val="100000"/>
+                        </a:lnSpc>
+                        <a:spcBef>
+                          <a:spcPts val="0"/>
+                        </a:spcBef>
+                        <a:spcAft>
+                          <a:spcPts val="0"/>
+                        </a:spcAft>
+                        <a:buClrTx/>
+                        <a:buSzTx/>
+                        <a:buFontTx/>
+                        <a:buNone/>
+                        <a:tabLst/>
+                        <a:defRPr/>
+                      </a:pPr>
+                      <a:r>
+                        <a:rPr lang="en-US" altLang="zh-TW" dirty="0"/>
+                        <a:t>Col 2</a:t>
+                      </a:r>
+                      <a:endParaRPr lang="zh-TW" altLang="en-US" dirty="0"/>
+                    </a:p>
+                  </a:txBody>
+                  <a:tcPr anchor="ctr"/>
+                </a:tc>
+                <a:tc>
+                  <a:txBody>
+                    <a:bodyPr/>
+                    <a:lstStyle/>
+                    <a:p>
+                      <a:pPr algn="ctr"/>
+                      <a:r>
+                        <a:rPr lang="en-US" altLang="zh-TW" dirty="0"/>
+                        <a:t>Col 3</a:t>
+                      </a:r>
+                      <a:endParaRPr lang="zh-TW" altLang="en-US" dirty="0"/>
+                    </a:p>
+                  </a:txBody>
+                  <a:tcPr anchor="ctr"/>
+                </a:tc>
+                <a:tc>
+                  <a:txBody>
+                    <a:bodyPr/>
+                    <a:lstStyle/>
+                    <a:p>
+                      <a:pPr marL="0" marR="0" lvl="0" indent="0" algn="ctr" defTabSz="914400" rtl="0" eaLnBrk="1" fontAlgn="auto" latinLnBrk="0" hangingPunct="1">
+                        <a:lnSpc>
+                          <a:spcPct val="100000"/>
+                        </a:lnSpc>
+                        <a:spcBef>
+                          <a:spcPts val="0"/>
+                        </a:spcBef>
+                        <a:spcAft>
+                          <a:spcPts val="0"/>
+                        </a:spcAft>
+                        <a:buClrTx/>
+                        <a:buSzTx/>
+                        <a:buFontTx/>
+                        <a:buNone/>
+                        <a:tabLst/>
+                        <a:defRPr/>
+                      </a:pPr>
+                      <a:r>
+                        <a:rPr lang="en-US" altLang="zh-TW" dirty="0"/>
+                        <a:t>Col 4</a:t>
+                      </a:r>
+                      <a:endParaRPr lang="zh-TW" altLang="en-US" dirty="0"/>
+                    </a:p>
+                  </a:txBody>
+                  <a:tcPr anchor="ctr"/>
+                </a:tc>
+                <a:tc>
+                  <a:txBody>
+                    <a:bodyPr/>
+                    <a:lstStyle/>
+                    <a:p>
+                      <a:pPr algn="ctr"/>
+                      <a:r>
+                        <a:rPr lang="en-US" altLang="zh-TW" dirty="0"/>
+                        <a:t>Col 5</a:t>
+                      </a:r>
+                      <a:endParaRPr lang="zh-TW" altLang="en-US" dirty="0"/>
+                    </a:p>
+                  </a:txBody>
+                  <a:tcPr anchor="ctr"/>
+                </a:tc>
+                <a:tc>
+                  <a:txBody>
+                    <a:bodyPr/>
+                    <a:lstStyle/>
+                    <a:p>
+                      <a:pPr marL="0" marR="0" lvl="0" indent="0" algn="ctr" defTabSz="914400" rtl="0" eaLnBrk="1" fontAlgn="auto" latinLnBrk="0" hangingPunct="1">
+                        <a:lnSpc>
+                          <a:spcPct val="100000"/>
+                        </a:lnSpc>
+                        <a:spcBef>
+                          <a:spcPts val="0"/>
+                        </a:spcBef>
+                        <a:spcAft>
+                          <a:spcPts val="0"/>
+                        </a:spcAft>
+                        <a:buClrTx/>
+                        <a:buSzTx/>
+                        <a:buFontTx/>
+                        <a:buNone/>
+                        <a:tabLst/>
+                        <a:defRPr/>
+                      </a:pPr>
+                      <a:r>
+                        <a:rPr lang="en-US" altLang="zh-TW" dirty="0"/>
+                        <a:t>Col 6</a:t>
+                      </a:r>
+                      <a:endParaRPr lang="zh-TW" altLang="en-US" dirty="0"/>
+                    </a:p>
+                  </a:txBody>
+                  <a:tcPr anchor="ctr"/>
+                </a:tc>
+                <a:extLst>
+                  <a:ext uri="{0D108BD9-81ED-4DB2-BD59-A6C34878D82A}">
+                    <a16:rowId xmlns:a16="http://schemas.microsoft.com/office/drawing/2014/main" val="4238049435"/>
+                  </a:ext>
+                </a:extLst>
+              </a:tr>
+              <a:tr h="636251">
+                <a:tc>
+                  <a:txBody>
+                    <a:bodyPr/>
+                    <a:lstStyle/>
+                    <a:p>
+                      <a:pPr algn="ctr"/>
+                      <a:r>
+                        <a:rPr lang="en-US" altLang="zh-TW" dirty="0"/>
+                        <a:t>1</a:t>
+                      </a:r>
+                      <a:endParaRPr lang="zh-TW" altLang="en-US" dirty="0"/>
+                    </a:p>
+                  </a:txBody>
+                  <a:tcPr anchor="ctr"/>
+                </a:tc>
+                <a:tc>
+                  <a:txBody>
+                    <a:bodyPr/>
+                    <a:lstStyle/>
+                    <a:p>
+                      <a:pPr algn="ctr"/>
+                      <a:r>
+                        <a:rPr lang="en-US" altLang="zh-TW" dirty="0"/>
+                        <a:t>1</a:t>
+                      </a:r>
+                      <a:endParaRPr lang="zh-TW" altLang="en-US" dirty="0"/>
+                    </a:p>
+                  </a:txBody>
+                  <a:tcPr anchor="ctr"/>
+                </a:tc>
+                <a:tc>
+                  <a:txBody>
+                    <a:bodyPr/>
+                    <a:lstStyle/>
+                    <a:p>
+                      <a:pPr algn="ctr"/>
+                      <a:r>
+                        <a:rPr lang="en-US" altLang="zh-TW" dirty="0"/>
+                        <a:t>0</a:t>
+                      </a:r>
+                      <a:endParaRPr lang="zh-TW" altLang="en-US" dirty="0"/>
+                    </a:p>
+                  </a:txBody>
+                  <a:tcPr anchor="ctr"/>
+                </a:tc>
+                <a:tc>
+                  <a:txBody>
+                    <a:bodyPr/>
+                    <a:lstStyle/>
+                    <a:p>
+                      <a:pPr algn="ctr"/>
+                      <a:r>
+                        <a:rPr lang="en-US" altLang="zh-TW" dirty="0"/>
+                        <a:t>1</a:t>
+                      </a:r>
+                      <a:endParaRPr lang="zh-TW" altLang="en-US" dirty="0"/>
+                    </a:p>
+                  </a:txBody>
+                  <a:tcPr anchor="ctr"/>
+                </a:tc>
+                <a:tc>
+                  <a:txBody>
+                    <a:bodyPr/>
+                    <a:lstStyle/>
+                    <a:p>
+                      <a:pPr algn="ctr"/>
+                      <a:r>
+                        <a:rPr lang="en-US" altLang="zh-TW" dirty="0"/>
+                        <a:t>0</a:t>
+                      </a:r>
+                      <a:endParaRPr lang="zh-TW" altLang="en-US" dirty="0"/>
+                    </a:p>
+                  </a:txBody>
+                  <a:tcPr anchor="ctr"/>
+                </a:tc>
+                <a:tc>
+                  <a:txBody>
+                    <a:bodyPr/>
+                    <a:lstStyle/>
+                    <a:p>
+                      <a:pPr algn="ctr"/>
+                      <a:r>
+                        <a:rPr lang="en-US" altLang="zh-TW" dirty="0"/>
+                        <a:t>0</a:t>
+                      </a:r>
+                      <a:endParaRPr lang="zh-TW" altLang="en-US" dirty="0"/>
+                    </a:p>
+                  </a:txBody>
+                  <a:tcPr anchor="ctr"/>
+                </a:tc>
+                <a:extLst>
+                  <a:ext uri="{0D108BD9-81ED-4DB2-BD59-A6C34878D82A}">
+                    <a16:rowId xmlns:a16="http://schemas.microsoft.com/office/drawing/2014/main" val="466443544"/>
+                  </a:ext>
+                </a:extLst>
+              </a:tr>
+              <a:tr h="636251">
+                <a:tc>
+                  <a:txBody>
+                    <a:bodyPr/>
+                    <a:lstStyle/>
+                    <a:p>
+                      <a:pPr algn="ctr"/>
+                      <a:r>
+                        <a:rPr lang="en-US" altLang="zh-TW" dirty="0"/>
+                        <a:t>1</a:t>
+                      </a:r>
+                      <a:endParaRPr lang="zh-TW" altLang="en-US" dirty="0"/>
+                    </a:p>
+                  </a:txBody>
+                  <a:tcPr anchor="ctr"/>
+                </a:tc>
+                <a:tc>
+                  <a:txBody>
+                    <a:bodyPr/>
+                    <a:lstStyle/>
+                    <a:p>
+                      <a:pPr algn="ctr"/>
+                      <a:r>
+                        <a:rPr lang="en-US" altLang="zh-TW" dirty="0"/>
+                        <a:t>0</a:t>
+                      </a:r>
+                      <a:endParaRPr lang="zh-TW" altLang="en-US" dirty="0"/>
+                    </a:p>
+                  </a:txBody>
+                  <a:tcPr anchor="ctr"/>
+                </a:tc>
+                <a:tc>
+                  <a:txBody>
+                    <a:bodyPr/>
+                    <a:lstStyle/>
+                    <a:p>
+                      <a:pPr algn="ctr"/>
+                      <a:r>
+                        <a:rPr lang="en-US" altLang="zh-TW" dirty="0"/>
+                        <a:t>0</a:t>
+                      </a:r>
+                      <a:endParaRPr lang="zh-TW" altLang="en-US" dirty="0"/>
+                    </a:p>
+                  </a:txBody>
+                  <a:tcPr anchor="ctr"/>
+                </a:tc>
+                <a:tc>
+                  <a:txBody>
+                    <a:bodyPr/>
+                    <a:lstStyle/>
+                    <a:p>
+                      <a:pPr algn="ctr"/>
+                      <a:r>
+                        <a:rPr lang="en-US" altLang="zh-TW" dirty="0"/>
+                        <a:t>1</a:t>
+                      </a:r>
+                      <a:endParaRPr lang="zh-TW" altLang="en-US" dirty="0"/>
+                    </a:p>
+                  </a:txBody>
+                  <a:tcPr anchor="ctr"/>
+                </a:tc>
+                <a:tc>
+                  <a:txBody>
+                    <a:bodyPr/>
+                    <a:lstStyle/>
+                    <a:p>
+                      <a:pPr algn="ctr"/>
+                      <a:r>
+                        <a:rPr lang="en-US" altLang="zh-TW" dirty="0"/>
+                        <a:t>1</a:t>
+                      </a:r>
+                      <a:endParaRPr lang="zh-TW" altLang="en-US" dirty="0"/>
+                    </a:p>
+                  </a:txBody>
+                  <a:tcPr anchor="ctr"/>
+                </a:tc>
+                <a:tc>
+                  <a:txBody>
+                    <a:bodyPr/>
+                    <a:lstStyle/>
+                    <a:p>
+                      <a:pPr algn="ctr"/>
+                      <a:r>
+                        <a:rPr lang="en-US" altLang="zh-TW" dirty="0"/>
+                        <a:t>0</a:t>
+                      </a:r>
+                      <a:endParaRPr lang="zh-TW" altLang="en-US" dirty="0"/>
+                    </a:p>
+                  </a:txBody>
+                  <a:tcPr anchor="ctr"/>
+                </a:tc>
+                <a:extLst>
+                  <a:ext uri="{0D108BD9-81ED-4DB2-BD59-A6C34878D82A}">
+                    <a16:rowId xmlns:a16="http://schemas.microsoft.com/office/drawing/2014/main" val="2447474118"/>
+                  </a:ext>
+                </a:extLst>
+              </a:tr>
+              <a:tr h="636251">
+                <a:tc>
+                  <a:txBody>
+                    <a:bodyPr/>
+                    <a:lstStyle/>
+                    <a:p>
+                      <a:pPr algn="ctr"/>
+                      <a:r>
+                        <a:rPr lang="en-US" altLang="zh-TW" dirty="0">
+                          <a:latin typeface="Times New Roman" panose="02020603050405020304" pitchFamily="18" charset="0"/>
+                          <a:cs typeface="Times New Roman" panose="02020603050405020304" pitchFamily="18" charset="0"/>
+                        </a:rPr>
+                        <a:t>⁝</a:t>
+                      </a:r>
+                      <a:endParaRPr lang="zh-TW" altLang="en-US" dirty="0"/>
+                    </a:p>
+                  </a:txBody>
+                  <a:tcPr anchor="ctr"/>
+                </a:tc>
+                <a:tc>
+                  <a:txBody>
+                    <a:bodyPr/>
+                    <a:lstStyle/>
+                    <a:p>
+                      <a:pPr marL="0" marR="0" lvl="0" indent="0" algn="ctr" defTabSz="914400" rtl="0" eaLnBrk="1" fontAlgn="auto" latinLnBrk="0" hangingPunct="1">
+                        <a:lnSpc>
+                          <a:spcPct val="100000"/>
+                        </a:lnSpc>
+                        <a:spcBef>
+                          <a:spcPts val="0"/>
+                        </a:spcBef>
+                        <a:spcAft>
+                          <a:spcPts val="0"/>
+                        </a:spcAft>
+                        <a:buClrTx/>
+                        <a:buSzTx/>
+                        <a:buFontTx/>
+                        <a:buNone/>
+                        <a:tabLst/>
+                        <a:defRPr/>
+                      </a:pPr>
+                      <a:r>
+                        <a:rPr lang="en-US" altLang="zh-TW" dirty="0">
+                          <a:latin typeface="Times New Roman" panose="02020603050405020304" pitchFamily="18" charset="0"/>
+                          <a:cs typeface="Times New Roman" panose="02020603050405020304" pitchFamily="18" charset="0"/>
+                        </a:rPr>
+                        <a:t>⁝</a:t>
+                      </a:r>
+                      <a:endParaRPr lang="zh-TW" altLang="en-US" dirty="0"/>
+                    </a:p>
+                  </a:txBody>
+                  <a:tcPr anchor="ctr"/>
+                </a:tc>
+                <a:tc>
+                  <a:txBody>
+                    <a:bodyPr/>
+                    <a:lstStyle/>
+                    <a:p>
+                      <a:pPr marL="0" marR="0" lvl="0" indent="0" algn="ctr" defTabSz="914400" rtl="0" eaLnBrk="1" fontAlgn="auto" latinLnBrk="0" hangingPunct="1">
+                        <a:lnSpc>
+                          <a:spcPct val="100000"/>
+                        </a:lnSpc>
+                        <a:spcBef>
+                          <a:spcPts val="0"/>
+                        </a:spcBef>
+                        <a:spcAft>
+                          <a:spcPts val="0"/>
+                        </a:spcAft>
+                        <a:buClrTx/>
+                        <a:buSzTx/>
+                        <a:buFontTx/>
+                        <a:buNone/>
+                        <a:tabLst/>
+                        <a:defRPr/>
+                      </a:pPr>
+                      <a:r>
+                        <a:rPr lang="en-US" altLang="zh-TW" dirty="0">
+                          <a:latin typeface="Times New Roman" panose="02020603050405020304" pitchFamily="18" charset="0"/>
+                          <a:cs typeface="Times New Roman" panose="02020603050405020304" pitchFamily="18" charset="0"/>
+                        </a:rPr>
+                        <a:t>⁝</a:t>
+                      </a:r>
+                      <a:endParaRPr lang="zh-TW" altLang="en-US" dirty="0"/>
+                    </a:p>
+                  </a:txBody>
+                  <a:tcPr anchor="ctr"/>
+                </a:tc>
+                <a:tc>
+                  <a:txBody>
+                    <a:bodyPr/>
+                    <a:lstStyle/>
+                    <a:p>
+                      <a:pPr marL="0" marR="0" lvl="0" indent="0" algn="ctr" defTabSz="914400" rtl="0" eaLnBrk="1" fontAlgn="auto" latinLnBrk="0" hangingPunct="1">
+                        <a:lnSpc>
+                          <a:spcPct val="100000"/>
+                        </a:lnSpc>
+                        <a:spcBef>
+                          <a:spcPts val="0"/>
+                        </a:spcBef>
+                        <a:spcAft>
+                          <a:spcPts val="0"/>
+                        </a:spcAft>
+                        <a:buClrTx/>
+                        <a:buSzTx/>
+                        <a:buFontTx/>
+                        <a:buNone/>
+                        <a:tabLst/>
+                        <a:defRPr/>
+                      </a:pPr>
+                      <a:r>
+                        <a:rPr lang="en-US" altLang="zh-TW" dirty="0">
+                          <a:latin typeface="Times New Roman" panose="02020603050405020304" pitchFamily="18" charset="0"/>
+                          <a:cs typeface="Times New Roman" panose="02020603050405020304" pitchFamily="18" charset="0"/>
+                        </a:rPr>
+                        <a:t>⁝</a:t>
+                      </a:r>
+                      <a:endParaRPr lang="zh-TW" altLang="en-US" dirty="0"/>
+                    </a:p>
+                  </a:txBody>
+                  <a:tcPr anchor="ctr"/>
+                </a:tc>
+                <a:tc>
+                  <a:txBody>
+                    <a:bodyPr/>
+                    <a:lstStyle/>
+                    <a:p>
+                      <a:pPr marL="0" marR="0" lvl="0" indent="0" algn="ctr" defTabSz="914400" rtl="0" eaLnBrk="1" fontAlgn="auto" latinLnBrk="0" hangingPunct="1">
+                        <a:lnSpc>
+                          <a:spcPct val="100000"/>
+                        </a:lnSpc>
+                        <a:spcBef>
+                          <a:spcPts val="0"/>
+                        </a:spcBef>
+                        <a:spcAft>
+                          <a:spcPts val="0"/>
+                        </a:spcAft>
+                        <a:buClrTx/>
+                        <a:buSzTx/>
+                        <a:buFontTx/>
+                        <a:buNone/>
+                        <a:tabLst/>
+                        <a:defRPr/>
+                      </a:pPr>
+                      <a:r>
+                        <a:rPr lang="en-US" altLang="zh-TW" dirty="0">
+                          <a:latin typeface="Times New Roman" panose="02020603050405020304" pitchFamily="18" charset="0"/>
+                          <a:cs typeface="Times New Roman" panose="02020603050405020304" pitchFamily="18" charset="0"/>
+                        </a:rPr>
+                        <a:t>⁝</a:t>
+                      </a:r>
+                      <a:endParaRPr lang="zh-TW" altLang="en-US" dirty="0"/>
+                    </a:p>
+                  </a:txBody>
+                  <a:tcPr anchor="ctr"/>
+                </a:tc>
+                <a:tc>
+                  <a:txBody>
+                    <a:bodyPr/>
+                    <a:lstStyle/>
+                    <a:p>
+                      <a:pPr marL="0" marR="0" lvl="0" indent="0" algn="ctr" defTabSz="914400" rtl="0" eaLnBrk="1" fontAlgn="auto" latinLnBrk="0" hangingPunct="1">
+                        <a:lnSpc>
+                          <a:spcPct val="100000"/>
+                        </a:lnSpc>
+                        <a:spcBef>
+                          <a:spcPts val="0"/>
+                        </a:spcBef>
+                        <a:spcAft>
+                          <a:spcPts val="0"/>
+                        </a:spcAft>
+                        <a:buClrTx/>
+                        <a:buSzTx/>
+                        <a:buFontTx/>
+                        <a:buNone/>
+                        <a:tabLst/>
+                        <a:defRPr/>
+                      </a:pPr>
+                      <a:r>
+                        <a:rPr lang="en-US" altLang="zh-TW" dirty="0">
+                          <a:latin typeface="Times New Roman" panose="02020603050405020304" pitchFamily="18" charset="0"/>
+                          <a:cs typeface="Times New Roman" panose="02020603050405020304" pitchFamily="18" charset="0"/>
+                        </a:rPr>
+                        <a:t>⁝</a:t>
+                      </a:r>
+                      <a:endParaRPr lang="zh-TW" altLang="en-US" dirty="0"/>
+                    </a:p>
+                  </a:txBody>
+                  <a:tcPr anchor="ctr"/>
+                </a:tc>
+                <a:extLst>
+                  <a:ext uri="{0D108BD9-81ED-4DB2-BD59-A6C34878D82A}">
+                    <a16:rowId xmlns:a16="http://schemas.microsoft.com/office/drawing/2014/main" val="1048235093"/>
+                  </a:ext>
+                </a:extLst>
+              </a:tr>
+              <a:tr h="636251">
+                <a:tc>
+                  <a:txBody>
+                    <a:bodyPr/>
+                    <a:lstStyle/>
+                    <a:p>
+                      <a:pPr algn="ctr"/>
+                      <a:r>
+                        <a:rPr lang="en-US" altLang="zh-TW" dirty="0"/>
+                        <a:t>0</a:t>
+                      </a:r>
+                      <a:endParaRPr lang="zh-TW" altLang="en-US" dirty="0"/>
+                    </a:p>
+                  </a:txBody>
+                  <a:tcPr anchor="ctr"/>
+                </a:tc>
+                <a:tc>
+                  <a:txBody>
+                    <a:bodyPr/>
+                    <a:lstStyle/>
+                    <a:p>
+                      <a:pPr algn="ctr"/>
+                      <a:r>
+                        <a:rPr lang="en-US" altLang="zh-TW" dirty="0"/>
+                        <a:t>0</a:t>
+                      </a:r>
+                      <a:endParaRPr lang="zh-TW" altLang="en-US" dirty="0"/>
+                    </a:p>
+                  </a:txBody>
+                  <a:tcPr anchor="ctr"/>
+                </a:tc>
+                <a:tc>
+                  <a:txBody>
+                    <a:bodyPr/>
+                    <a:lstStyle/>
+                    <a:p>
+                      <a:pPr algn="ctr"/>
+                      <a:r>
+                        <a:rPr lang="en-US" altLang="zh-TW" dirty="0"/>
+                        <a:t>1</a:t>
+                      </a:r>
+                      <a:endParaRPr lang="zh-TW" altLang="en-US" dirty="0"/>
+                    </a:p>
+                  </a:txBody>
+                  <a:tcPr anchor="ctr"/>
+                </a:tc>
+                <a:tc>
+                  <a:txBody>
+                    <a:bodyPr/>
+                    <a:lstStyle/>
+                    <a:p>
+                      <a:pPr algn="ctr"/>
+                      <a:r>
+                        <a:rPr lang="en-US" altLang="zh-TW" dirty="0"/>
+                        <a:t>0</a:t>
+                      </a:r>
+                      <a:endParaRPr lang="zh-TW" altLang="en-US" dirty="0"/>
+                    </a:p>
+                  </a:txBody>
+                  <a:tcPr anchor="ctr"/>
+                </a:tc>
+                <a:tc>
+                  <a:txBody>
+                    <a:bodyPr/>
+                    <a:lstStyle/>
+                    <a:p>
+                      <a:pPr algn="ctr"/>
+                      <a:r>
+                        <a:rPr lang="en-US" altLang="zh-TW" dirty="0"/>
+                        <a:t>1</a:t>
+                      </a:r>
+                      <a:endParaRPr lang="zh-TW" altLang="en-US" dirty="0"/>
+                    </a:p>
+                  </a:txBody>
+                  <a:tcPr anchor="ctr"/>
+                </a:tc>
+                <a:tc>
+                  <a:txBody>
+                    <a:bodyPr/>
+                    <a:lstStyle/>
+                    <a:p>
+                      <a:pPr algn="ctr"/>
+                      <a:r>
+                        <a:rPr lang="en-US" altLang="zh-TW" dirty="0"/>
+                        <a:t>1</a:t>
+                      </a:r>
+                      <a:endParaRPr lang="zh-TW" altLang="en-US" dirty="0"/>
+                    </a:p>
+                  </a:txBody>
+                  <a:tcPr anchor="ctr"/>
+                </a:tc>
+                <a:extLst>
+                  <a:ext uri="{0D108BD9-81ED-4DB2-BD59-A6C34878D82A}">
+                    <a16:rowId xmlns:a16="http://schemas.microsoft.com/office/drawing/2014/main" val="3859432155"/>
+                  </a:ext>
+                </a:extLst>
+              </a:tr>
+            </a:tbl>
+          </a:graphicData>
+        </a:graphic>
+      </p:graphicFrame>
       <p:sp>
         <p:nvSpPr>
           <p:cNvPr id="2" name="標題 1">
@@ -10522,7 +13903,7 @@
         <p:spPr>
           <a:xfrm>
             <a:off x="838200" y="1690688"/>
-            <a:ext cx="5257800" cy="1268296"/>
+            <a:ext cx="5257800" cy="3448380"/>
           </a:xfrm>
           <a:prstGeom prst="rect">
             <a:avLst/>
@@ -10546,15 +13927,778 @@
                 </a:solidFill>
                 <a:latin typeface="Nunito Light"/>
               </a:rPr>
-              <a:t>In the research, we propose a method to encode binary data in to numerical data. Via grouping related features, sequencing features by attributes</a:t>
+              <a:t>In the research, we propose a method to encode binary data in to numerical data. Via grouping related features with common feature selection methods, sequencing features by their attributes, and transforming the binary row data with BCD.</a:t>
+            </a:r>
+          </a:p>
+          <a:p>
+            <a:pPr marL="342900" indent="-342900">
+              <a:lnSpc>
+                <a:spcPts val="3359"/>
+              </a:lnSpc>
+              <a:buFont typeface="+mj-lt"/>
+              <a:buAutoNum type="arabicPeriod"/>
+            </a:pPr>
+            <a:r>
+              <a:rPr lang="en-US" altLang="zh-TW" dirty="0">
+                <a:solidFill>
+                  <a:srgbClr val="000000"/>
+                </a:solidFill>
+                <a:latin typeface="Nunito Light"/>
+              </a:rPr>
+              <a:t>Grouping similar, correlated features</a:t>
+            </a:r>
+          </a:p>
+          <a:p>
+            <a:pPr marL="342900" indent="-342900">
+              <a:lnSpc>
+                <a:spcPts val="3359"/>
+              </a:lnSpc>
+              <a:buFont typeface="+mj-lt"/>
+              <a:buAutoNum type="arabicPeriod"/>
+            </a:pPr>
+            <a:r>
+              <a:rPr lang="en-US" altLang="zh-TW" dirty="0">
+                <a:solidFill>
+                  <a:srgbClr val="000000"/>
+                </a:solidFill>
+                <a:latin typeface="Nunito Light"/>
+              </a:rPr>
+              <a:t>Sequencing features in each feature group</a:t>
+            </a:r>
+          </a:p>
+          <a:p>
+            <a:pPr marL="342900" indent="-342900">
+              <a:lnSpc>
+                <a:spcPts val="3359"/>
+              </a:lnSpc>
+              <a:buFont typeface="+mj-lt"/>
+              <a:buAutoNum type="arabicPeriod"/>
+            </a:pPr>
+            <a:r>
+              <a:rPr lang="en-US" altLang="zh-TW" dirty="0">
+                <a:solidFill>
+                  <a:srgbClr val="000000"/>
+                </a:solidFill>
+                <a:latin typeface="Nunito Light"/>
+              </a:rPr>
+              <a:t>BCD encode on each feature group</a:t>
             </a:r>
           </a:p>
         </p:txBody>
       </p:sp>
+      <p:graphicFrame>
+        <p:nvGraphicFramePr>
+          <p:cNvPr id="8" name="表格 7">
+            <a:extLst>
+              <a:ext uri="{FF2B5EF4-FFF2-40B4-BE49-F238E27FC236}">
+                <a16:creationId xmlns:a16="http://schemas.microsoft.com/office/drawing/2014/main" id="{DB1CACD2-0C06-4B5F-927C-54C3499983E0}"/>
+              </a:ext>
+            </a:extLst>
+          </p:cNvPr>
+          <p:cNvGraphicFramePr>
+            <a:graphicFrameLocks noGrp="1"/>
+          </p:cNvGraphicFramePr>
+          <p:nvPr>
+            <p:extLst>
+              <p:ext uri="{D42A27DB-BD31-4B8C-83A1-F6EECF244321}">
+                <p14:modId xmlns:p14="http://schemas.microsoft.com/office/powerpoint/2010/main" val="3460912550"/>
+              </p:ext>
+            </p:extLst>
+          </p:nvPr>
+        </p:nvGraphicFramePr>
+        <p:xfrm>
+          <a:off x="12353480" y="5092259"/>
+          <a:ext cx="5257800" cy="3181255"/>
+        </p:xfrm>
+        <a:graphic>
+          <a:graphicData uri="http://schemas.openxmlformats.org/drawingml/2006/table">
+            <a:tbl>
+              <a:tblPr firstRow="1" bandRow="1">
+                <a:tableStyleId>{5C22544A-7EE6-4342-B048-85BDC9FD1C3A}</a:tableStyleId>
+              </a:tblPr>
+              <a:tblGrid>
+                <a:gridCol w="876300">
+                  <a:extLst>
+                    <a:ext uri="{9D8B030D-6E8A-4147-A177-3AD203B41FA5}">
+                      <a16:colId xmlns:a16="http://schemas.microsoft.com/office/drawing/2014/main" val="2260549720"/>
+                    </a:ext>
+                  </a:extLst>
+                </a:gridCol>
+                <a:gridCol w="876300">
+                  <a:extLst>
+                    <a:ext uri="{9D8B030D-6E8A-4147-A177-3AD203B41FA5}">
+                      <a16:colId xmlns:a16="http://schemas.microsoft.com/office/drawing/2014/main" val="1617252258"/>
+                    </a:ext>
+                  </a:extLst>
+                </a:gridCol>
+                <a:gridCol w="876300">
+                  <a:extLst>
+                    <a:ext uri="{9D8B030D-6E8A-4147-A177-3AD203B41FA5}">
+                      <a16:colId xmlns:a16="http://schemas.microsoft.com/office/drawing/2014/main" val="3515302988"/>
+                    </a:ext>
+                  </a:extLst>
+                </a:gridCol>
+                <a:gridCol w="876300">
+                  <a:extLst>
+                    <a:ext uri="{9D8B030D-6E8A-4147-A177-3AD203B41FA5}">
+                      <a16:colId xmlns:a16="http://schemas.microsoft.com/office/drawing/2014/main" val="2275823469"/>
+                    </a:ext>
+                  </a:extLst>
+                </a:gridCol>
+                <a:gridCol w="876300">
+                  <a:extLst>
+                    <a:ext uri="{9D8B030D-6E8A-4147-A177-3AD203B41FA5}">
+                      <a16:colId xmlns:a16="http://schemas.microsoft.com/office/drawing/2014/main" val="1225509667"/>
+                    </a:ext>
+                  </a:extLst>
+                </a:gridCol>
+                <a:gridCol w="876300">
+                  <a:extLst>
+                    <a:ext uri="{9D8B030D-6E8A-4147-A177-3AD203B41FA5}">
+                      <a16:colId xmlns:a16="http://schemas.microsoft.com/office/drawing/2014/main" val="850758534"/>
+                    </a:ext>
+                  </a:extLst>
+                </a:gridCol>
+              </a:tblGrid>
+              <a:tr h="636251">
+                <a:tc>
+                  <a:txBody>
+                    <a:bodyPr/>
+                    <a:lstStyle/>
+                    <a:p>
+                      <a:pPr algn="ctr"/>
+                      <a:r>
+                        <a:rPr lang="en-US" altLang="zh-TW" dirty="0"/>
+                        <a:t>Col 1</a:t>
+                      </a:r>
+                      <a:endParaRPr lang="zh-TW" altLang="en-US" dirty="0"/>
+                    </a:p>
+                  </a:txBody>
+                  <a:tcPr anchor="ctr"/>
+                </a:tc>
+                <a:tc>
+                  <a:txBody>
+                    <a:bodyPr/>
+                    <a:lstStyle/>
+                    <a:p>
+                      <a:pPr marL="0" marR="0" lvl="0" indent="0" algn="ctr" defTabSz="914400" rtl="0" eaLnBrk="1" fontAlgn="auto" latinLnBrk="0" hangingPunct="1">
+                        <a:lnSpc>
+                          <a:spcPct val="100000"/>
+                        </a:lnSpc>
+                        <a:spcBef>
+                          <a:spcPts val="0"/>
+                        </a:spcBef>
+                        <a:spcAft>
+                          <a:spcPts val="0"/>
+                        </a:spcAft>
+                        <a:buClrTx/>
+                        <a:buSzTx/>
+                        <a:buFontTx/>
+                        <a:buNone/>
+                        <a:tabLst/>
+                        <a:defRPr/>
+                      </a:pPr>
+                      <a:r>
+                        <a:rPr lang="en-US" altLang="zh-TW" dirty="0"/>
+                        <a:t>Col 2</a:t>
+                      </a:r>
+                      <a:endParaRPr lang="zh-TW" altLang="en-US" dirty="0"/>
+                    </a:p>
+                  </a:txBody>
+                  <a:tcPr anchor="ctr"/>
+                </a:tc>
+                <a:tc>
+                  <a:txBody>
+                    <a:bodyPr/>
+                    <a:lstStyle/>
+                    <a:p>
+                      <a:pPr algn="ctr"/>
+                      <a:r>
+                        <a:rPr lang="en-US" altLang="zh-TW" dirty="0"/>
+                        <a:t>Col 3</a:t>
+                      </a:r>
+                      <a:endParaRPr lang="zh-TW" altLang="en-US" dirty="0"/>
+                    </a:p>
+                  </a:txBody>
+                  <a:tcPr anchor="ctr"/>
+                </a:tc>
+                <a:tc>
+                  <a:txBody>
+                    <a:bodyPr/>
+                    <a:lstStyle/>
+                    <a:p>
+                      <a:pPr marL="0" marR="0" lvl="0" indent="0" algn="ctr" defTabSz="914400" rtl="0" eaLnBrk="1" fontAlgn="auto" latinLnBrk="0" hangingPunct="1">
+                        <a:lnSpc>
+                          <a:spcPct val="100000"/>
+                        </a:lnSpc>
+                        <a:spcBef>
+                          <a:spcPts val="0"/>
+                        </a:spcBef>
+                        <a:spcAft>
+                          <a:spcPts val="0"/>
+                        </a:spcAft>
+                        <a:buClrTx/>
+                        <a:buSzTx/>
+                        <a:buFontTx/>
+                        <a:buNone/>
+                        <a:tabLst/>
+                        <a:defRPr/>
+                      </a:pPr>
+                      <a:r>
+                        <a:rPr lang="en-US" altLang="zh-TW" dirty="0"/>
+                        <a:t>Col 4</a:t>
+                      </a:r>
+                      <a:endParaRPr lang="zh-TW" altLang="en-US" dirty="0"/>
+                    </a:p>
+                  </a:txBody>
+                  <a:tcPr anchor="ctr"/>
+                </a:tc>
+                <a:tc>
+                  <a:txBody>
+                    <a:bodyPr/>
+                    <a:lstStyle/>
+                    <a:p>
+                      <a:pPr algn="ctr"/>
+                      <a:r>
+                        <a:rPr lang="en-US" altLang="zh-TW" dirty="0"/>
+                        <a:t>Col 5</a:t>
+                      </a:r>
+                      <a:endParaRPr lang="zh-TW" altLang="en-US" dirty="0"/>
+                    </a:p>
+                  </a:txBody>
+                  <a:tcPr anchor="ctr"/>
+                </a:tc>
+                <a:tc>
+                  <a:txBody>
+                    <a:bodyPr/>
+                    <a:lstStyle/>
+                    <a:p>
+                      <a:pPr marL="0" marR="0" lvl="0" indent="0" algn="ctr" defTabSz="914400" rtl="0" eaLnBrk="1" fontAlgn="auto" latinLnBrk="0" hangingPunct="1">
+                        <a:lnSpc>
+                          <a:spcPct val="100000"/>
+                        </a:lnSpc>
+                        <a:spcBef>
+                          <a:spcPts val="0"/>
+                        </a:spcBef>
+                        <a:spcAft>
+                          <a:spcPts val="0"/>
+                        </a:spcAft>
+                        <a:buClrTx/>
+                        <a:buSzTx/>
+                        <a:buFontTx/>
+                        <a:buNone/>
+                        <a:tabLst/>
+                        <a:defRPr/>
+                      </a:pPr>
+                      <a:r>
+                        <a:rPr lang="en-US" altLang="zh-TW" dirty="0"/>
+                        <a:t>Col 6</a:t>
+                      </a:r>
+                      <a:endParaRPr lang="zh-TW" altLang="en-US" dirty="0"/>
+                    </a:p>
+                  </a:txBody>
+                  <a:tcPr anchor="ctr"/>
+                </a:tc>
+                <a:extLst>
+                  <a:ext uri="{0D108BD9-81ED-4DB2-BD59-A6C34878D82A}">
+                    <a16:rowId xmlns:a16="http://schemas.microsoft.com/office/drawing/2014/main" val="4238049435"/>
+                  </a:ext>
+                </a:extLst>
+              </a:tr>
+              <a:tr h="636251">
+                <a:tc>
+                  <a:txBody>
+                    <a:bodyPr/>
+                    <a:lstStyle/>
+                    <a:p>
+                      <a:pPr algn="ctr"/>
+                      <a:r>
+                        <a:rPr lang="en-US" altLang="zh-TW" dirty="0"/>
+                        <a:t>1</a:t>
+                      </a:r>
+                      <a:endParaRPr lang="zh-TW" altLang="en-US" dirty="0"/>
+                    </a:p>
+                  </a:txBody>
+                  <a:tcPr anchor="ctr"/>
+                </a:tc>
+                <a:tc>
+                  <a:txBody>
+                    <a:bodyPr/>
+                    <a:lstStyle/>
+                    <a:p>
+                      <a:pPr algn="ctr"/>
+                      <a:r>
+                        <a:rPr lang="en-US" altLang="zh-TW" dirty="0"/>
+                        <a:t>1</a:t>
+                      </a:r>
+                      <a:endParaRPr lang="zh-TW" altLang="en-US" dirty="0"/>
+                    </a:p>
+                  </a:txBody>
+                  <a:tcPr anchor="ctr"/>
+                </a:tc>
+                <a:tc>
+                  <a:txBody>
+                    <a:bodyPr/>
+                    <a:lstStyle/>
+                    <a:p>
+                      <a:pPr algn="ctr"/>
+                      <a:r>
+                        <a:rPr lang="en-US" altLang="zh-TW" dirty="0"/>
+                        <a:t>0</a:t>
+                      </a:r>
+                      <a:endParaRPr lang="zh-TW" altLang="en-US" dirty="0"/>
+                    </a:p>
+                  </a:txBody>
+                  <a:tcPr anchor="ctr"/>
+                </a:tc>
+                <a:tc>
+                  <a:txBody>
+                    <a:bodyPr/>
+                    <a:lstStyle/>
+                    <a:p>
+                      <a:pPr algn="ctr"/>
+                      <a:r>
+                        <a:rPr lang="en-US" altLang="zh-TW" dirty="0"/>
+                        <a:t>1</a:t>
+                      </a:r>
+                      <a:endParaRPr lang="zh-TW" altLang="en-US" dirty="0"/>
+                    </a:p>
+                  </a:txBody>
+                  <a:tcPr anchor="ctr"/>
+                </a:tc>
+                <a:tc>
+                  <a:txBody>
+                    <a:bodyPr/>
+                    <a:lstStyle/>
+                    <a:p>
+                      <a:pPr algn="ctr"/>
+                      <a:r>
+                        <a:rPr lang="en-US" altLang="zh-TW" dirty="0"/>
+                        <a:t>0</a:t>
+                      </a:r>
+                      <a:endParaRPr lang="zh-TW" altLang="en-US" dirty="0"/>
+                    </a:p>
+                  </a:txBody>
+                  <a:tcPr anchor="ctr"/>
+                </a:tc>
+                <a:tc>
+                  <a:txBody>
+                    <a:bodyPr/>
+                    <a:lstStyle/>
+                    <a:p>
+                      <a:pPr algn="ctr"/>
+                      <a:r>
+                        <a:rPr lang="en-US" altLang="zh-TW" dirty="0"/>
+                        <a:t>0</a:t>
+                      </a:r>
+                      <a:endParaRPr lang="zh-TW" altLang="en-US" dirty="0"/>
+                    </a:p>
+                  </a:txBody>
+                  <a:tcPr anchor="ctr"/>
+                </a:tc>
+                <a:extLst>
+                  <a:ext uri="{0D108BD9-81ED-4DB2-BD59-A6C34878D82A}">
+                    <a16:rowId xmlns:a16="http://schemas.microsoft.com/office/drawing/2014/main" val="466443544"/>
+                  </a:ext>
+                </a:extLst>
+              </a:tr>
+              <a:tr h="636251">
+                <a:tc>
+                  <a:txBody>
+                    <a:bodyPr/>
+                    <a:lstStyle/>
+                    <a:p>
+                      <a:pPr algn="ctr"/>
+                      <a:r>
+                        <a:rPr lang="en-US" altLang="zh-TW" dirty="0"/>
+                        <a:t>1</a:t>
+                      </a:r>
+                      <a:endParaRPr lang="zh-TW" altLang="en-US" dirty="0"/>
+                    </a:p>
+                  </a:txBody>
+                  <a:tcPr anchor="ctr"/>
+                </a:tc>
+                <a:tc>
+                  <a:txBody>
+                    <a:bodyPr/>
+                    <a:lstStyle/>
+                    <a:p>
+                      <a:pPr algn="ctr"/>
+                      <a:r>
+                        <a:rPr lang="en-US" altLang="zh-TW" dirty="0"/>
+                        <a:t>0</a:t>
+                      </a:r>
+                      <a:endParaRPr lang="zh-TW" altLang="en-US" dirty="0"/>
+                    </a:p>
+                  </a:txBody>
+                  <a:tcPr anchor="ctr"/>
+                </a:tc>
+                <a:tc>
+                  <a:txBody>
+                    <a:bodyPr/>
+                    <a:lstStyle/>
+                    <a:p>
+                      <a:pPr algn="ctr"/>
+                      <a:r>
+                        <a:rPr lang="en-US" altLang="zh-TW" dirty="0"/>
+                        <a:t>0</a:t>
+                      </a:r>
+                      <a:endParaRPr lang="zh-TW" altLang="en-US" dirty="0"/>
+                    </a:p>
+                  </a:txBody>
+                  <a:tcPr anchor="ctr"/>
+                </a:tc>
+                <a:tc>
+                  <a:txBody>
+                    <a:bodyPr/>
+                    <a:lstStyle/>
+                    <a:p>
+                      <a:pPr algn="ctr"/>
+                      <a:r>
+                        <a:rPr lang="en-US" altLang="zh-TW" dirty="0"/>
+                        <a:t>1</a:t>
+                      </a:r>
+                      <a:endParaRPr lang="zh-TW" altLang="en-US" dirty="0"/>
+                    </a:p>
+                  </a:txBody>
+                  <a:tcPr anchor="ctr"/>
+                </a:tc>
+                <a:tc>
+                  <a:txBody>
+                    <a:bodyPr/>
+                    <a:lstStyle/>
+                    <a:p>
+                      <a:pPr algn="ctr"/>
+                      <a:r>
+                        <a:rPr lang="en-US" altLang="zh-TW" dirty="0"/>
+                        <a:t>1</a:t>
+                      </a:r>
+                      <a:endParaRPr lang="zh-TW" altLang="en-US" dirty="0"/>
+                    </a:p>
+                  </a:txBody>
+                  <a:tcPr anchor="ctr"/>
+                </a:tc>
+                <a:tc>
+                  <a:txBody>
+                    <a:bodyPr/>
+                    <a:lstStyle/>
+                    <a:p>
+                      <a:pPr algn="ctr"/>
+                      <a:r>
+                        <a:rPr lang="en-US" altLang="zh-TW" dirty="0"/>
+                        <a:t>0</a:t>
+                      </a:r>
+                      <a:endParaRPr lang="zh-TW" altLang="en-US" dirty="0"/>
+                    </a:p>
+                  </a:txBody>
+                  <a:tcPr anchor="ctr"/>
+                </a:tc>
+                <a:extLst>
+                  <a:ext uri="{0D108BD9-81ED-4DB2-BD59-A6C34878D82A}">
+                    <a16:rowId xmlns:a16="http://schemas.microsoft.com/office/drawing/2014/main" val="2447474118"/>
+                  </a:ext>
+                </a:extLst>
+              </a:tr>
+              <a:tr h="636251">
+                <a:tc>
+                  <a:txBody>
+                    <a:bodyPr/>
+                    <a:lstStyle/>
+                    <a:p>
+                      <a:pPr algn="ctr"/>
+                      <a:r>
+                        <a:rPr lang="en-US" altLang="zh-TW" dirty="0">
+                          <a:latin typeface="Times New Roman" panose="02020603050405020304" pitchFamily="18" charset="0"/>
+                          <a:cs typeface="Times New Roman" panose="02020603050405020304" pitchFamily="18" charset="0"/>
+                        </a:rPr>
+                        <a:t>⁝</a:t>
+                      </a:r>
+                      <a:endParaRPr lang="zh-TW" altLang="en-US" dirty="0"/>
+                    </a:p>
+                  </a:txBody>
+                  <a:tcPr anchor="ctr"/>
+                </a:tc>
+                <a:tc>
+                  <a:txBody>
+                    <a:bodyPr/>
+                    <a:lstStyle/>
+                    <a:p>
+                      <a:pPr marL="0" marR="0" lvl="0" indent="0" algn="ctr" defTabSz="914400" rtl="0" eaLnBrk="1" fontAlgn="auto" latinLnBrk="0" hangingPunct="1">
+                        <a:lnSpc>
+                          <a:spcPct val="100000"/>
+                        </a:lnSpc>
+                        <a:spcBef>
+                          <a:spcPts val="0"/>
+                        </a:spcBef>
+                        <a:spcAft>
+                          <a:spcPts val="0"/>
+                        </a:spcAft>
+                        <a:buClrTx/>
+                        <a:buSzTx/>
+                        <a:buFontTx/>
+                        <a:buNone/>
+                        <a:tabLst/>
+                        <a:defRPr/>
+                      </a:pPr>
+                      <a:r>
+                        <a:rPr lang="en-US" altLang="zh-TW" dirty="0">
+                          <a:latin typeface="Times New Roman" panose="02020603050405020304" pitchFamily="18" charset="0"/>
+                          <a:cs typeface="Times New Roman" panose="02020603050405020304" pitchFamily="18" charset="0"/>
+                        </a:rPr>
+                        <a:t>⁝</a:t>
+                      </a:r>
+                      <a:endParaRPr lang="zh-TW" altLang="en-US" dirty="0"/>
+                    </a:p>
+                  </a:txBody>
+                  <a:tcPr anchor="ctr"/>
+                </a:tc>
+                <a:tc>
+                  <a:txBody>
+                    <a:bodyPr/>
+                    <a:lstStyle/>
+                    <a:p>
+                      <a:pPr marL="0" marR="0" lvl="0" indent="0" algn="ctr" defTabSz="914400" rtl="0" eaLnBrk="1" fontAlgn="auto" latinLnBrk="0" hangingPunct="1">
+                        <a:lnSpc>
+                          <a:spcPct val="100000"/>
+                        </a:lnSpc>
+                        <a:spcBef>
+                          <a:spcPts val="0"/>
+                        </a:spcBef>
+                        <a:spcAft>
+                          <a:spcPts val="0"/>
+                        </a:spcAft>
+                        <a:buClrTx/>
+                        <a:buSzTx/>
+                        <a:buFontTx/>
+                        <a:buNone/>
+                        <a:tabLst/>
+                        <a:defRPr/>
+                      </a:pPr>
+                      <a:r>
+                        <a:rPr lang="en-US" altLang="zh-TW" dirty="0">
+                          <a:latin typeface="Times New Roman" panose="02020603050405020304" pitchFamily="18" charset="0"/>
+                          <a:cs typeface="Times New Roman" panose="02020603050405020304" pitchFamily="18" charset="0"/>
+                        </a:rPr>
+                        <a:t>⁝</a:t>
+                      </a:r>
+                      <a:endParaRPr lang="zh-TW" altLang="en-US" dirty="0"/>
+                    </a:p>
+                  </a:txBody>
+                  <a:tcPr anchor="ctr"/>
+                </a:tc>
+                <a:tc>
+                  <a:txBody>
+                    <a:bodyPr/>
+                    <a:lstStyle/>
+                    <a:p>
+                      <a:pPr marL="0" marR="0" lvl="0" indent="0" algn="ctr" defTabSz="914400" rtl="0" eaLnBrk="1" fontAlgn="auto" latinLnBrk="0" hangingPunct="1">
+                        <a:lnSpc>
+                          <a:spcPct val="100000"/>
+                        </a:lnSpc>
+                        <a:spcBef>
+                          <a:spcPts val="0"/>
+                        </a:spcBef>
+                        <a:spcAft>
+                          <a:spcPts val="0"/>
+                        </a:spcAft>
+                        <a:buClrTx/>
+                        <a:buSzTx/>
+                        <a:buFontTx/>
+                        <a:buNone/>
+                        <a:tabLst/>
+                        <a:defRPr/>
+                      </a:pPr>
+                      <a:r>
+                        <a:rPr lang="en-US" altLang="zh-TW" dirty="0">
+                          <a:latin typeface="Times New Roman" panose="02020603050405020304" pitchFamily="18" charset="0"/>
+                          <a:cs typeface="Times New Roman" panose="02020603050405020304" pitchFamily="18" charset="0"/>
+                        </a:rPr>
+                        <a:t>⁝</a:t>
+                      </a:r>
+                      <a:endParaRPr lang="zh-TW" altLang="en-US" dirty="0"/>
+                    </a:p>
+                  </a:txBody>
+                  <a:tcPr anchor="ctr"/>
+                </a:tc>
+                <a:tc>
+                  <a:txBody>
+                    <a:bodyPr/>
+                    <a:lstStyle/>
+                    <a:p>
+                      <a:pPr marL="0" marR="0" lvl="0" indent="0" algn="ctr" defTabSz="914400" rtl="0" eaLnBrk="1" fontAlgn="auto" latinLnBrk="0" hangingPunct="1">
+                        <a:lnSpc>
+                          <a:spcPct val="100000"/>
+                        </a:lnSpc>
+                        <a:spcBef>
+                          <a:spcPts val="0"/>
+                        </a:spcBef>
+                        <a:spcAft>
+                          <a:spcPts val="0"/>
+                        </a:spcAft>
+                        <a:buClrTx/>
+                        <a:buSzTx/>
+                        <a:buFontTx/>
+                        <a:buNone/>
+                        <a:tabLst/>
+                        <a:defRPr/>
+                      </a:pPr>
+                      <a:r>
+                        <a:rPr lang="en-US" altLang="zh-TW" dirty="0">
+                          <a:latin typeface="Times New Roman" panose="02020603050405020304" pitchFamily="18" charset="0"/>
+                          <a:cs typeface="Times New Roman" panose="02020603050405020304" pitchFamily="18" charset="0"/>
+                        </a:rPr>
+                        <a:t>⁝</a:t>
+                      </a:r>
+                      <a:endParaRPr lang="zh-TW" altLang="en-US" dirty="0"/>
+                    </a:p>
+                  </a:txBody>
+                  <a:tcPr anchor="ctr"/>
+                </a:tc>
+                <a:tc>
+                  <a:txBody>
+                    <a:bodyPr/>
+                    <a:lstStyle/>
+                    <a:p>
+                      <a:pPr marL="0" marR="0" lvl="0" indent="0" algn="ctr" defTabSz="914400" rtl="0" eaLnBrk="1" fontAlgn="auto" latinLnBrk="0" hangingPunct="1">
+                        <a:lnSpc>
+                          <a:spcPct val="100000"/>
+                        </a:lnSpc>
+                        <a:spcBef>
+                          <a:spcPts val="0"/>
+                        </a:spcBef>
+                        <a:spcAft>
+                          <a:spcPts val="0"/>
+                        </a:spcAft>
+                        <a:buClrTx/>
+                        <a:buSzTx/>
+                        <a:buFontTx/>
+                        <a:buNone/>
+                        <a:tabLst/>
+                        <a:defRPr/>
+                      </a:pPr>
+                      <a:r>
+                        <a:rPr lang="en-US" altLang="zh-TW" dirty="0">
+                          <a:latin typeface="Times New Roman" panose="02020603050405020304" pitchFamily="18" charset="0"/>
+                          <a:cs typeface="Times New Roman" panose="02020603050405020304" pitchFamily="18" charset="0"/>
+                        </a:rPr>
+                        <a:t>⁝</a:t>
+                      </a:r>
+                      <a:endParaRPr lang="zh-TW" altLang="en-US" dirty="0"/>
+                    </a:p>
+                  </a:txBody>
+                  <a:tcPr anchor="ctr"/>
+                </a:tc>
+                <a:extLst>
+                  <a:ext uri="{0D108BD9-81ED-4DB2-BD59-A6C34878D82A}">
+                    <a16:rowId xmlns:a16="http://schemas.microsoft.com/office/drawing/2014/main" val="1048235093"/>
+                  </a:ext>
+                </a:extLst>
+              </a:tr>
+              <a:tr h="636251">
+                <a:tc>
+                  <a:txBody>
+                    <a:bodyPr/>
+                    <a:lstStyle/>
+                    <a:p>
+                      <a:pPr algn="ctr"/>
+                      <a:r>
+                        <a:rPr lang="en-US" altLang="zh-TW" dirty="0"/>
+                        <a:t>0</a:t>
+                      </a:r>
+                      <a:endParaRPr lang="zh-TW" altLang="en-US" dirty="0"/>
+                    </a:p>
+                  </a:txBody>
+                  <a:tcPr anchor="ctr"/>
+                </a:tc>
+                <a:tc>
+                  <a:txBody>
+                    <a:bodyPr/>
+                    <a:lstStyle/>
+                    <a:p>
+                      <a:pPr algn="ctr"/>
+                      <a:r>
+                        <a:rPr lang="en-US" altLang="zh-TW" dirty="0"/>
+                        <a:t>0</a:t>
+                      </a:r>
+                      <a:endParaRPr lang="zh-TW" altLang="en-US" dirty="0"/>
+                    </a:p>
+                  </a:txBody>
+                  <a:tcPr anchor="ctr"/>
+                </a:tc>
+                <a:tc>
+                  <a:txBody>
+                    <a:bodyPr/>
+                    <a:lstStyle/>
+                    <a:p>
+                      <a:pPr algn="ctr"/>
+                      <a:r>
+                        <a:rPr lang="en-US" altLang="zh-TW" dirty="0"/>
+                        <a:t>1</a:t>
+                      </a:r>
+                      <a:endParaRPr lang="zh-TW" altLang="en-US" dirty="0"/>
+                    </a:p>
+                  </a:txBody>
+                  <a:tcPr anchor="ctr"/>
+                </a:tc>
+                <a:tc>
+                  <a:txBody>
+                    <a:bodyPr/>
+                    <a:lstStyle/>
+                    <a:p>
+                      <a:pPr algn="ctr"/>
+                      <a:r>
+                        <a:rPr lang="en-US" altLang="zh-TW" dirty="0"/>
+                        <a:t>0</a:t>
+                      </a:r>
+                      <a:endParaRPr lang="zh-TW" altLang="en-US" dirty="0"/>
+                    </a:p>
+                  </a:txBody>
+                  <a:tcPr anchor="ctr"/>
+                </a:tc>
+                <a:tc>
+                  <a:txBody>
+                    <a:bodyPr/>
+                    <a:lstStyle/>
+                    <a:p>
+                      <a:pPr algn="ctr"/>
+                      <a:r>
+                        <a:rPr lang="en-US" altLang="zh-TW" dirty="0"/>
+                        <a:t>1</a:t>
+                      </a:r>
+                      <a:endParaRPr lang="zh-TW" altLang="en-US" dirty="0"/>
+                    </a:p>
+                  </a:txBody>
+                  <a:tcPr anchor="ctr"/>
+                </a:tc>
+                <a:tc>
+                  <a:txBody>
+                    <a:bodyPr/>
+                    <a:lstStyle/>
+                    <a:p>
+                      <a:pPr algn="ctr"/>
+                      <a:r>
+                        <a:rPr lang="en-US" altLang="zh-TW" dirty="0"/>
+                        <a:t>1</a:t>
+                      </a:r>
+                      <a:endParaRPr lang="zh-TW" altLang="en-US" dirty="0"/>
+                    </a:p>
+                  </a:txBody>
+                  <a:tcPr anchor="ctr"/>
+                </a:tc>
+                <a:extLst>
+                  <a:ext uri="{0D108BD9-81ED-4DB2-BD59-A6C34878D82A}">
+                    <a16:rowId xmlns:a16="http://schemas.microsoft.com/office/drawing/2014/main" val="3859432155"/>
+                  </a:ext>
+                </a:extLst>
+              </a:tr>
+            </a:tbl>
+          </a:graphicData>
+        </a:graphic>
+      </p:graphicFrame>
     </p:spTree>
     <p:extLst>
       <p:ext uri="{BB962C8B-B14F-4D97-AF65-F5344CB8AC3E}">
-        <p14:creationId xmlns:p14="http://schemas.microsoft.com/office/powerpoint/2010/main" val="3573605713"/>
+        <p14:creationId xmlns:p14="http://schemas.microsoft.com/office/powerpoint/2010/main" val="1295980749"/>
       </p:ext>
     </p:extLst>
   </p:cSld>
@@ -10586,7 +14730,7 @@
           <p:cNvPr id="2" name="標題 1">
             <a:extLst>
               <a:ext uri="{FF2B5EF4-FFF2-40B4-BE49-F238E27FC236}">
-                <a16:creationId xmlns:a16="http://schemas.microsoft.com/office/drawing/2014/main" id="{9863A037-346C-46ED-874C-6E5E22A48CD6}"/>
+                <a16:creationId xmlns:a16="http://schemas.microsoft.com/office/drawing/2014/main" id="{36DC04C3-C563-4C98-8C07-9960108F9A80}"/>
               </a:ext>
             </a:extLst>
           </p:cNvPr>
@@ -10597,7 +14741,12 @@
             <p:ph type="title"/>
           </p:nvPr>
         </p:nvSpPr>
-        <p:spPr/>
+        <p:spPr>
+          <a:xfrm>
+            <a:off x="838200" y="365125"/>
+            <a:ext cx="10515600" cy="1325563"/>
+          </a:xfrm>
+        </p:spPr>
         <p:txBody>
           <a:bodyPr/>
           <a:lstStyle/>
@@ -10608,7 +14757,7 @@
                   <a:srgbClr val="14365D"/>
                 </a:solidFill>
               </a:rPr>
-              <a:t>Case study</a:t>
+              <a:t>Methodology</a:t>
             </a:r>
             <a:endParaRPr lang="zh-TW" altLang="en-US" dirty="0">
               <a:solidFill>
@@ -10623,7 +14772,7 @@
           <p:cNvPr id="3" name="頁尾版面配置區 2">
             <a:extLst>
               <a:ext uri="{FF2B5EF4-FFF2-40B4-BE49-F238E27FC236}">
-                <a16:creationId xmlns:a16="http://schemas.microsoft.com/office/drawing/2014/main" id="{D8F09910-4CFC-4061-91E6-11C907D0C3E7}"/>
+                <a16:creationId xmlns:a16="http://schemas.microsoft.com/office/drawing/2014/main" id="{4A4CA6E6-464E-453E-BC2B-43F181B88B9E}"/>
               </a:ext>
             </a:extLst>
           </p:cNvPr>
@@ -10647,16 +14796,1394 @@
           </a:p>
         </p:txBody>
       </p:sp>
+      <p:sp>
+        <p:nvSpPr>
+          <p:cNvPr id="4" name="TextBox 5">
+            <a:extLst>
+              <a:ext uri="{FF2B5EF4-FFF2-40B4-BE49-F238E27FC236}">
+                <a16:creationId xmlns:a16="http://schemas.microsoft.com/office/drawing/2014/main" id="{3E9CE020-3A35-404A-AFF1-FFAB16E7DCEC}"/>
+              </a:ext>
+            </a:extLst>
+          </p:cNvPr>
+          <p:cNvSpPr txBox="1"/>
+          <p:nvPr/>
+        </p:nvSpPr>
+        <p:spPr>
+          <a:xfrm>
+            <a:off x="838200" y="1690688"/>
+            <a:ext cx="5257800" cy="3448380"/>
+          </a:xfrm>
+          <a:prstGeom prst="rect">
+            <a:avLst/>
+          </a:prstGeom>
+        </p:spPr>
+        <p:txBody>
+          <a:bodyPr wrap="square" lIns="0" tIns="0" rIns="0" bIns="0" rtlCol="0" anchor="t">
+            <a:spAutoFit/>
+          </a:bodyPr>
+          <a:lstStyle/>
+          <a:p>
+            <a:pPr>
+              <a:lnSpc>
+                <a:spcPts val="3359"/>
+              </a:lnSpc>
+            </a:pPr>
+            <a:r>
+              <a:rPr lang="en-US" altLang="zh-TW" dirty="0">
+                <a:solidFill>
+                  <a:srgbClr val="000000"/>
+                </a:solidFill>
+                <a:latin typeface="Nunito Light"/>
+              </a:rPr>
+              <a:t>In the research, we propose a method to encode binary data in to numerical data. Via grouping related features with common feature selection methods, sequencing features by their attributes, and transforming the binary row data with BCD.</a:t>
+            </a:r>
+          </a:p>
+          <a:p>
+            <a:pPr marL="342900" indent="-342900">
+              <a:lnSpc>
+                <a:spcPts val="3359"/>
+              </a:lnSpc>
+              <a:buFont typeface="+mj-lt"/>
+              <a:buAutoNum type="arabicPeriod"/>
+            </a:pPr>
+            <a:r>
+              <a:rPr lang="en-US" altLang="zh-TW" dirty="0">
+                <a:solidFill>
+                  <a:srgbClr val="000000"/>
+                </a:solidFill>
+                <a:latin typeface="Nunito Light"/>
+              </a:rPr>
+              <a:t>Grouping similar, correlated features</a:t>
+            </a:r>
+          </a:p>
+          <a:p>
+            <a:pPr marL="342900" indent="-342900">
+              <a:lnSpc>
+                <a:spcPts val="3359"/>
+              </a:lnSpc>
+              <a:buFont typeface="+mj-lt"/>
+              <a:buAutoNum type="arabicPeriod"/>
+            </a:pPr>
+            <a:r>
+              <a:rPr lang="en-US" altLang="zh-TW" dirty="0">
+                <a:solidFill>
+                  <a:srgbClr val="000000"/>
+                </a:solidFill>
+                <a:latin typeface="Nunito Light"/>
+              </a:rPr>
+              <a:t>Sequencing features in each feature group</a:t>
+            </a:r>
+          </a:p>
+          <a:p>
+            <a:pPr marL="342900" indent="-342900">
+              <a:lnSpc>
+                <a:spcPts val="3359"/>
+              </a:lnSpc>
+              <a:buFont typeface="+mj-lt"/>
+              <a:buAutoNum type="arabicPeriod"/>
+            </a:pPr>
+            <a:r>
+              <a:rPr lang="en-US" altLang="zh-TW" dirty="0">
+                <a:solidFill>
+                  <a:srgbClr val="000000"/>
+                </a:solidFill>
+                <a:latin typeface="Nunito Light"/>
+              </a:rPr>
+              <a:t>BCD encode on each feature group</a:t>
+            </a:r>
+          </a:p>
+        </p:txBody>
+      </p:sp>
+      <p:graphicFrame>
+        <p:nvGraphicFramePr>
+          <p:cNvPr id="22" name="表格 21">
+            <a:extLst>
+              <a:ext uri="{FF2B5EF4-FFF2-40B4-BE49-F238E27FC236}">
+                <a16:creationId xmlns:a16="http://schemas.microsoft.com/office/drawing/2014/main" id="{265FA4D9-AE5B-4E6D-A954-5805F268F02A}"/>
+              </a:ext>
+            </a:extLst>
+          </p:cNvPr>
+          <p:cNvGraphicFramePr>
+            <a:graphicFrameLocks noGrp="1"/>
+          </p:cNvGraphicFramePr>
+          <p:nvPr>
+            <p:extLst>
+              <p:ext uri="{D42A27DB-BD31-4B8C-83A1-F6EECF244321}">
+                <p14:modId xmlns:p14="http://schemas.microsoft.com/office/powerpoint/2010/main" val="2404894081"/>
+              </p:ext>
+            </p:extLst>
+          </p:nvPr>
+        </p:nvGraphicFramePr>
+        <p:xfrm>
+          <a:off x="11172825" y="1859448"/>
+          <a:ext cx="876300" cy="3181255"/>
+        </p:xfrm>
+        <a:graphic>
+          <a:graphicData uri="http://schemas.openxmlformats.org/drawingml/2006/table">
+            <a:tbl>
+              <a:tblPr firstRow="1" bandRow="1">
+                <a:tableStyleId>{5C22544A-7EE6-4342-B048-85BDC9FD1C3A}</a:tableStyleId>
+              </a:tblPr>
+              <a:tblGrid>
+                <a:gridCol w="876300">
+                  <a:extLst>
+                    <a:ext uri="{9D8B030D-6E8A-4147-A177-3AD203B41FA5}">
+                      <a16:colId xmlns:a16="http://schemas.microsoft.com/office/drawing/2014/main" val="850758534"/>
+                    </a:ext>
+                  </a:extLst>
+                </a:gridCol>
+              </a:tblGrid>
+              <a:tr h="636251">
+                <a:tc>
+                  <a:txBody>
+                    <a:bodyPr/>
+                    <a:lstStyle/>
+                    <a:p>
+                      <a:pPr marL="0" marR="0" lvl="0" indent="0" algn="ctr" defTabSz="914400" rtl="0" eaLnBrk="1" fontAlgn="auto" latinLnBrk="0" hangingPunct="1">
+                        <a:lnSpc>
+                          <a:spcPct val="100000"/>
+                        </a:lnSpc>
+                        <a:spcBef>
+                          <a:spcPts val="0"/>
+                        </a:spcBef>
+                        <a:spcAft>
+                          <a:spcPts val="0"/>
+                        </a:spcAft>
+                        <a:buClrTx/>
+                        <a:buSzTx/>
+                        <a:buFontTx/>
+                        <a:buNone/>
+                        <a:tabLst/>
+                        <a:defRPr/>
+                      </a:pPr>
+                      <a:r>
+                        <a:rPr lang="en-US" altLang="zh-TW" dirty="0"/>
+                        <a:t>Col 6</a:t>
+                      </a:r>
+                      <a:endParaRPr lang="zh-TW" altLang="en-US" dirty="0"/>
+                    </a:p>
+                  </a:txBody>
+                  <a:tcPr anchor="ctr">
+                    <a:solidFill>
+                      <a:srgbClr val="7030A0"/>
+                    </a:solidFill>
+                  </a:tcPr>
+                </a:tc>
+                <a:extLst>
+                  <a:ext uri="{0D108BD9-81ED-4DB2-BD59-A6C34878D82A}">
+                    <a16:rowId xmlns:a16="http://schemas.microsoft.com/office/drawing/2014/main" val="4238049435"/>
+                  </a:ext>
+                </a:extLst>
+              </a:tr>
+              <a:tr h="636251">
+                <a:tc>
+                  <a:txBody>
+                    <a:bodyPr/>
+                    <a:lstStyle/>
+                    <a:p>
+                      <a:pPr algn="ctr"/>
+                      <a:r>
+                        <a:rPr lang="en-US" altLang="zh-TW" dirty="0"/>
+                        <a:t>0</a:t>
+                      </a:r>
+                      <a:endParaRPr lang="zh-TW" altLang="en-US" dirty="0"/>
+                    </a:p>
+                  </a:txBody>
+                  <a:tcPr anchor="ctr"/>
+                </a:tc>
+                <a:extLst>
+                  <a:ext uri="{0D108BD9-81ED-4DB2-BD59-A6C34878D82A}">
+                    <a16:rowId xmlns:a16="http://schemas.microsoft.com/office/drawing/2014/main" val="466443544"/>
+                  </a:ext>
+                </a:extLst>
+              </a:tr>
+              <a:tr h="636251">
+                <a:tc>
+                  <a:txBody>
+                    <a:bodyPr/>
+                    <a:lstStyle/>
+                    <a:p>
+                      <a:pPr algn="ctr"/>
+                      <a:r>
+                        <a:rPr lang="en-US" altLang="zh-TW" dirty="0"/>
+                        <a:t>0</a:t>
+                      </a:r>
+                      <a:endParaRPr lang="zh-TW" altLang="en-US" dirty="0"/>
+                    </a:p>
+                  </a:txBody>
+                  <a:tcPr anchor="ctr"/>
+                </a:tc>
+                <a:extLst>
+                  <a:ext uri="{0D108BD9-81ED-4DB2-BD59-A6C34878D82A}">
+                    <a16:rowId xmlns:a16="http://schemas.microsoft.com/office/drawing/2014/main" val="2447474118"/>
+                  </a:ext>
+                </a:extLst>
+              </a:tr>
+              <a:tr h="636251">
+                <a:tc>
+                  <a:txBody>
+                    <a:bodyPr/>
+                    <a:lstStyle/>
+                    <a:p>
+                      <a:pPr marL="0" marR="0" lvl="0" indent="0" algn="ctr" defTabSz="914400" rtl="0" eaLnBrk="1" fontAlgn="auto" latinLnBrk="0" hangingPunct="1">
+                        <a:lnSpc>
+                          <a:spcPct val="100000"/>
+                        </a:lnSpc>
+                        <a:spcBef>
+                          <a:spcPts val="0"/>
+                        </a:spcBef>
+                        <a:spcAft>
+                          <a:spcPts val="0"/>
+                        </a:spcAft>
+                        <a:buClrTx/>
+                        <a:buSzTx/>
+                        <a:buFontTx/>
+                        <a:buNone/>
+                        <a:tabLst/>
+                        <a:defRPr/>
+                      </a:pPr>
+                      <a:r>
+                        <a:rPr lang="en-US" altLang="zh-TW" dirty="0">
+                          <a:latin typeface="Times New Roman" panose="02020603050405020304" pitchFamily="18" charset="0"/>
+                          <a:cs typeface="Times New Roman" panose="02020603050405020304" pitchFamily="18" charset="0"/>
+                        </a:rPr>
+                        <a:t>⁝</a:t>
+                      </a:r>
+                      <a:endParaRPr lang="zh-TW" altLang="en-US" dirty="0"/>
+                    </a:p>
+                  </a:txBody>
+                  <a:tcPr anchor="ctr"/>
+                </a:tc>
+                <a:extLst>
+                  <a:ext uri="{0D108BD9-81ED-4DB2-BD59-A6C34878D82A}">
+                    <a16:rowId xmlns:a16="http://schemas.microsoft.com/office/drawing/2014/main" val="1048235093"/>
+                  </a:ext>
+                </a:extLst>
+              </a:tr>
+              <a:tr h="636251">
+                <a:tc>
+                  <a:txBody>
+                    <a:bodyPr/>
+                    <a:lstStyle/>
+                    <a:p>
+                      <a:pPr algn="ctr"/>
+                      <a:r>
+                        <a:rPr lang="en-US" altLang="zh-TW" dirty="0"/>
+                        <a:t>1</a:t>
+                      </a:r>
+                      <a:endParaRPr lang="zh-TW" altLang="en-US" dirty="0"/>
+                    </a:p>
+                  </a:txBody>
+                  <a:tcPr anchor="ctr"/>
+                </a:tc>
+                <a:extLst>
+                  <a:ext uri="{0D108BD9-81ED-4DB2-BD59-A6C34878D82A}">
+                    <a16:rowId xmlns:a16="http://schemas.microsoft.com/office/drawing/2014/main" val="3859432155"/>
+                  </a:ext>
+                </a:extLst>
+              </a:tr>
+            </a:tbl>
+          </a:graphicData>
+        </a:graphic>
+      </p:graphicFrame>
+      <p:graphicFrame>
+        <p:nvGraphicFramePr>
+          <p:cNvPr id="27" name="表格 26">
+            <a:extLst>
+              <a:ext uri="{FF2B5EF4-FFF2-40B4-BE49-F238E27FC236}">
+                <a16:creationId xmlns:a16="http://schemas.microsoft.com/office/drawing/2014/main" id="{0DA4AFF4-D1D9-44FF-8611-7C9F5ABDB724}"/>
+              </a:ext>
+            </a:extLst>
+          </p:cNvPr>
+          <p:cNvGraphicFramePr>
+            <a:graphicFrameLocks noGrp="1"/>
+          </p:cNvGraphicFramePr>
+          <p:nvPr>
+            <p:extLst>
+              <p:ext uri="{D42A27DB-BD31-4B8C-83A1-F6EECF244321}">
+                <p14:modId xmlns:p14="http://schemas.microsoft.com/office/powerpoint/2010/main" val="1535334867"/>
+              </p:ext>
+            </p:extLst>
+          </p:nvPr>
+        </p:nvGraphicFramePr>
+        <p:xfrm>
+          <a:off x="10135718" y="1859448"/>
+          <a:ext cx="876300" cy="3181255"/>
+        </p:xfrm>
+        <a:graphic>
+          <a:graphicData uri="http://schemas.openxmlformats.org/drawingml/2006/table">
+            <a:tbl>
+              <a:tblPr firstRow="1" bandRow="1">
+                <a:tableStyleId>{5C22544A-7EE6-4342-B048-85BDC9FD1C3A}</a:tableStyleId>
+              </a:tblPr>
+              <a:tblGrid>
+                <a:gridCol w="876300">
+                  <a:extLst>
+                    <a:ext uri="{9D8B030D-6E8A-4147-A177-3AD203B41FA5}">
+                      <a16:colId xmlns:a16="http://schemas.microsoft.com/office/drawing/2014/main" val="1225509667"/>
+                    </a:ext>
+                  </a:extLst>
+                </a:gridCol>
+              </a:tblGrid>
+              <a:tr h="636251">
+                <a:tc>
+                  <a:txBody>
+                    <a:bodyPr/>
+                    <a:lstStyle/>
+                    <a:p>
+                      <a:pPr algn="ctr"/>
+                      <a:r>
+                        <a:rPr lang="en-US" altLang="zh-TW" dirty="0"/>
+                        <a:t>Col 5</a:t>
+                      </a:r>
+                      <a:endParaRPr lang="zh-TW" altLang="en-US" dirty="0"/>
+                    </a:p>
+                  </a:txBody>
+                  <a:tcPr anchor="ctr">
+                    <a:solidFill>
+                      <a:srgbClr val="00B050"/>
+                    </a:solidFill>
+                  </a:tcPr>
+                </a:tc>
+                <a:extLst>
+                  <a:ext uri="{0D108BD9-81ED-4DB2-BD59-A6C34878D82A}">
+                    <a16:rowId xmlns:a16="http://schemas.microsoft.com/office/drawing/2014/main" val="4238049435"/>
+                  </a:ext>
+                </a:extLst>
+              </a:tr>
+              <a:tr h="636251">
+                <a:tc>
+                  <a:txBody>
+                    <a:bodyPr/>
+                    <a:lstStyle/>
+                    <a:p>
+                      <a:pPr algn="ctr"/>
+                      <a:r>
+                        <a:rPr lang="en-US" altLang="zh-TW" dirty="0"/>
+                        <a:t>0</a:t>
+                      </a:r>
+                      <a:endParaRPr lang="zh-TW" altLang="en-US" dirty="0"/>
+                    </a:p>
+                  </a:txBody>
+                  <a:tcPr anchor="ctr"/>
+                </a:tc>
+                <a:extLst>
+                  <a:ext uri="{0D108BD9-81ED-4DB2-BD59-A6C34878D82A}">
+                    <a16:rowId xmlns:a16="http://schemas.microsoft.com/office/drawing/2014/main" val="466443544"/>
+                  </a:ext>
+                </a:extLst>
+              </a:tr>
+              <a:tr h="636251">
+                <a:tc>
+                  <a:txBody>
+                    <a:bodyPr/>
+                    <a:lstStyle/>
+                    <a:p>
+                      <a:pPr algn="ctr"/>
+                      <a:r>
+                        <a:rPr lang="en-US" altLang="zh-TW" dirty="0"/>
+                        <a:t>1</a:t>
+                      </a:r>
+                      <a:endParaRPr lang="zh-TW" altLang="en-US" dirty="0"/>
+                    </a:p>
+                  </a:txBody>
+                  <a:tcPr anchor="ctr"/>
+                </a:tc>
+                <a:extLst>
+                  <a:ext uri="{0D108BD9-81ED-4DB2-BD59-A6C34878D82A}">
+                    <a16:rowId xmlns:a16="http://schemas.microsoft.com/office/drawing/2014/main" val="2447474118"/>
+                  </a:ext>
+                </a:extLst>
+              </a:tr>
+              <a:tr h="636251">
+                <a:tc>
+                  <a:txBody>
+                    <a:bodyPr/>
+                    <a:lstStyle/>
+                    <a:p>
+                      <a:pPr marL="0" marR="0" lvl="0" indent="0" algn="ctr" defTabSz="914400" rtl="0" eaLnBrk="1" fontAlgn="auto" latinLnBrk="0" hangingPunct="1">
+                        <a:lnSpc>
+                          <a:spcPct val="100000"/>
+                        </a:lnSpc>
+                        <a:spcBef>
+                          <a:spcPts val="0"/>
+                        </a:spcBef>
+                        <a:spcAft>
+                          <a:spcPts val="0"/>
+                        </a:spcAft>
+                        <a:buClrTx/>
+                        <a:buSzTx/>
+                        <a:buFontTx/>
+                        <a:buNone/>
+                        <a:tabLst/>
+                        <a:defRPr/>
+                      </a:pPr>
+                      <a:r>
+                        <a:rPr lang="en-US" altLang="zh-TW" dirty="0">
+                          <a:latin typeface="Times New Roman" panose="02020603050405020304" pitchFamily="18" charset="0"/>
+                          <a:cs typeface="Times New Roman" panose="02020603050405020304" pitchFamily="18" charset="0"/>
+                        </a:rPr>
+                        <a:t>⁝</a:t>
+                      </a:r>
+                      <a:endParaRPr lang="zh-TW" altLang="en-US" dirty="0"/>
+                    </a:p>
+                  </a:txBody>
+                  <a:tcPr anchor="ctr"/>
+                </a:tc>
+                <a:extLst>
+                  <a:ext uri="{0D108BD9-81ED-4DB2-BD59-A6C34878D82A}">
+                    <a16:rowId xmlns:a16="http://schemas.microsoft.com/office/drawing/2014/main" val="1048235093"/>
+                  </a:ext>
+                </a:extLst>
+              </a:tr>
+              <a:tr h="636251">
+                <a:tc>
+                  <a:txBody>
+                    <a:bodyPr/>
+                    <a:lstStyle/>
+                    <a:p>
+                      <a:pPr algn="ctr"/>
+                      <a:r>
+                        <a:rPr lang="en-US" altLang="zh-TW" dirty="0"/>
+                        <a:t>1</a:t>
+                      </a:r>
+                      <a:endParaRPr lang="zh-TW" altLang="en-US" dirty="0"/>
+                    </a:p>
+                  </a:txBody>
+                  <a:tcPr anchor="ctr"/>
+                </a:tc>
+                <a:extLst>
+                  <a:ext uri="{0D108BD9-81ED-4DB2-BD59-A6C34878D82A}">
+                    <a16:rowId xmlns:a16="http://schemas.microsoft.com/office/drawing/2014/main" val="3859432155"/>
+                  </a:ext>
+                </a:extLst>
+              </a:tr>
+            </a:tbl>
+          </a:graphicData>
+        </a:graphic>
+      </p:graphicFrame>
+      <p:graphicFrame>
+        <p:nvGraphicFramePr>
+          <p:cNvPr id="26" name="表格 25">
+            <a:extLst>
+              <a:ext uri="{FF2B5EF4-FFF2-40B4-BE49-F238E27FC236}">
+                <a16:creationId xmlns:a16="http://schemas.microsoft.com/office/drawing/2014/main" id="{DE90A258-C804-44D0-9CD2-23D6979D3676}"/>
+              </a:ext>
+            </a:extLst>
+          </p:cNvPr>
+          <p:cNvGraphicFramePr>
+            <a:graphicFrameLocks noGrp="1"/>
+          </p:cNvGraphicFramePr>
+          <p:nvPr>
+            <p:extLst>
+              <p:ext uri="{D42A27DB-BD31-4B8C-83A1-F6EECF244321}">
+                <p14:modId xmlns:p14="http://schemas.microsoft.com/office/powerpoint/2010/main" val="4250824736"/>
+              </p:ext>
+            </p:extLst>
+          </p:nvPr>
+        </p:nvGraphicFramePr>
+        <p:xfrm>
+          <a:off x="9098609" y="1859448"/>
+          <a:ext cx="876300" cy="3181255"/>
+        </p:xfrm>
+        <a:graphic>
+          <a:graphicData uri="http://schemas.openxmlformats.org/drawingml/2006/table">
+            <a:tbl>
+              <a:tblPr firstRow="1" bandRow="1">
+                <a:tableStyleId>{5C22544A-7EE6-4342-B048-85BDC9FD1C3A}</a:tableStyleId>
+              </a:tblPr>
+              <a:tblGrid>
+                <a:gridCol w="876300">
+                  <a:extLst>
+                    <a:ext uri="{9D8B030D-6E8A-4147-A177-3AD203B41FA5}">
+                      <a16:colId xmlns:a16="http://schemas.microsoft.com/office/drawing/2014/main" val="2275823469"/>
+                    </a:ext>
+                  </a:extLst>
+                </a:gridCol>
+              </a:tblGrid>
+              <a:tr h="636251">
+                <a:tc>
+                  <a:txBody>
+                    <a:bodyPr/>
+                    <a:lstStyle/>
+                    <a:p>
+                      <a:pPr marL="0" marR="0" lvl="0" indent="0" algn="ctr" defTabSz="914400" rtl="0" eaLnBrk="1" fontAlgn="auto" latinLnBrk="0" hangingPunct="1">
+                        <a:lnSpc>
+                          <a:spcPct val="100000"/>
+                        </a:lnSpc>
+                        <a:spcBef>
+                          <a:spcPts val="0"/>
+                        </a:spcBef>
+                        <a:spcAft>
+                          <a:spcPts val="0"/>
+                        </a:spcAft>
+                        <a:buClrTx/>
+                        <a:buSzTx/>
+                        <a:buFontTx/>
+                        <a:buNone/>
+                        <a:tabLst/>
+                        <a:defRPr/>
+                      </a:pPr>
+                      <a:r>
+                        <a:rPr lang="en-US" altLang="zh-TW" dirty="0"/>
+                        <a:t>Col 4</a:t>
+                      </a:r>
+                      <a:endParaRPr lang="zh-TW" altLang="en-US" dirty="0"/>
+                    </a:p>
+                  </a:txBody>
+                  <a:tcPr anchor="ctr">
+                    <a:solidFill>
+                      <a:srgbClr val="00B050"/>
+                    </a:solidFill>
+                  </a:tcPr>
+                </a:tc>
+                <a:extLst>
+                  <a:ext uri="{0D108BD9-81ED-4DB2-BD59-A6C34878D82A}">
+                    <a16:rowId xmlns:a16="http://schemas.microsoft.com/office/drawing/2014/main" val="4238049435"/>
+                  </a:ext>
+                </a:extLst>
+              </a:tr>
+              <a:tr h="636251">
+                <a:tc>
+                  <a:txBody>
+                    <a:bodyPr/>
+                    <a:lstStyle/>
+                    <a:p>
+                      <a:pPr algn="ctr"/>
+                      <a:r>
+                        <a:rPr lang="en-US" altLang="zh-TW" dirty="0"/>
+                        <a:t>1</a:t>
+                      </a:r>
+                      <a:endParaRPr lang="zh-TW" altLang="en-US" dirty="0"/>
+                    </a:p>
+                  </a:txBody>
+                  <a:tcPr anchor="ctr"/>
+                </a:tc>
+                <a:extLst>
+                  <a:ext uri="{0D108BD9-81ED-4DB2-BD59-A6C34878D82A}">
+                    <a16:rowId xmlns:a16="http://schemas.microsoft.com/office/drawing/2014/main" val="466443544"/>
+                  </a:ext>
+                </a:extLst>
+              </a:tr>
+              <a:tr h="636251">
+                <a:tc>
+                  <a:txBody>
+                    <a:bodyPr/>
+                    <a:lstStyle/>
+                    <a:p>
+                      <a:pPr algn="ctr"/>
+                      <a:r>
+                        <a:rPr lang="en-US" altLang="zh-TW" dirty="0"/>
+                        <a:t>1</a:t>
+                      </a:r>
+                      <a:endParaRPr lang="zh-TW" altLang="en-US" dirty="0"/>
+                    </a:p>
+                  </a:txBody>
+                  <a:tcPr anchor="ctr"/>
+                </a:tc>
+                <a:extLst>
+                  <a:ext uri="{0D108BD9-81ED-4DB2-BD59-A6C34878D82A}">
+                    <a16:rowId xmlns:a16="http://schemas.microsoft.com/office/drawing/2014/main" val="2447474118"/>
+                  </a:ext>
+                </a:extLst>
+              </a:tr>
+              <a:tr h="636251">
+                <a:tc>
+                  <a:txBody>
+                    <a:bodyPr/>
+                    <a:lstStyle/>
+                    <a:p>
+                      <a:pPr marL="0" marR="0" lvl="0" indent="0" algn="ctr" defTabSz="914400" rtl="0" eaLnBrk="1" fontAlgn="auto" latinLnBrk="0" hangingPunct="1">
+                        <a:lnSpc>
+                          <a:spcPct val="100000"/>
+                        </a:lnSpc>
+                        <a:spcBef>
+                          <a:spcPts val="0"/>
+                        </a:spcBef>
+                        <a:spcAft>
+                          <a:spcPts val="0"/>
+                        </a:spcAft>
+                        <a:buClrTx/>
+                        <a:buSzTx/>
+                        <a:buFontTx/>
+                        <a:buNone/>
+                        <a:tabLst/>
+                        <a:defRPr/>
+                      </a:pPr>
+                      <a:r>
+                        <a:rPr lang="en-US" altLang="zh-TW" dirty="0">
+                          <a:latin typeface="Times New Roman" panose="02020603050405020304" pitchFamily="18" charset="0"/>
+                          <a:cs typeface="Times New Roman" panose="02020603050405020304" pitchFamily="18" charset="0"/>
+                        </a:rPr>
+                        <a:t>⁝</a:t>
+                      </a:r>
+                      <a:endParaRPr lang="zh-TW" altLang="en-US" dirty="0"/>
+                    </a:p>
+                  </a:txBody>
+                  <a:tcPr anchor="ctr"/>
+                </a:tc>
+                <a:extLst>
+                  <a:ext uri="{0D108BD9-81ED-4DB2-BD59-A6C34878D82A}">
+                    <a16:rowId xmlns:a16="http://schemas.microsoft.com/office/drawing/2014/main" val="1048235093"/>
+                  </a:ext>
+                </a:extLst>
+              </a:tr>
+              <a:tr h="636251">
+                <a:tc>
+                  <a:txBody>
+                    <a:bodyPr/>
+                    <a:lstStyle/>
+                    <a:p>
+                      <a:pPr algn="ctr"/>
+                      <a:r>
+                        <a:rPr lang="en-US" altLang="zh-TW" dirty="0"/>
+                        <a:t>0</a:t>
+                      </a:r>
+                      <a:endParaRPr lang="zh-TW" altLang="en-US" dirty="0"/>
+                    </a:p>
+                  </a:txBody>
+                  <a:tcPr anchor="ctr"/>
+                </a:tc>
+                <a:extLst>
+                  <a:ext uri="{0D108BD9-81ED-4DB2-BD59-A6C34878D82A}">
+                    <a16:rowId xmlns:a16="http://schemas.microsoft.com/office/drawing/2014/main" val="3859432155"/>
+                  </a:ext>
+                </a:extLst>
+              </a:tr>
+            </a:tbl>
+          </a:graphicData>
+        </a:graphic>
+      </p:graphicFrame>
+      <p:graphicFrame>
+        <p:nvGraphicFramePr>
+          <p:cNvPr id="25" name="表格 24">
+            <a:extLst>
+              <a:ext uri="{FF2B5EF4-FFF2-40B4-BE49-F238E27FC236}">
+                <a16:creationId xmlns:a16="http://schemas.microsoft.com/office/drawing/2014/main" id="{080E8605-6DAA-453C-83AE-7AA374C678F7}"/>
+              </a:ext>
+            </a:extLst>
+          </p:cNvPr>
+          <p:cNvGraphicFramePr>
+            <a:graphicFrameLocks noGrp="1"/>
+          </p:cNvGraphicFramePr>
+          <p:nvPr>
+            <p:extLst>
+              <p:ext uri="{D42A27DB-BD31-4B8C-83A1-F6EECF244321}">
+                <p14:modId xmlns:p14="http://schemas.microsoft.com/office/powerpoint/2010/main" val="2112674564"/>
+              </p:ext>
+            </p:extLst>
+          </p:nvPr>
+        </p:nvGraphicFramePr>
+        <p:xfrm>
+          <a:off x="8061500" y="1859448"/>
+          <a:ext cx="876300" cy="3181255"/>
+        </p:xfrm>
+        <a:graphic>
+          <a:graphicData uri="http://schemas.openxmlformats.org/drawingml/2006/table">
+            <a:tbl>
+              <a:tblPr firstRow="1" bandRow="1">
+                <a:tableStyleId>{5C22544A-7EE6-4342-B048-85BDC9FD1C3A}</a:tableStyleId>
+              </a:tblPr>
+              <a:tblGrid>
+                <a:gridCol w="876300">
+                  <a:extLst>
+                    <a:ext uri="{9D8B030D-6E8A-4147-A177-3AD203B41FA5}">
+                      <a16:colId xmlns:a16="http://schemas.microsoft.com/office/drawing/2014/main" val="3515302988"/>
+                    </a:ext>
+                  </a:extLst>
+                </a:gridCol>
+              </a:tblGrid>
+              <a:tr h="636251">
+                <a:tc>
+                  <a:txBody>
+                    <a:bodyPr/>
+                    <a:lstStyle/>
+                    <a:p>
+                      <a:pPr algn="ctr"/>
+                      <a:r>
+                        <a:rPr lang="en-US" altLang="zh-TW" dirty="0"/>
+                        <a:t>Col 3</a:t>
+                      </a:r>
+                      <a:endParaRPr lang="zh-TW" altLang="en-US" dirty="0"/>
+                    </a:p>
+                  </a:txBody>
+                  <a:tcPr anchor="ctr">
+                    <a:solidFill>
+                      <a:schemeClr val="accent2"/>
+                    </a:solidFill>
+                  </a:tcPr>
+                </a:tc>
+                <a:extLst>
+                  <a:ext uri="{0D108BD9-81ED-4DB2-BD59-A6C34878D82A}">
+                    <a16:rowId xmlns:a16="http://schemas.microsoft.com/office/drawing/2014/main" val="4238049435"/>
+                  </a:ext>
+                </a:extLst>
+              </a:tr>
+              <a:tr h="636251">
+                <a:tc>
+                  <a:txBody>
+                    <a:bodyPr/>
+                    <a:lstStyle/>
+                    <a:p>
+                      <a:pPr algn="ctr"/>
+                      <a:r>
+                        <a:rPr lang="en-US" altLang="zh-TW" dirty="0"/>
+                        <a:t>0</a:t>
+                      </a:r>
+                      <a:endParaRPr lang="zh-TW" altLang="en-US" dirty="0"/>
+                    </a:p>
+                  </a:txBody>
+                  <a:tcPr anchor="ctr"/>
+                </a:tc>
+                <a:extLst>
+                  <a:ext uri="{0D108BD9-81ED-4DB2-BD59-A6C34878D82A}">
+                    <a16:rowId xmlns:a16="http://schemas.microsoft.com/office/drawing/2014/main" val="466443544"/>
+                  </a:ext>
+                </a:extLst>
+              </a:tr>
+              <a:tr h="636251">
+                <a:tc>
+                  <a:txBody>
+                    <a:bodyPr/>
+                    <a:lstStyle/>
+                    <a:p>
+                      <a:pPr algn="ctr"/>
+                      <a:r>
+                        <a:rPr lang="en-US" altLang="zh-TW" dirty="0"/>
+                        <a:t>0</a:t>
+                      </a:r>
+                      <a:endParaRPr lang="zh-TW" altLang="en-US" dirty="0"/>
+                    </a:p>
+                  </a:txBody>
+                  <a:tcPr anchor="ctr"/>
+                </a:tc>
+                <a:extLst>
+                  <a:ext uri="{0D108BD9-81ED-4DB2-BD59-A6C34878D82A}">
+                    <a16:rowId xmlns:a16="http://schemas.microsoft.com/office/drawing/2014/main" val="2447474118"/>
+                  </a:ext>
+                </a:extLst>
+              </a:tr>
+              <a:tr h="636251">
+                <a:tc>
+                  <a:txBody>
+                    <a:bodyPr/>
+                    <a:lstStyle/>
+                    <a:p>
+                      <a:pPr marL="0" marR="0" lvl="0" indent="0" algn="ctr" defTabSz="914400" rtl="0" eaLnBrk="1" fontAlgn="auto" latinLnBrk="0" hangingPunct="1">
+                        <a:lnSpc>
+                          <a:spcPct val="100000"/>
+                        </a:lnSpc>
+                        <a:spcBef>
+                          <a:spcPts val="0"/>
+                        </a:spcBef>
+                        <a:spcAft>
+                          <a:spcPts val="0"/>
+                        </a:spcAft>
+                        <a:buClrTx/>
+                        <a:buSzTx/>
+                        <a:buFontTx/>
+                        <a:buNone/>
+                        <a:tabLst/>
+                        <a:defRPr/>
+                      </a:pPr>
+                      <a:r>
+                        <a:rPr lang="en-US" altLang="zh-TW" dirty="0">
+                          <a:latin typeface="Times New Roman" panose="02020603050405020304" pitchFamily="18" charset="0"/>
+                          <a:cs typeface="Times New Roman" panose="02020603050405020304" pitchFamily="18" charset="0"/>
+                        </a:rPr>
+                        <a:t>⁝</a:t>
+                      </a:r>
+                      <a:endParaRPr lang="zh-TW" altLang="en-US" dirty="0"/>
+                    </a:p>
+                  </a:txBody>
+                  <a:tcPr anchor="ctr"/>
+                </a:tc>
+                <a:extLst>
+                  <a:ext uri="{0D108BD9-81ED-4DB2-BD59-A6C34878D82A}">
+                    <a16:rowId xmlns:a16="http://schemas.microsoft.com/office/drawing/2014/main" val="1048235093"/>
+                  </a:ext>
+                </a:extLst>
+              </a:tr>
+              <a:tr h="636251">
+                <a:tc>
+                  <a:txBody>
+                    <a:bodyPr/>
+                    <a:lstStyle/>
+                    <a:p>
+                      <a:pPr algn="ctr"/>
+                      <a:r>
+                        <a:rPr lang="en-US" altLang="zh-TW" dirty="0"/>
+                        <a:t>1</a:t>
+                      </a:r>
+                      <a:endParaRPr lang="zh-TW" altLang="en-US" dirty="0"/>
+                    </a:p>
+                  </a:txBody>
+                  <a:tcPr anchor="ctr"/>
+                </a:tc>
+                <a:extLst>
+                  <a:ext uri="{0D108BD9-81ED-4DB2-BD59-A6C34878D82A}">
+                    <a16:rowId xmlns:a16="http://schemas.microsoft.com/office/drawing/2014/main" val="3859432155"/>
+                  </a:ext>
+                </a:extLst>
+              </a:tr>
+            </a:tbl>
+          </a:graphicData>
+        </a:graphic>
+      </p:graphicFrame>
+      <p:graphicFrame>
+        <p:nvGraphicFramePr>
+          <p:cNvPr id="24" name="表格 23">
+            <a:extLst>
+              <a:ext uri="{FF2B5EF4-FFF2-40B4-BE49-F238E27FC236}">
+                <a16:creationId xmlns:a16="http://schemas.microsoft.com/office/drawing/2014/main" id="{D3F1CC29-E66A-49C1-8174-9B9328B5B70D}"/>
+              </a:ext>
+            </a:extLst>
+          </p:cNvPr>
+          <p:cNvGraphicFramePr>
+            <a:graphicFrameLocks noGrp="1"/>
+          </p:cNvGraphicFramePr>
+          <p:nvPr>
+            <p:extLst>
+              <p:ext uri="{D42A27DB-BD31-4B8C-83A1-F6EECF244321}">
+                <p14:modId xmlns:p14="http://schemas.microsoft.com/office/powerpoint/2010/main" val="276098090"/>
+              </p:ext>
+            </p:extLst>
+          </p:nvPr>
+        </p:nvGraphicFramePr>
+        <p:xfrm>
+          <a:off x="7024391" y="1859448"/>
+          <a:ext cx="876300" cy="3181255"/>
+        </p:xfrm>
+        <a:graphic>
+          <a:graphicData uri="http://schemas.openxmlformats.org/drawingml/2006/table">
+            <a:tbl>
+              <a:tblPr firstRow="1" bandRow="1">
+                <a:tableStyleId>{5C22544A-7EE6-4342-B048-85BDC9FD1C3A}</a:tableStyleId>
+              </a:tblPr>
+              <a:tblGrid>
+                <a:gridCol w="876300">
+                  <a:extLst>
+                    <a:ext uri="{9D8B030D-6E8A-4147-A177-3AD203B41FA5}">
+                      <a16:colId xmlns:a16="http://schemas.microsoft.com/office/drawing/2014/main" val="1617252258"/>
+                    </a:ext>
+                  </a:extLst>
+                </a:gridCol>
+              </a:tblGrid>
+              <a:tr h="636251">
+                <a:tc>
+                  <a:txBody>
+                    <a:bodyPr/>
+                    <a:lstStyle/>
+                    <a:p>
+                      <a:pPr marL="0" marR="0" lvl="0" indent="0" algn="ctr" defTabSz="914400" rtl="0" eaLnBrk="1" fontAlgn="auto" latinLnBrk="0" hangingPunct="1">
+                        <a:lnSpc>
+                          <a:spcPct val="100000"/>
+                        </a:lnSpc>
+                        <a:spcBef>
+                          <a:spcPts val="0"/>
+                        </a:spcBef>
+                        <a:spcAft>
+                          <a:spcPts val="0"/>
+                        </a:spcAft>
+                        <a:buClrTx/>
+                        <a:buSzTx/>
+                        <a:buFontTx/>
+                        <a:buNone/>
+                        <a:tabLst/>
+                        <a:defRPr/>
+                      </a:pPr>
+                      <a:r>
+                        <a:rPr lang="en-US" altLang="zh-TW" dirty="0"/>
+                        <a:t>Col 2</a:t>
+                      </a:r>
+                      <a:endParaRPr lang="zh-TW" altLang="en-US" dirty="0"/>
+                    </a:p>
+                  </a:txBody>
+                  <a:tcPr anchor="ctr">
+                    <a:solidFill>
+                      <a:srgbClr val="7030A0"/>
+                    </a:solidFill>
+                  </a:tcPr>
+                </a:tc>
+                <a:extLst>
+                  <a:ext uri="{0D108BD9-81ED-4DB2-BD59-A6C34878D82A}">
+                    <a16:rowId xmlns:a16="http://schemas.microsoft.com/office/drawing/2014/main" val="4238049435"/>
+                  </a:ext>
+                </a:extLst>
+              </a:tr>
+              <a:tr h="636251">
+                <a:tc>
+                  <a:txBody>
+                    <a:bodyPr/>
+                    <a:lstStyle/>
+                    <a:p>
+                      <a:pPr algn="ctr"/>
+                      <a:r>
+                        <a:rPr lang="en-US" altLang="zh-TW" dirty="0"/>
+                        <a:t>1</a:t>
+                      </a:r>
+                      <a:endParaRPr lang="zh-TW" altLang="en-US" dirty="0"/>
+                    </a:p>
+                  </a:txBody>
+                  <a:tcPr anchor="ctr"/>
+                </a:tc>
+                <a:extLst>
+                  <a:ext uri="{0D108BD9-81ED-4DB2-BD59-A6C34878D82A}">
+                    <a16:rowId xmlns:a16="http://schemas.microsoft.com/office/drawing/2014/main" val="466443544"/>
+                  </a:ext>
+                </a:extLst>
+              </a:tr>
+              <a:tr h="636251">
+                <a:tc>
+                  <a:txBody>
+                    <a:bodyPr/>
+                    <a:lstStyle/>
+                    <a:p>
+                      <a:pPr algn="ctr"/>
+                      <a:r>
+                        <a:rPr lang="en-US" altLang="zh-TW" dirty="0"/>
+                        <a:t>0</a:t>
+                      </a:r>
+                      <a:endParaRPr lang="zh-TW" altLang="en-US" dirty="0"/>
+                    </a:p>
+                  </a:txBody>
+                  <a:tcPr anchor="ctr"/>
+                </a:tc>
+                <a:extLst>
+                  <a:ext uri="{0D108BD9-81ED-4DB2-BD59-A6C34878D82A}">
+                    <a16:rowId xmlns:a16="http://schemas.microsoft.com/office/drawing/2014/main" val="2447474118"/>
+                  </a:ext>
+                </a:extLst>
+              </a:tr>
+              <a:tr h="636251">
+                <a:tc>
+                  <a:txBody>
+                    <a:bodyPr/>
+                    <a:lstStyle/>
+                    <a:p>
+                      <a:pPr marL="0" marR="0" lvl="0" indent="0" algn="ctr" defTabSz="914400" rtl="0" eaLnBrk="1" fontAlgn="auto" latinLnBrk="0" hangingPunct="1">
+                        <a:lnSpc>
+                          <a:spcPct val="100000"/>
+                        </a:lnSpc>
+                        <a:spcBef>
+                          <a:spcPts val="0"/>
+                        </a:spcBef>
+                        <a:spcAft>
+                          <a:spcPts val="0"/>
+                        </a:spcAft>
+                        <a:buClrTx/>
+                        <a:buSzTx/>
+                        <a:buFontTx/>
+                        <a:buNone/>
+                        <a:tabLst/>
+                        <a:defRPr/>
+                      </a:pPr>
+                      <a:r>
+                        <a:rPr lang="en-US" altLang="zh-TW" dirty="0">
+                          <a:latin typeface="Times New Roman" panose="02020603050405020304" pitchFamily="18" charset="0"/>
+                          <a:cs typeface="Times New Roman" panose="02020603050405020304" pitchFamily="18" charset="0"/>
+                        </a:rPr>
+                        <a:t>⁝</a:t>
+                      </a:r>
+                      <a:endParaRPr lang="zh-TW" altLang="en-US" dirty="0"/>
+                    </a:p>
+                  </a:txBody>
+                  <a:tcPr anchor="ctr"/>
+                </a:tc>
+                <a:extLst>
+                  <a:ext uri="{0D108BD9-81ED-4DB2-BD59-A6C34878D82A}">
+                    <a16:rowId xmlns:a16="http://schemas.microsoft.com/office/drawing/2014/main" val="1048235093"/>
+                  </a:ext>
+                </a:extLst>
+              </a:tr>
+              <a:tr h="636251">
+                <a:tc>
+                  <a:txBody>
+                    <a:bodyPr/>
+                    <a:lstStyle/>
+                    <a:p>
+                      <a:pPr algn="ctr"/>
+                      <a:r>
+                        <a:rPr lang="en-US" altLang="zh-TW" dirty="0"/>
+                        <a:t>0</a:t>
+                      </a:r>
+                      <a:endParaRPr lang="zh-TW" altLang="en-US" dirty="0"/>
+                    </a:p>
+                  </a:txBody>
+                  <a:tcPr anchor="ctr"/>
+                </a:tc>
+                <a:extLst>
+                  <a:ext uri="{0D108BD9-81ED-4DB2-BD59-A6C34878D82A}">
+                    <a16:rowId xmlns:a16="http://schemas.microsoft.com/office/drawing/2014/main" val="3859432155"/>
+                  </a:ext>
+                </a:extLst>
+              </a:tr>
+            </a:tbl>
+          </a:graphicData>
+        </a:graphic>
+      </p:graphicFrame>
+      <p:graphicFrame>
+        <p:nvGraphicFramePr>
+          <p:cNvPr id="23" name="表格 22">
+            <a:extLst>
+              <a:ext uri="{FF2B5EF4-FFF2-40B4-BE49-F238E27FC236}">
+                <a16:creationId xmlns:a16="http://schemas.microsoft.com/office/drawing/2014/main" id="{4FDC8BBB-15E1-49AA-8CA6-D95CB77C0DA1}"/>
+              </a:ext>
+            </a:extLst>
+          </p:cNvPr>
+          <p:cNvGraphicFramePr>
+            <a:graphicFrameLocks noGrp="1"/>
+          </p:cNvGraphicFramePr>
+          <p:nvPr>
+            <p:extLst>
+              <p:ext uri="{D42A27DB-BD31-4B8C-83A1-F6EECF244321}">
+                <p14:modId xmlns:p14="http://schemas.microsoft.com/office/powerpoint/2010/main" val="3519108979"/>
+              </p:ext>
+            </p:extLst>
+          </p:nvPr>
+        </p:nvGraphicFramePr>
+        <p:xfrm>
+          <a:off x="5987282" y="1865452"/>
+          <a:ext cx="876300" cy="3181255"/>
+        </p:xfrm>
+        <a:graphic>
+          <a:graphicData uri="http://schemas.openxmlformats.org/drawingml/2006/table">
+            <a:tbl>
+              <a:tblPr firstRow="1" bandRow="1">
+                <a:tableStyleId>{5C22544A-7EE6-4342-B048-85BDC9FD1C3A}</a:tableStyleId>
+              </a:tblPr>
+              <a:tblGrid>
+                <a:gridCol w="876300">
+                  <a:extLst>
+                    <a:ext uri="{9D8B030D-6E8A-4147-A177-3AD203B41FA5}">
+                      <a16:colId xmlns:a16="http://schemas.microsoft.com/office/drawing/2014/main" val="2260549720"/>
+                    </a:ext>
+                  </a:extLst>
+                </a:gridCol>
+              </a:tblGrid>
+              <a:tr h="636251">
+                <a:tc>
+                  <a:txBody>
+                    <a:bodyPr/>
+                    <a:lstStyle/>
+                    <a:p>
+                      <a:pPr algn="ctr"/>
+                      <a:r>
+                        <a:rPr lang="en-US" altLang="zh-TW" dirty="0"/>
+                        <a:t>Col 1</a:t>
+                      </a:r>
+                      <a:endParaRPr lang="zh-TW" altLang="en-US" dirty="0"/>
+                    </a:p>
+                  </a:txBody>
+                  <a:tcPr anchor="ctr">
+                    <a:solidFill>
+                      <a:schemeClr val="accent2"/>
+                    </a:solidFill>
+                  </a:tcPr>
+                </a:tc>
+                <a:extLst>
+                  <a:ext uri="{0D108BD9-81ED-4DB2-BD59-A6C34878D82A}">
+                    <a16:rowId xmlns:a16="http://schemas.microsoft.com/office/drawing/2014/main" val="4238049435"/>
+                  </a:ext>
+                </a:extLst>
+              </a:tr>
+              <a:tr h="636251">
+                <a:tc>
+                  <a:txBody>
+                    <a:bodyPr/>
+                    <a:lstStyle/>
+                    <a:p>
+                      <a:pPr algn="ctr"/>
+                      <a:r>
+                        <a:rPr lang="en-US" altLang="zh-TW" dirty="0"/>
+                        <a:t>1</a:t>
+                      </a:r>
+                      <a:endParaRPr lang="zh-TW" altLang="en-US" dirty="0"/>
+                    </a:p>
+                  </a:txBody>
+                  <a:tcPr anchor="ctr"/>
+                </a:tc>
+                <a:extLst>
+                  <a:ext uri="{0D108BD9-81ED-4DB2-BD59-A6C34878D82A}">
+                    <a16:rowId xmlns:a16="http://schemas.microsoft.com/office/drawing/2014/main" val="466443544"/>
+                  </a:ext>
+                </a:extLst>
+              </a:tr>
+              <a:tr h="636251">
+                <a:tc>
+                  <a:txBody>
+                    <a:bodyPr/>
+                    <a:lstStyle/>
+                    <a:p>
+                      <a:pPr algn="ctr"/>
+                      <a:r>
+                        <a:rPr lang="en-US" altLang="zh-TW" dirty="0"/>
+                        <a:t>1</a:t>
+                      </a:r>
+                      <a:endParaRPr lang="zh-TW" altLang="en-US" dirty="0"/>
+                    </a:p>
+                  </a:txBody>
+                  <a:tcPr anchor="ctr"/>
+                </a:tc>
+                <a:extLst>
+                  <a:ext uri="{0D108BD9-81ED-4DB2-BD59-A6C34878D82A}">
+                    <a16:rowId xmlns:a16="http://schemas.microsoft.com/office/drawing/2014/main" val="2447474118"/>
+                  </a:ext>
+                </a:extLst>
+              </a:tr>
+              <a:tr h="636251">
+                <a:tc>
+                  <a:txBody>
+                    <a:bodyPr/>
+                    <a:lstStyle/>
+                    <a:p>
+                      <a:pPr algn="ctr"/>
+                      <a:r>
+                        <a:rPr lang="en-US" altLang="zh-TW" dirty="0">
+                          <a:latin typeface="Times New Roman" panose="02020603050405020304" pitchFamily="18" charset="0"/>
+                          <a:cs typeface="Times New Roman" panose="02020603050405020304" pitchFamily="18" charset="0"/>
+                        </a:rPr>
+                        <a:t>⁝</a:t>
+                      </a:r>
+                      <a:endParaRPr lang="zh-TW" altLang="en-US" dirty="0"/>
+                    </a:p>
+                  </a:txBody>
+                  <a:tcPr anchor="ctr"/>
+                </a:tc>
+                <a:extLst>
+                  <a:ext uri="{0D108BD9-81ED-4DB2-BD59-A6C34878D82A}">
+                    <a16:rowId xmlns:a16="http://schemas.microsoft.com/office/drawing/2014/main" val="1048235093"/>
+                  </a:ext>
+                </a:extLst>
+              </a:tr>
+              <a:tr h="636251">
+                <a:tc>
+                  <a:txBody>
+                    <a:bodyPr/>
+                    <a:lstStyle/>
+                    <a:p>
+                      <a:pPr algn="ctr"/>
+                      <a:r>
+                        <a:rPr lang="en-US" altLang="zh-TW" dirty="0"/>
+                        <a:t>0</a:t>
+                      </a:r>
+                      <a:endParaRPr lang="zh-TW" altLang="en-US" dirty="0"/>
+                    </a:p>
+                  </a:txBody>
+                  <a:tcPr anchor="ctr"/>
+                </a:tc>
+                <a:extLst>
+                  <a:ext uri="{0D108BD9-81ED-4DB2-BD59-A6C34878D82A}">
+                    <a16:rowId xmlns:a16="http://schemas.microsoft.com/office/drawing/2014/main" val="3859432155"/>
+                  </a:ext>
+                </a:extLst>
+              </a:tr>
+            </a:tbl>
+          </a:graphicData>
+        </a:graphic>
+      </p:graphicFrame>
     </p:spTree>
     <p:extLst>
       <p:ext uri="{BB962C8B-B14F-4D97-AF65-F5344CB8AC3E}">
-        <p14:creationId xmlns:p14="http://schemas.microsoft.com/office/powerpoint/2010/main" val="1215055173"/>
+        <p14:creationId xmlns:p14="http://schemas.microsoft.com/office/powerpoint/2010/main" val="3573605713"/>
       </p:ext>
     </p:extLst>
   </p:cSld>
   <p:clrMapOvr>
     <a:masterClrMapping/>
   </p:clrMapOvr>
+  <mc:AlternateContent xmlns:mc="http://schemas.openxmlformats.org/markup-compatibility/2006">
+    <mc:Choice xmlns:p14="http://schemas.microsoft.com/office/powerpoint/2010/main" Requires="p14">
+      <p:transition spd="med" p14:dur="700">
+        <p:fade/>
+      </p:transition>
+    </mc:Choice>
+    <mc:Fallback>
+      <p:transition spd="med">
+        <p:fade/>
+      </p:transition>
+    </mc:Fallback>
+  </mc:AlternateContent>
+  <p:timing>
+    <p:tnLst>
+      <p:par>
+        <p:cTn id="1" dur="indefinite" restart="never" nodeType="tmRoot">
+          <p:childTnLst>
+            <p:seq concurrent="1" nextAc="seek">
+              <p:cTn id="2" dur="indefinite" nodeType="mainSeq">
+                <p:childTnLst>
+                  <p:par>
+                    <p:cTn id="3" fill="hold">
+                      <p:stCondLst>
+                        <p:cond delay="indefinite"/>
+                      </p:stCondLst>
+                      <p:childTnLst>
+                        <p:par>
+                          <p:cTn id="4" fill="hold">
+                            <p:stCondLst>
+                              <p:cond delay="0"/>
+                            </p:stCondLst>
+                            <p:childTnLst>
+                              <p:par>
+                                <p:cTn id="5" presetID="37" presetClass="path" presetSubtype="0" accel="50000" decel="50000" fill="hold" nodeType="clickEffect">
+                                  <p:stCondLst>
+                                    <p:cond delay="0"/>
+                                  </p:stCondLst>
+                                  <p:childTnLst>
+                                    <p:animMotion origin="layout" path="M 3.125E-6 3.7037E-7 L -0.02305 -0.03935 C -0.02787 -0.04838 -0.03503 -0.05324 -0.04258 -0.05324 C -0.05104 -0.05324 -0.05795 -0.04838 -0.06276 -0.03935 L -0.08555 3.7037E-7 " pathEditMode="relative" rAng="0" ptsTypes="AAAAA">
+                                      <p:cBhvr>
+                                        <p:cTn id="6" dur="1000" fill="hold"/>
+                                        <p:tgtEl>
+                                          <p:spTgt spid="24"/>
+                                        </p:tgtEl>
+                                        <p:attrNameLst>
+                                          <p:attrName>ppt_x</p:attrName>
+                                          <p:attrName>ppt_y</p:attrName>
+                                        </p:attrNameLst>
+                                      </p:cBhvr>
+                                      <p:rCtr x="-4284" y="-2662"/>
+                                    </p:animMotion>
+                                  </p:childTnLst>
+                                </p:cTn>
+                              </p:par>
+                              <p:par>
+                                <p:cTn id="7" presetID="37" presetClass="path" presetSubtype="0" accel="50000" decel="50000" fill="hold" nodeType="withEffect">
+                                  <p:stCondLst>
+                                    <p:cond delay="0"/>
+                                  </p:stCondLst>
+                                  <p:childTnLst>
+                                    <p:animMotion origin="layout" path="M -0.00209 0.0007 L 0.08893 0.04074 C 0.10781 0.04977 0.13632 0.05463 0.1664 0.05463 C 0.20026 0.05463 0.22773 0.04977 0.24648 0.04074 L 0.33802 0.0007 " pathEditMode="relative" rAng="0" ptsTypes="AAAAA">
+                                      <p:cBhvr>
+                                        <p:cTn id="8" dur="1000" fill="hold"/>
+                                        <p:tgtEl>
+                                          <p:spTgt spid="23"/>
+                                        </p:tgtEl>
+                                        <p:attrNameLst>
+                                          <p:attrName>ppt_x</p:attrName>
+                                          <p:attrName>ppt_y</p:attrName>
+                                        </p:attrNameLst>
+                                      </p:cBhvr>
+                                      <p:rCtr x="17005" y="2685"/>
+                                    </p:animMotion>
+                                  </p:childTnLst>
+                                </p:cTn>
+                              </p:par>
+                              <p:par>
+                                <p:cTn id="9" presetID="37" presetClass="path" presetSubtype="0" accel="50000" decel="50000" fill="hold" nodeType="withEffect">
+                                  <p:stCondLst>
+                                    <p:cond delay="0"/>
+                                  </p:stCondLst>
+                                  <p:childTnLst>
+                                    <p:animMotion origin="layout" path="M -2.91667E-6 7.40741E-7 L 0.06901 -0.04051 C 0.08347 -0.04954 0.10521 -0.0544 0.12774 -0.0544 C 0.15365 -0.0544 0.17435 -0.04954 0.18881 -0.04051 L 0.25834 7.40741E-7 " pathEditMode="relative" rAng="0" ptsTypes="AAAAA">
+                                      <p:cBhvr>
+                                        <p:cTn id="10" dur="1000" fill="hold"/>
+                                        <p:tgtEl>
+                                          <p:spTgt spid="25"/>
+                                        </p:tgtEl>
+                                        <p:attrNameLst>
+                                          <p:attrName>ppt_x</p:attrName>
+                                          <p:attrName>ppt_y</p:attrName>
+                                        </p:attrNameLst>
+                                      </p:cBhvr>
+                                      <p:rCtr x="12917" y="-2731"/>
+                                    </p:animMotion>
+                                  </p:childTnLst>
+                                </p:cTn>
+                              </p:par>
+                              <p:par>
+                                <p:cTn id="11" presetID="37" presetClass="path" presetSubtype="0" accel="50000" decel="50000" fill="hold" nodeType="withEffect">
+                                  <p:stCondLst>
+                                    <p:cond delay="0"/>
+                                  </p:stCondLst>
+                                  <p:childTnLst>
+                                    <p:animMotion origin="layout" path="M -4.79167E-6 7.40741E-7 L -0.02343 0.04005 C -0.02812 0.04907 -0.03541 0.05393 -0.04309 0.05393 C -0.05182 0.05393 -0.05872 0.04907 -0.06341 0.04005 L -0.08658 7.40741E-7 " pathEditMode="relative" rAng="0" ptsTypes="AAAAA">
+                                      <p:cBhvr>
+                                        <p:cTn id="12" dur="1000" fill="hold"/>
+                                        <p:tgtEl>
+                                          <p:spTgt spid="26"/>
+                                        </p:tgtEl>
+                                        <p:attrNameLst>
+                                          <p:attrName>ppt_x</p:attrName>
+                                          <p:attrName>ppt_y</p:attrName>
+                                        </p:attrNameLst>
+                                      </p:cBhvr>
+                                      <p:rCtr x="-4336" y="2685"/>
+                                    </p:animMotion>
+                                  </p:childTnLst>
+                                </p:cTn>
+                              </p:par>
+                              <p:par>
+                                <p:cTn id="13" presetID="37" presetClass="path" presetSubtype="0" accel="50000" decel="50000" fill="hold" nodeType="withEffect">
+                                  <p:stCondLst>
+                                    <p:cond delay="0"/>
+                                  </p:stCondLst>
+                                  <p:childTnLst>
+                                    <p:animMotion origin="layout" path="M -4.16667E-6 3.7037E-7 L -0.02317 -0.02222 C -0.02773 -0.02708 -0.03515 -0.02963 -0.04244 -0.02963 C -0.05104 -0.02963 -0.05794 -0.02708 -0.0625 -0.02222 L -0.08528 3.7037E-7 " pathEditMode="relative" rAng="0" ptsTypes="AAAAA">
+                                      <p:cBhvr>
+                                        <p:cTn id="14" dur="1000" fill="hold"/>
+                                        <p:tgtEl>
+                                          <p:spTgt spid="27"/>
+                                        </p:tgtEl>
+                                        <p:attrNameLst>
+                                          <p:attrName>ppt_x</p:attrName>
+                                          <p:attrName>ppt_y</p:attrName>
+                                        </p:attrNameLst>
+                                      </p:cBhvr>
+                                      <p:rCtr x="-4271" y="-1481"/>
+                                    </p:animMotion>
+                                  </p:childTnLst>
+                                </p:cTn>
+                              </p:par>
+                              <p:par>
+                                <p:cTn id="15" presetID="37" presetClass="path" presetSubtype="0" accel="50000" decel="50000" fill="hold" nodeType="withEffect">
+                                  <p:stCondLst>
+                                    <p:cond delay="0"/>
+                                  </p:stCondLst>
+                                  <p:childTnLst>
+                                    <p:animMotion origin="layout" path="M -0.01198 7.40741E-7 L -0.10065 0.04005 C -0.11927 0.04907 -0.14661 0.05393 -0.17539 0.05393 C -0.20833 0.05393 -0.2345 0.04907 -0.25286 0.04005 L -0.3401 7.40741E-7 " pathEditMode="relative" rAng="0" ptsTypes="AAAAA">
+                                      <p:cBhvr>
+                                        <p:cTn id="16" dur="1000" fill="hold"/>
+                                        <p:tgtEl>
+                                          <p:spTgt spid="22"/>
+                                        </p:tgtEl>
+                                        <p:attrNameLst>
+                                          <p:attrName>ppt_x</p:attrName>
+                                          <p:attrName>ppt_y</p:attrName>
+                                        </p:attrNameLst>
+                                      </p:cBhvr>
+                                      <p:rCtr x="-16406" y="2685"/>
+                                    </p:animMotion>
+                                  </p:childTnLst>
+                                </p:cTn>
+                              </p:par>
+                            </p:childTnLst>
+                          </p:cTn>
+                        </p:par>
+                      </p:childTnLst>
+                    </p:cTn>
+                  </p:par>
+                </p:childTnLst>
+              </p:cTn>
+              <p:prevCondLst>
+                <p:cond evt="onPrev" delay="0">
+                  <p:tgtEl>
+                    <p:sldTgt/>
+                  </p:tgtEl>
+                </p:cond>
+              </p:prevCondLst>
+              <p:nextCondLst>
+                <p:cond evt="onNext" delay="0">
+                  <p:tgtEl>
+                    <p:sldTgt/>
+                  </p:tgtEl>
+                </p:cond>
+              </p:nextCondLst>
+            </p:seq>
+          </p:childTnLst>
+        </p:cTn>
+      </p:par>
+    </p:tnLst>
+  </p:timing>
 </p:sld>
 </file>
 
@@ -10677,12 +16204,380 @@
           <a:chExt cx="0" cy="0"/>
         </a:xfrm>
       </p:grpSpPr>
+      <p:graphicFrame>
+        <p:nvGraphicFramePr>
+          <p:cNvPr id="24" name="表格 23">
+            <a:extLst>
+              <a:ext uri="{FF2B5EF4-FFF2-40B4-BE49-F238E27FC236}">
+                <a16:creationId xmlns:a16="http://schemas.microsoft.com/office/drawing/2014/main" id="{D3F1CC29-E66A-49C1-8174-9B9328B5B70D}"/>
+              </a:ext>
+            </a:extLst>
+          </p:cNvPr>
+          <p:cNvGraphicFramePr>
+            <a:graphicFrameLocks noGrp="1"/>
+          </p:cNvGraphicFramePr>
+          <p:nvPr>
+            <p:extLst>
+              <p:ext uri="{D42A27DB-BD31-4B8C-83A1-F6EECF244321}">
+                <p14:modId xmlns:p14="http://schemas.microsoft.com/office/powerpoint/2010/main" val="1456249922"/>
+              </p:ext>
+            </p:extLst>
+          </p:nvPr>
+        </p:nvGraphicFramePr>
+        <p:xfrm>
+          <a:off x="5987282" y="1859446"/>
+          <a:ext cx="876300" cy="3181255"/>
+        </p:xfrm>
+        <a:graphic>
+          <a:graphicData uri="http://schemas.openxmlformats.org/drawingml/2006/table">
+            <a:tbl>
+              <a:tblPr firstRow="1" bandRow="1">
+                <a:tableStyleId>{5C22544A-7EE6-4342-B048-85BDC9FD1C3A}</a:tableStyleId>
+              </a:tblPr>
+              <a:tblGrid>
+                <a:gridCol w="876300">
+                  <a:extLst>
+                    <a:ext uri="{9D8B030D-6E8A-4147-A177-3AD203B41FA5}">
+                      <a16:colId xmlns:a16="http://schemas.microsoft.com/office/drawing/2014/main" val="1617252258"/>
+                    </a:ext>
+                  </a:extLst>
+                </a:gridCol>
+              </a:tblGrid>
+              <a:tr h="636251">
+                <a:tc>
+                  <a:txBody>
+                    <a:bodyPr/>
+                    <a:lstStyle/>
+                    <a:p>
+                      <a:pPr marL="0" marR="0" lvl="0" indent="0" algn="ctr" defTabSz="914400" rtl="0" eaLnBrk="1" fontAlgn="auto" latinLnBrk="0" hangingPunct="1">
+                        <a:lnSpc>
+                          <a:spcPct val="100000"/>
+                        </a:lnSpc>
+                        <a:spcBef>
+                          <a:spcPts val="0"/>
+                        </a:spcBef>
+                        <a:spcAft>
+                          <a:spcPts val="0"/>
+                        </a:spcAft>
+                        <a:buClrTx/>
+                        <a:buSzTx/>
+                        <a:buFontTx/>
+                        <a:buNone/>
+                        <a:tabLst/>
+                        <a:defRPr/>
+                      </a:pPr>
+                      <a:r>
+                        <a:rPr lang="en-US" altLang="zh-TW" dirty="0"/>
+                        <a:t>Col 2</a:t>
+                      </a:r>
+                      <a:endParaRPr lang="zh-TW" altLang="en-US" dirty="0"/>
+                    </a:p>
+                  </a:txBody>
+                  <a:tcPr anchor="ctr">
+                    <a:solidFill>
+                      <a:srgbClr val="7030A0"/>
+                    </a:solidFill>
+                  </a:tcPr>
+                </a:tc>
+                <a:extLst>
+                  <a:ext uri="{0D108BD9-81ED-4DB2-BD59-A6C34878D82A}">
+                    <a16:rowId xmlns:a16="http://schemas.microsoft.com/office/drawing/2014/main" val="4238049435"/>
+                  </a:ext>
+                </a:extLst>
+              </a:tr>
+              <a:tr h="636251">
+                <a:tc>
+                  <a:txBody>
+                    <a:bodyPr/>
+                    <a:lstStyle/>
+                    <a:p>
+                      <a:pPr algn="ctr"/>
+                      <a:r>
+                        <a:rPr lang="en-US" altLang="zh-TW" dirty="0"/>
+                        <a:t>1</a:t>
+                      </a:r>
+                      <a:endParaRPr lang="zh-TW" altLang="en-US" dirty="0"/>
+                    </a:p>
+                  </a:txBody>
+                  <a:tcPr anchor="ctr"/>
+                </a:tc>
+                <a:extLst>
+                  <a:ext uri="{0D108BD9-81ED-4DB2-BD59-A6C34878D82A}">
+                    <a16:rowId xmlns:a16="http://schemas.microsoft.com/office/drawing/2014/main" val="466443544"/>
+                  </a:ext>
+                </a:extLst>
+              </a:tr>
+              <a:tr h="636251">
+                <a:tc>
+                  <a:txBody>
+                    <a:bodyPr/>
+                    <a:lstStyle/>
+                    <a:p>
+                      <a:pPr algn="ctr"/>
+                      <a:r>
+                        <a:rPr lang="en-US" altLang="zh-TW" dirty="0"/>
+                        <a:t>0</a:t>
+                      </a:r>
+                      <a:endParaRPr lang="zh-TW" altLang="en-US" dirty="0"/>
+                    </a:p>
+                  </a:txBody>
+                  <a:tcPr anchor="ctr"/>
+                </a:tc>
+                <a:extLst>
+                  <a:ext uri="{0D108BD9-81ED-4DB2-BD59-A6C34878D82A}">
+                    <a16:rowId xmlns:a16="http://schemas.microsoft.com/office/drawing/2014/main" val="2447474118"/>
+                  </a:ext>
+                </a:extLst>
+              </a:tr>
+              <a:tr h="636251">
+                <a:tc>
+                  <a:txBody>
+                    <a:bodyPr/>
+                    <a:lstStyle/>
+                    <a:p>
+                      <a:pPr marL="0" marR="0" lvl="0" indent="0" algn="ctr" defTabSz="914400" rtl="0" eaLnBrk="1" fontAlgn="auto" latinLnBrk="0" hangingPunct="1">
+                        <a:lnSpc>
+                          <a:spcPct val="100000"/>
+                        </a:lnSpc>
+                        <a:spcBef>
+                          <a:spcPts val="0"/>
+                        </a:spcBef>
+                        <a:spcAft>
+                          <a:spcPts val="0"/>
+                        </a:spcAft>
+                        <a:buClrTx/>
+                        <a:buSzTx/>
+                        <a:buFontTx/>
+                        <a:buNone/>
+                        <a:tabLst/>
+                        <a:defRPr/>
+                      </a:pPr>
+                      <a:r>
+                        <a:rPr lang="en-US" altLang="zh-TW" dirty="0">
+                          <a:latin typeface="Times New Roman" panose="02020603050405020304" pitchFamily="18" charset="0"/>
+                          <a:cs typeface="Times New Roman" panose="02020603050405020304" pitchFamily="18" charset="0"/>
+                        </a:rPr>
+                        <a:t>⁝</a:t>
+                      </a:r>
+                      <a:endParaRPr lang="zh-TW" altLang="en-US" dirty="0"/>
+                    </a:p>
+                  </a:txBody>
+                  <a:tcPr anchor="ctr"/>
+                </a:tc>
+                <a:extLst>
+                  <a:ext uri="{0D108BD9-81ED-4DB2-BD59-A6C34878D82A}">
+                    <a16:rowId xmlns:a16="http://schemas.microsoft.com/office/drawing/2014/main" val="1048235093"/>
+                  </a:ext>
+                </a:extLst>
+              </a:tr>
+              <a:tr h="636251">
+                <a:tc>
+                  <a:txBody>
+                    <a:bodyPr/>
+                    <a:lstStyle/>
+                    <a:p>
+                      <a:pPr algn="ctr"/>
+                      <a:r>
+                        <a:rPr lang="en-US" altLang="zh-TW" dirty="0"/>
+                        <a:t>0</a:t>
+                      </a:r>
+                      <a:endParaRPr lang="zh-TW" altLang="en-US" dirty="0"/>
+                    </a:p>
+                  </a:txBody>
+                  <a:tcPr anchor="ctr"/>
+                </a:tc>
+                <a:extLst>
+                  <a:ext uri="{0D108BD9-81ED-4DB2-BD59-A6C34878D82A}">
+                    <a16:rowId xmlns:a16="http://schemas.microsoft.com/office/drawing/2014/main" val="3859432155"/>
+                  </a:ext>
+                </a:extLst>
+              </a:tr>
+            </a:tbl>
+          </a:graphicData>
+        </a:graphic>
+      </p:graphicFrame>
+      <p:graphicFrame>
+        <p:nvGraphicFramePr>
+          <p:cNvPr id="25" name="表格 24">
+            <a:extLst>
+              <a:ext uri="{FF2B5EF4-FFF2-40B4-BE49-F238E27FC236}">
+                <a16:creationId xmlns:a16="http://schemas.microsoft.com/office/drawing/2014/main" id="{080E8605-6DAA-453C-83AE-7AA374C678F7}"/>
+              </a:ext>
+            </a:extLst>
+          </p:cNvPr>
+          <p:cNvGraphicFramePr>
+            <a:graphicFrameLocks noGrp="1"/>
+          </p:cNvGraphicFramePr>
+          <p:nvPr>
+            <p:extLst>
+              <p:ext uri="{D42A27DB-BD31-4B8C-83A1-F6EECF244321}">
+                <p14:modId xmlns:p14="http://schemas.microsoft.com/office/powerpoint/2010/main" val="1675444152"/>
+              </p:ext>
+            </p:extLst>
+          </p:nvPr>
+        </p:nvGraphicFramePr>
+        <p:xfrm>
+          <a:off x="11172825" y="1859446"/>
+          <a:ext cx="876300" cy="3181255"/>
+        </p:xfrm>
+        <a:graphic>
+          <a:graphicData uri="http://schemas.openxmlformats.org/drawingml/2006/table">
+            <a:tbl>
+              <a:tblPr firstRow="1" bandRow="1">
+                <a:tableStyleId>{5C22544A-7EE6-4342-B048-85BDC9FD1C3A}</a:tableStyleId>
+              </a:tblPr>
+              <a:tblGrid>
+                <a:gridCol w="876300">
+                  <a:extLst>
+                    <a:ext uri="{9D8B030D-6E8A-4147-A177-3AD203B41FA5}">
+                      <a16:colId xmlns:a16="http://schemas.microsoft.com/office/drawing/2014/main" val="3515302988"/>
+                    </a:ext>
+                  </a:extLst>
+                </a:gridCol>
+              </a:tblGrid>
+              <a:tr h="636251">
+                <a:tc>
+                  <a:txBody>
+                    <a:bodyPr/>
+                    <a:lstStyle/>
+                    <a:p>
+                      <a:pPr algn="ctr"/>
+                      <a:r>
+                        <a:rPr lang="en-US" altLang="zh-TW" dirty="0"/>
+                        <a:t>Col 3</a:t>
+                      </a:r>
+                      <a:endParaRPr lang="zh-TW" altLang="en-US" dirty="0"/>
+                    </a:p>
+                  </a:txBody>
+                  <a:tcPr anchor="ctr">
+                    <a:solidFill>
+                      <a:schemeClr val="accent2"/>
+                    </a:solidFill>
+                  </a:tcPr>
+                </a:tc>
+                <a:extLst>
+                  <a:ext uri="{0D108BD9-81ED-4DB2-BD59-A6C34878D82A}">
+                    <a16:rowId xmlns:a16="http://schemas.microsoft.com/office/drawing/2014/main" val="4238049435"/>
+                  </a:ext>
+                </a:extLst>
+              </a:tr>
+              <a:tr h="636251">
+                <a:tc>
+                  <a:txBody>
+                    <a:bodyPr/>
+                    <a:lstStyle/>
+                    <a:p>
+                      <a:pPr algn="ctr"/>
+                      <a:r>
+                        <a:rPr lang="en-US" altLang="zh-TW" dirty="0"/>
+                        <a:t>0</a:t>
+                      </a:r>
+                      <a:endParaRPr lang="zh-TW" altLang="en-US" dirty="0"/>
+                    </a:p>
+                  </a:txBody>
+                  <a:tcPr anchor="ctr"/>
+                </a:tc>
+                <a:extLst>
+                  <a:ext uri="{0D108BD9-81ED-4DB2-BD59-A6C34878D82A}">
+                    <a16:rowId xmlns:a16="http://schemas.microsoft.com/office/drawing/2014/main" val="466443544"/>
+                  </a:ext>
+                </a:extLst>
+              </a:tr>
+              <a:tr h="636251">
+                <a:tc>
+                  <a:txBody>
+                    <a:bodyPr/>
+                    <a:lstStyle/>
+                    <a:p>
+                      <a:pPr algn="ctr"/>
+                      <a:r>
+                        <a:rPr lang="en-US" altLang="zh-TW" dirty="0"/>
+                        <a:t>0</a:t>
+                      </a:r>
+                      <a:endParaRPr lang="zh-TW" altLang="en-US" dirty="0"/>
+                    </a:p>
+                  </a:txBody>
+                  <a:tcPr anchor="ctr"/>
+                </a:tc>
+                <a:extLst>
+                  <a:ext uri="{0D108BD9-81ED-4DB2-BD59-A6C34878D82A}">
+                    <a16:rowId xmlns:a16="http://schemas.microsoft.com/office/drawing/2014/main" val="2447474118"/>
+                  </a:ext>
+                </a:extLst>
+              </a:tr>
+              <a:tr h="636251">
+                <a:tc>
+                  <a:txBody>
+                    <a:bodyPr/>
+                    <a:lstStyle/>
+                    <a:p>
+                      <a:pPr marL="0" marR="0" lvl="0" indent="0" algn="ctr" defTabSz="914400" rtl="0" eaLnBrk="1" fontAlgn="auto" latinLnBrk="0" hangingPunct="1">
+                        <a:lnSpc>
+                          <a:spcPct val="100000"/>
+                        </a:lnSpc>
+                        <a:spcBef>
+                          <a:spcPts val="0"/>
+                        </a:spcBef>
+                        <a:spcAft>
+                          <a:spcPts val="0"/>
+                        </a:spcAft>
+                        <a:buClrTx/>
+                        <a:buSzTx/>
+                        <a:buFontTx/>
+                        <a:buNone/>
+                        <a:tabLst/>
+                        <a:defRPr/>
+                      </a:pPr>
+                      <a:r>
+                        <a:rPr lang="en-US" altLang="zh-TW" dirty="0">
+                          <a:latin typeface="Times New Roman" panose="02020603050405020304" pitchFamily="18" charset="0"/>
+                          <a:cs typeface="Times New Roman" panose="02020603050405020304" pitchFamily="18" charset="0"/>
+                        </a:rPr>
+                        <a:t>⁝</a:t>
+                      </a:r>
+                      <a:endParaRPr lang="zh-TW" altLang="en-US" dirty="0"/>
+                    </a:p>
+                  </a:txBody>
+                  <a:tcPr anchor="ctr"/>
+                </a:tc>
+                <a:extLst>
+                  <a:ext uri="{0D108BD9-81ED-4DB2-BD59-A6C34878D82A}">
+                    <a16:rowId xmlns:a16="http://schemas.microsoft.com/office/drawing/2014/main" val="1048235093"/>
+                  </a:ext>
+                </a:extLst>
+              </a:tr>
+              <a:tr h="636251">
+                <a:tc>
+                  <a:txBody>
+                    <a:bodyPr/>
+                    <a:lstStyle/>
+                    <a:p>
+                      <a:pPr algn="ctr"/>
+                      <a:r>
+                        <a:rPr lang="en-US" altLang="zh-TW" dirty="0"/>
+                        <a:t>1</a:t>
+                      </a:r>
+                      <a:endParaRPr lang="zh-TW" altLang="en-US" dirty="0"/>
+                    </a:p>
+                  </a:txBody>
+                  <a:tcPr anchor="ctr"/>
+                </a:tc>
+                <a:extLst>
+                  <a:ext uri="{0D108BD9-81ED-4DB2-BD59-A6C34878D82A}">
+                    <a16:rowId xmlns:a16="http://schemas.microsoft.com/office/drawing/2014/main" val="3859432155"/>
+                  </a:ext>
+                </a:extLst>
+              </a:tr>
+            </a:tbl>
+          </a:graphicData>
+        </a:graphic>
+      </p:graphicFrame>
       <p:sp>
         <p:nvSpPr>
           <p:cNvPr id="2" name="標題 1">
             <a:extLst>
               <a:ext uri="{FF2B5EF4-FFF2-40B4-BE49-F238E27FC236}">
-                <a16:creationId xmlns:a16="http://schemas.microsoft.com/office/drawing/2014/main" id="{9863A037-346C-46ED-874C-6E5E22A48CD6}"/>
+                <a16:creationId xmlns:a16="http://schemas.microsoft.com/office/drawing/2014/main" id="{36DC04C3-C563-4C98-8C07-9960108F9A80}"/>
               </a:ext>
             </a:extLst>
           </p:cNvPr>
@@ -10693,7 +16588,12 @@
             <p:ph type="title"/>
           </p:nvPr>
         </p:nvSpPr>
-        <p:spPr/>
+        <p:spPr>
+          <a:xfrm>
+            <a:off x="838200" y="365125"/>
+            <a:ext cx="10515600" cy="1325563"/>
+          </a:xfrm>
+        </p:spPr>
         <p:txBody>
           <a:bodyPr/>
           <a:lstStyle/>
@@ -10704,7 +16604,7 @@
                   <a:srgbClr val="14365D"/>
                 </a:solidFill>
               </a:rPr>
-              <a:t>Case study - Continuous data</a:t>
+              <a:t>Methodology</a:t>
             </a:r>
             <a:endParaRPr lang="zh-TW" altLang="en-US" dirty="0">
               <a:solidFill>
@@ -10719,7 +16619,7 @@
           <p:cNvPr id="3" name="頁尾版面配置區 2">
             <a:extLst>
               <a:ext uri="{FF2B5EF4-FFF2-40B4-BE49-F238E27FC236}">
-                <a16:creationId xmlns:a16="http://schemas.microsoft.com/office/drawing/2014/main" id="{D8F09910-4CFC-4061-91E6-11C907D0C3E7}"/>
+                <a16:creationId xmlns:a16="http://schemas.microsoft.com/office/drawing/2014/main" id="{4A4CA6E6-464E-453E-BC2B-43F181B88B9E}"/>
               </a:ext>
             </a:extLst>
           </p:cNvPr>
@@ -10743,16 +16643,981 @@
           </a:p>
         </p:txBody>
       </p:sp>
+      <p:sp>
+        <p:nvSpPr>
+          <p:cNvPr id="4" name="TextBox 5">
+            <a:extLst>
+              <a:ext uri="{FF2B5EF4-FFF2-40B4-BE49-F238E27FC236}">
+                <a16:creationId xmlns:a16="http://schemas.microsoft.com/office/drawing/2014/main" id="{3E9CE020-3A35-404A-AFF1-FFAB16E7DCEC}"/>
+              </a:ext>
+            </a:extLst>
+          </p:cNvPr>
+          <p:cNvSpPr txBox="1"/>
+          <p:nvPr/>
+        </p:nvSpPr>
+        <p:spPr>
+          <a:xfrm>
+            <a:off x="838200" y="1690688"/>
+            <a:ext cx="5257800" cy="3448380"/>
+          </a:xfrm>
+          <a:prstGeom prst="rect">
+            <a:avLst/>
+          </a:prstGeom>
+        </p:spPr>
+        <p:txBody>
+          <a:bodyPr wrap="square" lIns="0" tIns="0" rIns="0" bIns="0" rtlCol="0" anchor="t">
+            <a:spAutoFit/>
+          </a:bodyPr>
+          <a:lstStyle/>
+          <a:p>
+            <a:pPr>
+              <a:lnSpc>
+                <a:spcPts val="3359"/>
+              </a:lnSpc>
+            </a:pPr>
+            <a:r>
+              <a:rPr lang="en-US" altLang="zh-TW" dirty="0">
+                <a:solidFill>
+                  <a:srgbClr val="000000"/>
+                </a:solidFill>
+                <a:latin typeface="Nunito Light"/>
+              </a:rPr>
+              <a:t>In the research, we propose a method to encode binary data in to numerical data. Via grouping related features with common feature selection methods, sequencing features by their attributes, and transforming the binary row data with BCD.</a:t>
+            </a:r>
+          </a:p>
+          <a:p>
+            <a:pPr marL="342900" indent="-342900">
+              <a:lnSpc>
+                <a:spcPts val="3359"/>
+              </a:lnSpc>
+              <a:buFont typeface="+mj-lt"/>
+              <a:buAutoNum type="arabicPeriod"/>
+            </a:pPr>
+            <a:r>
+              <a:rPr lang="en-US" altLang="zh-TW" dirty="0">
+                <a:solidFill>
+                  <a:srgbClr val="000000"/>
+                </a:solidFill>
+                <a:latin typeface="Nunito Light"/>
+              </a:rPr>
+              <a:t>Grouping similar, correlated features</a:t>
+            </a:r>
+          </a:p>
+          <a:p>
+            <a:pPr marL="342900" indent="-342900">
+              <a:lnSpc>
+                <a:spcPts val="3359"/>
+              </a:lnSpc>
+              <a:buFont typeface="+mj-lt"/>
+              <a:buAutoNum type="arabicPeriod"/>
+            </a:pPr>
+            <a:r>
+              <a:rPr lang="en-US" altLang="zh-TW" dirty="0">
+                <a:solidFill>
+                  <a:srgbClr val="000000"/>
+                </a:solidFill>
+                <a:latin typeface="Nunito Light"/>
+              </a:rPr>
+              <a:t>Sequencing features in each feature group</a:t>
+            </a:r>
+          </a:p>
+          <a:p>
+            <a:pPr marL="342900" indent="-342900">
+              <a:lnSpc>
+                <a:spcPts val="3359"/>
+              </a:lnSpc>
+              <a:buFont typeface="+mj-lt"/>
+              <a:buAutoNum type="arabicPeriod"/>
+            </a:pPr>
+            <a:r>
+              <a:rPr lang="en-US" altLang="zh-TW" dirty="0">
+                <a:solidFill>
+                  <a:srgbClr val="000000"/>
+                </a:solidFill>
+                <a:latin typeface="Nunito Light"/>
+              </a:rPr>
+              <a:t>BCD encode on each feature group</a:t>
+            </a:r>
+          </a:p>
+        </p:txBody>
+      </p:sp>
+      <p:graphicFrame>
+        <p:nvGraphicFramePr>
+          <p:cNvPr id="22" name="表格 21">
+            <a:extLst>
+              <a:ext uri="{FF2B5EF4-FFF2-40B4-BE49-F238E27FC236}">
+                <a16:creationId xmlns:a16="http://schemas.microsoft.com/office/drawing/2014/main" id="{265FA4D9-AE5B-4E6D-A954-5805F268F02A}"/>
+              </a:ext>
+            </a:extLst>
+          </p:cNvPr>
+          <p:cNvGraphicFramePr>
+            <a:graphicFrameLocks noGrp="1"/>
+          </p:cNvGraphicFramePr>
+          <p:nvPr>
+            <p:extLst>
+              <p:ext uri="{D42A27DB-BD31-4B8C-83A1-F6EECF244321}">
+                <p14:modId xmlns:p14="http://schemas.microsoft.com/office/powerpoint/2010/main" val="230218098"/>
+              </p:ext>
+            </p:extLst>
+          </p:nvPr>
+        </p:nvGraphicFramePr>
+        <p:xfrm>
+          <a:off x="7024391" y="1859446"/>
+          <a:ext cx="876300" cy="3181255"/>
+        </p:xfrm>
+        <a:graphic>
+          <a:graphicData uri="http://schemas.openxmlformats.org/drawingml/2006/table">
+            <a:tbl>
+              <a:tblPr firstRow="1" bandRow="1">
+                <a:tableStyleId>{5C22544A-7EE6-4342-B048-85BDC9FD1C3A}</a:tableStyleId>
+              </a:tblPr>
+              <a:tblGrid>
+                <a:gridCol w="876300">
+                  <a:extLst>
+                    <a:ext uri="{9D8B030D-6E8A-4147-A177-3AD203B41FA5}">
+                      <a16:colId xmlns:a16="http://schemas.microsoft.com/office/drawing/2014/main" val="850758534"/>
+                    </a:ext>
+                  </a:extLst>
+                </a:gridCol>
+              </a:tblGrid>
+              <a:tr h="636251">
+                <a:tc>
+                  <a:txBody>
+                    <a:bodyPr/>
+                    <a:lstStyle/>
+                    <a:p>
+                      <a:pPr marL="0" marR="0" lvl="0" indent="0" algn="ctr" defTabSz="914400" rtl="0" eaLnBrk="1" fontAlgn="auto" latinLnBrk="0" hangingPunct="1">
+                        <a:lnSpc>
+                          <a:spcPct val="100000"/>
+                        </a:lnSpc>
+                        <a:spcBef>
+                          <a:spcPts val="0"/>
+                        </a:spcBef>
+                        <a:spcAft>
+                          <a:spcPts val="0"/>
+                        </a:spcAft>
+                        <a:buClrTx/>
+                        <a:buSzTx/>
+                        <a:buFontTx/>
+                        <a:buNone/>
+                        <a:tabLst/>
+                        <a:defRPr/>
+                      </a:pPr>
+                      <a:r>
+                        <a:rPr lang="en-US" altLang="zh-TW" dirty="0"/>
+                        <a:t>Col 6</a:t>
+                      </a:r>
+                      <a:endParaRPr lang="zh-TW" altLang="en-US" dirty="0"/>
+                    </a:p>
+                  </a:txBody>
+                  <a:tcPr anchor="ctr">
+                    <a:solidFill>
+                      <a:srgbClr val="7030A0"/>
+                    </a:solidFill>
+                  </a:tcPr>
+                </a:tc>
+                <a:extLst>
+                  <a:ext uri="{0D108BD9-81ED-4DB2-BD59-A6C34878D82A}">
+                    <a16:rowId xmlns:a16="http://schemas.microsoft.com/office/drawing/2014/main" val="4238049435"/>
+                  </a:ext>
+                </a:extLst>
+              </a:tr>
+              <a:tr h="636251">
+                <a:tc>
+                  <a:txBody>
+                    <a:bodyPr/>
+                    <a:lstStyle/>
+                    <a:p>
+                      <a:pPr algn="ctr"/>
+                      <a:r>
+                        <a:rPr lang="en-US" altLang="zh-TW" dirty="0"/>
+                        <a:t>0</a:t>
+                      </a:r>
+                      <a:endParaRPr lang="zh-TW" altLang="en-US" dirty="0"/>
+                    </a:p>
+                  </a:txBody>
+                  <a:tcPr anchor="ctr"/>
+                </a:tc>
+                <a:extLst>
+                  <a:ext uri="{0D108BD9-81ED-4DB2-BD59-A6C34878D82A}">
+                    <a16:rowId xmlns:a16="http://schemas.microsoft.com/office/drawing/2014/main" val="466443544"/>
+                  </a:ext>
+                </a:extLst>
+              </a:tr>
+              <a:tr h="636251">
+                <a:tc>
+                  <a:txBody>
+                    <a:bodyPr/>
+                    <a:lstStyle/>
+                    <a:p>
+                      <a:pPr algn="ctr"/>
+                      <a:r>
+                        <a:rPr lang="en-US" altLang="zh-TW" dirty="0"/>
+                        <a:t>0</a:t>
+                      </a:r>
+                      <a:endParaRPr lang="zh-TW" altLang="en-US" dirty="0"/>
+                    </a:p>
+                  </a:txBody>
+                  <a:tcPr anchor="ctr"/>
+                </a:tc>
+                <a:extLst>
+                  <a:ext uri="{0D108BD9-81ED-4DB2-BD59-A6C34878D82A}">
+                    <a16:rowId xmlns:a16="http://schemas.microsoft.com/office/drawing/2014/main" val="2447474118"/>
+                  </a:ext>
+                </a:extLst>
+              </a:tr>
+              <a:tr h="636251">
+                <a:tc>
+                  <a:txBody>
+                    <a:bodyPr/>
+                    <a:lstStyle/>
+                    <a:p>
+                      <a:pPr marL="0" marR="0" lvl="0" indent="0" algn="ctr" defTabSz="914400" rtl="0" eaLnBrk="1" fontAlgn="auto" latinLnBrk="0" hangingPunct="1">
+                        <a:lnSpc>
+                          <a:spcPct val="100000"/>
+                        </a:lnSpc>
+                        <a:spcBef>
+                          <a:spcPts val="0"/>
+                        </a:spcBef>
+                        <a:spcAft>
+                          <a:spcPts val="0"/>
+                        </a:spcAft>
+                        <a:buClrTx/>
+                        <a:buSzTx/>
+                        <a:buFontTx/>
+                        <a:buNone/>
+                        <a:tabLst/>
+                        <a:defRPr/>
+                      </a:pPr>
+                      <a:r>
+                        <a:rPr lang="en-US" altLang="zh-TW" dirty="0">
+                          <a:latin typeface="Times New Roman" panose="02020603050405020304" pitchFamily="18" charset="0"/>
+                          <a:cs typeface="Times New Roman" panose="02020603050405020304" pitchFamily="18" charset="0"/>
+                        </a:rPr>
+                        <a:t>⁝</a:t>
+                      </a:r>
+                      <a:endParaRPr lang="zh-TW" altLang="en-US" dirty="0"/>
+                    </a:p>
+                  </a:txBody>
+                  <a:tcPr anchor="ctr"/>
+                </a:tc>
+                <a:extLst>
+                  <a:ext uri="{0D108BD9-81ED-4DB2-BD59-A6C34878D82A}">
+                    <a16:rowId xmlns:a16="http://schemas.microsoft.com/office/drawing/2014/main" val="1048235093"/>
+                  </a:ext>
+                </a:extLst>
+              </a:tr>
+              <a:tr h="636251">
+                <a:tc>
+                  <a:txBody>
+                    <a:bodyPr/>
+                    <a:lstStyle/>
+                    <a:p>
+                      <a:pPr algn="ctr"/>
+                      <a:r>
+                        <a:rPr lang="en-US" altLang="zh-TW" dirty="0"/>
+                        <a:t>1</a:t>
+                      </a:r>
+                      <a:endParaRPr lang="zh-TW" altLang="en-US" dirty="0"/>
+                    </a:p>
+                  </a:txBody>
+                  <a:tcPr anchor="ctr"/>
+                </a:tc>
+                <a:extLst>
+                  <a:ext uri="{0D108BD9-81ED-4DB2-BD59-A6C34878D82A}">
+                    <a16:rowId xmlns:a16="http://schemas.microsoft.com/office/drawing/2014/main" val="3859432155"/>
+                  </a:ext>
+                </a:extLst>
+              </a:tr>
+            </a:tbl>
+          </a:graphicData>
+        </a:graphic>
+      </p:graphicFrame>
+      <p:graphicFrame>
+        <p:nvGraphicFramePr>
+          <p:cNvPr id="27" name="表格 26">
+            <a:extLst>
+              <a:ext uri="{FF2B5EF4-FFF2-40B4-BE49-F238E27FC236}">
+                <a16:creationId xmlns:a16="http://schemas.microsoft.com/office/drawing/2014/main" id="{0DA4AFF4-D1D9-44FF-8611-7C9F5ABDB724}"/>
+              </a:ext>
+            </a:extLst>
+          </p:cNvPr>
+          <p:cNvGraphicFramePr>
+            <a:graphicFrameLocks noGrp="1"/>
+          </p:cNvGraphicFramePr>
+          <p:nvPr>
+            <p:extLst>
+              <p:ext uri="{D42A27DB-BD31-4B8C-83A1-F6EECF244321}">
+                <p14:modId xmlns:p14="http://schemas.microsoft.com/office/powerpoint/2010/main" val="4138246873"/>
+              </p:ext>
+            </p:extLst>
+          </p:nvPr>
+        </p:nvGraphicFramePr>
+        <p:xfrm>
+          <a:off x="9098609" y="1859446"/>
+          <a:ext cx="876300" cy="3181255"/>
+        </p:xfrm>
+        <a:graphic>
+          <a:graphicData uri="http://schemas.openxmlformats.org/drawingml/2006/table">
+            <a:tbl>
+              <a:tblPr firstRow="1" bandRow="1">
+                <a:tableStyleId>{5C22544A-7EE6-4342-B048-85BDC9FD1C3A}</a:tableStyleId>
+              </a:tblPr>
+              <a:tblGrid>
+                <a:gridCol w="876300">
+                  <a:extLst>
+                    <a:ext uri="{9D8B030D-6E8A-4147-A177-3AD203B41FA5}">
+                      <a16:colId xmlns:a16="http://schemas.microsoft.com/office/drawing/2014/main" val="1225509667"/>
+                    </a:ext>
+                  </a:extLst>
+                </a:gridCol>
+              </a:tblGrid>
+              <a:tr h="636251">
+                <a:tc>
+                  <a:txBody>
+                    <a:bodyPr/>
+                    <a:lstStyle/>
+                    <a:p>
+                      <a:pPr algn="ctr"/>
+                      <a:r>
+                        <a:rPr lang="en-US" altLang="zh-TW" dirty="0"/>
+                        <a:t>Col 5</a:t>
+                      </a:r>
+                      <a:endParaRPr lang="zh-TW" altLang="en-US" dirty="0"/>
+                    </a:p>
+                  </a:txBody>
+                  <a:tcPr anchor="ctr">
+                    <a:solidFill>
+                      <a:srgbClr val="00B050"/>
+                    </a:solidFill>
+                  </a:tcPr>
+                </a:tc>
+                <a:extLst>
+                  <a:ext uri="{0D108BD9-81ED-4DB2-BD59-A6C34878D82A}">
+                    <a16:rowId xmlns:a16="http://schemas.microsoft.com/office/drawing/2014/main" val="4238049435"/>
+                  </a:ext>
+                </a:extLst>
+              </a:tr>
+              <a:tr h="636251">
+                <a:tc>
+                  <a:txBody>
+                    <a:bodyPr/>
+                    <a:lstStyle/>
+                    <a:p>
+                      <a:pPr algn="ctr"/>
+                      <a:r>
+                        <a:rPr lang="en-US" altLang="zh-TW" dirty="0"/>
+                        <a:t>0</a:t>
+                      </a:r>
+                      <a:endParaRPr lang="zh-TW" altLang="en-US" dirty="0"/>
+                    </a:p>
+                  </a:txBody>
+                  <a:tcPr anchor="ctr"/>
+                </a:tc>
+                <a:extLst>
+                  <a:ext uri="{0D108BD9-81ED-4DB2-BD59-A6C34878D82A}">
+                    <a16:rowId xmlns:a16="http://schemas.microsoft.com/office/drawing/2014/main" val="466443544"/>
+                  </a:ext>
+                </a:extLst>
+              </a:tr>
+              <a:tr h="636251">
+                <a:tc>
+                  <a:txBody>
+                    <a:bodyPr/>
+                    <a:lstStyle/>
+                    <a:p>
+                      <a:pPr algn="ctr"/>
+                      <a:r>
+                        <a:rPr lang="en-US" altLang="zh-TW" dirty="0"/>
+                        <a:t>1</a:t>
+                      </a:r>
+                      <a:endParaRPr lang="zh-TW" altLang="en-US" dirty="0"/>
+                    </a:p>
+                  </a:txBody>
+                  <a:tcPr anchor="ctr"/>
+                </a:tc>
+                <a:extLst>
+                  <a:ext uri="{0D108BD9-81ED-4DB2-BD59-A6C34878D82A}">
+                    <a16:rowId xmlns:a16="http://schemas.microsoft.com/office/drawing/2014/main" val="2447474118"/>
+                  </a:ext>
+                </a:extLst>
+              </a:tr>
+              <a:tr h="636251">
+                <a:tc>
+                  <a:txBody>
+                    <a:bodyPr/>
+                    <a:lstStyle/>
+                    <a:p>
+                      <a:pPr marL="0" marR="0" lvl="0" indent="0" algn="ctr" defTabSz="914400" rtl="0" eaLnBrk="1" fontAlgn="auto" latinLnBrk="0" hangingPunct="1">
+                        <a:lnSpc>
+                          <a:spcPct val="100000"/>
+                        </a:lnSpc>
+                        <a:spcBef>
+                          <a:spcPts val="0"/>
+                        </a:spcBef>
+                        <a:spcAft>
+                          <a:spcPts val="0"/>
+                        </a:spcAft>
+                        <a:buClrTx/>
+                        <a:buSzTx/>
+                        <a:buFontTx/>
+                        <a:buNone/>
+                        <a:tabLst/>
+                        <a:defRPr/>
+                      </a:pPr>
+                      <a:r>
+                        <a:rPr lang="en-US" altLang="zh-TW" dirty="0">
+                          <a:latin typeface="Times New Roman" panose="02020603050405020304" pitchFamily="18" charset="0"/>
+                          <a:cs typeface="Times New Roman" panose="02020603050405020304" pitchFamily="18" charset="0"/>
+                        </a:rPr>
+                        <a:t>⁝</a:t>
+                      </a:r>
+                      <a:endParaRPr lang="zh-TW" altLang="en-US" dirty="0"/>
+                    </a:p>
+                  </a:txBody>
+                  <a:tcPr anchor="ctr"/>
+                </a:tc>
+                <a:extLst>
+                  <a:ext uri="{0D108BD9-81ED-4DB2-BD59-A6C34878D82A}">
+                    <a16:rowId xmlns:a16="http://schemas.microsoft.com/office/drawing/2014/main" val="1048235093"/>
+                  </a:ext>
+                </a:extLst>
+              </a:tr>
+              <a:tr h="636251">
+                <a:tc>
+                  <a:txBody>
+                    <a:bodyPr/>
+                    <a:lstStyle/>
+                    <a:p>
+                      <a:pPr algn="ctr"/>
+                      <a:r>
+                        <a:rPr lang="en-US" altLang="zh-TW" dirty="0"/>
+                        <a:t>1</a:t>
+                      </a:r>
+                      <a:endParaRPr lang="zh-TW" altLang="en-US" dirty="0"/>
+                    </a:p>
+                  </a:txBody>
+                  <a:tcPr anchor="ctr"/>
+                </a:tc>
+                <a:extLst>
+                  <a:ext uri="{0D108BD9-81ED-4DB2-BD59-A6C34878D82A}">
+                    <a16:rowId xmlns:a16="http://schemas.microsoft.com/office/drawing/2014/main" val="3859432155"/>
+                  </a:ext>
+                </a:extLst>
+              </a:tr>
+            </a:tbl>
+          </a:graphicData>
+        </a:graphic>
+      </p:graphicFrame>
+      <p:graphicFrame>
+        <p:nvGraphicFramePr>
+          <p:cNvPr id="26" name="表格 25">
+            <a:extLst>
+              <a:ext uri="{FF2B5EF4-FFF2-40B4-BE49-F238E27FC236}">
+                <a16:creationId xmlns:a16="http://schemas.microsoft.com/office/drawing/2014/main" id="{DE90A258-C804-44D0-9CD2-23D6979D3676}"/>
+              </a:ext>
+            </a:extLst>
+          </p:cNvPr>
+          <p:cNvGraphicFramePr>
+            <a:graphicFrameLocks noGrp="1"/>
+          </p:cNvGraphicFramePr>
+          <p:nvPr>
+            <p:extLst>
+              <p:ext uri="{D42A27DB-BD31-4B8C-83A1-F6EECF244321}">
+                <p14:modId xmlns:p14="http://schemas.microsoft.com/office/powerpoint/2010/main" val="1006129278"/>
+              </p:ext>
+            </p:extLst>
+          </p:nvPr>
+        </p:nvGraphicFramePr>
+        <p:xfrm>
+          <a:off x="8061500" y="1859446"/>
+          <a:ext cx="876300" cy="3181255"/>
+        </p:xfrm>
+        <a:graphic>
+          <a:graphicData uri="http://schemas.openxmlformats.org/drawingml/2006/table">
+            <a:tbl>
+              <a:tblPr firstRow="1" bandRow="1">
+                <a:tableStyleId>{5C22544A-7EE6-4342-B048-85BDC9FD1C3A}</a:tableStyleId>
+              </a:tblPr>
+              <a:tblGrid>
+                <a:gridCol w="876300">
+                  <a:extLst>
+                    <a:ext uri="{9D8B030D-6E8A-4147-A177-3AD203B41FA5}">
+                      <a16:colId xmlns:a16="http://schemas.microsoft.com/office/drawing/2014/main" val="2275823469"/>
+                    </a:ext>
+                  </a:extLst>
+                </a:gridCol>
+              </a:tblGrid>
+              <a:tr h="636251">
+                <a:tc>
+                  <a:txBody>
+                    <a:bodyPr/>
+                    <a:lstStyle/>
+                    <a:p>
+                      <a:pPr marL="0" marR="0" lvl="0" indent="0" algn="ctr" defTabSz="914400" rtl="0" eaLnBrk="1" fontAlgn="auto" latinLnBrk="0" hangingPunct="1">
+                        <a:lnSpc>
+                          <a:spcPct val="100000"/>
+                        </a:lnSpc>
+                        <a:spcBef>
+                          <a:spcPts val="0"/>
+                        </a:spcBef>
+                        <a:spcAft>
+                          <a:spcPts val="0"/>
+                        </a:spcAft>
+                        <a:buClrTx/>
+                        <a:buSzTx/>
+                        <a:buFontTx/>
+                        <a:buNone/>
+                        <a:tabLst/>
+                        <a:defRPr/>
+                      </a:pPr>
+                      <a:r>
+                        <a:rPr lang="en-US" altLang="zh-TW" dirty="0"/>
+                        <a:t>Col 4</a:t>
+                      </a:r>
+                      <a:endParaRPr lang="zh-TW" altLang="en-US" dirty="0"/>
+                    </a:p>
+                  </a:txBody>
+                  <a:tcPr anchor="ctr">
+                    <a:solidFill>
+                      <a:srgbClr val="00B050"/>
+                    </a:solidFill>
+                  </a:tcPr>
+                </a:tc>
+                <a:extLst>
+                  <a:ext uri="{0D108BD9-81ED-4DB2-BD59-A6C34878D82A}">
+                    <a16:rowId xmlns:a16="http://schemas.microsoft.com/office/drawing/2014/main" val="4238049435"/>
+                  </a:ext>
+                </a:extLst>
+              </a:tr>
+              <a:tr h="636251">
+                <a:tc>
+                  <a:txBody>
+                    <a:bodyPr/>
+                    <a:lstStyle/>
+                    <a:p>
+                      <a:pPr algn="ctr"/>
+                      <a:r>
+                        <a:rPr lang="en-US" altLang="zh-TW" dirty="0"/>
+                        <a:t>1</a:t>
+                      </a:r>
+                      <a:endParaRPr lang="zh-TW" altLang="en-US" dirty="0"/>
+                    </a:p>
+                  </a:txBody>
+                  <a:tcPr anchor="ctr"/>
+                </a:tc>
+                <a:extLst>
+                  <a:ext uri="{0D108BD9-81ED-4DB2-BD59-A6C34878D82A}">
+                    <a16:rowId xmlns:a16="http://schemas.microsoft.com/office/drawing/2014/main" val="466443544"/>
+                  </a:ext>
+                </a:extLst>
+              </a:tr>
+              <a:tr h="636251">
+                <a:tc>
+                  <a:txBody>
+                    <a:bodyPr/>
+                    <a:lstStyle/>
+                    <a:p>
+                      <a:pPr algn="ctr"/>
+                      <a:r>
+                        <a:rPr lang="en-US" altLang="zh-TW" dirty="0"/>
+                        <a:t>1</a:t>
+                      </a:r>
+                      <a:endParaRPr lang="zh-TW" altLang="en-US" dirty="0"/>
+                    </a:p>
+                  </a:txBody>
+                  <a:tcPr anchor="ctr"/>
+                </a:tc>
+                <a:extLst>
+                  <a:ext uri="{0D108BD9-81ED-4DB2-BD59-A6C34878D82A}">
+                    <a16:rowId xmlns:a16="http://schemas.microsoft.com/office/drawing/2014/main" val="2447474118"/>
+                  </a:ext>
+                </a:extLst>
+              </a:tr>
+              <a:tr h="636251">
+                <a:tc>
+                  <a:txBody>
+                    <a:bodyPr/>
+                    <a:lstStyle/>
+                    <a:p>
+                      <a:pPr marL="0" marR="0" lvl="0" indent="0" algn="ctr" defTabSz="914400" rtl="0" eaLnBrk="1" fontAlgn="auto" latinLnBrk="0" hangingPunct="1">
+                        <a:lnSpc>
+                          <a:spcPct val="100000"/>
+                        </a:lnSpc>
+                        <a:spcBef>
+                          <a:spcPts val="0"/>
+                        </a:spcBef>
+                        <a:spcAft>
+                          <a:spcPts val="0"/>
+                        </a:spcAft>
+                        <a:buClrTx/>
+                        <a:buSzTx/>
+                        <a:buFontTx/>
+                        <a:buNone/>
+                        <a:tabLst/>
+                        <a:defRPr/>
+                      </a:pPr>
+                      <a:r>
+                        <a:rPr lang="en-US" altLang="zh-TW" dirty="0">
+                          <a:latin typeface="Times New Roman" panose="02020603050405020304" pitchFamily="18" charset="0"/>
+                          <a:cs typeface="Times New Roman" panose="02020603050405020304" pitchFamily="18" charset="0"/>
+                        </a:rPr>
+                        <a:t>⁝</a:t>
+                      </a:r>
+                      <a:endParaRPr lang="zh-TW" altLang="en-US" dirty="0"/>
+                    </a:p>
+                  </a:txBody>
+                  <a:tcPr anchor="ctr"/>
+                </a:tc>
+                <a:extLst>
+                  <a:ext uri="{0D108BD9-81ED-4DB2-BD59-A6C34878D82A}">
+                    <a16:rowId xmlns:a16="http://schemas.microsoft.com/office/drawing/2014/main" val="1048235093"/>
+                  </a:ext>
+                </a:extLst>
+              </a:tr>
+              <a:tr h="636251">
+                <a:tc>
+                  <a:txBody>
+                    <a:bodyPr/>
+                    <a:lstStyle/>
+                    <a:p>
+                      <a:pPr algn="ctr"/>
+                      <a:r>
+                        <a:rPr lang="en-US" altLang="zh-TW" dirty="0"/>
+                        <a:t>0</a:t>
+                      </a:r>
+                      <a:endParaRPr lang="zh-TW" altLang="en-US" dirty="0"/>
+                    </a:p>
+                  </a:txBody>
+                  <a:tcPr anchor="ctr"/>
+                </a:tc>
+                <a:extLst>
+                  <a:ext uri="{0D108BD9-81ED-4DB2-BD59-A6C34878D82A}">
+                    <a16:rowId xmlns:a16="http://schemas.microsoft.com/office/drawing/2014/main" val="3859432155"/>
+                  </a:ext>
+                </a:extLst>
+              </a:tr>
+            </a:tbl>
+          </a:graphicData>
+        </a:graphic>
+      </p:graphicFrame>
+      <p:graphicFrame>
+        <p:nvGraphicFramePr>
+          <p:cNvPr id="23" name="表格 22">
+            <a:extLst>
+              <a:ext uri="{FF2B5EF4-FFF2-40B4-BE49-F238E27FC236}">
+                <a16:creationId xmlns:a16="http://schemas.microsoft.com/office/drawing/2014/main" id="{4FDC8BBB-15E1-49AA-8CA6-D95CB77C0DA1}"/>
+              </a:ext>
+            </a:extLst>
+          </p:cNvPr>
+          <p:cNvGraphicFramePr>
+            <a:graphicFrameLocks noGrp="1"/>
+          </p:cNvGraphicFramePr>
+          <p:nvPr>
+            <p:extLst>
+              <p:ext uri="{D42A27DB-BD31-4B8C-83A1-F6EECF244321}">
+                <p14:modId xmlns:p14="http://schemas.microsoft.com/office/powerpoint/2010/main" val="1488306673"/>
+              </p:ext>
+            </p:extLst>
+          </p:nvPr>
+        </p:nvGraphicFramePr>
+        <p:xfrm>
+          <a:off x="10135718" y="1859446"/>
+          <a:ext cx="876300" cy="3181255"/>
+        </p:xfrm>
+        <a:graphic>
+          <a:graphicData uri="http://schemas.openxmlformats.org/drawingml/2006/table">
+            <a:tbl>
+              <a:tblPr firstRow="1" bandRow="1">
+                <a:tableStyleId>{5C22544A-7EE6-4342-B048-85BDC9FD1C3A}</a:tableStyleId>
+              </a:tblPr>
+              <a:tblGrid>
+                <a:gridCol w="876300">
+                  <a:extLst>
+                    <a:ext uri="{9D8B030D-6E8A-4147-A177-3AD203B41FA5}">
+                      <a16:colId xmlns:a16="http://schemas.microsoft.com/office/drawing/2014/main" val="2260549720"/>
+                    </a:ext>
+                  </a:extLst>
+                </a:gridCol>
+              </a:tblGrid>
+              <a:tr h="636251">
+                <a:tc>
+                  <a:txBody>
+                    <a:bodyPr/>
+                    <a:lstStyle/>
+                    <a:p>
+                      <a:pPr algn="ctr"/>
+                      <a:r>
+                        <a:rPr lang="en-US" altLang="zh-TW" dirty="0"/>
+                        <a:t>Col 1</a:t>
+                      </a:r>
+                      <a:endParaRPr lang="zh-TW" altLang="en-US" dirty="0"/>
+                    </a:p>
+                  </a:txBody>
+                  <a:tcPr anchor="ctr">
+                    <a:solidFill>
+                      <a:schemeClr val="accent2"/>
+                    </a:solidFill>
+                  </a:tcPr>
+                </a:tc>
+                <a:extLst>
+                  <a:ext uri="{0D108BD9-81ED-4DB2-BD59-A6C34878D82A}">
+                    <a16:rowId xmlns:a16="http://schemas.microsoft.com/office/drawing/2014/main" val="4238049435"/>
+                  </a:ext>
+                </a:extLst>
+              </a:tr>
+              <a:tr h="636251">
+                <a:tc>
+                  <a:txBody>
+                    <a:bodyPr/>
+                    <a:lstStyle/>
+                    <a:p>
+                      <a:pPr algn="ctr"/>
+                      <a:r>
+                        <a:rPr lang="en-US" altLang="zh-TW" dirty="0"/>
+                        <a:t>1</a:t>
+                      </a:r>
+                      <a:endParaRPr lang="zh-TW" altLang="en-US" dirty="0"/>
+                    </a:p>
+                  </a:txBody>
+                  <a:tcPr anchor="ctr"/>
+                </a:tc>
+                <a:extLst>
+                  <a:ext uri="{0D108BD9-81ED-4DB2-BD59-A6C34878D82A}">
+                    <a16:rowId xmlns:a16="http://schemas.microsoft.com/office/drawing/2014/main" val="466443544"/>
+                  </a:ext>
+                </a:extLst>
+              </a:tr>
+              <a:tr h="636251">
+                <a:tc>
+                  <a:txBody>
+                    <a:bodyPr/>
+                    <a:lstStyle/>
+                    <a:p>
+                      <a:pPr algn="ctr"/>
+                      <a:r>
+                        <a:rPr lang="en-US" altLang="zh-TW" dirty="0"/>
+                        <a:t>1</a:t>
+                      </a:r>
+                      <a:endParaRPr lang="zh-TW" altLang="en-US" dirty="0"/>
+                    </a:p>
+                  </a:txBody>
+                  <a:tcPr anchor="ctr"/>
+                </a:tc>
+                <a:extLst>
+                  <a:ext uri="{0D108BD9-81ED-4DB2-BD59-A6C34878D82A}">
+                    <a16:rowId xmlns:a16="http://schemas.microsoft.com/office/drawing/2014/main" val="2447474118"/>
+                  </a:ext>
+                </a:extLst>
+              </a:tr>
+              <a:tr h="636251">
+                <a:tc>
+                  <a:txBody>
+                    <a:bodyPr/>
+                    <a:lstStyle/>
+                    <a:p>
+                      <a:pPr algn="ctr"/>
+                      <a:r>
+                        <a:rPr lang="en-US" altLang="zh-TW" dirty="0">
+                          <a:latin typeface="Times New Roman" panose="02020603050405020304" pitchFamily="18" charset="0"/>
+                          <a:cs typeface="Times New Roman" panose="02020603050405020304" pitchFamily="18" charset="0"/>
+                        </a:rPr>
+                        <a:t>⁝</a:t>
+                      </a:r>
+                      <a:endParaRPr lang="zh-TW" altLang="en-US" dirty="0"/>
+                    </a:p>
+                  </a:txBody>
+                  <a:tcPr anchor="ctr"/>
+                </a:tc>
+                <a:extLst>
+                  <a:ext uri="{0D108BD9-81ED-4DB2-BD59-A6C34878D82A}">
+                    <a16:rowId xmlns:a16="http://schemas.microsoft.com/office/drawing/2014/main" val="1048235093"/>
+                  </a:ext>
+                </a:extLst>
+              </a:tr>
+              <a:tr h="636251">
+                <a:tc>
+                  <a:txBody>
+                    <a:bodyPr/>
+                    <a:lstStyle/>
+                    <a:p>
+                      <a:pPr algn="ctr"/>
+                      <a:r>
+                        <a:rPr lang="en-US" altLang="zh-TW" dirty="0"/>
+                        <a:t>0</a:t>
+                      </a:r>
+                      <a:endParaRPr lang="zh-TW" altLang="en-US" dirty="0"/>
+                    </a:p>
+                  </a:txBody>
+                  <a:tcPr anchor="ctr"/>
+                </a:tc>
+                <a:extLst>
+                  <a:ext uri="{0D108BD9-81ED-4DB2-BD59-A6C34878D82A}">
+                    <a16:rowId xmlns:a16="http://schemas.microsoft.com/office/drawing/2014/main" val="3859432155"/>
+                  </a:ext>
+                </a:extLst>
+              </a:tr>
+            </a:tbl>
+          </a:graphicData>
+        </a:graphic>
+      </p:graphicFrame>
     </p:spTree>
     <p:extLst>
       <p:ext uri="{BB962C8B-B14F-4D97-AF65-F5344CB8AC3E}">
-        <p14:creationId xmlns:p14="http://schemas.microsoft.com/office/powerpoint/2010/main" val="1328549607"/>
+        <p14:creationId xmlns:p14="http://schemas.microsoft.com/office/powerpoint/2010/main" val="469804971"/>
       </p:ext>
     </p:extLst>
   </p:cSld>
   <p:clrMapOvr>
     <a:masterClrMapping/>
   </p:clrMapOvr>
+  <mc:AlternateContent xmlns:mc="http://schemas.openxmlformats.org/markup-compatibility/2006">
+    <mc:Choice xmlns:p14="http://schemas.microsoft.com/office/powerpoint/2010/main" Requires="p14">
+      <p:transition p14:dur="10"/>
+    </mc:Choice>
+    <mc:Fallback>
+      <p:transition/>
+    </mc:Fallback>
+  </mc:AlternateContent>
+  <p:timing>
+    <p:tnLst>
+      <p:par>
+        <p:cTn id="1" dur="indefinite" restart="never" nodeType="tmRoot">
+          <p:childTnLst>
+            <p:seq concurrent="1" nextAc="seek">
+              <p:cTn id="2" dur="indefinite" nodeType="mainSeq">
+                <p:childTnLst>
+                  <p:par>
+                    <p:cTn id="3" fill="hold">
+                      <p:stCondLst>
+                        <p:cond delay="indefinite"/>
+                        <p:cond evt="onBegin" delay="0">
+                          <p:tn val="2"/>
+                        </p:cond>
+                      </p:stCondLst>
+                      <p:childTnLst>
+                        <p:par>
+                          <p:cTn id="4" fill="hold">
+                            <p:stCondLst>
+                              <p:cond delay="0"/>
+                            </p:stCondLst>
+                            <p:childTnLst>
+                              <p:par>
+                                <p:cTn id="5" presetID="37" presetClass="path" presetSubtype="0" accel="50000" decel="50000" fill="hold" nodeType="withEffect">
+                                  <p:stCondLst>
+                                    <p:cond delay="0"/>
+                                  </p:stCondLst>
+                                  <p:childTnLst>
+                                    <p:animMotion origin="layout" path="M -3.33333E-6 7.40741E-7 L 0.02279 0.04005 C 0.02761 0.04907 0.03477 0.05393 0.04232 0.05393 C 0.05078 0.05393 0.05769 0.04907 0.0625 0.04005 L 0.08542 7.40741E-7 " pathEditMode="relative" rAng="0" ptsTypes="AAAAA">
+                                      <p:cBhvr>
+                                        <p:cTn id="6" dur="1000" fill="hold"/>
+                                        <p:tgtEl>
+                                          <p:spTgt spid="24"/>
+                                        </p:tgtEl>
+                                        <p:attrNameLst>
+                                          <p:attrName>ppt_x</p:attrName>
+                                          <p:attrName>ppt_y</p:attrName>
+                                        </p:attrNameLst>
+                                      </p:cBhvr>
+                                      <p:rCtr x="4271" y="2685"/>
+                                    </p:animMotion>
+                                  </p:childTnLst>
+                                </p:cTn>
+                              </p:par>
+                              <p:par>
+                                <p:cTn id="7" presetID="37" presetClass="path" presetSubtype="0" accel="50000" decel="50000" fill="hold" nodeType="withEffect">
+                                  <p:stCondLst>
+                                    <p:cond delay="0"/>
+                                  </p:stCondLst>
+                                  <p:childTnLst>
+                                    <p:animMotion origin="layout" path="M 0.00039 7.40741E-7 L -0.0224 -0.03958 C -0.02721 -0.04861 -0.03425 -0.05324 -0.0418 -0.05324 C -0.05026 -0.05324 -0.05703 -0.04861 -0.06185 -0.03958 L -0.08451 7.40741E-7 " pathEditMode="relative" rAng="0" ptsTypes="AAAAA">
+                                      <p:cBhvr>
+                                        <p:cTn id="8" dur="1000" fill="hold"/>
+                                        <p:tgtEl>
+                                          <p:spTgt spid="22"/>
+                                        </p:tgtEl>
+                                        <p:attrNameLst>
+                                          <p:attrName>ppt_x</p:attrName>
+                                          <p:attrName>ppt_y</p:attrName>
+                                        </p:attrNameLst>
+                                      </p:cBhvr>
+                                      <p:rCtr x="-4245" y="-2662"/>
+                                    </p:animMotion>
+                                  </p:childTnLst>
+                                </p:cTn>
+                              </p:par>
+                              <p:par>
+                                <p:cTn id="9" presetID="37" presetClass="path" presetSubtype="0" accel="50000" decel="50000" fill="hold" nodeType="withEffect">
+                                  <p:stCondLst>
+                                    <p:cond delay="0"/>
+                                  </p:stCondLst>
+                                  <p:childTnLst>
+                                    <p:animMotion origin="layout" path="M 4.58333E-6 7.40741E-7 L 0.02278 0.04005 C 0.02747 0.04907 0.03463 0.05393 0.04218 0.05393 C 0.05065 0.05393 0.05755 0.04907 0.06224 0.04005 L 0.08515 7.40741E-7 " pathEditMode="relative" rAng="0" ptsTypes="AAAAA">
+                                      <p:cBhvr>
+                                        <p:cTn id="10" dur="1000" fill="hold"/>
+                                        <p:tgtEl>
+                                          <p:spTgt spid="26"/>
+                                        </p:tgtEl>
+                                        <p:attrNameLst>
+                                          <p:attrName>ppt_x</p:attrName>
+                                          <p:attrName>ppt_y</p:attrName>
+                                        </p:attrNameLst>
+                                      </p:cBhvr>
+                                      <p:rCtr x="4258" y="2685"/>
+                                    </p:animMotion>
+                                  </p:childTnLst>
+                                </p:cTn>
+                              </p:par>
+                              <p:par>
+                                <p:cTn id="11" presetID="37" presetClass="path" presetSubtype="0" accel="50000" decel="50000" fill="hold" nodeType="withEffect">
+                                  <p:stCondLst>
+                                    <p:cond delay="0"/>
+                                  </p:stCondLst>
+                                  <p:childTnLst>
+                                    <p:animMotion origin="layout" path="M 0.00013 7.40741E-7 L -0.02278 -0.03218 C -0.02747 -0.03935 -0.03463 -0.04282 -0.04219 -0.04282 C -0.05065 -0.04282 -0.05755 -0.03935 -0.06224 -0.03218 L -0.08502 7.40741E-7 " pathEditMode="relative" rAng="0" ptsTypes="AAAAA">
+                                      <p:cBhvr>
+                                        <p:cTn id="12" dur="1000" fill="hold"/>
+                                        <p:tgtEl>
+                                          <p:spTgt spid="27"/>
+                                        </p:tgtEl>
+                                        <p:attrNameLst>
+                                          <p:attrName>ppt_x</p:attrName>
+                                          <p:attrName>ppt_y</p:attrName>
+                                        </p:attrNameLst>
+                                      </p:cBhvr>
+                                      <p:rCtr x="-4258" y="-2153"/>
+                                    </p:animMotion>
+                                  </p:childTnLst>
+                                </p:cTn>
+                              </p:par>
+                            </p:childTnLst>
+                          </p:cTn>
+                        </p:par>
+                      </p:childTnLst>
+                    </p:cTn>
+                  </p:par>
+                </p:childTnLst>
+              </p:cTn>
+              <p:prevCondLst>
+                <p:cond evt="onPrev" delay="0">
+                  <p:tgtEl>
+                    <p:sldTgt/>
+                  </p:tgtEl>
+                </p:cond>
+              </p:prevCondLst>
+              <p:nextCondLst>
+                <p:cond evt="onNext" delay="0">
+                  <p:tgtEl>
+                    <p:sldTgt/>
+                  </p:tgtEl>
+                </p:cond>
+              </p:nextCondLst>
+            </p:seq>
+          </p:childTnLst>
+        </p:cTn>
+      </p:par>
+    </p:tnLst>
+  </p:timing>
 </p:sld>
 </file>
 
@@ -10773,12 +17638,48 @@
           <a:chExt cx="0" cy="0"/>
         </a:xfrm>
       </p:grpSpPr>
+      <p:pic>
+        <p:nvPicPr>
+          <p:cNvPr id="11" name="圖片 10">
+            <a:extLst>
+              <a:ext uri="{FF2B5EF4-FFF2-40B4-BE49-F238E27FC236}">
+                <a16:creationId xmlns:a16="http://schemas.microsoft.com/office/drawing/2014/main" id="{2841D9D8-9F3D-4F66-B69F-D77B554669E1}"/>
+              </a:ext>
+            </a:extLst>
+          </p:cNvPr>
+          <p:cNvPicPr>
+            <a:picLocks noChangeAspect="1"/>
+          </p:cNvPicPr>
+          <p:nvPr/>
+        </p:nvPicPr>
+        <p:blipFill>
+          <a:blip r:embed="rId3">
+            <a:extLst>
+              <a:ext uri="{28A0092B-C50C-407E-A947-70E740481C1C}">
+                <a14:useLocalDpi xmlns:a14="http://schemas.microsoft.com/office/drawing/2010/main" val="0"/>
+              </a:ext>
+            </a:extLst>
+          </a:blip>
+          <a:stretch>
+            <a:fillRect/>
+          </a:stretch>
+        </p:blipFill>
+        <p:spPr>
+          <a:xfrm>
+            <a:off x="6356403" y="1849365"/>
+            <a:ext cx="5448300" cy="3273552"/>
+          </a:xfrm>
+          <a:prstGeom prst="rect">
+            <a:avLst/>
+          </a:prstGeom>
+        </p:spPr>
+      </p:pic>
       <p:sp>
         <p:nvSpPr>
           <p:cNvPr id="2" name="標題 1">
             <a:extLst>
               <a:ext uri="{FF2B5EF4-FFF2-40B4-BE49-F238E27FC236}">
-                <a16:creationId xmlns:a16="http://schemas.microsoft.com/office/drawing/2014/main" id="{9863A037-346C-46ED-874C-6E5E22A48CD6}"/>
+                <a16:creationId xmlns:a16="http://schemas.microsoft.com/office/drawing/2014/main" id="{36DC04C3-C563-4C98-8C07-9960108F9A80}"/>
               </a:ext>
             </a:extLst>
           </p:cNvPr>
@@ -10789,7 +17690,12 @@
             <p:ph type="title"/>
           </p:nvPr>
         </p:nvSpPr>
-        <p:spPr/>
+        <p:spPr>
+          <a:xfrm>
+            <a:off x="838200" y="365125"/>
+            <a:ext cx="10515600" cy="1325563"/>
+          </a:xfrm>
+        </p:spPr>
         <p:txBody>
           <a:bodyPr/>
           <a:lstStyle/>
@@ -10800,7 +17706,7 @@
                   <a:srgbClr val="14365D"/>
                 </a:solidFill>
               </a:rPr>
-              <a:t>Case study - Manufacturing data</a:t>
+              <a:t>Methodology</a:t>
             </a:r>
             <a:endParaRPr lang="zh-TW" altLang="en-US" dirty="0">
               <a:solidFill>
@@ -10815,7 +17721,7 @@
           <p:cNvPr id="3" name="頁尾版面配置區 2">
             <a:extLst>
               <a:ext uri="{FF2B5EF4-FFF2-40B4-BE49-F238E27FC236}">
-                <a16:creationId xmlns:a16="http://schemas.microsoft.com/office/drawing/2014/main" id="{D8F09910-4CFC-4061-91E6-11C907D0C3E7}"/>
+                <a16:creationId xmlns:a16="http://schemas.microsoft.com/office/drawing/2014/main" id="{4A4CA6E6-464E-453E-BC2B-43F181B88B9E}"/>
               </a:ext>
             </a:extLst>
           </p:cNvPr>
@@ -10839,16 +17745,859 @@
           </a:p>
         </p:txBody>
       </p:sp>
+      <p:sp>
+        <p:nvSpPr>
+          <p:cNvPr id="4" name="TextBox 5">
+            <a:extLst>
+              <a:ext uri="{FF2B5EF4-FFF2-40B4-BE49-F238E27FC236}">
+                <a16:creationId xmlns:a16="http://schemas.microsoft.com/office/drawing/2014/main" id="{3E9CE020-3A35-404A-AFF1-FFAB16E7DCEC}"/>
+              </a:ext>
+            </a:extLst>
+          </p:cNvPr>
+          <p:cNvSpPr txBox="1"/>
+          <p:nvPr/>
+        </p:nvSpPr>
+        <p:spPr>
+          <a:xfrm>
+            <a:off x="838200" y="1690688"/>
+            <a:ext cx="5257800" cy="3448380"/>
+          </a:xfrm>
+          <a:prstGeom prst="rect">
+            <a:avLst/>
+          </a:prstGeom>
+        </p:spPr>
+        <p:txBody>
+          <a:bodyPr wrap="square" lIns="0" tIns="0" rIns="0" bIns="0" rtlCol="0" anchor="t">
+            <a:spAutoFit/>
+          </a:bodyPr>
+          <a:lstStyle/>
+          <a:p>
+            <a:pPr>
+              <a:lnSpc>
+                <a:spcPts val="3359"/>
+              </a:lnSpc>
+            </a:pPr>
+            <a:r>
+              <a:rPr lang="en-US" altLang="zh-TW" dirty="0">
+                <a:solidFill>
+                  <a:srgbClr val="000000"/>
+                </a:solidFill>
+                <a:latin typeface="Nunito Light"/>
+              </a:rPr>
+              <a:t>In the research, we propose a method to encode binary data in to numerical data. Via grouping related features with common feature selection methods, sequencing features by their attributes, and transforming the binary row data with BCD.</a:t>
+            </a:r>
+          </a:p>
+          <a:p>
+            <a:pPr marL="342900" indent="-342900">
+              <a:lnSpc>
+                <a:spcPts val="3359"/>
+              </a:lnSpc>
+              <a:buFont typeface="+mj-lt"/>
+              <a:buAutoNum type="arabicPeriod"/>
+            </a:pPr>
+            <a:r>
+              <a:rPr lang="en-US" altLang="zh-TW" dirty="0">
+                <a:solidFill>
+                  <a:srgbClr val="000000"/>
+                </a:solidFill>
+                <a:latin typeface="Nunito Light"/>
+              </a:rPr>
+              <a:t>Grouping similar, correlated features</a:t>
+            </a:r>
+          </a:p>
+          <a:p>
+            <a:pPr marL="342900" indent="-342900">
+              <a:lnSpc>
+                <a:spcPts val="3359"/>
+              </a:lnSpc>
+              <a:buFont typeface="+mj-lt"/>
+              <a:buAutoNum type="arabicPeriod"/>
+            </a:pPr>
+            <a:r>
+              <a:rPr lang="en-US" altLang="zh-TW" dirty="0">
+                <a:solidFill>
+                  <a:srgbClr val="000000"/>
+                </a:solidFill>
+                <a:latin typeface="Nunito Light"/>
+              </a:rPr>
+              <a:t>Sequencing features in each feature group</a:t>
+            </a:r>
+          </a:p>
+          <a:p>
+            <a:pPr marL="342900" indent="-342900">
+              <a:lnSpc>
+                <a:spcPts val="3359"/>
+              </a:lnSpc>
+              <a:buFont typeface="+mj-lt"/>
+              <a:buAutoNum type="arabicPeriod"/>
+            </a:pPr>
+            <a:r>
+              <a:rPr lang="en-US" altLang="zh-TW" dirty="0">
+                <a:solidFill>
+                  <a:srgbClr val="000000"/>
+                </a:solidFill>
+                <a:latin typeface="Nunito Light"/>
+              </a:rPr>
+              <a:t>BCD encode on each feature group</a:t>
+            </a:r>
+          </a:p>
+        </p:txBody>
+      </p:sp>
+      <p:graphicFrame>
+        <p:nvGraphicFramePr>
+          <p:cNvPr id="13" name="表格 12">
+            <a:extLst>
+              <a:ext uri="{FF2B5EF4-FFF2-40B4-BE49-F238E27FC236}">
+                <a16:creationId xmlns:a16="http://schemas.microsoft.com/office/drawing/2014/main" id="{F36E90D2-6628-4791-8857-9112F6C3F36C}"/>
+              </a:ext>
+            </a:extLst>
+          </p:cNvPr>
+          <p:cNvGraphicFramePr>
+            <a:graphicFrameLocks noGrp="1"/>
+          </p:cNvGraphicFramePr>
+          <p:nvPr>
+            <p:extLst>
+              <p:ext uri="{D42A27DB-BD31-4B8C-83A1-F6EECF244321}">
+                <p14:modId xmlns:p14="http://schemas.microsoft.com/office/powerpoint/2010/main" val="3014044632"/>
+              </p:ext>
+            </p:extLst>
+          </p:nvPr>
+        </p:nvGraphicFramePr>
+        <p:xfrm>
+          <a:off x="6356403" y="1856134"/>
+          <a:ext cx="5448300" cy="3266783"/>
+        </p:xfrm>
+        <a:graphic>
+          <a:graphicData uri="http://schemas.openxmlformats.org/drawingml/2006/table">
+            <a:tbl>
+              <a:tblPr firstRow="1" bandRow="1">
+                <a:tableStyleId>{5C22544A-7EE6-4342-B048-85BDC9FD1C3A}</a:tableStyleId>
+              </a:tblPr>
+              <a:tblGrid>
+                <a:gridCol w="908050">
+                  <a:extLst>
+                    <a:ext uri="{9D8B030D-6E8A-4147-A177-3AD203B41FA5}">
+                      <a16:colId xmlns:a16="http://schemas.microsoft.com/office/drawing/2014/main" val="925335159"/>
+                    </a:ext>
+                  </a:extLst>
+                </a:gridCol>
+                <a:gridCol w="908050">
+                  <a:extLst>
+                    <a:ext uri="{9D8B030D-6E8A-4147-A177-3AD203B41FA5}">
+                      <a16:colId xmlns:a16="http://schemas.microsoft.com/office/drawing/2014/main" val="2372799635"/>
+                    </a:ext>
+                  </a:extLst>
+                </a:gridCol>
+                <a:gridCol w="908050">
+                  <a:extLst>
+                    <a:ext uri="{9D8B030D-6E8A-4147-A177-3AD203B41FA5}">
+                      <a16:colId xmlns:a16="http://schemas.microsoft.com/office/drawing/2014/main" val="1225509667"/>
+                    </a:ext>
+                  </a:extLst>
+                </a:gridCol>
+                <a:gridCol w="908050">
+                  <a:extLst>
+                    <a:ext uri="{9D8B030D-6E8A-4147-A177-3AD203B41FA5}">
+                      <a16:colId xmlns:a16="http://schemas.microsoft.com/office/drawing/2014/main" val="1012106522"/>
+                    </a:ext>
+                  </a:extLst>
+                </a:gridCol>
+                <a:gridCol w="908050">
+                  <a:extLst>
+                    <a:ext uri="{9D8B030D-6E8A-4147-A177-3AD203B41FA5}">
+                      <a16:colId xmlns:a16="http://schemas.microsoft.com/office/drawing/2014/main" val="850758534"/>
+                    </a:ext>
+                  </a:extLst>
+                </a:gridCol>
+                <a:gridCol w="908050">
+                  <a:extLst>
+                    <a:ext uri="{9D8B030D-6E8A-4147-A177-3AD203B41FA5}">
+                      <a16:colId xmlns:a16="http://schemas.microsoft.com/office/drawing/2014/main" val="4146938469"/>
+                    </a:ext>
+                  </a:extLst>
+                </a:gridCol>
+              </a:tblGrid>
+              <a:tr h="656499">
+                <a:tc>
+                  <a:txBody>
+                    <a:bodyPr/>
+                    <a:lstStyle/>
+                    <a:p>
+                      <a:pPr marL="0" marR="0" lvl="0" indent="0" algn="ctr" defTabSz="914400" rtl="0" eaLnBrk="1" fontAlgn="auto" latinLnBrk="0" hangingPunct="1">
+                        <a:lnSpc>
+                          <a:spcPct val="100000"/>
+                        </a:lnSpc>
+                        <a:spcBef>
+                          <a:spcPts val="0"/>
+                        </a:spcBef>
+                        <a:spcAft>
+                          <a:spcPts val="0"/>
+                        </a:spcAft>
+                        <a:buClrTx/>
+                        <a:buSzTx/>
+                        <a:buFontTx/>
+                        <a:buNone/>
+                        <a:tabLst/>
+                        <a:defRPr/>
+                      </a:pPr>
+                      <a:r>
+                        <a:rPr lang="en-US" altLang="zh-TW" dirty="0"/>
+                        <a:t>Col 6</a:t>
+                      </a:r>
+                      <a:endParaRPr lang="zh-TW" altLang="en-US" dirty="0"/>
+                    </a:p>
+                  </a:txBody>
+                  <a:tcPr anchor="ctr">
+                    <a:solidFill>
+                      <a:srgbClr val="7030A0"/>
+                    </a:solidFill>
+                  </a:tcPr>
+                </a:tc>
+                <a:tc>
+                  <a:txBody>
+                    <a:bodyPr/>
+                    <a:lstStyle/>
+                    <a:p>
+                      <a:pPr marL="0" marR="0" lvl="0" indent="0" algn="ctr" defTabSz="914400" rtl="0" eaLnBrk="1" fontAlgn="auto" latinLnBrk="0" hangingPunct="1">
+                        <a:lnSpc>
+                          <a:spcPct val="100000"/>
+                        </a:lnSpc>
+                        <a:spcBef>
+                          <a:spcPts val="0"/>
+                        </a:spcBef>
+                        <a:spcAft>
+                          <a:spcPts val="0"/>
+                        </a:spcAft>
+                        <a:buClrTx/>
+                        <a:buSzTx/>
+                        <a:buFontTx/>
+                        <a:buNone/>
+                        <a:tabLst/>
+                        <a:defRPr/>
+                      </a:pPr>
+                      <a:r>
+                        <a:rPr lang="en-US" altLang="zh-TW" dirty="0"/>
+                        <a:t>Col 2</a:t>
+                      </a:r>
+                      <a:endParaRPr lang="zh-TW" altLang="en-US" dirty="0"/>
+                    </a:p>
+                  </a:txBody>
+                  <a:tcPr anchor="ctr">
+                    <a:solidFill>
+                      <a:srgbClr val="7030A0"/>
+                    </a:solidFill>
+                  </a:tcPr>
+                </a:tc>
+                <a:tc>
+                  <a:txBody>
+                    <a:bodyPr/>
+                    <a:lstStyle/>
+                    <a:p>
+                      <a:pPr algn="ctr"/>
+                      <a:r>
+                        <a:rPr lang="en-US" altLang="zh-TW" dirty="0"/>
+                        <a:t>Col 5</a:t>
+                      </a:r>
+                      <a:endParaRPr lang="zh-TW" altLang="en-US" dirty="0"/>
+                    </a:p>
+                  </a:txBody>
+                  <a:tcPr anchor="ctr">
+                    <a:solidFill>
+                      <a:srgbClr val="00B050"/>
+                    </a:solidFill>
+                  </a:tcPr>
+                </a:tc>
+                <a:tc>
+                  <a:txBody>
+                    <a:bodyPr/>
+                    <a:lstStyle/>
+                    <a:p>
+                      <a:pPr marL="0" marR="0" lvl="0" indent="0" algn="ctr" defTabSz="914400" rtl="0" eaLnBrk="1" fontAlgn="auto" latinLnBrk="0" hangingPunct="1">
+                        <a:lnSpc>
+                          <a:spcPct val="100000"/>
+                        </a:lnSpc>
+                        <a:spcBef>
+                          <a:spcPts val="0"/>
+                        </a:spcBef>
+                        <a:spcAft>
+                          <a:spcPts val="0"/>
+                        </a:spcAft>
+                        <a:buClrTx/>
+                        <a:buSzTx/>
+                        <a:buFontTx/>
+                        <a:buNone/>
+                        <a:tabLst/>
+                        <a:defRPr/>
+                      </a:pPr>
+                      <a:r>
+                        <a:rPr lang="en-US" altLang="zh-TW" dirty="0"/>
+                        <a:t>Col 4</a:t>
+                      </a:r>
+                      <a:endParaRPr lang="zh-TW" altLang="en-US" dirty="0"/>
+                    </a:p>
+                  </a:txBody>
+                  <a:tcPr anchor="ctr">
+                    <a:solidFill>
+                      <a:srgbClr val="00B050"/>
+                    </a:solidFill>
+                  </a:tcPr>
+                </a:tc>
+                <a:tc>
+                  <a:txBody>
+                    <a:bodyPr/>
+                    <a:lstStyle/>
+                    <a:p>
+                      <a:pPr algn="ctr"/>
+                      <a:r>
+                        <a:rPr lang="en-US" altLang="zh-TW" dirty="0"/>
+                        <a:t>Col 1</a:t>
+                      </a:r>
+                      <a:endParaRPr lang="zh-TW" altLang="en-US" dirty="0"/>
+                    </a:p>
+                  </a:txBody>
+                  <a:tcPr anchor="ctr">
+                    <a:solidFill>
+                      <a:schemeClr val="accent2"/>
+                    </a:solidFill>
+                  </a:tcPr>
+                </a:tc>
+                <a:tc>
+                  <a:txBody>
+                    <a:bodyPr/>
+                    <a:lstStyle/>
+                    <a:p>
+                      <a:pPr algn="ctr"/>
+                      <a:r>
+                        <a:rPr lang="en-US" altLang="zh-TW" dirty="0"/>
+                        <a:t>Col 3</a:t>
+                      </a:r>
+                      <a:endParaRPr lang="zh-TW" altLang="en-US" dirty="0"/>
+                    </a:p>
+                  </a:txBody>
+                  <a:tcPr anchor="ctr">
+                    <a:solidFill>
+                      <a:schemeClr val="accent2"/>
+                    </a:solidFill>
+                  </a:tcPr>
+                </a:tc>
+                <a:extLst>
+                  <a:ext uri="{0D108BD9-81ED-4DB2-BD59-A6C34878D82A}">
+                    <a16:rowId xmlns:a16="http://schemas.microsoft.com/office/drawing/2014/main" val="4238049435"/>
+                  </a:ext>
+                </a:extLst>
+              </a:tr>
+              <a:tr h="652571">
+                <a:tc>
+                  <a:txBody>
+                    <a:bodyPr/>
+                    <a:lstStyle/>
+                    <a:p>
+                      <a:pPr algn="ctr"/>
+                      <a:r>
+                        <a:rPr lang="en-US" altLang="zh-TW" dirty="0"/>
+                        <a:t>0</a:t>
+                      </a:r>
+                      <a:endParaRPr lang="zh-TW" altLang="en-US" dirty="0"/>
+                    </a:p>
+                  </a:txBody>
+                  <a:tcPr anchor="ctr"/>
+                </a:tc>
+                <a:tc>
+                  <a:txBody>
+                    <a:bodyPr/>
+                    <a:lstStyle/>
+                    <a:p>
+                      <a:pPr algn="ctr"/>
+                      <a:r>
+                        <a:rPr lang="en-US" altLang="zh-TW" dirty="0"/>
+                        <a:t>1</a:t>
+                      </a:r>
+                      <a:endParaRPr lang="zh-TW" altLang="en-US" dirty="0"/>
+                    </a:p>
+                  </a:txBody>
+                  <a:tcPr anchor="ctr"/>
+                </a:tc>
+                <a:tc>
+                  <a:txBody>
+                    <a:bodyPr/>
+                    <a:lstStyle/>
+                    <a:p>
+                      <a:pPr algn="ctr"/>
+                      <a:r>
+                        <a:rPr lang="en-US" altLang="zh-TW" dirty="0"/>
+                        <a:t>0</a:t>
+                      </a:r>
+                      <a:endParaRPr lang="zh-TW" altLang="en-US" dirty="0"/>
+                    </a:p>
+                  </a:txBody>
+                  <a:tcPr anchor="ctr"/>
+                </a:tc>
+                <a:tc>
+                  <a:txBody>
+                    <a:bodyPr/>
+                    <a:lstStyle/>
+                    <a:p>
+                      <a:pPr algn="ctr"/>
+                      <a:r>
+                        <a:rPr lang="en-US" altLang="zh-TW" dirty="0"/>
+                        <a:t>1</a:t>
+                      </a:r>
+                      <a:endParaRPr lang="zh-TW" altLang="en-US" dirty="0"/>
+                    </a:p>
+                  </a:txBody>
+                  <a:tcPr anchor="ctr"/>
+                </a:tc>
+                <a:tc>
+                  <a:txBody>
+                    <a:bodyPr/>
+                    <a:lstStyle/>
+                    <a:p>
+                      <a:pPr algn="ctr"/>
+                      <a:r>
+                        <a:rPr lang="en-US" altLang="zh-TW" dirty="0"/>
+                        <a:t>1</a:t>
+                      </a:r>
+                      <a:endParaRPr lang="zh-TW" altLang="en-US" dirty="0"/>
+                    </a:p>
+                  </a:txBody>
+                  <a:tcPr anchor="ctr"/>
+                </a:tc>
+                <a:tc>
+                  <a:txBody>
+                    <a:bodyPr/>
+                    <a:lstStyle/>
+                    <a:p>
+                      <a:pPr algn="ctr"/>
+                      <a:r>
+                        <a:rPr lang="en-US" altLang="zh-TW" dirty="0"/>
+                        <a:t>0</a:t>
+                      </a:r>
+                      <a:endParaRPr lang="zh-TW" altLang="en-US" dirty="0"/>
+                    </a:p>
+                  </a:txBody>
+                  <a:tcPr anchor="ctr"/>
+                </a:tc>
+                <a:extLst>
+                  <a:ext uri="{0D108BD9-81ED-4DB2-BD59-A6C34878D82A}">
+                    <a16:rowId xmlns:a16="http://schemas.microsoft.com/office/drawing/2014/main" val="466443544"/>
+                  </a:ext>
+                </a:extLst>
+              </a:tr>
+              <a:tr h="652571">
+                <a:tc>
+                  <a:txBody>
+                    <a:bodyPr/>
+                    <a:lstStyle/>
+                    <a:p>
+                      <a:pPr algn="ctr"/>
+                      <a:r>
+                        <a:rPr lang="en-US" altLang="zh-TW" dirty="0"/>
+                        <a:t>0</a:t>
+                      </a:r>
+                      <a:endParaRPr lang="zh-TW" altLang="en-US" dirty="0"/>
+                    </a:p>
+                  </a:txBody>
+                  <a:tcPr anchor="ctr"/>
+                </a:tc>
+                <a:tc>
+                  <a:txBody>
+                    <a:bodyPr/>
+                    <a:lstStyle/>
+                    <a:p>
+                      <a:pPr algn="ctr"/>
+                      <a:r>
+                        <a:rPr lang="en-US" altLang="zh-TW" dirty="0"/>
+                        <a:t>0</a:t>
+                      </a:r>
+                      <a:endParaRPr lang="zh-TW" altLang="en-US" dirty="0"/>
+                    </a:p>
+                  </a:txBody>
+                  <a:tcPr anchor="ctr"/>
+                </a:tc>
+                <a:tc>
+                  <a:txBody>
+                    <a:bodyPr/>
+                    <a:lstStyle/>
+                    <a:p>
+                      <a:pPr algn="ctr"/>
+                      <a:r>
+                        <a:rPr lang="en-US" altLang="zh-TW" dirty="0"/>
+                        <a:t>1</a:t>
+                      </a:r>
+                      <a:endParaRPr lang="zh-TW" altLang="en-US" dirty="0"/>
+                    </a:p>
+                  </a:txBody>
+                  <a:tcPr anchor="ctr"/>
+                </a:tc>
+                <a:tc>
+                  <a:txBody>
+                    <a:bodyPr/>
+                    <a:lstStyle/>
+                    <a:p>
+                      <a:pPr algn="ctr"/>
+                      <a:r>
+                        <a:rPr lang="en-US" altLang="zh-TW" dirty="0"/>
+                        <a:t>1</a:t>
+                      </a:r>
+                      <a:endParaRPr lang="zh-TW" altLang="en-US" dirty="0"/>
+                    </a:p>
+                  </a:txBody>
+                  <a:tcPr anchor="ctr"/>
+                </a:tc>
+                <a:tc>
+                  <a:txBody>
+                    <a:bodyPr/>
+                    <a:lstStyle/>
+                    <a:p>
+                      <a:pPr algn="ctr"/>
+                      <a:r>
+                        <a:rPr lang="en-US" altLang="zh-TW" dirty="0"/>
+                        <a:t>1</a:t>
+                      </a:r>
+                      <a:endParaRPr lang="zh-TW" altLang="en-US" dirty="0"/>
+                    </a:p>
+                  </a:txBody>
+                  <a:tcPr anchor="ctr"/>
+                </a:tc>
+                <a:tc>
+                  <a:txBody>
+                    <a:bodyPr/>
+                    <a:lstStyle/>
+                    <a:p>
+                      <a:pPr algn="ctr"/>
+                      <a:r>
+                        <a:rPr lang="en-US" altLang="zh-TW" dirty="0"/>
+                        <a:t>0</a:t>
+                      </a:r>
+                      <a:endParaRPr lang="zh-TW" altLang="en-US" dirty="0"/>
+                    </a:p>
+                  </a:txBody>
+                  <a:tcPr anchor="ctr"/>
+                </a:tc>
+                <a:extLst>
+                  <a:ext uri="{0D108BD9-81ED-4DB2-BD59-A6C34878D82A}">
+                    <a16:rowId xmlns:a16="http://schemas.microsoft.com/office/drawing/2014/main" val="2447474118"/>
+                  </a:ext>
+                </a:extLst>
+              </a:tr>
+              <a:tr h="652571">
+                <a:tc>
+                  <a:txBody>
+                    <a:bodyPr/>
+                    <a:lstStyle/>
+                    <a:p>
+                      <a:pPr marL="0" marR="0" lvl="0" indent="0" algn="ctr" defTabSz="914400" rtl="0" eaLnBrk="1" fontAlgn="auto" latinLnBrk="0" hangingPunct="1">
+                        <a:lnSpc>
+                          <a:spcPct val="100000"/>
+                        </a:lnSpc>
+                        <a:spcBef>
+                          <a:spcPts val="0"/>
+                        </a:spcBef>
+                        <a:spcAft>
+                          <a:spcPts val="0"/>
+                        </a:spcAft>
+                        <a:buClrTx/>
+                        <a:buSzTx/>
+                        <a:buFontTx/>
+                        <a:buNone/>
+                        <a:tabLst/>
+                        <a:defRPr/>
+                      </a:pPr>
+                      <a:r>
+                        <a:rPr lang="en-US" altLang="zh-TW" dirty="0">
+                          <a:latin typeface="Times New Roman" panose="02020603050405020304" pitchFamily="18" charset="0"/>
+                          <a:cs typeface="Times New Roman" panose="02020603050405020304" pitchFamily="18" charset="0"/>
+                        </a:rPr>
+                        <a:t>⁝</a:t>
+                      </a:r>
+                      <a:endParaRPr lang="zh-TW" altLang="en-US" dirty="0"/>
+                    </a:p>
+                  </a:txBody>
+                  <a:tcPr anchor="ctr"/>
+                </a:tc>
+                <a:tc>
+                  <a:txBody>
+                    <a:bodyPr/>
+                    <a:lstStyle/>
+                    <a:p>
+                      <a:pPr marL="0" marR="0" lvl="0" indent="0" algn="ctr" defTabSz="914400" rtl="0" eaLnBrk="1" fontAlgn="auto" latinLnBrk="0" hangingPunct="1">
+                        <a:lnSpc>
+                          <a:spcPct val="100000"/>
+                        </a:lnSpc>
+                        <a:spcBef>
+                          <a:spcPts val="0"/>
+                        </a:spcBef>
+                        <a:spcAft>
+                          <a:spcPts val="0"/>
+                        </a:spcAft>
+                        <a:buClrTx/>
+                        <a:buSzTx/>
+                        <a:buFontTx/>
+                        <a:buNone/>
+                        <a:tabLst/>
+                        <a:defRPr/>
+                      </a:pPr>
+                      <a:r>
+                        <a:rPr lang="en-US" altLang="zh-TW" dirty="0">
+                          <a:latin typeface="Times New Roman" panose="02020603050405020304" pitchFamily="18" charset="0"/>
+                          <a:cs typeface="Times New Roman" panose="02020603050405020304" pitchFamily="18" charset="0"/>
+                        </a:rPr>
+                        <a:t>⁝</a:t>
+                      </a:r>
+                      <a:endParaRPr lang="zh-TW" altLang="en-US" dirty="0"/>
+                    </a:p>
+                  </a:txBody>
+                  <a:tcPr anchor="ctr"/>
+                </a:tc>
+                <a:tc>
+                  <a:txBody>
+                    <a:bodyPr/>
+                    <a:lstStyle/>
+                    <a:p>
+                      <a:pPr marL="0" marR="0" lvl="0" indent="0" algn="ctr" defTabSz="914400" rtl="0" eaLnBrk="1" fontAlgn="auto" latinLnBrk="0" hangingPunct="1">
+                        <a:lnSpc>
+                          <a:spcPct val="100000"/>
+                        </a:lnSpc>
+                        <a:spcBef>
+                          <a:spcPts val="0"/>
+                        </a:spcBef>
+                        <a:spcAft>
+                          <a:spcPts val="0"/>
+                        </a:spcAft>
+                        <a:buClrTx/>
+                        <a:buSzTx/>
+                        <a:buFontTx/>
+                        <a:buNone/>
+                        <a:tabLst/>
+                        <a:defRPr/>
+                      </a:pPr>
+                      <a:r>
+                        <a:rPr lang="en-US" altLang="zh-TW" dirty="0">
+                          <a:latin typeface="Times New Roman" panose="02020603050405020304" pitchFamily="18" charset="0"/>
+                          <a:cs typeface="Times New Roman" panose="02020603050405020304" pitchFamily="18" charset="0"/>
+                        </a:rPr>
+                        <a:t>⁝</a:t>
+                      </a:r>
+                      <a:endParaRPr lang="zh-TW" altLang="en-US" dirty="0"/>
+                    </a:p>
+                  </a:txBody>
+                  <a:tcPr anchor="ctr"/>
+                </a:tc>
+                <a:tc>
+                  <a:txBody>
+                    <a:bodyPr/>
+                    <a:lstStyle/>
+                    <a:p>
+                      <a:pPr marL="0" marR="0" lvl="0" indent="0" algn="ctr" defTabSz="914400" rtl="0" eaLnBrk="1" fontAlgn="auto" latinLnBrk="0" hangingPunct="1">
+                        <a:lnSpc>
+                          <a:spcPct val="100000"/>
+                        </a:lnSpc>
+                        <a:spcBef>
+                          <a:spcPts val="0"/>
+                        </a:spcBef>
+                        <a:spcAft>
+                          <a:spcPts val="0"/>
+                        </a:spcAft>
+                        <a:buClrTx/>
+                        <a:buSzTx/>
+                        <a:buFontTx/>
+                        <a:buNone/>
+                        <a:tabLst/>
+                        <a:defRPr/>
+                      </a:pPr>
+                      <a:r>
+                        <a:rPr lang="en-US" altLang="zh-TW" dirty="0">
+                          <a:latin typeface="Times New Roman" panose="02020603050405020304" pitchFamily="18" charset="0"/>
+                          <a:cs typeface="Times New Roman" panose="02020603050405020304" pitchFamily="18" charset="0"/>
+                        </a:rPr>
+                        <a:t>⁝</a:t>
+                      </a:r>
+                      <a:endParaRPr lang="zh-TW" altLang="en-US" dirty="0"/>
+                    </a:p>
+                  </a:txBody>
+                  <a:tcPr anchor="ctr"/>
+                </a:tc>
+                <a:tc>
+                  <a:txBody>
+                    <a:bodyPr/>
+                    <a:lstStyle/>
+                    <a:p>
+                      <a:pPr algn="ctr"/>
+                      <a:r>
+                        <a:rPr lang="en-US" altLang="zh-TW" dirty="0">
+                          <a:latin typeface="Times New Roman" panose="02020603050405020304" pitchFamily="18" charset="0"/>
+                          <a:cs typeface="Times New Roman" panose="02020603050405020304" pitchFamily="18" charset="0"/>
+                        </a:rPr>
+                        <a:t>⁝</a:t>
+                      </a:r>
+                      <a:endParaRPr lang="zh-TW" altLang="en-US" dirty="0"/>
+                    </a:p>
+                  </a:txBody>
+                  <a:tcPr anchor="ctr"/>
+                </a:tc>
+                <a:tc>
+                  <a:txBody>
+                    <a:bodyPr/>
+                    <a:lstStyle/>
+                    <a:p>
+                      <a:pPr marL="0" marR="0" lvl="0" indent="0" algn="ctr" defTabSz="914400" rtl="0" eaLnBrk="1" fontAlgn="auto" latinLnBrk="0" hangingPunct="1">
+                        <a:lnSpc>
+                          <a:spcPct val="100000"/>
+                        </a:lnSpc>
+                        <a:spcBef>
+                          <a:spcPts val="0"/>
+                        </a:spcBef>
+                        <a:spcAft>
+                          <a:spcPts val="0"/>
+                        </a:spcAft>
+                        <a:buClrTx/>
+                        <a:buSzTx/>
+                        <a:buFontTx/>
+                        <a:buNone/>
+                        <a:tabLst/>
+                        <a:defRPr/>
+                      </a:pPr>
+                      <a:r>
+                        <a:rPr lang="en-US" altLang="zh-TW" dirty="0">
+                          <a:latin typeface="Times New Roman" panose="02020603050405020304" pitchFamily="18" charset="0"/>
+                          <a:cs typeface="Times New Roman" panose="02020603050405020304" pitchFamily="18" charset="0"/>
+                        </a:rPr>
+                        <a:t>⁝</a:t>
+                      </a:r>
+                      <a:endParaRPr lang="zh-TW" altLang="en-US" dirty="0"/>
+                    </a:p>
+                  </a:txBody>
+                  <a:tcPr anchor="ctr"/>
+                </a:tc>
+                <a:extLst>
+                  <a:ext uri="{0D108BD9-81ED-4DB2-BD59-A6C34878D82A}">
+                    <a16:rowId xmlns:a16="http://schemas.microsoft.com/office/drawing/2014/main" val="1048235093"/>
+                  </a:ext>
+                </a:extLst>
+              </a:tr>
+              <a:tr h="652571">
+                <a:tc>
+                  <a:txBody>
+                    <a:bodyPr/>
+                    <a:lstStyle/>
+                    <a:p>
+                      <a:pPr algn="ctr"/>
+                      <a:r>
+                        <a:rPr lang="en-US" altLang="zh-TW" dirty="0"/>
+                        <a:t>1</a:t>
+                      </a:r>
+                      <a:endParaRPr lang="zh-TW" altLang="en-US" dirty="0"/>
+                    </a:p>
+                  </a:txBody>
+                  <a:tcPr anchor="ctr"/>
+                </a:tc>
+                <a:tc>
+                  <a:txBody>
+                    <a:bodyPr/>
+                    <a:lstStyle/>
+                    <a:p>
+                      <a:pPr algn="ctr"/>
+                      <a:r>
+                        <a:rPr lang="en-US" altLang="zh-TW" dirty="0"/>
+                        <a:t>0</a:t>
+                      </a:r>
+                      <a:endParaRPr lang="zh-TW" altLang="en-US" dirty="0"/>
+                    </a:p>
+                  </a:txBody>
+                  <a:tcPr anchor="ctr"/>
+                </a:tc>
+                <a:tc>
+                  <a:txBody>
+                    <a:bodyPr/>
+                    <a:lstStyle/>
+                    <a:p>
+                      <a:pPr algn="ctr"/>
+                      <a:r>
+                        <a:rPr lang="en-US" altLang="zh-TW" dirty="0"/>
+                        <a:t>1</a:t>
+                      </a:r>
+                      <a:endParaRPr lang="zh-TW" altLang="en-US" dirty="0"/>
+                    </a:p>
+                  </a:txBody>
+                  <a:tcPr anchor="ctr"/>
+                </a:tc>
+                <a:tc>
+                  <a:txBody>
+                    <a:bodyPr/>
+                    <a:lstStyle/>
+                    <a:p>
+                      <a:pPr algn="ctr"/>
+                      <a:r>
+                        <a:rPr lang="en-US" altLang="zh-TW" dirty="0"/>
+                        <a:t>0</a:t>
+                      </a:r>
+                      <a:endParaRPr lang="zh-TW" altLang="en-US" dirty="0"/>
+                    </a:p>
+                  </a:txBody>
+                  <a:tcPr anchor="ctr"/>
+                </a:tc>
+                <a:tc>
+                  <a:txBody>
+                    <a:bodyPr/>
+                    <a:lstStyle/>
+                    <a:p>
+                      <a:pPr algn="ctr"/>
+                      <a:r>
+                        <a:rPr lang="en-US" altLang="zh-TW" dirty="0"/>
+                        <a:t>0</a:t>
+                      </a:r>
+                      <a:endParaRPr lang="zh-TW" altLang="en-US" dirty="0"/>
+                    </a:p>
+                  </a:txBody>
+                  <a:tcPr anchor="ctr"/>
+                </a:tc>
+                <a:tc>
+                  <a:txBody>
+                    <a:bodyPr/>
+                    <a:lstStyle/>
+                    <a:p>
+                      <a:pPr algn="ctr"/>
+                      <a:r>
+                        <a:rPr lang="en-US" altLang="zh-TW" dirty="0"/>
+                        <a:t>1</a:t>
+                      </a:r>
+                      <a:endParaRPr lang="zh-TW" altLang="en-US" dirty="0"/>
+                    </a:p>
+                  </a:txBody>
+                  <a:tcPr anchor="ctr"/>
+                </a:tc>
+                <a:extLst>
+                  <a:ext uri="{0D108BD9-81ED-4DB2-BD59-A6C34878D82A}">
+                    <a16:rowId xmlns:a16="http://schemas.microsoft.com/office/drawing/2014/main" val="3859432155"/>
+                  </a:ext>
+                </a:extLst>
+              </a:tr>
+            </a:tbl>
+          </a:graphicData>
+        </a:graphic>
+      </p:graphicFrame>
     </p:spTree>
     <p:extLst>
       <p:ext uri="{BB962C8B-B14F-4D97-AF65-F5344CB8AC3E}">
-        <p14:creationId xmlns:p14="http://schemas.microsoft.com/office/powerpoint/2010/main" val="3356235543"/>
+        <p14:creationId xmlns:p14="http://schemas.microsoft.com/office/powerpoint/2010/main" val="4065718715"/>
       </p:ext>
     </p:extLst>
   </p:cSld>
   <p:clrMapOvr>
     <a:masterClrMapping/>
   </p:clrMapOvr>
+  <mc:AlternateContent xmlns:mc="http://schemas.openxmlformats.org/markup-compatibility/2006">
+    <mc:Choice xmlns:p14="http://schemas.microsoft.com/office/powerpoint/2010/main" Requires="p14">
+      <p:transition spd="med" p14:dur="700">
+        <p:fade/>
+      </p:transition>
+    </mc:Choice>
+    <mc:Fallback>
+      <p:transition spd="med">
+        <p:fade/>
+      </p:transition>
+    </mc:Fallback>
+  </mc:AlternateContent>
 </p:sld>
 </file>
 

--- a/ppt/APIEMS TerryYang.pptx
+++ b/ppt/APIEMS TerryYang.pptx
@@ -5,10 +5,10 @@
     <p:sldMasterId id="2147483662" r:id="rId1"/>
   </p:sldMasterIdLst>
   <p:notesMasterIdLst>
-    <p:notesMasterId r:id="rId26"/>
+    <p:notesMasterId r:id="rId28"/>
   </p:notesMasterIdLst>
   <p:handoutMasterIdLst>
-    <p:handoutMasterId r:id="rId27"/>
+    <p:handoutMasterId r:id="rId29"/>
   </p:handoutMasterIdLst>
   <p:sldIdLst>
     <p:sldId id="265" r:id="rId2"/>
@@ -30,11 +30,13 @@
     <p:sldId id="291" r:id="rId18"/>
     <p:sldId id="282" r:id="rId19"/>
     <p:sldId id="289" r:id="rId20"/>
-    <p:sldId id="271" r:id="rId21"/>
-    <p:sldId id="272" r:id="rId22"/>
-    <p:sldId id="274" r:id="rId23"/>
+    <p:sldId id="293" r:id="rId21"/>
+    <p:sldId id="271" r:id="rId22"/>
+    <p:sldId id="272" r:id="rId23"/>
     <p:sldId id="273" r:id="rId24"/>
-    <p:sldId id="268" r:id="rId25"/>
+    <p:sldId id="274" r:id="rId25"/>
+    <p:sldId id="292" r:id="rId26"/>
+    <p:sldId id="268" r:id="rId27"/>
   </p:sldIdLst>
   <p:sldSz cx="12192000" cy="6858000"/>
   <p:notesSz cx="6858000" cy="9144000"/>
@@ -1177,6 +1179,90 @@
     <p:extLst>
       <p:ext uri="{BB962C8B-B14F-4D97-AF65-F5344CB8AC3E}">
         <p14:creationId xmlns:p14="http://schemas.microsoft.com/office/powerpoint/2010/main" val="3033882541"/>
+      </p:ext>
+    </p:extLst>
+  </p:cSld>
+  <p:clrMapOvr>
+    <a:masterClrMapping/>
+  </p:clrMapOvr>
+</p:notes>
+</file>
+
+<file path=ppt/notesSlides/notesSlide15.xml><?xml version="1.0" encoding="utf-8"?>
+<p:notes xmlns:a="http://schemas.openxmlformats.org/drawingml/2006/main" xmlns:r="http://schemas.openxmlformats.org/officeDocument/2006/relationships" xmlns:p="http://schemas.openxmlformats.org/presentationml/2006/main">
+  <p:cSld>
+    <p:spTree>
+      <p:nvGrpSpPr>
+        <p:cNvPr id="1" name=""/>
+        <p:cNvGrpSpPr/>
+        <p:nvPr/>
+      </p:nvGrpSpPr>
+      <p:grpSpPr>
+        <a:xfrm>
+          <a:off x="0" y="0"/>
+          <a:ext cx="0" cy="0"/>
+          <a:chOff x="0" y="0"/>
+          <a:chExt cx="0" cy="0"/>
+        </a:xfrm>
+      </p:grpSpPr>
+      <p:sp>
+        <p:nvSpPr>
+          <p:cNvPr id="2" name="投影片影像版面配置區 1"/>
+          <p:cNvSpPr>
+            <a:spLocks noGrp="1" noRot="1" noChangeAspect="1"/>
+          </p:cNvSpPr>
+          <p:nvPr>
+            <p:ph type="sldImg"/>
+          </p:nvPr>
+        </p:nvSpPr>
+        <p:spPr/>
+      </p:sp>
+      <p:sp>
+        <p:nvSpPr>
+          <p:cNvPr id="3" name="備忘稿版面配置區 2"/>
+          <p:cNvSpPr>
+            <a:spLocks noGrp="1"/>
+          </p:cNvSpPr>
+          <p:nvPr>
+            <p:ph type="body" idx="1"/>
+          </p:nvPr>
+        </p:nvSpPr>
+        <p:spPr/>
+        <p:txBody>
+          <a:bodyPr/>
+          <a:lstStyle/>
+          <a:p>
+            <a:endParaRPr lang="zh-TW" altLang="en-US" dirty="0"/>
+          </a:p>
+        </p:txBody>
+      </p:sp>
+      <p:sp>
+        <p:nvSpPr>
+          <p:cNvPr id="4" name="投影片編號版面配置區 3"/>
+          <p:cNvSpPr>
+            <a:spLocks noGrp="1"/>
+          </p:cNvSpPr>
+          <p:nvPr>
+            <p:ph type="sldNum" sz="quarter" idx="5"/>
+          </p:nvPr>
+        </p:nvSpPr>
+        <p:spPr/>
+        <p:txBody>
+          <a:bodyPr/>
+          <a:lstStyle/>
+          <a:p>
+            <a:fld id="{E43A0E54-7AE5-4780-B065-D6A1AF3CA3A7}" type="slidenum">
+              <a:rPr lang="zh-TW" altLang="en-US" smtClean="0"/>
+              <a:t>20</a:t>
+            </a:fld>
+            <a:endParaRPr lang="zh-TW" altLang="en-US"/>
+          </a:p>
+        </p:txBody>
+      </p:sp>
+    </p:spTree>
+    <p:extLst>
+      <p:ext uri="{BB962C8B-B14F-4D97-AF65-F5344CB8AC3E}">
+        <p14:creationId xmlns:p14="http://schemas.microsoft.com/office/powerpoint/2010/main" val="1477937794"/>
       </p:ext>
     </p:extLst>
   </p:cSld>
@@ -4648,6 +4734,13 @@
   <p:clrMapOvr>
     <a:masterClrMapping/>
   </p:clrMapOvr>
+  <p:timing>
+    <p:tnLst>
+      <p:par>
+        <p:cTn id="1" dur="indefinite" restart="never" nodeType="tmRoot"/>
+      </p:par>
+    </p:tnLst>
+  </p:timing>
 </p:sld>
 </file>
 
@@ -7105,7 +7198,7 @@
           <p:nvPr/>
         </p:nvPicPr>
         <p:blipFill>
-          <a:blip r:embed="rId3">
+          <a:blip r:embed="rId3" cstate="hqprint">
             <a:extLst>
               <a:ext uri="{28A0092B-C50C-407E-A947-70E740481C1C}">
                 <a14:useLocalDpi xmlns:a14="http://schemas.microsoft.com/office/drawing/2010/main" val="0"/>
@@ -8935,6 +9028,13 @@
       </p:transition>
     </mc:Fallback>
   </mc:AlternateContent>
+  <p:timing>
+    <p:tnLst>
+      <p:par>
+        <p:cTn id="1" dur="indefinite" restart="never" nodeType="tmRoot"/>
+      </p:par>
+    </p:tnLst>
+  </p:timing>
 </p:sld>
 </file>
 
@@ -8970,7 +9070,7 @@
           <p:nvPr/>
         </p:nvPicPr>
         <p:blipFill>
-          <a:blip r:embed="rId3">
+          <a:blip r:embed="rId3" cstate="hqprint">
             <a:extLst>
               <a:ext uri="{28A0092B-C50C-407E-A947-70E740481C1C}">
                 <a14:useLocalDpi xmlns:a14="http://schemas.microsoft.com/office/drawing/2010/main" val="0"/>
@@ -10012,6 +10112,13 @@
       </p:transition>
     </mc:Fallback>
   </mc:AlternateContent>
+  <p:timing>
+    <p:tnLst>
+      <p:par>
+        <p:cTn id="1" dur="indefinite" restart="never" nodeType="tmRoot"/>
+      </p:par>
+    </p:tnLst>
+  </p:timing>
 </p:sld>
 </file>
 
@@ -10844,50 +10951,30 @@
           </a:p>
         </p:txBody>
       </p:sp>
-      <p:sp>
-        <p:nvSpPr>
-          <p:cNvPr id="9" name="TextBox 5">
-            <a:extLst>
-              <a:ext uri="{FF2B5EF4-FFF2-40B4-BE49-F238E27FC236}">
-                <a16:creationId xmlns:a16="http://schemas.microsoft.com/office/drawing/2014/main" id="{D55D6095-2092-40F3-A6EA-1CADDC034433}"/>
-              </a:ext>
-            </a:extLst>
-          </p:cNvPr>
-          <p:cNvSpPr txBox="1"/>
+      <p:pic>
+        <p:nvPicPr>
+          <p:cNvPr id="15" name="圖片 14"/>
+          <p:cNvPicPr>
+            <a:picLocks noChangeAspect="1"/>
+          </p:cNvPicPr>
           <p:nvPr/>
-        </p:nvSpPr>
+        </p:nvPicPr>
+        <p:blipFill>
+          <a:blip r:embed="rId3"/>
+          <a:stretch>
+            <a:fillRect/>
+          </a:stretch>
+        </p:blipFill>
         <p:spPr>
           <a:xfrm>
-            <a:off x="838200" y="1690688"/>
-            <a:ext cx="5257800" cy="396262"/>
+            <a:off x="4278093" y="1138836"/>
+            <a:ext cx="7786908" cy="5400075"/>
           </a:xfrm>
           <a:prstGeom prst="rect">
             <a:avLst/>
           </a:prstGeom>
         </p:spPr>
-        <p:txBody>
-          <a:bodyPr wrap="square" lIns="0" tIns="0" rIns="0" bIns="0" rtlCol="0" anchor="t">
-            <a:spAutoFit/>
-          </a:bodyPr>
-          <a:lstStyle/>
-          <a:p>
-            <a:pPr indent="457200">
-              <a:lnSpc>
-                <a:spcPts val="3359"/>
-              </a:lnSpc>
-            </a:pPr>
-            <a:r>
-              <a:rPr lang="en-US" altLang="zh-TW" dirty="0">
-                <a:solidFill>
-                  <a:srgbClr val="000000"/>
-                </a:solidFill>
-                <a:latin typeface="Nunito Light"/>
-              </a:rPr>
-              <a:t>flowchart</a:t>
-            </a:r>
-          </a:p>
-        </p:txBody>
-      </p:sp>
+      </p:pic>
     </p:spTree>
     <p:extLst>
       <p:ext uri="{BB962C8B-B14F-4D97-AF65-F5344CB8AC3E}">
@@ -10898,6 +10985,13 @@
   <p:clrMapOvr>
     <a:masterClrMapping/>
   </p:clrMapOvr>
+  <p:timing>
+    <p:tnLst>
+      <p:par>
+        <p:cTn id="1" dur="indefinite" restart="never" nodeType="tmRoot"/>
+      </p:par>
+    </p:tnLst>
+  </p:timing>
 </p:sld>
 </file>
 
@@ -11192,6 +11286,13 @@
   <p:clrMapOvr>
     <a:masterClrMapping/>
   </p:clrMapOvr>
+  <p:timing>
+    <p:tnLst>
+      <p:par>
+        <p:cTn id="1" dur="indefinite" restart="never" nodeType="tmRoot"/>
+      </p:par>
+    </p:tnLst>
+  </p:timing>
 </p:sld>
 </file>
 
@@ -11457,6 +11558,13 @@
   <p:clrMapOvr>
     <a:masterClrMapping/>
   </p:clrMapOvr>
+  <p:timing>
+    <p:tnLst>
+      <p:par>
+        <p:cTn id="1" dur="indefinite" restart="never" nodeType="tmRoot"/>
+      </p:par>
+    </p:tnLst>
+  </p:timing>
 </p:sld>
 </file>
 
@@ -11704,6 +11812,13 @@
   <p:clrMapOvr>
     <a:masterClrMapping/>
   </p:clrMapOvr>
+  <p:timing>
+    <p:tnLst>
+      <p:par>
+        <p:cTn id="1" dur="indefinite" restart="never" nodeType="tmRoot"/>
+      </p:par>
+    </p:tnLst>
+  </p:timing>
 </p:sld>
 </file>
 
@@ -12109,6 +12224,13 @@
   <p:clrMapOvr>
     <a:masterClrMapping/>
   </p:clrMapOvr>
+  <p:timing>
+    <p:tnLst>
+      <p:par>
+        <p:cTn id="1" dur="indefinite" restart="never" nodeType="tmRoot"/>
+      </p:par>
+    </p:tnLst>
+  </p:timing>
 </p:sld>
 </file>
 
@@ -12200,8 +12322,8 @@
           </a:p>
         </p:txBody>
       </p:sp>
-      <mc:AlternateContent xmlns:mc="http://schemas.openxmlformats.org/markup-compatibility/2006">
-        <mc:Choice xmlns:a14="http://schemas.microsoft.com/office/drawing/2010/main" Requires="a14">
+      <mc:AlternateContent xmlns:mc="http://schemas.openxmlformats.org/markup-compatibility/2006" xmlns:a14="http://schemas.microsoft.com/office/drawing/2010/main">
+        <mc:Choice Requires="a14">
           <p:sp>
             <p:nvSpPr>
               <p:cNvPr id="5" name="TextBox 5">
@@ -12269,7 +12391,7 @@
             </p:txBody>
           </p:sp>
         </mc:Choice>
-        <mc:Fallback>
+        <mc:Fallback xmlns="">
           <p:sp>
             <p:nvSpPr>
               <p:cNvPr id="5" name="TextBox 5">
@@ -15929,33 +16051,89 @@
       </p:graphicFrame>
       <p:pic>
         <p:nvPicPr>
-          <p:cNvPr id="8" name="圖片 7">
-            <a:extLst>
-              <a:ext uri="{FF2B5EF4-FFF2-40B4-BE49-F238E27FC236}">
-                <a16:creationId xmlns:a16="http://schemas.microsoft.com/office/drawing/2014/main" id="{8CC2C445-394F-45E1-AE8D-AAE58A887CD6}"/>
-              </a:ext>
-            </a:extLst>
-          </p:cNvPr>
+          <p:cNvPr id="10" name="圖片 9"/>
           <p:cNvPicPr>
             <a:picLocks noChangeAspect="1"/>
           </p:cNvPicPr>
           <p:nvPr/>
         </p:nvPicPr>
-        <p:blipFill rotWithShape="1">
+        <p:blipFill>
           <a:blip r:embed="rId4"/>
-          <a:srcRect t="30376"/>
-          <a:stretch/>
+          <a:stretch>
+            <a:fillRect/>
+          </a:stretch>
         </p:blipFill>
         <p:spPr>
           <a:xfrm>
-            <a:off x="657225" y="3796473"/>
-            <a:ext cx="5699192" cy="2559877"/>
+            <a:off x="-10867139" y="10403062"/>
+            <a:ext cx="32808679" cy="2000529"/>
           </a:xfrm>
           <a:prstGeom prst="rect">
             <a:avLst/>
           </a:prstGeom>
         </p:spPr>
       </p:pic>
+      <p:grpSp>
+        <p:nvGrpSpPr>
+          <p:cNvPr id="14" name="群組 13"/>
+          <p:cNvGrpSpPr/>
+          <p:nvPr/>
+        </p:nvGrpSpPr>
+        <p:grpSpPr>
+          <a:xfrm>
+            <a:off x="308427" y="4003816"/>
+            <a:ext cx="6917874" cy="2066536"/>
+            <a:chOff x="-9813039" y="4908060"/>
+            <a:chExt cx="15350240" cy="4001058"/>
+          </a:xfrm>
+        </p:grpSpPr>
+        <p:pic>
+          <p:nvPicPr>
+            <p:cNvPr id="12" name="圖片 11"/>
+            <p:cNvPicPr>
+              <a:picLocks noChangeAspect="1"/>
+            </p:cNvPicPr>
+            <p:nvPr/>
+          </p:nvPicPr>
+          <p:blipFill rotWithShape="1">
+            <a:blip r:embed="rId4"/>
+            <a:srcRect r="53213"/>
+            <a:stretch/>
+          </p:blipFill>
+          <p:spPr>
+            <a:xfrm>
+              <a:off x="-9813039" y="4908060"/>
+              <a:ext cx="15350240" cy="2000529"/>
+            </a:xfrm>
+            <a:prstGeom prst="rect">
+              <a:avLst/>
+            </a:prstGeom>
+          </p:spPr>
+        </p:pic>
+        <p:pic>
+          <p:nvPicPr>
+            <p:cNvPr id="13" name="圖片 12"/>
+            <p:cNvPicPr>
+              <a:picLocks noChangeAspect="1"/>
+            </p:cNvPicPr>
+            <p:nvPr/>
+          </p:nvPicPr>
+          <p:blipFill rotWithShape="1">
+            <a:blip r:embed="rId4"/>
+            <a:srcRect l="53187" r="26"/>
+            <a:stretch/>
+          </p:blipFill>
+          <p:spPr>
+            <a:xfrm>
+              <a:off x="-9813039" y="6908589"/>
+              <a:ext cx="15350240" cy="2000529"/>
+            </a:xfrm>
+            <a:prstGeom prst="rect">
+              <a:avLst/>
+            </a:prstGeom>
+          </p:spPr>
+        </p:pic>
+      </p:grpSp>
     </p:spTree>
     <p:extLst>
       <p:ext uri="{BB962C8B-B14F-4D97-AF65-F5344CB8AC3E}">
@@ -15966,6 +16144,13 @@
   <p:clrMapOvr>
     <a:masterClrMapping/>
   </p:clrMapOvr>
+  <p:timing>
+    <p:tnLst>
+      <p:par>
+        <p:cTn id="1" dur="indefinite" restart="never" nodeType="tmRoot"/>
+      </p:par>
+    </p:tnLst>
+  </p:timing>
 </p:sld>
 </file>
 
@@ -16073,8 +16258,8 @@
             </p:nvSpPr>
             <p:spPr>
               <a:xfrm>
-                <a:off x="838199" y="1690688"/>
-                <a:ext cx="5580000" cy="3884397"/>
+                <a:off x="838198" y="1690688"/>
+                <a:ext cx="5430521" cy="4360168"/>
               </a:xfrm>
               <a:prstGeom prst="rect">
                 <a:avLst/>
@@ -16092,7 +16277,7 @@
                   </a:lnSpc>
                 </a:pPr>
                 <a:r>
-                  <a:rPr lang="en-US" altLang="zh-TW" dirty="0">
+                  <a:rPr lang="en-US" altLang="zh-TW" dirty="0" smtClean="0">
                     <a:solidFill>
                       <a:srgbClr val="000000"/>
                     </a:solidFill>
@@ -16278,14 +16463,14 @@
                           </m:sup>
                         </m:sSubSup>
                         <m:r>
-                          <a:rPr lang="en-US" altLang="zh-TW" i="1">
+                          <a:rPr lang="en-US" altLang="zh-TW" i="1" smtClean="0">
                             <a:solidFill>
                               <a:schemeClr val="dk1"/>
                             </a:solidFill>
                             <a:latin typeface="Cambria Math" panose="02040503050406030204" pitchFamily="18" charset="0"/>
                             <a:ea typeface="Cambria Math" panose="02040503050406030204" pitchFamily="18" charset="0"/>
                           </a:rPr>
-                          <m:t>≤</m:t>
+                          <m:t>&lt;</m:t>
                         </m:r>
                         <m:sSup>
                           <m:sSupPr>
@@ -16322,18 +16507,18 @@
                               </a:rPr>
                               <m:t>𝑘</m:t>
                             </m:r>
-                            <m:r>
-                              <a:rPr lang="en-US" altLang="zh-TW" i="1">
-                                <a:solidFill>
-                                  <a:schemeClr val="dk1"/>
-                                </a:solidFill>
-                                <a:latin typeface="Cambria Math" panose="02040503050406030204" pitchFamily="18" charset="0"/>
-                                <a:ea typeface="Cambria Math" panose="02040503050406030204" pitchFamily="18" charset="0"/>
-                              </a:rPr>
-                              <m:t>−1</m:t>
-                            </m:r>
                           </m:sup>
                         </m:sSup>
+                        <m:r>
+                          <a:rPr lang="en-US" altLang="zh-TW" b="0" i="1" smtClean="0">
+                            <a:solidFill>
+                              <a:schemeClr val="dk1"/>
+                            </a:solidFill>
+                            <a:latin typeface="Cambria Math" panose="02040503050406030204" pitchFamily="18" charset="0"/>
+                            <a:ea typeface="Cambria Math" panose="02040503050406030204" pitchFamily="18" charset="0"/>
+                          </a:rPr>
+                          <m:t>−1</m:t>
+                        </m:r>
                       </m:e>
                     </m:d>
                   </m:oMath>
@@ -16347,6 +16532,12 @@
                   </a:rPr>
                   <a:t>. </a:t>
                 </a:r>
+                <a:endParaRPr lang="en-US" altLang="zh-TW" dirty="0" smtClean="0">
+                  <a:solidFill>
+                    <a:srgbClr val="000000"/>
+                  </a:solidFill>
+                  <a:latin typeface="Nunito Light"/>
+                </a:endParaRPr>
               </a:p>
               <a:p>
                 <a:pPr indent="457200">
@@ -16355,13 +16546,22 @@
                   </a:lnSpc>
                 </a:pPr>
                 <a:r>
+                  <a:rPr lang="en-US" altLang="zh-TW" dirty="0" smtClean="0">
+                    <a:solidFill>
+                      <a:srgbClr val="000000"/>
+                    </a:solidFill>
+                    <a:latin typeface="Nunito Light"/>
+                  </a:rPr>
+                  <a:t>This </a:t>
+                </a:r>
+                <a:r>
                   <a:rPr lang="en-US" altLang="zh-TW" dirty="0">
                     <a:solidFill>
                       <a:srgbClr val="000000"/>
                     </a:solidFill>
                     <a:latin typeface="Nunito Light"/>
                   </a:rPr>
-                  <a:t>This cause the encoded data expand in range when </a:t>
+                  <a:t>cause the encoded data expand in range when </a:t>
                 </a:r>
                 <a14:m>
                   <m:oMath xmlns:m="http://schemas.openxmlformats.org/officeDocument/2006/math">
@@ -16386,6 +16586,19 @@
                   <a:t> is large, making both Euclidean distance calculation complicated and the sparsity between samples. A simple way to solve it is replace the BCD code with its ranking within the new feature.</a:t>
                 </a:r>
               </a:p>
+              <a:p>
+                <a:pPr indent="457200">
+                  <a:lnSpc>
+                    <a:spcPts val="3359"/>
+                  </a:lnSpc>
+                </a:pPr>
+                <a:endParaRPr lang="en-US" altLang="zh-TW" dirty="0">
+                  <a:solidFill>
+                    <a:srgbClr val="000000"/>
+                  </a:solidFill>
+                  <a:latin typeface="Nunito Light"/>
+                </a:endParaRPr>
+              </a:p>
             </p:txBody>
           </p:sp>
         </mc:Choice>
@@ -16406,8 +16619,8 @@
             </p:nvSpPr>
             <p:spPr>
               <a:xfrm>
-                <a:off x="838199" y="1690688"/>
-                <a:ext cx="5580000" cy="3884397"/>
+                <a:off x="838198" y="1690688"/>
+                <a:ext cx="5430521" cy="4360168"/>
               </a:xfrm>
               <a:prstGeom prst="rect">
                 <a:avLst/>
@@ -16415,7 +16628,7 @@
               <a:blipFill>
                 <a:blip r:embed="rId3"/>
                 <a:stretch>
-                  <a:fillRect l="-2511" r="-2293" b="-2665"/>
+                  <a:fillRect l="-2581" r="-3255"/>
                 </a:stretch>
               </a:blipFill>
             </p:spPr>
@@ -16424,7 +16637,7 @@
               <a:lstStyle/>
               <a:p>
                 <a:r>
-                  <a:rPr lang="zh-TW" altLang="en-US">
+                  <a:rPr lang="en-US">
                     <a:noFill/>
                   </a:rPr>
                   <a:t> </a:t>
@@ -16434,6 +16647,357 @@
           </p:sp>
         </mc:Fallback>
       </mc:AlternateContent>
+      <p:sp>
+        <p:nvSpPr>
+          <p:cNvPr id="11" name="矩形 10"/>
+          <p:cNvSpPr/>
+          <p:nvPr/>
+        </p:nvSpPr>
+        <p:spPr>
+          <a:xfrm>
+            <a:off x="6436360" y="1690688"/>
+            <a:ext cx="5537200" cy="488595"/>
+          </a:xfrm>
+          <a:prstGeom prst="rect">
+            <a:avLst/>
+          </a:prstGeom>
+        </p:spPr>
+        <p:txBody>
+          <a:bodyPr wrap="square">
+            <a:spAutoFit/>
+          </a:bodyPr>
+          <a:lstStyle/>
+          <a:p>
+            <a:pPr indent="457200">
+              <a:lnSpc>
+                <a:spcPts val="3359"/>
+              </a:lnSpc>
+            </a:pPr>
+            <a:endParaRPr lang="en-US" altLang="zh-TW" dirty="0">
+              <a:solidFill>
+                <a:srgbClr val="000000"/>
+              </a:solidFill>
+              <a:latin typeface="Nunito Light"/>
+            </a:endParaRPr>
+          </a:p>
+        </p:txBody>
+      </p:sp>
+      <p:grpSp>
+        <p:nvGrpSpPr>
+          <p:cNvPr id="16" name="群組 15"/>
+          <p:cNvGrpSpPr/>
+          <p:nvPr/>
+        </p:nvGrpSpPr>
+        <p:grpSpPr>
+          <a:xfrm>
+            <a:off x="6907477" y="2179283"/>
+            <a:ext cx="5025443" cy="3033530"/>
+            <a:chOff x="-1854206" y="2783267"/>
+            <a:chExt cx="15420088" cy="8792589"/>
+          </a:xfrm>
+        </p:grpSpPr>
+        <p:pic>
+          <p:nvPicPr>
+            <p:cNvPr id="12" name="圖片 11"/>
+            <p:cNvPicPr>
+              <a:picLocks noChangeAspect="1"/>
+            </p:cNvPicPr>
+            <p:nvPr/>
+          </p:nvPicPr>
+          <p:blipFill rotWithShape="1">
+            <a:blip r:embed="rId4"/>
+            <a:srcRect l="52918"/>
+            <a:stretch/>
+          </p:blipFill>
+          <p:spPr>
+            <a:xfrm>
+              <a:off x="-1854203" y="9412283"/>
+              <a:ext cx="15420082" cy="2163573"/>
+            </a:xfrm>
+            <a:prstGeom prst="rect">
+              <a:avLst/>
+            </a:prstGeom>
+          </p:spPr>
+        </p:pic>
+        <p:grpSp>
+          <p:nvGrpSpPr>
+            <p:cNvPr id="13" name="群組 12"/>
+            <p:cNvGrpSpPr/>
+            <p:nvPr/>
+          </p:nvGrpSpPr>
+          <p:grpSpPr>
+            <a:xfrm>
+              <a:off x="-1854206" y="2783267"/>
+              <a:ext cx="15420088" cy="5617681"/>
+              <a:chOff x="-9813045" y="4908060"/>
+              <a:chExt cx="15350246" cy="4879495"/>
+            </a:xfrm>
+          </p:grpSpPr>
+          <p:pic>
+            <p:nvPicPr>
+              <p:cNvPr id="14" name="圖片 13"/>
+              <p:cNvPicPr>
+                <a:picLocks noChangeAspect="1"/>
+              </p:cNvPicPr>
+              <p:nvPr/>
+            </p:nvPicPr>
+            <p:blipFill rotWithShape="1">
+              <a:blip r:embed="rId5"/>
+              <a:srcRect r="53213"/>
+              <a:stretch/>
+            </p:blipFill>
+            <p:spPr>
+              <a:xfrm>
+                <a:off x="-9813039" y="4908060"/>
+                <a:ext cx="15350240" cy="2000529"/>
+              </a:xfrm>
+              <a:prstGeom prst="rect">
+                <a:avLst/>
+              </a:prstGeom>
+            </p:spPr>
+          </p:pic>
+          <p:pic>
+            <p:nvPicPr>
+              <p:cNvPr id="15" name="圖片 14"/>
+              <p:cNvPicPr>
+                <a:picLocks noChangeAspect="1"/>
+              </p:cNvPicPr>
+              <p:nvPr/>
+            </p:nvPicPr>
+            <p:blipFill rotWithShape="1">
+              <a:blip r:embed="rId5"/>
+              <a:srcRect l="53187" r="26"/>
+              <a:stretch/>
+            </p:blipFill>
+            <p:spPr>
+              <a:xfrm>
+                <a:off x="-9813045" y="7912096"/>
+                <a:ext cx="15350240" cy="1875459"/>
+              </a:xfrm>
+              <a:prstGeom prst="rect">
+                <a:avLst/>
+              </a:prstGeom>
+            </p:spPr>
+          </p:pic>
+        </p:grpSp>
+      </p:grpSp>
+      <p:graphicFrame>
+        <p:nvGraphicFramePr>
+          <p:cNvPr id="17" name="表格 16">
+            <a:extLst>
+              <a:ext uri="{FF2B5EF4-FFF2-40B4-BE49-F238E27FC236}">
+                <a16:creationId xmlns:a16="http://schemas.microsoft.com/office/drawing/2014/main" id="{A0278BD2-B8CD-4BE1-BF40-642B6ED399F1}"/>
+              </a:ext>
+            </a:extLst>
+          </p:cNvPr>
+          <p:cNvGraphicFramePr>
+            <a:graphicFrameLocks noGrp="1"/>
+          </p:cNvGraphicFramePr>
+          <p:nvPr>
+            <p:extLst>
+              <p:ext uri="{D42A27DB-BD31-4B8C-83A1-F6EECF244321}">
+                <p14:modId xmlns:p14="http://schemas.microsoft.com/office/powerpoint/2010/main" val="57824070"/>
+              </p:ext>
+            </p:extLst>
+          </p:nvPr>
+        </p:nvGraphicFramePr>
+        <p:xfrm>
+          <a:off x="6595057" y="2175170"/>
+          <a:ext cx="457200" cy="3037644"/>
+        </p:xfrm>
+        <a:graphic>
+          <a:graphicData uri="http://schemas.openxmlformats.org/drawingml/2006/table">
+            <a:tbl>
+              <a:tblPr firstRow="1" bandRow="1">
+                <a:tableStyleId>{5C22544A-7EE6-4342-B048-85BDC9FD1C3A}</a:tableStyleId>
+              </a:tblPr>
+              <a:tblGrid>
+                <a:gridCol w="457200">
+                  <a:extLst>
+                    <a:ext uri="{9D8B030D-6E8A-4147-A177-3AD203B41FA5}">
+                      <a16:colId xmlns:a16="http://schemas.microsoft.com/office/drawing/2014/main" val="1944155436"/>
+                    </a:ext>
+                  </a:extLst>
+                </a:gridCol>
+              </a:tblGrid>
+              <a:tr h="1012548">
+                <a:tc>
+                  <a:txBody>
+                    <a:bodyPr/>
+                    <a:lstStyle/>
+                    <a:p>
+                      <a:pPr algn="ctr"/>
+                      <a:r>
+                        <a:rPr lang="en-US" altLang="zh-TW" sz="1400" dirty="0" smtClean="0"/>
+                        <a:t>Sorted</a:t>
+                      </a:r>
+                      <a:endParaRPr lang="zh-TW" altLang="en-US" sz="1400" dirty="0"/>
+                    </a:p>
+                  </a:txBody>
+                  <a:tcPr vert="eaVert" anchor="ctr">
+                    <a:lnB w="38100" cap="flat" cmpd="sng" algn="ctr">
+                      <a:solidFill>
+                        <a:schemeClr val="bg1"/>
+                      </a:solidFill>
+                      <a:prstDash val="solid"/>
+                      <a:round/>
+                      <a:headEnd type="none" w="med" len="med"/>
+                      <a:tailEnd type="none" w="med" len="med"/>
+                    </a:lnB>
+                    <a:solidFill>
+                      <a:srgbClr val="797F98"/>
+                    </a:solidFill>
+                  </a:tcPr>
+                </a:tc>
+                <a:extLst>
+                  <a:ext uri="{0D108BD9-81ED-4DB2-BD59-A6C34878D82A}">
+                    <a16:rowId xmlns:a16="http://schemas.microsoft.com/office/drawing/2014/main" val="4017548446"/>
+                  </a:ext>
+                </a:extLst>
+              </a:tr>
+              <a:tr h="1012548">
+                <a:tc>
+                  <a:txBody>
+                    <a:bodyPr/>
+                    <a:lstStyle/>
+                    <a:p>
+                      <a:pPr marL="0" marR="0" lvl="0" indent="0" algn="ctr" defTabSz="914400" rtl="0" eaLnBrk="1" fontAlgn="auto" latinLnBrk="0" hangingPunct="1">
+                        <a:lnSpc>
+                          <a:spcPct val="100000"/>
+                        </a:lnSpc>
+                        <a:spcBef>
+                          <a:spcPts val="0"/>
+                        </a:spcBef>
+                        <a:spcAft>
+                          <a:spcPts val="0"/>
+                        </a:spcAft>
+                        <a:buClrTx/>
+                        <a:buSzTx/>
+                        <a:buFontTx/>
+                        <a:buNone/>
+                        <a:tabLst/>
+                        <a:defRPr/>
+                      </a:pPr>
+                      <a:r>
+                        <a:rPr lang="en-US" altLang="zh-TW" sz="1400" b="1" kern="1200" dirty="0" smtClean="0">
+                          <a:solidFill>
+                            <a:schemeClr val="lt1"/>
+                          </a:solidFill>
+                          <a:latin typeface="+mn-lt"/>
+                          <a:ea typeface="+mn-ea"/>
+                          <a:cs typeface="+mn-cs"/>
+                        </a:rPr>
+                        <a:t>BCD</a:t>
+                      </a:r>
+                      <a:endParaRPr lang="zh-TW" altLang="en-US" sz="1400" b="1" kern="1200" dirty="0">
+                        <a:solidFill>
+                          <a:schemeClr val="lt1"/>
+                        </a:solidFill>
+                        <a:latin typeface="+mn-lt"/>
+                        <a:ea typeface="+mn-ea"/>
+                        <a:cs typeface="+mn-cs"/>
+                      </a:endParaRPr>
+                    </a:p>
+                  </a:txBody>
+                  <a:tcPr vert="eaVert" anchor="ctr">
+                    <a:lnT w="38100" cap="flat" cmpd="sng" algn="ctr">
+                      <a:solidFill>
+                        <a:schemeClr val="bg1"/>
+                      </a:solidFill>
+                      <a:prstDash val="solid"/>
+                      <a:round/>
+                      <a:headEnd type="none" w="med" len="med"/>
+                      <a:tailEnd type="none" w="med" len="med"/>
+                    </a:lnT>
+                    <a:lnB w="38100" cap="flat" cmpd="sng" algn="ctr">
+                      <a:solidFill>
+                        <a:schemeClr val="bg1"/>
+                      </a:solidFill>
+                      <a:prstDash val="solid"/>
+                      <a:round/>
+                      <a:headEnd type="none" w="med" len="med"/>
+                      <a:tailEnd type="none" w="med" len="med"/>
+                    </a:lnB>
+                    <a:solidFill>
+                      <a:srgbClr val="D6C9B9"/>
+                    </a:solidFill>
+                  </a:tcPr>
+                </a:tc>
+                <a:extLst>
+                  <a:ext uri="{0D108BD9-81ED-4DB2-BD59-A6C34878D82A}">
+                    <a16:rowId xmlns:a16="http://schemas.microsoft.com/office/drawing/2014/main" val="389112562"/>
+                  </a:ext>
+                </a:extLst>
+              </a:tr>
+              <a:tr h="1012548">
+                <a:tc>
+                  <a:txBody>
+                    <a:bodyPr/>
+                    <a:lstStyle/>
+                    <a:p>
+                      <a:pPr marL="0" marR="0" lvl="0" indent="0" algn="ctr" defTabSz="914400" rtl="0" eaLnBrk="1" fontAlgn="auto" latinLnBrk="0" hangingPunct="1">
+                        <a:lnSpc>
+                          <a:spcPct val="100000"/>
+                        </a:lnSpc>
+                        <a:spcBef>
+                          <a:spcPts val="0"/>
+                        </a:spcBef>
+                        <a:spcAft>
+                          <a:spcPts val="0"/>
+                        </a:spcAft>
+                        <a:buClrTx/>
+                        <a:buSzTx/>
+                        <a:buFontTx/>
+                        <a:buNone/>
+                        <a:tabLst/>
+                        <a:defRPr/>
+                      </a:pPr>
+                      <a:r>
+                        <a:rPr lang="en-US" altLang="zh-TW" sz="1400" b="1" kern="1200" dirty="0" smtClean="0">
+                          <a:solidFill>
+                            <a:schemeClr val="lt1"/>
+                          </a:solidFill>
+                          <a:latin typeface="+mn-lt"/>
+                          <a:ea typeface="+mn-ea"/>
+                          <a:cs typeface="+mn-cs"/>
+                        </a:rPr>
+                        <a:t>Ranked</a:t>
+                      </a:r>
+                      <a:endParaRPr lang="zh-TW" altLang="en-US" sz="1400" b="1" kern="1200" dirty="0">
+                        <a:solidFill>
+                          <a:schemeClr val="lt1"/>
+                        </a:solidFill>
+                        <a:latin typeface="+mn-lt"/>
+                        <a:ea typeface="+mn-ea"/>
+                        <a:cs typeface="+mn-cs"/>
+                      </a:endParaRPr>
+                    </a:p>
+                  </a:txBody>
+                  <a:tcPr vert="eaVert" anchor="ctr">
+                    <a:lnT w="38100" cap="flat" cmpd="sng" algn="ctr">
+                      <a:solidFill>
+                        <a:schemeClr val="bg1"/>
+                      </a:solidFill>
+                      <a:prstDash val="solid"/>
+                      <a:round/>
+                      <a:headEnd type="none" w="med" len="med"/>
+                      <a:tailEnd type="none" w="med" len="med"/>
+                    </a:lnT>
+                    <a:solidFill>
+                      <a:srgbClr val="C47660"/>
+                    </a:solidFill>
+                  </a:tcPr>
+                </a:tc>
+                <a:extLst>
+                  <a:ext uri="{0D108BD9-81ED-4DB2-BD59-A6C34878D82A}">
+                    <a16:rowId xmlns:a16="http://schemas.microsoft.com/office/drawing/2014/main" val="485329945"/>
+                  </a:ext>
+                </a:extLst>
+              </a:tr>
+            </a:tbl>
+          </a:graphicData>
+        </a:graphic>
+      </p:graphicFrame>
     </p:spTree>
     <p:extLst>
       <p:ext uri="{BB962C8B-B14F-4D97-AF65-F5344CB8AC3E}">
@@ -16444,6 +17008,13 @@
   <p:clrMapOvr>
     <a:masterClrMapping/>
   </p:clrMapOvr>
+  <p:timing>
+    <p:tnLst>
+      <p:par>
+        <p:cTn id="1" dur="indefinite" restart="never" nodeType="tmRoot"/>
+      </p:par>
+    </p:tnLst>
+  </p:timing>
 </p:sld>
 </file>
 
@@ -16849,10 +17420,462 @@
   <p:clrMapOvr>
     <a:masterClrMapping/>
   </p:clrMapOvr>
+  <p:timing>
+    <p:tnLst>
+      <p:par>
+        <p:cTn id="1" dur="indefinite" restart="never" nodeType="tmRoot"/>
+      </p:par>
+    </p:tnLst>
+  </p:timing>
 </p:sld>
 </file>
 
 <file path=ppt/slides/slide20.xml><?xml version="1.0" encoding="utf-8"?>
+<p:sld xmlns:a="http://schemas.openxmlformats.org/drawingml/2006/main" xmlns:r="http://schemas.openxmlformats.org/officeDocument/2006/relationships" xmlns:p="http://schemas.openxmlformats.org/presentationml/2006/main">
+  <p:cSld>
+    <p:spTree>
+      <p:nvGrpSpPr>
+        <p:cNvPr id="1" name=""/>
+        <p:cNvGrpSpPr/>
+        <p:nvPr/>
+      </p:nvGrpSpPr>
+      <p:grpSpPr>
+        <a:xfrm>
+          <a:off x="0" y="0"/>
+          <a:ext cx="0" cy="0"/>
+          <a:chOff x="0" y="0"/>
+          <a:chExt cx="0" cy="0"/>
+        </a:xfrm>
+      </p:grpSpPr>
+      <p:sp>
+        <p:nvSpPr>
+          <p:cNvPr id="2" name="標題 1">
+            <a:extLst>
+              <a:ext uri="{FF2B5EF4-FFF2-40B4-BE49-F238E27FC236}">
+                <a16:creationId xmlns:a16="http://schemas.microsoft.com/office/drawing/2014/main" id="{36DC04C3-C563-4C98-8C07-9960108F9A80}"/>
+              </a:ext>
+            </a:extLst>
+          </p:cNvPr>
+          <p:cNvSpPr>
+            <a:spLocks noGrp="1"/>
+          </p:cNvSpPr>
+          <p:nvPr>
+            <p:ph type="title"/>
+          </p:nvPr>
+        </p:nvSpPr>
+        <p:spPr>
+          <a:xfrm>
+            <a:off x="838200" y="365125"/>
+            <a:ext cx="10515600" cy="1325563"/>
+          </a:xfrm>
+        </p:spPr>
+        <p:txBody>
+          <a:bodyPr/>
+          <a:lstStyle/>
+          <a:p>
+            <a:r>
+              <a:rPr lang="en-US" altLang="zh-TW" dirty="0">
+                <a:solidFill>
+                  <a:srgbClr val="14365D"/>
+                </a:solidFill>
+              </a:rPr>
+              <a:t>Methodology - BCD encode</a:t>
+            </a:r>
+            <a:endParaRPr lang="zh-TW" altLang="en-US" dirty="0">
+              <a:solidFill>
+                <a:srgbClr val="14365D"/>
+              </a:solidFill>
+            </a:endParaRPr>
+          </a:p>
+        </p:txBody>
+      </p:sp>
+      <p:sp>
+        <p:nvSpPr>
+          <p:cNvPr id="3" name="頁尾版面配置區 2">
+            <a:extLst>
+              <a:ext uri="{FF2B5EF4-FFF2-40B4-BE49-F238E27FC236}">
+                <a16:creationId xmlns:a16="http://schemas.microsoft.com/office/drawing/2014/main" id="{4A4CA6E6-464E-453E-BC2B-43F181B88B9E}"/>
+              </a:ext>
+            </a:extLst>
+          </p:cNvPr>
+          <p:cNvSpPr>
+            <a:spLocks noGrp="1"/>
+          </p:cNvSpPr>
+          <p:nvPr>
+            <p:ph type="ftr" sz="quarter" idx="11"/>
+          </p:nvPr>
+        </p:nvSpPr>
+        <p:spPr/>
+        <p:txBody>
+          <a:bodyPr/>
+          <a:lstStyle/>
+          <a:p>
+            <a:r>
+              <a:rPr lang="en-US" altLang="zh-TW"/>
+              <a:t>Institute of Industrial Engineering, NTU | Laboratory of Analytics on Knowledge Engineering | Terry Yang | 2022</a:t>
+            </a:r>
+            <a:endParaRPr lang="en-US" altLang="zh-TW" dirty="0"/>
+          </a:p>
+        </p:txBody>
+      </p:sp>
+      <p:sp>
+        <p:nvSpPr>
+          <p:cNvPr id="11" name="矩形 10"/>
+          <p:cNvSpPr/>
+          <p:nvPr/>
+        </p:nvSpPr>
+        <p:spPr>
+          <a:xfrm>
+            <a:off x="6436360" y="1690688"/>
+            <a:ext cx="5537200" cy="488595"/>
+          </a:xfrm>
+          <a:prstGeom prst="rect">
+            <a:avLst/>
+          </a:prstGeom>
+        </p:spPr>
+        <p:txBody>
+          <a:bodyPr wrap="square">
+            <a:spAutoFit/>
+          </a:bodyPr>
+          <a:lstStyle/>
+          <a:p>
+            <a:pPr indent="457200">
+              <a:lnSpc>
+                <a:spcPts val="3359"/>
+              </a:lnSpc>
+            </a:pPr>
+            <a:endParaRPr lang="en-US" altLang="zh-TW" dirty="0">
+              <a:solidFill>
+                <a:srgbClr val="000000"/>
+              </a:solidFill>
+              <a:latin typeface="Nunito Light"/>
+            </a:endParaRPr>
+          </a:p>
+        </p:txBody>
+      </p:sp>
+      <p:grpSp>
+        <p:nvGrpSpPr>
+          <p:cNvPr id="7" name="群組 6"/>
+          <p:cNvGrpSpPr/>
+          <p:nvPr/>
+        </p:nvGrpSpPr>
+        <p:grpSpPr>
+          <a:xfrm>
+            <a:off x="1325123" y="1617769"/>
+            <a:ext cx="9347957" cy="4390450"/>
+            <a:chOff x="6613442" y="66745"/>
+            <a:chExt cx="16370058" cy="7688516"/>
+          </a:xfrm>
+        </p:grpSpPr>
+        <p:pic>
+          <p:nvPicPr>
+            <p:cNvPr id="4" name="圖片 3"/>
+            <p:cNvPicPr>
+              <a:picLocks noChangeAspect="1"/>
+            </p:cNvPicPr>
+            <p:nvPr/>
+          </p:nvPicPr>
+          <p:blipFill rotWithShape="1">
+            <a:blip r:embed="rId3"/>
+            <a:srcRect l="51703"/>
+            <a:stretch/>
+          </p:blipFill>
+          <p:spPr>
+            <a:xfrm>
+              <a:off x="6613442" y="5602310"/>
+              <a:ext cx="15845539" cy="2152951"/>
+            </a:xfrm>
+            <a:prstGeom prst="rect">
+              <a:avLst/>
+            </a:prstGeom>
+          </p:spPr>
+        </p:pic>
+        <p:pic>
+          <p:nvPicPr>
+            <p:cNvPr id="6" name="圖片 5"/>
+            <p:cNvPicPr>
+              <a:picLocks noChangeAspect="1"/>
+            </p:cNvPicPr>
+            <p:nvPr/>
+          </p:nvPicPr>
+          <p:blipFill>
+            <a:blip r:embed="rId4"/>
+            <a:stretch>
+              <a:fillRect/>
+            </a:stretch>
+          </p:blipFill>
+          <p:spPr>
+            <a:xfrm>
+              <a:off x="6761552" y="2724974"/>
+              <a:ext cx="15804182" cy="2372056"/>
+            </a:xfrm>
+            <a:prstGeom prst="rect">
+              <a:avLst/>
+            </a:prstGeom>
+          </p:spPr>
+        </p:pic>
+        <p:pic>
+          <p:nvPicPr>
+            <p:cNvPr id="18" name="圖片 17"/>
+            <p:cNvPicPr>
+              <a:picLocks noChangeAspect="1"/>
+            </p:cNvPicPr>
+            <p:nvPr/>
+          </p:nvPicPr>
+          <p:blipFill rotWithShape="1">
+            <a:blip r:embed="rId3"/>
+            <a:srcRect r="51613"/>
+            <a:stretch/>
+          </p:blipFill>
+          <p:spPr>
+            <a:xfrm>
+              <a:off x="7037332" y="66745"/>
+              <a:ext cx="15946168" cy="2152949"/>
+            </a:xfrm>
+            <a:prstGeom prst="rect">
+              <a:avLst/>
+            </a:prstGeom>
+          </p:spPr>
+        </p:pic>
+      </p:grpSp>
+      <p:graphicFrame>
+        <p:nvGraphicFramePr>
+          <p:cNvPr id="19" name="表格 18">
+            <a:extLst>
+              <a:ext uri="{FF2B5EF4-FFF2-40B4-BE49-F238E27FC236}">
+                <a16:creationId xmlns:a16="http://schemas.microsoft.com/office/drawing/2014/main" id="{A0278BD2-B8CD-4BE1-BF40-642B6ED399F1}"/>
+              </a:ext>
+            </a:extLst>
+          </p:cNvPr>
+          <p:cNvGraphicFramePr>
+            <a:graphicFrameLocks noGrp="1"/>
+          </p:cNvGraphicFramePr>
+          <p:nvPr>
+            <p:extLst>
+              <p:ext uri="{D42A27DB-BD31-4B8C-83A1-F6EECF244321}">
+                <p14:modId xmlns:p14="http://schemas.microsoft.com/office/powerpoint/2010/main" val="1690025019"/>
+              </p:ext>
+            </p:extLst>
+          </p:nvPr>
+        </p:nvGraphicFramePr>
+        <p:xfrm>
+          <a:off x="973333" y="1617769"/>
+          <a:ext cx="457200" cy="4387605"/>
+        </p:xfrm>
+        <a:graphic>
+          <a:graphicData uri="http://schemas.openxmlformats.org/drawingml/2006/table">
+            <a:tbl>
+              <a:tblPr firstRow="1" bandRow="1">
+                <a:tableStyleId>{5C22544A-7EE6-4342-B048-85BDC9FD1C3A}</a:tableStyleId>
+              </a:tblPr>
+              <a:tblGrid>
+                <a:gridCol w="457200">
+                  <a:extLst>
+                    <a:ext uri="{9D8B030D-6E8A-4147-A177-3AD203B41FA5}">
+                      <a16:colId xmlns:a16="http://schemas.microsoft.com/office/drawing/2014/main" val="1944155436"/>
+                    </a:ext>
+                  </a:extLst>
+                </a:gridCol>
+              </a:tblGrid>
+              <a:tr h="1462535">
+                <a:tc>
+                  <a:txBody>
+                    <a:bodyPr/>
+                    <a:lstStyle/>
+                    <a:p>
+                      <a:pPr algn="ctr"/>
+                      <a:r>
+                        <a:rPr lang="en-US" altLang="zh-TW" sz="1400" dirty="0" smtClean="0"/>
+                        <a:t>Sorted</a:t>
+                      </a:r>
+                      <a:endParaRPr lang="zh-TW" altLang="en-US" sz="1400" dirty="0"/>
+                    </a:p>
+                  </a:txBody>
+                  <a:tcPr vert="eaVert" anchor="ctr">
+                    <a:lnB w="38100" cap="flat" cmpd="sng" algn="ctr">
+                      <a:solidFill>
+                        <a:schemeClr val="bg1"/>
+                      </a:solidFill>
+                      <a:prstDash val="solid"/>
+                      <a:round/>
+                      <a:headEnd type="none" w="med" len="med"/>
+                      <a:tailEnd type="none" w="med" len="med"/>
+                    </a:lnB>
+                    <a:solidFill>
+                      <a:srgbClr val="797F98"/>
+                    </a:solidFill>
+                  </a:tcPr>
+                </a:tc>
+                <a:extLst>
+                  <a:ext uri="{0D108BD9-81ED-4DB2-BD59-A6C34878D82A}">
+                    <a16:rowId xmlns:a16="http://schemas.microsoft.com/office/drawing/2014/main" val="4017548446"/>
+                  </a:ext>
+                </a:extLst>
+              </a:tr>
+              <a:tr h="1462535">
+                <a:tc>
+                  <a:txBody>
+                    <a:bodyPr/>
+                    <a:lstStyle/>
+                    <a:p>
+                      <a:pPr marL="0" marR="0" lvl="0" indent="0" algn="ctr" defTabSz="914400" rtl="0" eaLnBrk="1" fontAlgn="auto" latinLnBrk="0" hangingPunct="1">
+                        <a:lnSpc>
+                          <a:spcPct val="100000"/>
+                        </a:lnSpc>
+                        <a:spcBef>
+                          <a:spcPts val="0"/>
+                        </a:spcBef>
+                        <a:spcAft>
+                          <a:spcPts val="0"/>
+                        </a:spcAft>
+                        <a:buClrTx/>
+                        <a:buSzTx/>
+                        <a:buFontTx/>
+                        <a:buNone/>
+                        <a:tabLst/>
+                        <a:defRPr/>
+                      </a:pPr>
+                      <a:r>
+                        <a:rPr lang="en-US" altLang="zh-TW" sz="1400" b="1" kern="1200" dirty="0" smtClean="0">
+                          <a:solidFill>
+                            <a:schemeClr val="lt1"/>
+                          </a:solidFill>
+                          <a:latin typeface="+mn-lt"/>
+                          <a:ea typeface="+mn-ea"/>
+                          <a:cs typeface="+mn-cs"/>
+                        </a:rPr>
+                        <a:t>BCD</a:t>
+                      </a:r>
+                      <a:endParaRPr lang="zh-TW" altLang="en-US" sz="1400" b="1" kern="1200" dirty="0">
+                        <a:solidFill>
+                          <a:schemeClr val="lt1"/>
+                        </a:solidFill>
+                        <a:latin typeface="+mn-lt"/>
+                        <a:ea typeface="+mn-ea"/>
+                        <a:cs typeface="+mn-cs"/>
+                      </a:endParaRPr>
+                    </a:p>
+                  </a:txBody>
+                  <a:tcPr vert="eaVert" anchor="ctr">
+                    <a:lnT w="38100" cap="flat" cmpd="sng" algn="ctr">
+                      <a:solidFill>
+                        <a:schemeClr val="bg1"/>
+                      </a:solidFill>
+                      <a:prstDash val="solid"/>
+                      <a:round/>
+                      <a:headEnd type="none" w="med" len="med"/>
+                      <a:tailEnd type="none" w="med" len="med"/>
+                    </a:lnT>
+                    <a:lnB w="38100" cap="flat" cmpd="sng" algn="ctr">
+                      <a:solidFill>
+                        <a:schemeClr val="bg1"/>
+                      </a:solidFill>
+                      <a:prstDash val="solid"/>
+                      <a:round/>
+                      <a:headEnd type="none" w="med" len="med"/>
+                      <a:tailEnd type="none" w="med" len="med"/>
+                    </a:lnB>
+                    <a:solidFill>
+                      <a:srgbClr val="D6C9B9"/>
+                    </a:solidFill>
+                  </a:tcPr>
+                </a:tc>
+                <a:extLst>
+                  <a:ext uri="{0D108BD9-81ED-4DB2-BD59-A6C34878D82A}">
+                    <a16:rowId xmlns:a16="http://schemas.microsoft.com/office/drawing/2014/main" val="389112562"/>
+                  </a:ext>
+                </a:extLst>
+              </a:tr>
+              <a:tr h="1462535">
+                <a:tc>
+                  <a:txBody>
+                    <a:bodyPr/>
+                    <a:lstStyle/>
+                    <a:p>
+                      <a:pPr marL="0" marR="0" lvl="0" indent="0" algn="ctr" defTabSz="914400" rtl="0" eaLnBrk="1" fontAlgn="auto" latinLnBrk="0" hangingPunct="1">
+                        <a:lnSpc>
+                          <a:spcPct val="100000"/>
+                        </a:lnSpc>
+                        <a:spcBef>
+                          <a:spcPts val="0"/>
+                        </a:spcBef>
+                        <a:spcAft>
+                          <a:spcPts val="0"/>
+                        </a:spcAft>
+                        <a:buClrTx/>
+                        <a:buSzTx/>
+                        <a:buFontTx/>
+                        <a:buNone/>
+                        <a:tabLst/>
+                        <a:defRPr/>
+                      </a:pPr>
+                      <a:r>
+                        <a:rPr lang="en-US" altLang="zh-TW" sz="1400" b="1" kern="1200" dirty="0" smtClean="0">
+                          <a:solidFill>
+                            <a:schemeClr val="lt1"/>
+                          </a:solidFill>
+                          <a:latin typeface="+mn-lt"/>
+                          <a:ea typeface="+mn-ea"/>
+                          <a:cs typeface="+mn-cs"/>
+                        </a:rPr>
+                        <a:t>Ranked</a:t>
+                      </a:r>
+                      <a:endParaRPr lang="zh-TW" altLang="en-US" sz="1400" b="1" kern="1200" dirty="0">
+                        <a:solidFill>
+                          <a:schemeClr val="lt1"/>
+                        </a:solidFill>
+                        <a:latin typeface="+mn-lt"/>
+                        <a:ea typeface="+mn-ea"/>
+                        <a:cs typeface="+mn-cs"/>
+                      </a:endParaRPr>
+                    </a:p>
+                  </a:txBody>
+                  <a:tcPr vert="eaVert" anchor="ctr">
+                    <a:lnT w="38100" cap="flat" cmpd="sng" algn="ctr">
+                      <a:solidFill>
+                        <a:schemeClr val="bg1"/>
+                      </a:solidFill>
+                      <a:prstDash val="solid"/>
+                      <a:round/>
+                      <a:headEnd type="none" w="med" len="med"/>
+                      <a:tailEnd type="none" w="med" len="med"/>
+                    </a:lnT>
+                    <a:solidFill>
+                      <a:srgbClr val="C47660"/>
+                    </a:solidFill>
+                  </a:tcPr>
+                </a:tc>
+                <a:extLst>
+                  <a:ext uri="{0D108BD9-81ED-4DB2-BD59-A6C34878D82A}">
+                    <a16:rowId xmlns:a16="http://schemas.microsoft.com/office/drawing/2014/main" val="485329945"/>
+                  </a:ext>
+                </a:extLst>
+              </a:tr>
+            </a:tbl>
+          </a:graphicData>
+        </a:graphic>
+      </p:graphicFrame>
+    </p:spTree>
+    <p:extLst>
+      <p:ext uri="{BB962C8B-B14F-4D97-AF65-F5344CB8AC3E}">
+        <p14:creationId xmlns:p14="http://schemas.microsoft.com/office/powerpoint/2010/main" val="2330177780"/>
+      </p:ext>
+    </p:extLst>
+  </p:cSld>
+  <p:clrMapOvr>
+    <a:masterClrMapping/>
+  </p:clrMapOvr>
+  <p:timing>
+    <p:tnLst>
+      <p:par>
+        <p:cTn id="1" dur="indefinite" restart="never" nodeType="tmRoot"/>
+      </p:par>
+    </p:tnLst>
+  </p:timing>
+</p:sld>
+</file>
+
+<file path=ppt/slides/slide21.xml><?xml version="1.0" encoding="utf-8"?>
 <p:sld xmlns:a="http://schemas.openxmlformats.org/drawingml/2006/main" xmlns:r="http://schemas.openxmlformats.org/officeDocument/2006/relationships" xmlns:p="http://schemas.openxmlformats.org/presentationml/2006/main">
   <p:cSld>
     <p:spTree>
@@ -17166,10 +18189,17 @@
   <p:clrMapOvr>
     <a:masterClrMapping/>
   </p:clrMapOvr>
+  <p:timing>
+    <p:tnLst>
+      <p:par>
+        <p:cTn id="1" dur="indefinite" restart="never" nodeType="tmRoot"/>
+      </p:par>
+    </p:tnLst>
+  </p:timing>
 </p:sld>
 </file>
 
-<file path=ppt/slides/slide21.xml><?xml version="1.0" encoding="utf-8"?>
+<file path=ppt/slides/slide22.xml><?xml version="1.0" encoding="utf-8"?>
 <p:sld xmlns:a="http://schemas.openxmlformats.org/drawingml/2006/main" xmlns:r="http://schemas.openxmlformats.org/officeDocument/2006/relationships" xmlns:p="http://schemas.openxmlformats.org/presentationml/2006/main">
   <p:cSld>
     <p:spTree>
@@ -17262,102 +18292,13 @@
   <p:clrMapOvr>
     <a:masterClrMapping/>
   </p:clrMapOvr>
-</p:sld>
-</file>
-
-<file path=ppt/slides/slide22.xml><?xml version="1.0" encoding="utf-8"?>
-<p:sld xmlns:a="http://schemas.openxmlformats.org/drawingml/2006/main" xmlns:r="http://schemas.openxmlformats.org/officeDocument/2006/relationships" xmlns:p="http://schemas.openxmlformats.org/presentationml/2006/main">
-  <p:cSld>
-    <p:spTree>
-      <p:nvGrpSpPr>
-        <p:cNvPr id="1" name=""/>
-        <p:cNvGrpSpPr/>
-        <p:nvPr/>
-      </p:nvGrpSpPr>
-      <p:grpSpPr>
-        <a:xfrm>
-          <a:off x="0" y="0"/>
-          <a:ext cx="0" cy="0"/>
-          <a:chOff x="0" y="0"/>
-          <a:chExt cx="0" cy="0"/>
-        </a:xfrm>
-      </p:grpSpPr>
-      <p:sp>
-        <p:nvSpPr>
-          <p:cNvPr id="2" name="標題 1">
-            <a:extLst>
-              <a:ext uri="{FF2B5EF4-FFF2-40B4-BE49-F238E27FC236}">
-                <a16:creationId xmlns:a16="http://schemas.microsoft.com/office/drawing/2014/main" id="{9863A037-346C-46ED-874C-6E5E22A48CD6}"/>
-              </a:ext>
-            </a:extLst>
-          </p:cNvPr>
-          <p:cNvSpPr>
-            <a:spLocks noGrp="1"/>
-          </p:cNvSpPr>
-          <p:nvPr>
-            <p:ph type="title"/>
-          </p:nvPr>
-        </p:nvSpPr>
-        <p:spPr/>
-        <p:txBody>
-          <a:bodyPr/>
-          <a:lstStyle/>
-          <a:p>
-            <a:r>
-              <a:rPr lang="en-US" altLang="zh-TW" dirty="0">
-                <a:solidFill>
-                  <a:srgbClr val="14365D"/>
-                </a:solidFill>
-              </a:rPr>
-              <a:t>Case study - Manufacturing data</a:t>
-            </a:r>
-            <a:endParaRPr lang="zh-TW" altLang="en-US" dirty="0">
-              <a:solidFill>
-                <a:srgbClr val="14365D"/>
-              </a:solidFill>
-            </a:endParaRPr>
-          </a:p>
-        </p:txBody>
-      </p:sp>
-      <p:sp>
-        <p:nvSpPr>
-          <p:cNvPr id="3" name="頁尾版面配置區 2">
-            <a:extLst>
-              <a:ext uri="{FF2B5EF4-FFF2-40B4-BE49-F238E27FC236}">
-                <a16:creationId xmlns:a16="http://schemas.microsoft.com/office/drawing/2014/main" id="{D8F09910-4CFC-4061-91E6-11C907D0C3E7}"/>
-              </a:ext>
-            </a:extLst>
-          </p:cNvPr>
-          <p:cNvSpPr>
-            <a:spLocks noGrp="1"/>
-          </p:cNvSpPr>
-          <p:nvPr>
-            <p:ph type="ftr" sz="quarter" idx="11"/>
-          </p:nvPr>
-        </p:nvSpPr>
-        <p:spPr/>
-        <p:txBody>
-          <a:bodyPr/>
-          <a:lstStyle/>
-          <a:p>
-            <a:r>
-              <a:rPr lang="en-US" altLang="zh-TW"/>
-              <a:t>Institute of Industrial Engineering, NTU | Laboratory of Analytics on Knowledge Engineering | Terry Yang | 2022</a:t>
-            </a:r>
-            <a:endParaRPr lang="en-US" altLang="zh-TW" dirty="0"/>
-          </a:p>
-        </p:txBody>
-      </p:sp>
-    </p:spTree>
-    <p:extLst>
-      <p:ext uri="{BB962C8B-B14F-4D97-AF65-F5344CB8AC3E}">
-        <p14:creationId xmlns:p14="http://schemas.microsoft.com/office/powerpoint/2010/main" val="3356235543"/>
-      </p:ext>
-    </p:extLst>
-  </p:cSld>
-  <p:clrMapOvr>
-    <a:masterClrMapping/>
-  </p:clrMapOvr>
+  <p:timing>
+    <p:tnLst>
+      <p:par>
+        <p:cTn id="1" dur="indefinite" restart="never" nodeType="tmRoot"/>
+      </p:par>
+    </p:tnLst>
+  </p:timing>
 </p:sld>
 </file>
 
@@ -17454,10 +18395,434 @@
   <p:clrMapOvr>
     <a:masterClrMapping/>
   </p:clrMapOvr>
+  <p:timing>
+    <p:tnLst>
+      <p:par>
+        <p:cTn id="1" dur="indefinite" restart="never" nodeType="tmRoot"/>
+      </p:par>
+    </p:tnLst>
+  </p:timing>
 </p:sld>
 </file>
 
 <file path=ppt/slides/slide24.xml><?xml version="1.0" encoding="utf-8"?>
+<p:sld xmlns:a="http://schemas.openxmlformats.org/drawingml/2006/main" xmlns:r="http://schemas.openxmlformats.org/officeDocument/2006/relationships" xmlns:p="http://schemas.openxmlformats.org/presentationml/2006/main">
+  <p:cSld>
+    <p:spTree>
+      <p:nvGrpSpPr>
+        <p:cNvPr id="1" name=""/>
+        <p:cNvGrpSpPr/>
+        <p:nvPr/>
+      </p:nvGrpSpPr>
+      <p:grpSpPr>
+        <a:xfrm>
+          <a:off x="0" y="0"/>
+          <a:ext cx="0" cy="0"/>
+          <a:chOff x="0" y="0"/>
+          <a:chExt cx="0" cy="0"/>
+        </a:xfrm>
+      </p:grpSpPr>
+      <p:sp>
+        <p:nvSpPr>
+          <p:cNvPr id="2" name="標題 1">
+            <a:extLst>
+              <a:ext uri="{FF2B5EF4-FFF2-40B4-BE49-F238E27FC236}">
+                <a16:creationId xmlns:a16="http://schemas.microsoft.com/office/drawing/2014/main" id="{9863A037-346C-46ED-874C-6E5E22A48CD6}"/>
+              </a:ext>
+            </a:extLst>
+          </p:cNvPr>
+          <p:cNvSpPr>
+            <a:spLocks noGrp="1"/>
+          </p:cNvSpPr>
+          <p:nvPr>
+            <p:ph type="title"/>
+          </p:nvPr>
+        </p:nvSpPr>
+        <p:spPr/>
+        <p:txBody>
+          <a:bodyPr/>
+          <a:lstStyle/>
+          <a:p>
+            <a:r>
+              <a:rPr lang="en-US" altLang="zh-TW" dirty="0">
+                <a:solidFill>
+                  <a:srgbClr val="14365D"/>
+                </a:solidFill>
+              </a:rPr>
+              <a:t>Case study - Manufacturing data</a:t>
+            </a:r>
+            <a:endParaRPr lang="zh-TW" altLang="en-US" dirty="0">
+              <a:solidFill>
+                <a:srgbClr val="14365D"/>
+              </a:solidFill>
+            </a:endParaRPr>
+          </a:p>
+        </p:txBody>
+      </p:sp>
+      <p:sp>
+        <p:nvSpPr>
+          <p:cNvPr id="3" name="頁尾版面配置區 2">
+            <a:extLst>
+              <a:ext uri="{FF2B5EF4-FFF2-40B4-BE49-F238E27FC236}">
+                <a16:creationId xmlns:a16="http://schemas.microsoft.com/office/drawing/2014/main" id="{D8F09910-4CFC-4061-91E6-11C907D0C3E7}"/>
+              </a:ext>
+            </a:extLst>
+          </p:cNvPr>
+          <p:cNvSpPr>
+            <a:spLocks noGrp="1"/>
+          </p:cNvSpPr>
+          <p:nvPr>
+            <p:ph type="ftr" sz="quarter" idx="11"/>
+          </p:nvPr>
+        </p:nvSpPr>
+        <p:spPr/>
+        <p:txBody>
+          <a:bodyPr/>
+          <a:lstStyle/>
+          <a:p>
+            <a:r>
+              <a:rPr lang="en-US" altLang="zh-TW"/>
+              <a:t>Institute of Industrial Engineering, NTU | Laboratory of Analytics on Knowledge Engineering | Terry Yang | 2022</a:t>
+            </a:r>
+            <a:endParaRPr lang="en-US" altLang="zh-TW" dirty="0"/>
+          </a:p>
+        </p:txBody>
+      </p:sp>
+    </p:spTree>
+    <p:extLst>
+      <p:ext uri="{BB962C8B-B14F-4D97-AF65-F5344CB8AC3E}">
+        <p14:creationId xmlns:p14="http://schemas.microsoft.com/office/powerpoint/2010/main" val="3356235543"/>
+      </p:ext>
+    </p:extLst>
+  </p:cSld>
+  <p:clrMapOvr>
+    <a:masterClrMapping/>
+  </p:clrMapOvr>
+  <p:timing>
+    <p:tnLst>
+      <p:par>
+        <p:cTn id="1" dur="indefinite" restart="never" nodeType="tmRoot"/>
+      </p:par>
+    </p:tnLst>
+  </p:timing>
+</p:sld>
+</file>
+
+<file path=ppt/slides/slide25.xml><?xml version="1.0" encoding="utf-8"?>
+<p:sld xmlns:a="http://schemas.openxmlformats.org/drawingml/2006/main" xmlns:r="http://schemas.openxmlformats.org/officeDocument/2006/relationships" xmlns:p="http://schemas.openxmlformats.org/presentationml/2006/main">
+  <p:cSld>
+    <p:spTree>
+      <p:nvGrpSpPr>
+        <p:cNvPr id="1" name=""/>
+        <p:cNvGrpSpPr/>
+        <p:nvPr/>
+      </p:nvGrpSpPr>
+      <p:grpSpPr>
+        <a:xfrm>
+          <a:off x="0" y="0"/>
+          <a:ext cx="0" cy="0"/>
+          <a:chOff x="0" y="0"/>
+          <a:chExt cx="0" cy="0"/>
+        </a:xfrm>
+      </p:grpSpPr>
+      <p:sp>
+        <p:nvSpPr>
+          <p:cNvPr id="2" name="標題 1">
+            <a:extLst>
+              <a:ext uri="{FF2B5EF4-FFF2-40B4-BE49-F238E27FC236}">
+                <a16:creationId xmlns:a16="http://schemas.microsoft.com/office/drawing/2014/main" id="{9863A037-346C-46ED-874C-6E5E22A48CD6}"/>
+              </a:ext>
+            </a:extLst>
+          </p:cNvPr>
+          <p:cNvSpPr>
+            <a:spLocks noGrp="1"/>
+          </p:cNvSpPr>
+          <p:nvPr>
+            <p:ph type="title"/>
+          </p:nvPr>
+        </p:nvSpPr>
+        <p:spPr/>
+        <p:txBody>
+          <a:bodyPr/>
+          <a:lstStyle/>
+          <a:p>
+            <a:r>
+              <a:rPr lang="en-US" altLang="zh-TW" dirty="0" smtClean="0">
+                <a:solidFill>
+                  <a:srgbClr val="14365D"/>
+                </a:solidFill>
+              </a:rPr>
+              <a:t>Conclusion &amp; Future work</a:t>
+            </a:r>
+            <a:endParaRPr lang="en-US" altLang="zh-TW" dirty="0">
+              <a:solidFill>
+                <a:srgbClr val="14365D"/>
+              </a:solidFill>
+            </a:endParaRPr>
+          </a:p>
+        </p:txBody>
+      </p:sp>
+      <p:sp>
+        <p:nvSpPr>
+          <p:cNvPr id="3" name="頁尾版面配置區 2">
+            <a:extLst>
+              <a:ext uri="{FF2B5EF4-FFF2-40B4-BE49-F238E27FC236}">
+                <a16:creationId xmlns:a16="http://schemas.microsoft.com/office/drawing/2014/main" id="{D8F09910-4CFC-4061-91E6-11C907D0C3E7}"/>
+              </a:ext>
+            </a:extLst>
+          </p:cNvPr>
+          <p:cNvSpPr>
+            <a:spLocks noGrp="1"/>
+          </p:cNvSpPr>
+          <p:nvPr>
+            <p:ph type="ftr" sz="quarter" idx="11"/>
+          </p:nvPr>
+        </p:nvSpPr>
+        <p:spPr/>
+        <p:txBody>
+          <a:bodyPr/>
+          <a:lstStyle/>
+          <a:p>
+            <a:r>
+              <a:rPr lang="en-US" altLang="zh-TW"/>
+              <a:t>Institute of Industrial Engineering, NTU | Laboratory of Analytics on Knowledge Engineering | Terry Yang | 2022</a:t>
+            </a:r>
+            <a:endParaRPr lang="en-US" altLang="zh-TW" dirty="0"/>
+          </a:p>
+        </p:txBody>
+      </p:sp>
+      <p:sp>
+        <p:nvSpPr>
+          <p:cNvPr id="4" name="TextBox 5">
+            <a:extLst>
+              <a:ext uri="{FF2B5EF4-FFF2-40B4-BE49-F238E27FC236}">
+                <a16:creationId xmlns:a16="http://schemas.microsoft.com/office/drawing/2014/main" id="{629759BC-6565-4788-B4E5-2922DC4F8011}"/>
+              </a:ext>
+            </a:extLst>
+          </p:cNvPr>
+          <p:cNvSpPr txBox="1"/>
+          <p:nvPr/>
+        </p:nvSpPr>
+        <p:spPr>
+          <a:xfrm>
+            <a:off x="838200" y="1690688"/>
+            <a:ext cx="7985760" cy="4360168"/>
+          </a:xfrm>
+          <a:prstGeom prst="rect">
+            <a:avLst/>
+          </a:prstGeom>
+        </p:spPr>
+        <p:txBody>
+          <a:bodyPr wrap="square" lIns="0" tIns="0" rIns="0" bIns="0" rtlCol="0" anchor="t">
+            <a:spAutoFit/>
+          </a:bodyPr>
+          <a:lstStyle/>
+          <a:p>
+            <a:pPr indent="457200">
+              <a:lnSpc>
+                <a:spcPts val="3359"/>
+              </a:lnSpc>
+            </a:pPr>
+            <a:r>
+              <a:rPr lang="en-US" altLang="zh-TW" dirty="0" smtClean="0">
+                <a:solidFill>
+                  <a:srgbClr val="000000"/>
+                </a:solidFill>
+                <a:latin typeface="Nunito Light"/>
+              </a:rPr>
+              <a:t>In </a:t>
+            </a:r>
+            <a:r>
+              <a:rPr lang="en-US" altLang="zh-TW" dirty="0" smtClean="0">
+                <a:solidFill>
+                  <a:srgbClr val="000000"/>
+                </a:solidFill>
+                <a:latin typeface="Nunito Light"/>
+              </a:rPr>
+              <a:t>this research</a:t>
+            </a:r>
+            <a:r>
+              <a:rPr lang="en-US" altLang="zh-TW" dirty="0" smtClean="0">
+                <a:solidFill>
+                  <a:srgbClr val="000000"/>
+                </a:solidFill>
+                <a:latin typeface="Nunito Light"/>
+              </a:rPr>
+              <a:t>, </a:t>
+            </a:r>
+            <a:r>
+              <a:rPr lang="en-US" altLang="zh-TW" dirty="0">
+                <a:solidFill>
+                  <a:srgbClr val="000000"/>
+                </a:solidFill>
+                <a:latin typeface="Nunito Light"/>
+              </a:rPr>
+              <a:t>we </a:t>
+            </a:r>
+            <a:r>
+              <a:rPr lang="en-US" altLang="zh-TW" dirty="0" smtClean="0">
+                <a:solidFill>
+                  <a:srgbClr val="000000"/>
+                </a:solidFill>
+                <a:latin typeface="Nunito Light"/>
+              </a:rPr>
+              <a:t>develop a method to encode binary feature data into numerical data, which can compress the binary features information to reduce dimension while remaining a certain level in ML model classification performance.</a:t>
+            </a:r>
+          </a:p>
+          <a:p>
+            <a:pPr indent="457200">
+              <a:lnSpc>
+                <a:spcPts val="3359"/>
+              </a:lnSpc>
+            </a:pPr>
+            <a:r>
+              <a:rPr lang="en-US" altLang="zh-TW" dirty="0" smtClean="0">
+                <a:solidFill>
+                  <a:srgbClr val="000000"/>
+                </a:solidFill>
+                <a:latin typeface="Nunito Light"/>
+              </a:rPr>
+              <a:t>More over, </a:t>
+            </a:r>
+            <a:r>
+              <a:rPr lang="en-US" altLang="zh-TW" dirty="0">
+                <a:solidFill>
+                  <a:srgbClr val="000000"/>
+                </a:solidFill>
+                <a:latin typeface="Nunito Light"/>
+              </a:rPr>
+              <a:t>a</a:t>
+            </a:r>
+            <a:r>
+              <a:rPr lang="en-US" altLang="zh-TW" dirty="0" smtClean="0">
+                <a:solidFill>
+                  <a:srgbClr val="000000"/>
+                </a:solidFill>
+                <a:latin typeface="Nunito Light"/>
+              </a:rPr>
+              <a:t>fter the experiments though multiple kinds of datasets, few interesting things was discovered</a:t>
+            </a:r>
+            <a:endParaRPr lang="en-US" altLang="zh-TW" dirty="0">
+              <a:solidFill>
+                <a:srgbClr val="000000"/>
+              </a:solidFill>
+              <a:latin typeface="Nunito Light"/>
+            </a:endParaRPr>
+          </a:p>
+          <a:p>
+            <a:pPr marL="342900" indent="-342900">
+              <a:lnSpc>
+                <a:spcPts val="3359"/>
+              </a:lnSpc>
+              <a:buFont typeface="+mj-lt"/>
+              <a:buAutoNum type="arabicPeriod"/>
+            </a:pPr>
+            <a:r>
+              <a:rPr lang="en-US" altLang="zh-TW" dirty="0" smtClean="0">
+                <a:solidFill>
+                  <a:srgbClr val="000000"/>
+                </a:solidFill>
+                <a:latin typeface="Nunito Light"/>
+              </a:rPr>
+              <a:t>Default group form the </a:t>
+            </a:r>
+            <a:r>
+              <a:rPr lang="en-US" altLang="zh-TW" dirty="0">
+                <a:solidFill>
+                  <a:srgbClr val="000000"/>
+                </a:solidFill>
+                <a:latin typeface="Nunito Light"/>
+              </a:rPr>
+              <a:t>categorical data </a:t>
+            </a:r>
+            <a:r>
+              <a:rPr lang="en-US" altLang="zh-TW" dirty="0" smtClean="0">
+                <a:solidFill>
+                  <a:srgbClr val="000000"/>
+                </a:solidFill>
+                <a:latin typeface="Nunito Light"/>
+              </a:rPr>
+              <a:t>often </a:t>
+            </a:r>
+            <a:r>
+              <a:rPr lang="en-US" altLang="zh-TW" dirty="0">
+                <a:solidFill>
+                  <a:srgbClr val="000000"/>
+                </a:solidFill>
+                <a:latin typeface="Nunito Light"/>
+              </a:rPr>
+              <a:t>perform better </a:t>
+            </a:r>
+            <a:r>
+              <a:rPr lang="en-US" altLang="zh-TW" dirty="0" smtClean="0">
+                <a:solidFill>
+                  <a:srgbClr val="000000"/>
+                </a:solidFill>
+                <a:latin typeface="Nunito Light"/>
+              </a:rPr>
+              <a:t>than other feature selected group.</a:t>
+            </a:r>
+            <a:endParaRPr lang="en-US" altLang="zh-TW" dirty="0">
+              <a:solidFill>
+                <a:srgbClr val="000000"/>
+              </a:solidFill>
+              <a:latin typeface="Nunito Light"/>
+            </a:endParaRPr>
+          </a:p>
+          <a:p>
+            <a:pPr marL="342900" indent="-342900">
+              <a:lnSpc>
+                <a:spcPts val="3359"/>
+              </a:lnSpc>
+              <a:buFont typeface="+mj-lt"/>
+              <a:buAutoNum type="arabicPeriod"/>
+            </a:pPr>
+            <a:r>
+              <a:rPr lang="en-US" altLang="zh-TW" dirty="0" smtClean="0">
+                <a:solidFill>
+                  <a:srgbClr val="000000"/>
+                </a:solidFill>
+                <a:latin typeface="Nunito Light"/>
+              </a:rPr>
+              <a:t>Sequencing grouped features effects on ML model performance.</a:t>
+            </a:r>
+          </a:p>
+          <a:p>
+            <a:pPr indent="457200">
+              <a:lnSpc>
+                <a:spcPts val="3359"/>
+              </a:lnSpc>
+            </a:pPr>
+            <a:endParaRPr lang="en-US" altLang="zh-TW" dirty="0">
+              <a:solidFill>
+                <a:srgbClr val="000000"/>
+              </a:solidFill>
+              <a:latin typeface="Nunito Light"/>
+            </a:endParaRPr>
+          </a:p>
+        </p:txBody>
+      </p:sp>
+    </p:spTree>
+    <p:extLst>
+      <p:ext uri="{BB962C8B-B14F-4D97-AF65-F5344CB8AC3E}">
+        <p14:creationId xmlns:p14="http://schemas.microsoft.com/office/powerpoint/2010/main" val="2359880467"/>
+      </p:ext>
+    </p:extLst>
+  </p:cSld>
+  <p:clrMapOvr>
+    <a:masterClrMapping/>
+  </p:clrMapOvr>
+  <p:timing>
+    <p:tnLst>
+      <p:par>
+        <p:cTn id="1" dur="indefinite" restart="never" nodeType="tmRoot"/>
+      </p:par>
+    </p:tnLst>
+  </p:timing>
+</p:sld>
+</file>
+
+<file path=ppt/slides/slide26.xml><?xml version="1.0" encoding="utf-8"?>
 <p:sld xmlns:a="http://schemas.openxmlformats.org/drawingml/2006/main" xmlns:r="http://schemas.openxmlformats.org/officeDocument/2006/relationships" xmlns:p="http://schemas.openxmlformats.org/presentationml/2006/main">
   <p:cSld>
     <p:spTree>
@@ -19187,7 +20552,7 @@
                 <a14:useLocalDpi xmlns:a14="http://schemas.microsoft.com/office/drawing/2010/main" val="0"/>
               </a:ext>
               <a:ext uri="{96DAC541-7B7A-43D3-8B79-37D633B846F1}">
-                <asvg:svgBlip xmlns:asvg="http://schemas.microsoft.com/office/drawing/2016/SVG/main" r:embed="rId3"/>
+                <asvg:svgBlip xmlns:asvg="http://schemas.microsoft.com/office/drawing/2016/SVG/main" xmlns="" r:embed="rId3"/>
               </a:ext>
             </a:extLst>
           </a:blip>
@@ -19221,13 +20586,13 @@
           <p:nvPr/>
         </p:nvPicPr>
         <p:blipFill>
-          <a:blip r:embed="rId4" cstate="print">
+          <a:blip r:embed="rId4" cstate="hqprint">
             <a:extLst>
               <a:ext uri="{28A0092B-C50C-407E-A947-70E740481C1C}">
                 <a14:useLocalDpi xmlns:a14="http://schemas.microsoft.com/office/drawing/2010/main" val="0"/>
               </a:ext>
               <a:ext uri="{96DAC541-7B7A-43D3-8B79-37D633B846F1}">
-                <asvg:svgBlip xmlns:asvg="http://schemas.microsoft.com/office/drawing/2016/SVG/main" r:embed="rId5"/>
+                <asvg:svgBlip xmlns:asvg="http://schemas.microsoft.com/office/drawing/2016/SVG/main" xmlns="" r:embed="rId5"/>
               </a:ext>
             </a:extLst>
           </a:blip>
@@ -19261,13 +20626,13 @@
           <p:nvPr/>
         </p:nvPicPr>
         <p:blipFill>
-          <a:blip r:embed="rId6" cstate="print">
+          <a:blip r:embed="rId6" cstate="hqprint">
             <a:extLst>
               <a:ext uri="{28A0092B-C50C-407E-A947-70E740481C1C}">
                 <a14:useLocalDpi xmlns:a14="http://schemas.microsoft.com/office/drawing/2010/main" val="0"/>
               </a:ext>
               <a:ext uri="{96DAC541-7B7A-43D3-8B79-37D633B846F1}">
-                <asvg:svgBlip xmlns:asvg="http://schemas.microsoft.com/office/drawing/2016/SVG/main" r:embed="rId7"/>
+                <asvg:svgBlip xmlns:asvg="http://schemas.microsoft.com/office/drawing/2016/SVG/main" xmlns="" r:embed="rId7"/>
               </a:ext>
             </a:extLst>
           </a:blip>
@@ -19608,6 +20973,13 @@
   <p:clrMapOvr>
     <a:masterClrMapping/>
   </p:clrMapOvr>
+  <p:timing>
+    <p:tnLst>
+      <p:par>
+        <p:cTn id="1" dur="indefinite" restart="never" nodeType="tmRoot"/>
+      </p:par>
+    </p:tnLst>
+  </p:timing>
 </p:sld>
 </file>
 
@@ -19851,6 +21223,13 @@
   <p:clrMapOvr>
     <a:masterClrMapping/>
   </p:clrMapOvr>
+  <p:timing>
+    <p:tnLst>
+      <p:par>
+        <p:cTn id="1" dur="indefinite" restart="never" nodeType="tmRoot"/>
+      </p:par>
+    </p:tnLst>
+  </p:timing>
 </p:sld>
 </file>
 
@@ -23856,6 +25235,13 @@
   <p:clrMapOvr>
     <a:masterClrMapping/>
   </p:clrMapOvr>
+  <p:timing>
+    <p:tnLst>
+      <p:par>
+        <p:cTn id="1" dur="indefinite" restart="never" nodeType="tmRoot"/>
+      </p:par>
+    </p:tnLst>
+  </p:timing>
 </p:sld>
 </file>
 
@@ -23964,7 +25350,7 @@
         <p:spPr>
           <a:xfrm>
             <a:off x="1080000" y="2207232"/>
-            <a:ext cx="4673100" cy="3884397"/>
+            <a:ext cx="5016000" cy="3924151"/>
           </a:xfrm>
           <a:prstGeom prst="rect">
             <a:avLst/>
@@ -24097,6 +25483,13 @@
   <p:clrMapOvr>
     <a:masterClrMapping/>
   </p:clrMapOvr>
+  <p:timing>
+    <p:tnLst>
+      <p:par>
+        <p:cTn id="1" dur="indefinite" restart="never" nodeType="tmRoot"/>
+      </p:par>
+    </p:tnLst>
+  </p:timing>
 </p:sld>
 </file>
 
@@ -24369,7 +25762,7 @@
           <p:nvPr/>
         </p:nvPicPr>
         <p:blipFill>
-          <a:blip r:embed="rId2">
+          <a:blip r:embed="rId2" cstate="hqprint">
             <a:extLst>
               <a:ext uri="{28A0092B-C50C-407E-A947-70E740481C1C}">
                 <a14:useLocalDpi xmlns:a14="http://schemas.microsoft.com/office/drawing/2010/main" val="0"/>
@@ -24405,7 +25798,7 @@
           <p:nvPr/>
         </p:nvPicPr>
         <p:blipFill>
-          <a:blip r:embed="rId3">
+          <a:blip r:embed="rId3" cstate="hqprint">
             <a:extLst>
               <a:ext uri="{28A0092B-C50C-407E-A947-70E740481C1C}">
                 <a14:useLocalDpi xmlns:a14="http://schemas.microsoft.com/office/drawing/2010/main" val="0"/>
@@ -24563,6 +25956,13 @@
   <p:clrMapOvr>
     <a:masterClrMapping/>
   </p:clrMapOvr>
+  <p:timing>
+    <p:tnLst>
+      <p:par>
+        <p:cTn id="1" dur="indefinite" restart="never" nodeType="tmRoot"/>
+      </p:par>
+    </p:tnLst>
+  </p:timing>
 </p:sld>
 </file>
 
@@ -24645,8 +26045,8 @@
           </a:p>
         </p:txBody>
       </p:sp>
-      <mc:AlternateContent xmlns:mc="http://schemas.openxmlformats.org/markup-compatibility/2006">
-        <mc:Choice xmlns:a14="http://schemas.microsoft.com/office/drawing/2010/main" Requires="a14">
+      <mc:AlternateContent xmlns:mc="http://schemas.openxmlformats.org/markup-compatibility/2006" xmlns:a14="http://schemas.microsoft.com/office/drawing/2010/main">
+        <mc:Choice Requires="a14">
           <p:sp>
             <p:nvSpPr>
               <p:cNvPr id="7" name="TextBox 5">
@@ -24795,7 +26195,7 @@
             </p:txBody>
           </p:sp>
         </mc:Choice>
-        <mc:Fallback>
+        <mc:Fallback xmlns="">
           <p:sp>
             <p:nvSpPr>
               <p:cNvPr id="7" name="TextBox 5">
@@ -24840,8 +26240,8 @@
           </p:sp>
         </mc:Fallback>
       </mc:AlternateContent>
-      <mc:AlternateContent xmlns:mc="http://schemas.openxmlformats.org/markup-compatibility/2006">
-        <mc:Choice xmlns:a14="http://schemas.microsoft.com/office/drawing/2010/main" Requires="a14">
+      <mc:AlternateContent xmlns:mc="http://schemas.openxmlformats.org/markup-compatibility/2006" xmlns:a14="http://schemas.microsoft.com/office/drawing/2010/main">
+        <mc:Choice Requires="a14">
           <p:graphicFrame>
             <p:nvGraphicFramePr>
               <p:cNvPr id="4" name="表格 3">
@@ -26462,7 +27862,7 @@
             </a:graphic>
           </p:graphicFrame>
         </mc:Choice>
-        <mc:Fallback>
+        <mc:Fallback xmlns="">
           <p:graphicFrame>
             <p:nvGraphicFramePr>
               <p:cNvPr id="4" name="表格 3">
@@ -27225,8 +28625,8 @@
           </p:graphicFrame>
         </mc:Fallback>
       </mc:AlternateContent>
-      <mc:AlternateContent xmlns:mc="http://schemas.openxmlformats.org/markup-compatibility/2006">
-        <mc:Choice xmlns:a14="http://schemas.microsoft.com/office/drawing/2010/main" Requires="a14">
+      <mc:AlternateContent xmlns:mc="http://schemas.openxmlformats.org/markup-compatibility/2006" xmlns:a14="http://schemas.microsoft.com/office/drawing/2010/main">
+        <mc:Choice Requires="a14">
           <p:graphicFrame>
             <p:nvGraphicFramePr>
               <p:cNvPr id="12" name="表格 11">
@@ -27602,7 +29002,7 @@
             </a:graphic>
           </p:graphicFrame>
         </mc:Choice>
-        <mc:Fallback>
+        <mc:Fallback xmlns="">
           <p:graphicFrame>
             <p:nvGraphicFramePr>
               <p:cNvPr id="12" name="表格 11">
@@ -27825,6 +29225,13 @@
   <p:clrMapOvr>
     <a:masterClrMapping/>
   </p:clrMapOvr>
+  <p:timing>
+    <p:tnLst>
+      <p:par>
+        <p:cTn id="1" dur="indefinite" restart="never" nodeType="tmRoot"/>
+      </p:par>
+    </p:tnLst>
+  </p:timing>
 </p:sld>
 </file>
 
@@ -30343,6 +31750,13 @@
   <p:clrMapOvr>
     <a:masterClrMapping/>
   </p:clrMapOvr>
+  <p:timing>
+    <p:tnLst>
+      <p:par>
+        <p:cTn id="1" dur="indefinite" restart="never" nodeType="tmRoot"/>
+      </p:par>
+    </p:tnLst>
+  </p:timing>
 </p:sld>
 </file>
 
